--- a/presentations/digital-hour-cloud-automation.pptx
+++ b/presentations/digital-hour-cloud-automation.pptx
@@ -218,7 +218,7 @@
           <a:p>
             <a:fld id="{C432A8CA-5653-4CB8-AEEB-44430BC38506}" type="datetimeFigureOut">
               <a:rPr lang="en-CA" smtClean="0"/>
-              <a:t>2019-10-16</a:t>
+              <a:t>2019-10-17</a:t>
             </a:fld>
             <a:endParaRPr lang="en-CA"/>
           </a:p>
@@ -383,7 +383,7 @@
           <a:p>
             <a:fld id="{F54FB522-10CE-4B3C-92A1-9B8FCA0AFF13}" type="datetimeFigureOut">
               <a:rPr lang="en-CA" smtClean="0"/>
-              <a:t>2019-10-16</a:t>
+              <a:t>2019-10-17</a:t>
             </a:fld>
             <a:endParaRPr lang="en-CA"/>
           </a:p>
@@ -4088,7 +4088,7 @@
     <p:bg>
       <p:bgPr>
         <a:blipFill dpi="0" rotWithShape="1">
-          <a:blip r:embed="rId2">
+          <a:blip r:embed="rId3">
             <a:lum/>
           </a:blip>
           <a:srcRect/>
@@ -4115,14 +4115,14 @@
       </p:grpSpPr>
       <p:pic>
         <p:nvPicPr>
-          <p:cNvPr id="2" name="__EngageSlideDescription__" descr="slide description : Cloud section."/>
+          <p:cNvPr id="2" name="__EngageSlideDescription__" descr="slide description : DevOps section."/>
           <p:cNvPicPr>
             <a:picLocks/>
           </p:cNvPicPr>
           <p:nvPr/>
         </p:nvPicPr>
         <p:blipFill>
-          <a:blip r:embed="rId3"/>
+          <a:blip r:embed="rId4"/>
           <a:stretch>
             <a:fillRect/>
           </a:stretch>
@@ -4142,7 +4142,11 @@
         <p:nvSpPr>
           <p:cNvPr id="6" name="Rectangle 5"/>
           <p:cNvSpPr/>
-          <p:nvPr/>
+          <p:nvPr>
+            <p:custDataLst>
+              <p:tags r:id="rId1"/>
+            </p:custDataLst>
+          </p:nvPr>
         </p:nvSpPr>
         <p:spPr>
           <a:xfrm>
@@ -4196,63 +4200,6 @@
       </p:sp>
       <p:sp>
         <p:nvSpPr>
-          <p:cNvPr id="4" name="Title 1"/>
-          <p:cNvSpPr txBox="1">
-            <a:spLocks/>
-          </p:cNvSpPr>
-          <p:nvPr/>
-        </p:nvSpPr>
-        <p:spPr>
-          <a:xfrm>
-            <a:off x="819058" y="5349483"/>
-            <a:ext cx="3808622" cy="1068249"/>
-          </a:xfrm>
-          <a:prstGeom prst="rect">
-            <a:avLst/>
-          </a:prstGeom>
-          <a:noFill/>
-          <a:effectLst/>
-        </p:spPr>
-        <p:txBody>
-          <a:bodyPr/>
-          <a:lstStyle>
-            <a:lvl1pPr algn="l" defTabSz="914377" rtl="0" eaLnBrk="1" latinLnBrk="0" hangingPunct="1">
-              <a:lnSpc>
-                <a:spcPct val="90000"/>
-              </a:lnSpc>
-              <a:spcBef>
-                <a:spcPct val="0"/>
-              </a:spcBef>
-              <a:buNone/>
-              <a:defRPr sz="2400" b="1" kern="1200">
-                <a:solidFill>
-                  <a:schemeClr val="tx1"/>
-                </a:solidFill>
-                <a:latin typeface="Century Gothic" panose="020B0502020202020204" pitchFamily="34" charset="0"/>
-                <a:ea typeface="+mj-ea"/>
-                <a:cs typeface="+mj-cs"/>
-              </a:defRPr>
-            </a:lvl1pPr>
-          </a:lstStyle>
-          <a:p>
-            <a:r>
-              <a:rPr lang="en-CA" sz="7200" dirty="0" smtClean="0">
-                <a:solidFill>
-                  <a:schemeClr val="bg1"/>
-                </a:solidFill>
-              </a:rPr>
-              <a:t>DevOps</a:t>
-            </a:r>
-            <a:endParaRPr lang="en-CA" sz="7200" dirty="0">
-              <a:solidFill>
-                <a:schemeClr val="bg1"/>
-              </a:solidFill>
-            </a:endParaRPr>
-          </a:p>
-        </p:txBody>
-      </p:sp>
-      <p:sp>
-        <p:nvSpPr>
           <p:cNvPr id="7" name="Oval 6"/>
           <p:cNvSpPr/>
           <p:nvPr/>
@@ -4266,7 +4213,7 @@
             <a:avLst/>
           </a:prstGeom>
           <a:solidFill>
-            <a:srgbClr val="00B050"/>
+            <a:srgbClr val="00883D"/>
           </a:solidFill>
           <a:ln>
             <a:noFill/>
@@ -4305,6 +4252,47 @@
               <a:t>3</a:t>
             </a:r>
             <a:endParaRPr lang="en-CA" b="1" dirty="0"/>
+          </a:p>
+        </p:txBody>
+      </p:sp>
+      <p:sp>
+        <p:nvSpPr>
+          <p:cNvPr id="3" name="Title 2"/>
+          <p:cNvSpPr>
+            <a:spLocks noGrp="1"/>
+          </p:cNvSpPr>
+          <p:nvPr>
+            <p:ph type="title"/>
+          </p:nvPr>
+        </p:nvSpPr>
+        <p:spPr>
+          <a:xfrm>
+            <a:off x="813926" y="5472423"/>
+            <a:ext cx="10036400" cy="1168597"/>
+          </a:xfrm>
+          <a:solidFill>
+            <a:srgbClr val="1E1E1E">
+              <a:alpha val="0"/>
+            </a:srgbClr>
+          </a:solidFill>
+        </p:spPr>
+        <p:txBody>
+          <a:bodyPr/>
+          <a:lstStyle/>
+          <a:p>
+            <a:r>
+              <a:rPr lang="en-CA" sz="7200" dirty="0" smtClean="0">
+                <a:solidFill>
+                  <a:schemeClr val="bg1"/>
+                </a:solidFill>
+              </a:rPr>
+              <a:t>DevOps</a:t>
+            </a:r>
+            <a:endParaRPr lang="en-CA" sz="7200" dirty="0">
+              <a:solidFill>
+                <a:schemeClr val="bg1"/>
+              </a:solidFill>
+            </a:endParaRPr>
           </a:p>
         </p:txBody>
       </p:sp>
@@ -4347,31 +4335,705 @@
       </p:grpSpPr>
       <p:sp>
         <p:nvSpPr>
-          <p:cNvPr id="5" name="Rectangle 4"/>
+          <p:cNvPr id="2" name="Title 1"/>
+          <p:cNvSpPr>
+            <a:spLocks noGrp="1"/>
+          </p:cNvSpPr>
+          <p:nvPr>
+            <p:ph type="title"/>
+          </p:nvPr>
+        </p:nvSpPr>
+        <p:spPr/>
+        <p:txBody>
+          <a:bodyPr/>
+          <a:lstStyle/>
+          <a:p>
+            <a:r>
+              <a:rPr lang="en-CA" dirty="0" smtClean="0"/>
+              <a:t>DevOps</a:t>
+            </a:r>
+            <a:endParaRPr lang="en-CA" dirty="0"/>
+          </a:p>
+        </p:txBody>
+      </p:sp>
+      <p:pic>
+        <p:nvPicPr>
+          <p:cNvPr id="19" name="__EngageSlideDescription__" descr="slide description : DevOps and CI/CD pipeline explanation"/>
+          <p:cNvPicPr>
+            <a:picLocks/>
+          </p:cNvPicPr>
+          <p:nvPr/>
+        </p:nvPicPr>
+        <p:blipFill>
+          <a:blip r:embed="rId3"/>
+          <a:stretch>
+            <a:fillRect/>
+          </a:stretch>
+        </p:blipFill>
+        <p:spPr>
+          <a:xfrm>
+            <a:off x="428400" y="785288"/>
+            <a:ext cx="12700" cy="12700"/>
+          </a:xfrm>
+          <a:prstGeom prst="rect">
+            <a:avLst/>
+          </a:prstGeom>
+          <a:ln/>
+        </p:spPr>
+      </p:pic>
+      <p:grpSp>
+        <p:nvGrpSpPr>
+          <p:cNvPr id="21" name="Group 20" descr="Flow chart showing how a CI/CD pipeline flows.  It starts with Version Control, then Continous Integration, followed by Continuous Delivery and finally Continuous Deployment.  Throughout all stages, there is monitoring and reporting."/>
+          <p:cNvGrpSpPr/>
+          <p:nvPr>
+            <p:custDataLst>
+              <p:tags r:id="rId1"/>
+            </p:custDataLst>
+          </p:nvPr>
+        </p:nvGrpSpPr>
+        <p:grpSpPr>
+          <a:xfrm>
+            <a:off x="814814" y="2829622"/>
+            <a:ext cx="10109524" cy="2492582"/>
+            <a:chOff x="814814" y="2829622"/>
+            <a:chExt cx="10109524" cy="2492582"/>
+          </a:xfrm>
+        </p:grpSpPr>
+        <p:grpSp>
+          <p:nvGrpSpPr>
+            <p:cNvPr id="10" name="Group 9"/>
+            <p:cNvGrpSpPr/>
+            <p:nvPr/>
+          </p:nvGrpSpPr>
+          <p:grpSpPr>
+            <a:xfrm>
+              <a:off x="814814" y="2829622"/>
+              <a:ext cx="10109524" cy="2492582"/>
+              <a:chOff x="814814" y="2829622"/>
+              <a:chExt cx="10109524" cy="2492582"/>
+            </a:xfrm>
+          </p:grpSpPr>
+          <p:sp>
+            <p:nvSpPr>
+              <p:cNvPr id="5" name="Rectangle 4"/>
+              <p:cNvSpPr/>
+              <p:nvPr/>
+            </p:nvSpPr>
+            <p:spPr>
+              <a:xfrm>
+                <a:off x="814814" y="2829624"/>
+                <a:ext cx="1674891" cy="1946496"/>
+              </a:xfrm>
+              <a:prstGeom prst="rect">
+                <a:avLst/>
+              </a:prstGeom>
+              <a:solidFill>
+                <a:srgbClr val="29229A"/>
+              </a:solidFill>
+              <a:ln>
+                <a:noFill/>
+              </a:ln>
+              <a:effectLst>
+                <a:outerShdw blurRad="101600" dist="38100" dir="5400000" algn="t" rotWithShape="0">
+                  <a:prstClr val="black">
+                    <a:alpha val="20000"/>
+                  </a:prstClr>
+                </a:outerShdw>
+              </a:effectLst>
+            </p:spPr>
+            <p:style>
+              <a:lnRef idx="2">
+                <a:schemeClr val="accent1">
+                  <a:shade val="50000"/>
+                </a:schemeClr>
+              </a:lnRef>
+              <a:fillRef idx="1">
+                <a:schemeClr val="accent1"/>
+              </a:fillRef>
+              <a:effectRef idx="0">
+                <a:schemeClr val="accent1"/>
+              </a:effectRef>
+              <a:fontRef idx="minor">
+                <a:schemeClr val="lt1"/>
+              </a:fontRef>
+            </p:style>
+            <p:txBody>
+              <a:bodyPr rtlCol="0" anchor="ctr"/>
+              <a:lstStyle/>
+              <a:p>
+                <a:pPr algn="ctr"/>
+                <a:endParaRPr lang="en-CA" dirty="0"/>
+              </a:p>
+            </p:txBody>
+          </p:sp>
+          <p:sp>
+            <p:nvSpPr>
+              <p:cNvPr id="6" name="Rectangle 5"/>
+              <p:cNvSpPr/>
+              <p:nvPr/>
+            </p:nvSpPr>
+            <p:spPr>
+              <a:xfrm>
+                <a:off x="3592719" y="2829623"/>
+                <a:ext cx="1674891" cy="1946496"/>
+              </a:xfrm>
+              <a:prstGeom prst="rect">
+                <a:avLst/>
+              </a:prstGeom>
+              <a:solidFill>
+                <a:srgbClr val="3D218D"/>
+              </a:solidFill>
+              <a:ln>
+                <a:noFill/>
+              </a:ln>
+              <a:effectLst>
+                <a:outerShdw blurRad="101600" dist="38100" dir="5400000" algn="t" rotWithShape="0">
+                  <a:prstClr val="black">
+                    <a:alpha val="20000"/>
+                  </a:prstClr>
+                </a:outerShdw>
+              </a:effectLst>
+            </p:spPr>
+            <p:style>
+              <a:lnRef idx="2">
+                <a:schemeClr val="accent1">
+                  <a:shade val="50000"/>
+                </a:schemeClr>
+              </a:lnRef>
+              <a:fillRef idx="1">
+                <a:schemeClr val="accent1"/>
+              </a:fillRef>
+              <a:effectRef idx="0">
+                <a:schemeClr val="accent1"/>
+              </a:effectRef>
+              <a:fontRef idx="minor">
+                <a:schemeClr val="lt1"/>
+              </a:fontRef>
+            </p:style>
+            <p:txBody>
+              <a:bodyPr rtlCol="0" anchor="ctr"/>
+              <a:lstStyle/>
+              <a:p>
+                <a:pPr algn="ctr"/>
+                <a:endParaRPr lang="en-CA"/>
+              </a:p>
+            </p:txBody>
+          </p:sp>
+          <p:sp>
+            <p:nvSpPr>
+              <p:cNvPr id="7" name="Rectangle 6"/>
+              <p:cNvSpPr/>
+              <p:nvPr/>
+            </p:nvSpPr>
+            <p:spPr>
+              <a:xfrm>
+                <a:off x="6421083" y="2829622"/>
+                <a:ext cx="1674891" cy="1946496"/>
+              </a:xfrm>
+              <a:prstGeom prst="rect">
+                <a:avLst/>
+              </a:prstGeom>
+              <a:solidFill>
+                <a:srgbClr val="4C2084"/>
+              </a:solidFill>
+              <a:ln>
+                <a:noFill/>
+              </a:ln>
+              <a:effectLst>
+                <a:outerShdw blurRad="101600" dist="38100" dir="5400000" algn="t" rotWithShape="0">
+                  <a:prstClr val="black">
+                    <a:alpha val="20000"/>
+                  </a:prstClr>
+                </a:outerShdw>
+              </a:effectLst>
+            </p:spPr>
+            <p:style>
+              <a:lnRef idx="2">
+                <a:schemeClr val="accent1">
+                  <a:shade val="50000"/>
+                </a:schemeClr>
+              </a:lnRef>
+              <a:fillRef idx="1">
+                <a:schemeClr val="accent1"/>
+              </a:fillRef>
+              <a:effectRef idx="0">
+                <a:schemeClr val="accent1"/>
+              </a:effectRef>
+              <a:fontRef idx="minor">
+                <a:schemeClr val="lt1"/>
+              </a:fontRef>
+            </p:style>
+            <p:txBody>
+              <a:bodyPr rtlCol="0" anchor="ctr"/>
+              <a:lstStyle/>
+              <a:p>
+                <a:pPr algn="ctr"/>
+                <a:endParaRPr lang="en-CA"/>
+              </a:p>
+            </p:txBody>
+          </p:sp>
+          <p:sp>
+            <p:nvSpPr>
+              <p:cNvPr id="8" name="Rectangle 7"/>
+              <p:cNvSpPr/>
+              <p:nvPr/>
+            </p:nvSpPr>
+            <p:spPr>
+              <a:xfrm>
+                <a:off x="9249447" y="2829622"/>
+                <a:ext cx="1674891" cy="1946496"/>
+              </a:xfrm>
+              <a:prstGeom prst="rect">
+                <a:avLst/>
+              </a:prstGeom>
+              <a:solidFill>
+                <a:srgbClr val="601E77"/>
+              </a:solidFill>
+              <a:ln>
+                <a:noFill/>
+              </a:ln>
+              <a:effectLst>
+                <a:outerShdw blurRad="101600" dist="38100" dir="5400000" algn="t" rotWithShape="0">
+                  <a:prstClr val="black">
+                    <a:alpha val="20000"/>
+                  </a:prstClr>
+                </a:outerShdw>
+              </a:effectLst>
+            </p:spPr>
+            <p:style>
+              <a:lnRef idx="2">
+                <a:schemeClr val="accent1">
+                  <a:shade val="50000"/>
+                </a:schemeClr>
+              </a:lnRef>
+              <a:fillRef idx="1">
+                <a:schemeClr val="accent1"/>
+              </a:fillRef>
+              <a:effectRef idx="0">
+                <a:schemeClr val="accent1"/>
+              </a:effectRef>
+              <a:fontRef idx="minor">
+                <a:schemeClr val="lt1"/>
+              </a:fontRef>
+            </p:style>
+            <p:txBody>
+              <a:bodyPr rtlCol="0" anchor="ctr"/>
+              <a:lstStyle/>
+              <a:p>
+                <a:pPr algn="ctr"/>
+                <a:endParaRPr lang="en-CA"/>
+              </a:p>
+            </p:txBody>
+          </p:sp>
+          <p:cxnSp>
+            <p:nvCxnSpPr>
+              <p:cNvPr id="18" name="Straight Arrow Connector 17"/>
+              <p:cNvCxnSpPr/>
+              <p:nvPr/>
+            </p:nvCxnSpPr>
+            <p:spPr>
+              <a:xfrm>
+                <a:off x="1652257" y="5322204"/>
+                <a:ext cx="8551000" cy="0"/>
+              </a:xfrm>
+              <a:prstGeom prst="straightConnector1">
+                <a:avLst/>
+              </a:prstGeom>
+              <a:ln w="63500" cap="rnd">
+                <a:solidFill>
+                  <a:schemeClr val="bg1">
+                    <a:lumMod val="75000"/>
+                  </a:schemeClr>
+                </a:solidFill>
+                <a:prstDash val="sysDot"/>
+                <a:tailEnd type="none"/>
+              </a:ln>
+            </p:spPr>
+            <p:style>
+              <a:lnRef idx="1">
+                <a:schemeClr val="accent1"/>
+              </a:lnRef>
+              <a:fillRef idx="0">
+                <a:schemeClr val="accent1"/>
+              </a:fillRef>
+              <a:effectRef idx="0">
+                <a:schemeClr val="accent1"/>
+              </a:effectRef>
+              <a:fontRef idx="minor">
+                <a:schemeClr val="tx1"/>
+              </a:fontRef>
+            </p:style>
+          </p:cxnSp>
+          <p:cxnSp>
+            <p:nvCxnSpPr>
+              <p:cNvPr id="33" name="Straight Connector 32"/>
+              <p:cNvCxnSpPr/>
+              <p:nvPr/>
+            </p:nvCxnSpPr>
+            <p:spPr>
+              <a:xfrm flipV="1">
+                <a:off x="814814" y="3823143"/>
+                <a:ext cx="10109524" cy="2"/>
+              </a:xfrm>
+              <a:prstGeom prst="line">
+                <a:avLst/>
+              </a:prstGeom>
+              <a:ln w="25400">
+                <a:solidFill>
+                  <a:schemeClr val="bg1">
+                    <a:alpha val="20000"/>
+                  </a:schemeClr>
+                </a:solidFill>
+              </a:ln>
+            </p:spPr>
+            <p:style>
+              <a:lnRef idx="1">
+                <a:schemeClr val="accent1"/>
+              </a:lnRef>
+              <a:fillRef idx="0">
+                <a:schemeClr val="accent1"/>
+              </a:fillRef>
+              <a:effectRef idx="0">
+                <a:schemeClr val="accent1"/>
+              </a:effectRef>
+              <a:fontRef idx="minor">
+                <a:schemeClr val="tx1"/>
+              </a:fontRef>
+            </p:style>
+          </p:cxnSp>
+          <p:cxnSp>
+            <p:nvCxnSpPr>
+              <p:cNvPr id="9" name="Straight Arrow Connector 8"/>
+              <p:cNvCxnSpPr/>
+              <p:nvPr/>
+            </p:nvCxnSpPr>
+            <p:spPr>
+              <a:xfrm>
+                <a:off x="2663717" y="3816158"/>
+                <a:ext cx="758493" cy="0"/>
+              </a:xfrm>
+              <a:prstGeom prst="straightConnector1">
+                <a:avLst/>
+              </a:prstGeom>
+              <a:ln w="63500" cap="rnd">
+                <a:solidFill>
+                  <a:schemeClr val="bg1">
+                    <a:lumMod val="75000"/>
+                  </a:schemeClr>
+                </a:solidFill>
+                <a:prstDash val="sysDot"/>
+                <a:tailEnd type="triangle"/>
+              </a:ln>
+            </p:spPr>
+            <p:style>
+              <a:lnRef idx="1">
+                <a:schemeClr val="accent1"/>
+              </a:lnRef>
+              <a:fillRef idx="0">
+                <a:schemeClr val="accent1"/>
+              </a:fillRef>
+              <a:effectRef idx="0">
+                <a:schemeClr val="accent1"/>
+              </a:effectRef>
+              <a:fontRef idx="minor">
+                <a:schemeClr val="tx1"/>
+              </a:fontRef>
+            </p:style>
+          </p:cxnSp>
+          <p:cxnSp>
+            <p:nvCxnSpPr>
+              <p:cNvPr id="11" name="Straight Arrow Connector 10"/>
+              <p:cNvCxnSpPr/>
+              <p:nvPr/>
+            </p:nvCxnSpPr>
+            <p:spPr>
+              <a:xfrm>
+                <a:off x="5477836" y="3823143"/>
+                <a:ext cx="758493" cy="0"/>
+              </a:xfrm>
+              <a:prstGeom prst="straightConnector1">
+                <a:avLst/>
+              </a:prstGeom>
+              <a:ln w="63500" cap="rnd">
+                <a:solidFill>
+                  <a:schemeClr val="bg1">
+                    <a:lumMod val="75000"/>
+                  </a:schemeClr>
+                </a:solidFill>
+                <a:prstDash val="sysDot"/>
+                <a:tailEnd type="triangle"/>
+              </a:ln>
+            </p:spPr>
+            <p:style>
+              <a:lnRef idx="1">
+                <a:schemeClr val="accent1"/>
+              </a:lnRef>
+              <a:fillRef idx="0">
+                <a:schemeClr val="accent1"/>
+              </a:fillRef>
+              <a:effectRef idx="0">
+                <a:schemeClr val="accent1"/>
+              </a:effectRef>
+              <a:fontRef idx="minor">
+                <a:schemeClr val="tx1"/>
+              </a:fontRef>
+            </p:style>
+          </p:cxnSp>
+          <p:cxnSp>
+            <p:nvCxnSpPr>
+              <p:cNvPr id="12" name="Straight Arrow Connector 11"/>
+              <p:cNvCxnSpPr/>
+              <p:nvPr/>
+            </p:nvCxnSpPr>
+            <p:spPr>
+              <a:xfrm>
+                <a:off x="8282901" y="3823143"/>
+                <a:ext cx="758493" cy="0"/>
+              </a:xfrm>
+              <a:prstGeom prst="straightConnector1">
+                <a:avLst/>
+              </a:prstGeom>
+              <a:ln w="63500" cap="rnd">
+                <a:solidFill>
+                  <a:schemeClr val="bg1">
+                    <a:lumMod val="75000"/>
+                  </a:schemeClr>
+                </a:solidFill>
+                <a:prstDash val="sysDot"/>
+                <a:tailEnd type="triangle"/>
+              </a:ln>
+            </p:spPr>
+            <p:style>
+              <a:lnRef idx="1">
+                <a:schemeClr val="accent1"/>
+              </a:lnRef>
+              <a:fillRef idx="0">
+                <a:schemeClr val="accent1"/>
+              </a:fillRef>
+              <a:effectRef idx="0">
+                <a:schemeClr val="accent1"/>
+              </a:effectRef>
+              <a:fontRef idx="minor">
+                <a:schemeClr val="tx1"/>
+              </a:fontRef>
+            </p:style>
+          </p:cxnSp>
+        </p:grpSp>
+        <p:cxnSp>
+          <p:nvCxnSpPr>
+            <p:cNvPr id="20" name="Straight Arrow Connector 19"/>
+            <p:cNvCxnSpPr/>
+            <p:nvPr/>
+          </p:nvCxnSpPr>
+          <p:spPr>
+            <a:xfrm flipV="1">
+              <a:off x="1652257" y="4878584"/>
+              <a:ext cx="0" cy="322842"/>
+            </a:xfrm>
+            <a:prstGeom prst="straightConnector1">
+              <a:avLst/>
+            </a:prstGeom>
+            <a:ln w="63500" cap="rnd">
+              <a:solidFill>
+                <a:schemeClr val="bg1">
+                  <a:lumMod val="75000"/>
+                </a:schemeClr>
+              </a:solidFill>
+              <a:prstDash val="sysDot"/>
+              <a:tailEnd type="none"/>
+            </a:ln>
+          </p:spPr>
+          <p:style>
+            <a:lnRef idx="1">
+              <a:schemeClr val="accent1"/>
+            </a:lnRef>
+            <a:fillRef idx="0">
+              <a:schemeClr val="accent1"/>
+            </a:fillRef>
+            <a:effectRef idx="0">
+              <a:schemeClr val="accent1"/>
+            </a:effectRef>
+            <a:fontRef idx="minor">
+              <a:schemeClr val="tx1"/>
+            </a:fontRef>
+          </p:style>
+        </p:cxnSp>
+        <p:cxnSp>
+          <p:nvCxnSpPr>
+            <p:cNvPr id="24" name="Straight Arrow Connector 23"/>
+            <p:cNvCxnSpPr/>
+            <p:nvPr/>
+          </p:nvCxnSpPr>
+          <p:spPr>
+            <a:xfrm flipV="1">
+              <a:off x="4439219" y="4878584"/>
+              <a:ext cx="0" cy="322842"/>
+            </a:xfrm>
+            <a:prstGeom prst="straightConnector1">
+              <a:avLst/>
+            </a:prstGeom>
+            <a:ln w="63500" cap="rnd">
+              <a:solidFill>
+                <a:schemeClr val="bg1">
+                  <a:lumMod val="75000"/>
+                </a:schemeClr>
+              </a:solidFill>
+              <a:prstDash val="sysDot"/>
+              <a:tailEnd type="none"/>
+            </a:ln>
+          </p:spPr>
+          <p:style>
+            <a:lnRef idx="1">
+              <a:schemeClr val="accent1"/>
+            </a:lnRef>
+            <a:fillRef idx="0">
+              <a:schemeClr val="accent1"/>
+            </a:fillRef>
+            <a:effectRef idx="0">
+              <a:schemeClr val="accent1"/>
+            </a:effectRef>
+            <a:fontRef idx="minor">
+              <a:schemeClr val="tx1"/>
+            </a:fontRef>
+          </p:style>
+        </p:cxnSp>
+        <p:cxnSp>
+          <p:nvCxnSpPr>
+            <p:cNvPr id="25" name="Straight Arrow Connector 24"/>
+            <p:cNvCxnSpPr/>
+            <p:nvPr/>
+          </p:nvCxnSpPr>
+          <p:spPr>
+            <a:xfrm flipV="1">
+              <a:off x="7276633" y="4887741"/>
+              <a:ext cx="0" cy="322842"/>
+            </a:xfrm>
+            <a:prstGeom prst="straightConnector1">
+              <a:avLst/>
+            </a:prstGeom>
+            <a:ln w="63500" cap="rnd">
+              <a:solidFill>
+                <a:schemeClr val="bg1">
+                  <a:lumMod val="75000"/>
+                </a:schemeClr>
+              </a:solidFill>
+              <a:prstDash val="sysDot"/>
+              <a:tailEnd type="none"/>
+            </a:ln>
+          </p:spPr>
+          <p:style>
+            <a:lnRef idx="1">
+              <a:schemeClr val="accent1"/>
+            </a:lnRef>
+            <a:fillRef idx="0">
+              <a:schemeClr val="accent1"/>
+            </a:fillRef>
+            <a:effectRef idx="0">
+              <a:schemeClr val="accent1"/>
+            </a:effectRef>
+            <a:fontRef idx="minor">
+              <a:schemeClr val="tx1"/>
+            </a:fontRef>
+          </p:style>
+        </p:cxnSp>
+        <p:cxnSp>
+          <p:nvCxnSpPr>
+            <p:cNvPr id="26" name="Straight Arrow Connector 25"/>
+            <p:cNvCxnSpPr/>
+            <p:nvPr/>
+          </p:nvCxnSpPr>
+          <p:spPr>
+            <a:xfrm flipV="1">
+              <a:off x="10157992" y="4878792"/>
+              <a:ext cx="0" cy="322842"/>
+            </a:xfrm>
+            <a:prstGeom prst="straightConnector1">
+              <a:avLst/>
+            </a:prstGeom>
+            <a:ln w="63500" cap="rnd">
+              <a:solidFill>
+                <a:schemeClr val="bg1">
+                  <a:lumMod val="75000"/>
+                </a:schemeClr>
+              </a:solidFill>
+              <a:prstDash val="sysDot"/>
+              <a:tailEnd type="none"/>
+            </a:ln>
+          </p:spPr>
+          <p:style>
+            <a:lnRef idx="1">
+              <a:schemeClr val="accent1"/>
+            </a:lnRef>
+            <a:fillRef idx="0">
+              <a:schemeClr val="accent1"/>
+            </a:fillRef>
+            <a:effectRef idx="0">
+              <a:schemeClr val="accent1"/>
+            </a:effectRef>
+            <a:fontRef idx="minor">
+              <a:schemeClr val="tx1"/>
+            </a:fontRef>
+          </p:style>
+        </p:cxnSp>
+      </p:grpSp>
+      <p:sp>
+        <p:nvSpPr>
+          <p:cNvPr id="3" name="Content Placeholder 2"/>
+          <p:cNvSpPr>
+            <a:spLocks noGrp="1"/>
+          </p:cNvSpPr>
+          <p:nvPr>
+            <p:ph idx="1"/>
+          </p:nvPr>
+        </p:nvSpPr>
+        <p:spPr/>
+        <p:txBody>
+          <a:bodyPr/>
+          <a:lstStyle/>
+          <a:p>
+            <a:pPr marL="285750" indent="-285750">
+              <a:buFont typeface="Arial" panose="020B0604020202020204" pitchFamily="34" charset="0"/>
+              <a:buChar char="•"/>
+            </a:pPr>
+            <a:r>
+              <a:rPr lang="en-CA" dirty="0" smtClean="0"/>
+              <a:t>Essential for delivering modern digital services</a:t>
+            </a:r>
+          </a:p>
+          <a:p>
+            <a:pPr marL="285750" indent="-285750">
+              <a:buFont typeface="Arial" panose="020B0604020202020204" pitchFamily="34" charset="0"/>
+              <a:buChar char="•"/>
+            </a:pPr>
+            <a:r>
+              <a:rPr lang="en-CA" dirty="0" smtClean="0"/>
+              <a:t>CI/CD pipelines are the backbone</a:t>
+            </a:r>
+          </a:p>
+        </p:txBody>
+      </p:sp>
+      <p:sp>
+        <p:nvSpPr>
+          <p:cNvPr id="35" name="Oval 34"/>
           <p:cNvSpPr/>
           <p:nvPr/>
         </p:nvSpPr>
         <p:spPr>
           <a:xfrm>
-            <a:off x="814814" y="2829624"/>
-            <a:ext cx="1674891" cy="1946496"/>
-          </a:xfrm>
-          <a:prstGeom prst="rect">
+            <a:off x="604587" y="2621392"/>
+            <a:ext cx="416459" cy="416459"/>
+          </a:xfrm>
+          <a:prstGeom prst="ellipse">
             <a:avLst/>
           </a:prstGeom>
           <a:solidFill>
-            <a:srgbClr val="29229A"/>
+            <a:srgbClr val="00883D"/>
           </a:solidFill>
           <a:ln>
-            <a:noFill/>
+            <a:solidFill>
+              <a:srgbClr val="00B050"/>
+            </a:solidFill>
           </a:ln>
-          <a:effectLst>
-            <a:outerShdw blurRad="101600" dist="38100" dir="5400000" algn="t" rotWithShape="0">
-              <a:prstClr val="black">
-                <a:alpha val="20000"/>
-              </a:prstClr>
-            </a:outerShdw>
-          </a:effectLst>
         </p:spPr>
         <p:style>
           <a:lnRef idx="2">
@@ -4394,124 +5056,131 @@
           <a:lstStyle/>
           <a:p>
             <a:pPr algn="ctr"/>
-            <a:endParaRPr lang="en-CA" dirty="0"/>
+            <a:r>
+              <a:rPr lang="en-CA" b="1" dirty="0" smtClean="0"/>
+              <a:t>1</a:t>
+            </a:r>
+            <a:endParaRPr lang="en-CA" b="1" dirty="0"/>
           </a:p>
         </p:txBody>
       </p:sp>
       <p:sp>
         <p:nvSpPr>
-          <p:cNvPr id="2" name="Title 1"/>
-          <p:cNvSpPr>
-            <a:spLocks noGrp="1"/>
-          </p:cNvSpPr>
-          <p:nvPr>
-            <p:ph type="title"/>
-          </p:nvPr>
+          <p:cNvPr id="13" name="TextBox 12"/>
+          <p:cNvSpPr txBox="1"/>
+          <p:nvPr/>
         </p:nvSpPr>
-        <p:spPr/>
+        <p:spPr>
+          <a:xfrm>
+            <a:off x="1192035" y="3040497"/>
+            <a:ext cx="920445" cy="584775"/>
+          </a:xfrm>
+          <a:prstGeom prst="rect">
+            <a:avLst/>
+          </a:prstGeom>
+          <a:solidFill>
+            <a:srgbClr val="29229A"/>
+          </a:solidFill>
+        </p:spPr>
         <p:txBody>
-          <a:bodyPr/>
+          <a:bodyPr wrap="none" rtlCol="0">
+            <a:spAutoFit/>
+          </a:bodyPr>
           <a:lstStyle/>
           <a:p>
-            <a:r>
-              <a:rPr lang="en-CA" dirty="0" smtClean="0"/>
-              <a:t>DevOps</a:t>
-            </a:r>
-            <a:endParaRPr lang="en-CA" dirty="0"/>
+            <a:pPr algn="ctr"/>
+            <a:r>
+              <a:rPr lang="en-CA" sz="1600" b="1" dirty="0" smtClean="0">
+                <a:solidFill>
+                  <a:schemeClr val="bg1"/>
+                </a:solidFill>
+              </a:rPr>
+              <a:t>Version</a:t>
+            </a:r>
+            <a:br>
+              <a:rPr lang="en-CA" sz="1600" b="1" dirty="0" smtClean="0">
+                <a:solidFill>
+                  <a:schemeClr val="bg1"/>
+                </a:solidFill>
+              </a:rPr>
+            </a:br>
+            <a:r>
+              <a:rPr lang="en-CA" sz="1600" b="1" dirty="0" smtClean="0">
+                <a:solidFill>
+                  <a:schemeClr val="bg1"/>
+                </a:solidFill>
+              </a:rPr>
+              <a:t>Control</a:t>
+            </a:r>
+            <a:endParaRPr lang="en-CA" sz="1600" b="1" dirty="0">
+              <a:solidFill>
+                <a:schemeClr val="bg1"/>
+              </a:solidFill>
+            </a:endParaRPr>
           </a:p>
         </p:txBody>
       </p:sp>
       <p:sp>
         <p:nvSpPr>
-          <p:cNvPr id="3" name="Content Placeholder 2"/>
-          <p:cNvSpPr>
-            <a:spLocks noGrp="1"/>
-          </p:cNvSpPr>
-          <p:nvPr>
-            <p:ph idx="1"/>
-          </p:nvPr>
+          <p:cNvPr id="28" name="TextBox 27"/>
+          <p:cNvSpPr txBox="1"/>
+          <p:nvPr/>
         </p:nvSpPr>
-        <p:spPr/>
+        <p:spPr>
+          <a:xfrm>
+            <a:off x="986827" y="4031362"/>
+            <a:ext cx="1330859" cy="523220"/>
+          </a:xfrm>
+          <a:prstGeom prst="rect">
+            <a:avLst/>
+          </a:prstGeom>
+          <a:solidFill>
+            <a:srgbClr val="29229A"/>
+          </a:solidFill>
+        </p:spPr>
         <p:txBody>
-          <a:bodyPr/>
+          <a:bodyPr wrap="square" rtlCol="0">
+            <a:spAutoFit/>
+          </a:bodyPr>
           <a:lstStyle/>
           <a:p>
-            <a:pPr marL="285750" indent="-285750">
-              <a:buFont typeface="Arial" panose="020B0604020202020204" pitchFamily="34" charset="0"/>
-              <a:buChar char="•"/>
-            </a:pPr>
-            <a:r>
-              <a:rPr lang="en-CA" dirty="0" smtClean="0"/>
-              <a:t>Essential for delivering modern digital services</a:t>
-            </a:r>
-          </a:p>
-          <a:p>
-            <a:pPr marL="285750" indent="-285750">
-              <a:buFont typeface="Arial" panose="020B0604020202020204" pitchFamily="34" charset="0"/>
-              <a:buChar char="•"/>
-            </a:pPr>
-            <a:r>
-              <a:rPr lang="en-CA" dirty="0" smtClean="0"/>
-              <a:t>CI/CD pipelines are the backbone</a:t>
-            </a:r>
+            <a:pPr algn="ctr"/>
+            <a:r>
+              <a:rPr lang="en-CA" sz="1400" dirty="0" smtClean="0">
+                <a:solidFill>
+                  <a:schemeClr val="bg1"/>
+                </a:solidFill>
+              </a:rPr>
+              <a:t>The project’s history</a:t>
+            </a:r>
+            <a:endParaRPr lang="en-CA" sz="1400" dirty="0">
+              <a:solidFill>
+                <a:schemeClr val="bg1"/>
+              </a:solidFill>
+            </a:endParaRPr>
           </a:p>
         </p:txBody>
       </p:sp>
       <p:sp>
         <p:nvSpPr>
-          <p:cNvPr id="4" name="Slide Number Placeholder 3"/>
-          <p:cNvSpPr>
-            <a:spLocks noGrp="1"/>
-          </p:cNvSpPr>
-          <p:nvPr>
-            <p:ph type="sldNum" sz="quarter" idx="4"/>
-          </p:nvPr>
-        </p:nvSpPr>
-        <p:spPr/>
-        <p:txBody>
-          <a:bodyPr/>
-          <a:lstStyle/>
-          <a:p>
-            <a:fld id="{105822BA-B7AE-4DDB-BAFC-C8E55FB5C986}" type="slidenum">
-              <a:rPr lang="en-CA" smtClean="0"/>
-              <a:pPr/>
-              <a:t>11</a:t>
-            </a:fld>
-            <a:r>
-              <a:rPr lang="en-CA" smtClean="0"/>
-              <a:t> </a:t>
-            </a:r>
-            <a:endParaRPr lang="en-CA" dirty="0"/>
-          </a:p>
-        </p:txBody>
-      </p:sp>
-      <p:sp>
-        <p:nvSpPr>
-          <p:cNvPr id="6" name="Rectangle 5"/>
+          <p:cNvPr id="36" name="Oval 35"/>
           <p:cNvSpPr/>
           <p:nvPr/>
         </p:nvSpPr>
         <p:spPr>
           <a:xfrm>
-            <a:off x="3592719" y="2829623"/>
-            <a:ext cx="1674891" cy="1946496"/>
-          </a:xfrm>
-          <a:prstGeom prst="rect">
+            <a:off x="3405792" y="2598133"/>
+            <a:ext cx="416459" cy="416459"/>
+          </a:xfrm>
+          <a:prstGeom prst="ellipse">
             <a:avLst/>
           </a:prstGeom>
           <a:solidFill>
-            <a:srgbClr val="3D218D"/>
+            <a:srgbClr val="00883D"/>
           </a:solidFill>
           <a:ln>
             <a:noFill/>
           </a:ln>
-          <a:effectLst>
-            <a:outerShdw blurRad="101600" dist="38100" dir="5400000" algn="t" rotWithShape="0">
-              <a:prstClr val="black">
-                <a:alpha val="20000"/>
-              </a:prstClr>
-            </a:outerShdw>
-          </a:effectLst>
         </p:spPr>
         <p:style>
           <a:lnRef idx="2">
@@ -4534,37 +5203,131 @@
           <a:lstStyle/>
           <a:p>
             <a:pPr algn="ctr"/>
-            <a:endParaRPr lang="en-CA"/>
+            <a:r>
+              <a:rPr lang="en-CA" b="1" dirty="0" smtClean="0"/>
+              <a:t>2</a:t>
+            </a:r>
+            <a:endParaRPr lang="en-CA" b="1" dirty="0"/>
           </a:p>
         </p:txBody>
       </p:sp>
       <p:sp>
         <p:nvSpPr>
-          <p:cNvPr id="7" name="Rectangle 6"/>
-          <p:cNvSpPr/>
+          <p:cNvPr id="14" name="TextBox 13"/>
+          <p:cNvSpPr txBox="1"/>
           <p:nvPr/>
         </p:nvSpPr>
         <p:spPr>
           <a:xfrm>
-            <a:off x="6421083" y="2829622"/>
-            <a:ext cx="1674891" cy="1946496"/>
+            <a:off x="3779184" y="3040497"/>
+            <a:ext cx="1301959" cy="584775"/>
           </a:xfrm>
           <a:prstGeom prst="rect">
             <a:avLst/>
           </a:prstGeom>
           <a:solidFill>
-            <a:srgbClr val="4C2084"/>
+            <a:srgbClr val="3D218D"/>
+          </a:solidFill>
+        </p:spPr>
+        <p:txBody>
+          <a:bodyPr wrap="none" rtlCol="0">
+            <a:spAutoFit/>
+          </a:bodyPr>
+          <a:lstStyle/>
+          <a:p>
+            <a:pPr algn="ctr"/>
+            <a:r>
+              <a:rPr lang="en-CA" sz="1600" b="1" dirty="0" smtClean="0">
+                <a:solidFill>
+                  <a:schemeClr val="bg1"/>
+                </a:solidFill>
+              </a:rPr>
+              <a:t>Continuous</a:t>
+            </a:r>
+            <a:br>
+              <a:rPr lang="en-CA" sz="1600" b="1" dirty="0" smtClean="0">
+                <a:solidFill>
+                  <a:schemeClr val="bg1"/>
+                </a:solidFill>
+              </a:rPr>
+            </a:br>
+            <a:r>
+              <a:rPr lang="en-CA" sz="1600" b="1" dirty="0" smtClean="0">
+                <a:solidFill>
+                  <a:schemeClr val="bg1"/>
+                </a:solidFill>
+              </a:rPr>
+              <a:t>Integration</a:t>
+            </a:r>
+            <a:endParaRPr lang="en-CA" sz="1600" b="1" dirty="0">
+              <a:solidFill>
+                <a:schemeClr val="bg1"/>
+              </a:solidFill>
+            </a:endParaRPr>
+          </a:p>
+        </p:txBody>
+      </p:sp>
+      <p:sp>
+        <p:nvSpPr>
+          <p:cNvPr id="29" name="TextBox 28"/>
+          <p:cNvSpPr txBox="1"/>
+          <p:nvPr/>
+        </p:nvSpPr>
+        <p:spPr>
+          <a:xfrm>
+            <a:off x="3643178" y="4048525"/>
+            <a:ext cx="1593381" cy="523220"/>
+          </a:xfrm>
+          <a:prstGeom prst="rect">
+            <a:avLst/>
+          </a:prstGeom>
+          <a:solidFill>
+            <a:srgbClr val="3D218D"/>
+          </a:solidFill>
+        </p:spPr>
+        <p:txBody>
+          <a:bodyPr wrap="square" rtlCol="0">
+            <a:spAutoFit/>
+          </a:bodyPr>
+          <a:lstStyle/>
+          <a:p>
+            <a:pPr algn="ctr"/>
+            <a:r>
+              <a:rPr lang="en-CA" sz="1400" dirty="0" smtClean="0">
+                <a:solidFill>
+                  <a:schemeClr val="bg1"/>
+                </a:solidFill>
+              </a:rPr>
+              <a:t>Build and test changes</a:t>
+            </a:r>
+            <a:endParaRPr lang="en-CA" sz="1400" dirty="0">
+              <a:solidFill>
+                <a:schemeClr val="bg1"/>
+              </a:solidFill>
+            </a:endParaRPr>
+          </a:p>
+        </p:txBody>
+      </p:sp>
+      <p:sp>
+        <p:nvSpPr>
+          <p:cNvPr id="37" name="Oval 36"/>
+          <p:cNvSpPr/>
+          <p:nvPr/>
+        </p:nvSpPr>
+        <p:spPr>
+          <a:xfrm>
+            <a:off x="6191089" y="2634396"/>
+            <a:ext cx="416459" cy="416459"/>
+          </a:xfrm>
+          <a:prstGeom prst="ellipse">
+            <a:avLst/>
+          </a:prstGeom>
+          <a:solidFill>
+            <a:srgbClr val="00883D"/>
           </a:solidFill>
           <a:ln>
             <a:noFill/>
           </a:ln>
-          <a:effectLst>
-            <a:outerShdw blurRad="101600" dist="38100" dir="5400000" algn="t" rotWithShape="0">
-              <a:prstClr val="black">
-                <a:alpha val="20000"/>
-              </a:prstClr>
-            </a:outerShdw>
-          </a:effectLst>
         </p:spPr>
         <p:style>
           <a:lnRef idx="2">
@@ -4587,37 +5350,127 @@
           <a:lstStyle/>
           <a:p>
             <a:pPr algn="ctr"/>
-            <a:endParaRPr lang="en-CA"/>
+            <a:r>
+              <a:rPr lang="en-CA" b="1" dirty="0" smtClean="0"/>
+              <a:t>3</a:t>
+            </a:r>
+            <a:endParaRPr lang="en-CA" b="1" dirty="0"/>
           </a:p>
         </p:txBody>
       </p:sp>
       <p:sp>
         <p:nvSpPr>
-          <p:cNvPr id="8" name="Rectangle 7"/>
-          <p:cNvSpPr/>
+          <p:cNvPr id="15" name="TextBox 14"/>
+          <p:cNvSpPr txBox="1"/>
           <p:nvPr/>
         </p:nvSpPr>
         <p:spPr>
           <a:xfrm>
-            <a:off x="9249447" y="2829622"/>
-            <a:ext cx="1674891" cy="1946496"/>
+            <a:off x="6607548" y="3040497"/>
+            <a:ext cx="1301959" cy="584775"/>
           </a:xfrm>
           <a:prstGeom prst="rect">
             <a:avLst/>
           </a:prstGeom>
           <a:solidFill>
-            <a:srgbClr val="601E77"/>
+            <a:srgbClr val="4C2084"/>
+          </a:solidFill>
+        </p:spPr>
+        <p:txBody>
+          <a:bodyPr wrap="none" rtlCol="0">
+            <a:spAutoFit/>
+          </a:bodyPr>
+          <a:lstStyle/>
+          <a:p>
+            <a:pPr algn="ctr"/>
+            <a:r>
+              <a:rPr lang="en-CA" sz="1600" b="1" dirty="0" smtClean="0">
+                <a:solidFill>
+                  <a:schemeClr val="bg1"/>
+                </a:solidFill>
+              </a:rPr>
+              <a:t>Continuous</a:t>
+            </a:r>
+          </a:p>
+          <a:p>
+            <a:pPr algn="ctr"/>
+            <a:r>
+              <a:rPr lang="en-CA" sz="1600" b="1" dirty="0" smtClean="0">
+                <a:solidFill>
+                  <a:schemeClr val="bg1"/>
+                </a:solidFill>
+              </a:rPr>
+              <a:t>Delivery</a:t>
+            </a:r>
+            <a:endParaRPr lang="en-CA" sz="1600" b="1" dirty="0">
+              <a:solidFill>
+                <a:schemeClr val="bg1"/>
+              </a:solidFill>
+            </a:endParaRPr>
+          </a:p>
+        </p:txBody>
+      </p:sp>
+      <p:sp>
+        <p:nvSpPr>
+          <p:cNvPr id="30" name="TextBox 29"/>
+          <p:cNvSpPr txBox="1"/>
+          <p:nvPr/>
+        </p:nvSpPr>
+        <p:spPr>
+          <a:xfrm>
+            <a:off x="6561525" y="4031362"/>
+            <a:ext cx="1430215" cy="523220"/>
+          </a:xfrm>
+          <a:prstGeom prst="rect">
+            <a:avLst/>
+          </a:prstGeom>
+          <a:solidFill>
+            <a:srgbClr val="4C2084"/>
+          </a:solidFill>
+        </p:spPr>
+        <p:txBody>
+          <a:bodyPr wrap="square" rtlCol="0">
+            <a:spAutoFit/>
+          </a:bodyPr>
+          <a:lstStyle/>
+          <a:p>
+            <a:pPr algn="ctr"/>
+            <a:r>
+              <a:rPr lang="en-CA" sz="1400" dirty="0" smtClean="0">
+                <a:solidFill>
+                  <a:schemeClr val="bg1"/>
+                </a:solidFill>
+              </a:rPr>
+              <a:t>Deploy to test environments</a:t>
+            </a:r>
+            <a:endParaRPr lang="en-CA" sz="1400" dirty="0">
+              <a:solidFill>
+                <a:schemeClr val="bg1"/>
+              </a:solidFill>
+            </a:endParaRPr>
+          </a:p>
+        </p:txBody>
+      </p:sp>
+      <p:sp>
+        <p:nvSpPr>
+          <p:cNvPr id="38" name="Oval 37"/>
+          <p:cNvSpPr/>
+          <p:nvPr/>
+        </p:nvSpPr>
+        <p:spPr>
+          <a:xfrm>
+            <a:off x="9062980" y="2634395"/>
+            <a:ext cx="416459" cy="416459"/>
+          </a:xfrm>
+          <a:prstGeom prst="ellipse">
+            <a:avLst/>
+          </a:prstGeom>
+          <a:solidFill>
+            <a:srgbClr val="00883D"/>
           </a:solidFill>
           <a:ln>
             <a:noFill/>
           </a:ln>
-          <a:effectLst>
-            <a:outerShdw blurRad="101600" dist="38100" dir="5400000" algn="t" rotWithShape="0">
-              <a:prstClr val="black">
-                <a:alpha val="20000"/>
-              </a:prstClr>
-            </a:outerShdw>
-          </a:effectLst>
         </p:spPr>
         <p:style>
           <a:lnRef idx="2">
@@ -4640,165 +5493,10 @@
           <a:lstStyle/>
           <a:p>
             <a:pPr algn="ctr"/>
-            <a:endParaRPr lang="en-CA"/>
-          </a:p>
-        </p:txBody>
-      </p:sp>
-      <p:sp>
-        <p:nvSpPr>
-          <p:cNvPr id="13" name="TextBox 12"/>
-          <p:cNvSpPr txBox="1"/>
-          <p:nvPr/>
-        </p:nvSpPr>
-        <p:spPr>
-          <a:xfrm>
-            <a:off x="1192035" y="3040497"/>
-            <a:ext cx="920445" cy="584775"/>
-          </a:xfrm>
-          <a:prstGeom prst="rect">
-            <a:avLst/>
-          </a:prstGeom>
-          <a:noFill/>
-        </p:spPr>
-        <p:txBody>
-          <a:bodyPr wrap="none" rtlCol="0">
-            <a:spAutoFit/>
-          </a:bodyPr>
-          <a:lstStyle/>
-          <a:p>
-            <a:pPr algn="ctr"/>
-            <a:r>
-              <a:rPr lang="en-CA" sz="1600" b="1" dirty="0" smtClean="0">
-                <a:solidFill>
-                  <a:schemeClr val="bg1"/>
-                </a:solidFill>
-              </a:rPr>
-              <a:t>Version</a:t>
-            </a:r>
-            <a:br>
-              <a:rPr lang="en-CA" sz="1600" b="1" dirty="0" smtClean="0">
-                <a:solidFill>
-                  <a:schemeClr val="bg1"/>
-                </a:solidFill>
-              </a:rPr>
-            </a:br>
-            <a:r>
-              <a:rPr lang="en-CA" sz="1600" b="1" dirty="0" smtClean="0">
-                <a:solidFill>
-                  <a:schemeClr val="bg1"/>
-                </a:solidFill>
-              </a:rPr>
-              <a:t>Control</a:t>
-            </a:r>
-            <a:endParaRPr lang="en-CA" sz="1600" b="1" dirty="0">
-              <a:solidFill>
-                <a:schemeClr val="bg1"/>
-              </a:solidFill>
-            </a:endParaRPr>
-          </a:p>
-        </p:txBody>
-      </p:sp>
-      <p:sp>
-        <p:nvSpPr>
-          <p:cNvPr id="14" name="TextBox 13"/>
-          <p:cNvSpPr txBox="1"/>
-          <p:nvPr/>
-        </p:nvSpPr>
-        <p:spPr>
-          <a:xfrm>
-            <a:off x="3779184" y="3040497"/>
-            <a:ext cx="1301959" cy="584775"/>
-          </a:xfrm>
-          <a:prstGeom prst="rect">
-            <a:avLst/>
-          </a:prstGeom>
-          <a:noFill/>
-        </p:spPr>
-        <p:txBody>
-          <a:bodyPr wrap="none" rtlCol="0">
-            <a:spAutoFit/>
-          </a:bodyPr>
-          <a:lstStyle/>
-          <a:p>
-            <a:pPr algn="ctr"/>
-            <a:r>
-              <a:rPr lang="en-CA" sz="1600" b="1" dirty="0" smtClean="0">
-                <a:solidFill>
-                  <a:schemeClr val="bg1"/>
-                </a:solidFill>
-              </a:rPr>
-              <a:t>Continuous</a:t>
-            </a:r>
-            <a:br>
-              <a:rPr lang="en-CA" sz="1600" b="1" dirty="0" smtClean="0">
-                <a:solidFill>
-                  <a:schemeClr val="bg1"/>
-                </a:solidFill>
-              </a:rPr>
-            </a:br>
-            <a:r>
-              <a:rPr lang="en-CA" sz="1600" b="1" dirty="0" smtClean="0">
-                <a:solidFill>
-                  <a:schemeClr val="bg1"/>
-                </a:solidFill>
-              </a:rPr>
-              <a:t>Integration</a:t>
-            </a:r>
-            <a:endParaRPr lang="en-CA" sz="1600" b="1" dirty="0">
-              <a:solidFill>
-                <a:schemeClr val="bg1"/>
-              </a:solidFill>
-            </a:endParaRPr>
-          </a:p>
-        </p:txBody>
-      </p:sp>
-      <p:sp>
-        <p:nvSpPr>
-          <p:cNvPr id="15" name="TextBox 14"/>
-          <p:cNvSpPr txBox="1"/>
-          <p:nvPr/>
-        </p:nvSpPr>
-        <p:spPr>
-          <a:xfrm>
-            <a:off x="6607548" y="3040497"/>
-            <a:ext cx="1301959" cy="584775"/>
-          </a:xfrm>
-          <a:prstGeom prst="rect">
-            <a:avLst/>
-          </a:prstGeom>
-          <a:noFill/>
-        </p:spPr>
-        <p:txBody>
-          <a:bodyPr wrap="none" rtlCol="0">
-            <a:spAutoFit/>
-          </a:bodyPr>
-          <a:lstStyle/>
-          <a:p>
-            <a:pPr algn="ctr"/>
-            <a:r>
-              <a:rPr lang="en-CA" sz="1600" b="1" dirty="0" smtClean="0">
-                <a:solidFill>
-                  <a:schemeClr val="bg1"/>
-                </a:solidFill>
-              </a:rPr>
-              <a:t>Continuous</a:t>
-            </a:r>
-          </a:p>
-          <a:p>
-            <a:pPr algn="ctr"/>
-            <a:r>
-              <a:rPr lang="en-CA" sz="1600" b="1" dirty="0" smtClean="0">
-                <a:solidFill>
-                  <a:schemeClr val="bg1"/>
-                </a:solidFill>
-              </a:rPr>
-              <a:t>Delivery</a:t>
-            </a:r>
-            <a:endParaRPr lang="en-CA" sz="1600" b="1" dirty="0">
-              <a:solidFill>
-                <a:schemeClr val="bg1"/>
-              </a:solidFill>
-            </a:endParaRPr>
+            <a:r>
+              <a:rPr lang="en-CA" b="1" dirty="0"/>
+              <a:t>4</a:t>
+            </a:r>
           </a:p>
         </p:txBody>
       </p:sp>
@@ -4816,7 +5514,9 @@
           <a:prstGeom prst="rect">
             <a:avLst/>
           </a:prstGeom>
-          <a:noFill/>
+          <a:solidFill>
+            <a:srgbClr val="601E77"/>
+          </a:solidFill>
         </p:spPr>
         <p:txBody>
           <a:bodyPr wrap="none" rtlCol="0">
@@ -4845,6 +5545,47 @@
               <a:t>Deployment</a:t>
             </a:r>
             <a:endParaRPr lang="en-CA" sz="1600" b="1" dirty="0">
+              <a:solidFill>
+                <a:schemeClr val="bg1"/>
+              </a:solidFill>
+            </a:endParaRPr>
+          </a:p>
+        </p:txBody>
+      </p:sp>
+      <p:sp>
+        <p:nvSpPr>
+          <p:cNvPr id="31" name="TextBox 30"/>
+          <p:cNvSpPr txBox="1"/>
+          <p:nvPr/>
+        </p:nvSpPr>
+        <p:spPr>
+          <a:xfrm>
+            <a:off x="9378883" y="4031362"/>
+            <a:ext cx="1430215" cy="523220"/>
+          </a:xfrm>
+          <a:prstGeom prst="rect">
+            <a:avLst/>
+          </a:prstGeom>
+          <a:solidFill>
+            <a:srgbClr val="601E77"/>
+          </a:solidFill>
+        </p:spPr>
+        <p:txBody>
+          <a:bodyPr wrap="square" rtlCol="0">
+            <a:spAutoFit/>
+          </a:bodyPr>
+          <a:lstStyle/>
+          <a:p>
+            <a:pPr algn="ctr"/>
+            <a:r>
+              <a:rPr lang="en-CA" sz="1400" dirty="0" smtClean="0">
+                <a:solidFill>
+                  <a:schemeClr val="bg1"/>
+                </a:solidFill>
+              </a:rPr>
+              <a:t>Deploy to production</a:t>
+            </a:r>
+            <a:endParaRPr lang="en-CA" sz="1400" dirty="0">
               <a:solidFill>
                 <a:schemeClr val="bg1"/>
               </a:solidFill>
@@ -4883,707 +5624,31 @@
           </a:p>
         </p:txBody>
       </p:sp>
-      <p:cxnSp>
-        <p:nvCxnSpPr>
-          <p:cNvPr id="18" name="Straight Arrow Connector 17"/>
-          <p:cNvCxnSpPr/>
-          <p:nvPr/>
-        </p:nvCxnSpPr>
-        <p:spPr>
-          <a:xfrm>
-            <a:off x="1652257" y="5322204"/>
-            <a:ext cx="8551000" cy="0"/>
-          </a:xfrm>
-          <a:prstGeom prst="straightConnector1">
-            <a:avLst/>
-          </a:prstGeom>
-          <a:ln w="63500" cap="rnd">
-            <a:solidFill>
-              <a:schemeClr val="bg1">
-                <a:lumMod val="75000"/>
-              </a:schemeClr>
-            </a:solidFill>
-            <a:prstDash val="sysDot"/>
-            <a:tailEnd type="none"/>
-          </a:ln>
-        </p:spPr>
-        <p:style>
-          <a:lnRef idx="1">
-            <a:schemeClr val="accent1"/>
-          </a:lnRef>
-          <a:fillRef idx="0">
-            <a:schemeClr val="accent1"/>
-          </a:fillRef>
-          <a:effectRef idx="0">
-            <a:schemeClr val="accent1"/>
-          </a:effectRef>
-          <a:fontRef idx="minor">
-            <a:schemeClr val="tx1"/>
-          </a:fontRef>
-        </p:style>
-      </p:cxnSp>
-      <p:cxnSp>
-        <p:nvCxnSpPr>
-          <p:cNvPr id="20" name="Straight Arrow Connector 19"/>
-          <p:cNvCxnSpPr/>
-          <p:nvPr/>
-        </p:nvCxnSpPr>
-        <p:spPr>
-          <a:xfrm flipV="1">
-            <a:off x="1652257" y="4878584"/>
-            <a:ext cx="0" cy="322842"/>
-          </a:xfrm>
-          <a:prstGeom prst="straightConnector1">
-            <a:avLst/>
-          </a:prstGeom>
-          <a:ln w="63500" cap="rnd">
-            <a:solidFill>
-              <a:schemeClr val="bg1">
-                <a:lumMod val="75000"/>
-              </a:schemeClr>
-            </a:solidFill>
-            <a:prstDash val="sysDot"/>
-            <a:tailEnd type="none"/>
-          </a:ln>
-        </p:spPr>
-        <p:style>
-          <a:lnRef idx="1">
-            <a:schemeClr val="accent1"/>
-          </a:lnRef>
-          <a:fillRef idx="0">
-            <a:schemeClr val="accent1"/>
-          </a:fillRef>
-          <a:effectRef idx="0">
-            <a:schemeClr val="accent1"/>
-          </a:effectRef>
-          <a:fontRef idx="minor">
-            <a:schemeClr val="tx1"/>
-          </a:fontRef>
-        </p:style>
-      </p:cxnSp>
-      <p:cxnSp>
-        <p:nvCxnSpPr>
-          <p:cNvPr id="24" name="Straight Arrow Connector 23"/>
-          <p:cNvCxnSpPr/>
-          <p:nvPr/>
-        </p:nvCxnSpPr>
-        <p:spPr>
-          <a:xfrm flipV="1">
-            <a:off x="4439219" y="4878584"/>
-            <a:ext cx="0" cy="322842"/>
-          </a:xfrm>
-          <a:prstGeom prst="straightConnector1">
-            <a:avLst/>
-          </a:prstGeom>
-          <a:ln w="63500" cap="rnd">
-            <a:solidFill>
-              <a:schemeClr val="bg1">
-                <a:lumMod val="75000"/>
-              </a:schemeClr>
-            </a:solidFill>
-            <a:prstDash val="sysDot"/>
-            <a:tailEnd type="none"/>
-          </a:ln>
-        </p:spPr>
-        <p:style>
-          <a:lnRef idx="1">
-            <a:schemeClr val="accent1"/>
-          </a:lnRef>
-          <a:fillRef idx="0">
-            <a:schemeClr val="accent1"/>
-          </a:fillRef>
-          <a:effectRef idx="0">
-            <a:schemeClr val="accent1"/>
-          </a:effectRef>
-          <a:fontRef idx="minor">
-            <a:schemeClr val="tx1"/>
-          </a:fontRef>
-        </p:style>
-      </p:cxnSp>
-      <p:cxnSp>
-        <p:nvCxnSpPr>
-          <p:cNvPr id="25" name="Straight Arrow Connector 24"/>
-          <p:cNvCxnSpPr/>
-          <p:nvPr/>
-        </p:nvCxnSpPr>
-        <p:spPr>
-          <a:xfrm flipV="1">
-            <a:off x="7276633" y="4887741"/>
-            <a:ext cx="0" cy="322842"/>
-          </a:xfrm>
-          <a:prstGeom prst="straightConnector1">
-            <a:avLst/>
-          </a:prstGeom>
-          <a:ln w="63500" cap="rnd">
-            <a:solidFill>
-              <a:schemeClr val="bg1">
-                <a:lumMod val="75000"/>
-              </a:schemeClr>
-            </a:solidFill>
-            <a:prstDash val="sysDot"/>
-            <a:tailEnd type="none"/>
-          </a:ln>
-        </p:spPr>
-        <p:style>
-          <a:lnRef idx="1">
-            <a:schemeClr val="accent1"/>
-          </a:lnRef>
-          <a:fillRef idx="0">
-            <a:schemeClr val="accent1"/>
-          </a:fillRef>
-          <a:effectRef idx="0">
-            <a:schemeClr val="accent1"/>
-          </a:effectRef>
-          <a:fontRef idx="minor">
-            <a:schemeClr val="tx1"/>
-          </a:fontRef>
-        </p:style>
-      </p:cxnSp>
-      <p:cxnSp>
-        <p:nvCxnSpPr>
-          <p:cNvPr id="26" name="Straight Arrow Connector 25"/>
-          <p:cNvCxnSpPr/>
-          <p:nvPr/>
-        </p:nvCxnSpPr>
-        <p:spPr>
-          <a:xfrm flipV="1">
-            <a:off x="10157992" y="4878792"/>
-            <a:ext cx="0" cy="322842"/>
-          </a:xfrm>
-          <a:prstGeom prst="straightConnector1">
-            <a:avLst/>
-          </a:prstGeom>
-          <a:ln w="63500" cap="rnd">
-            <a:solidFill>
-              <a:schemeClr val="bg1">
-                <a:lumMod val="75000"/>
-              </a:schemeClr>
-            </a:solidFill>
-            <a:prstDash val="sysDot"/>
-            <a:tailEnd type="none"/>
-          </a:ln>
-        </p:spPr>
-        <p:style>
-          <a:lnRef idx="1">
-            <a:schemeClr val="accent1"/>
-          </a:lnRef>
-          <a:fillRef idx="0">
-            <a:schemeClr val="accent1"/>
-          </a:fillRef>
-          <a:effectRef idx="0">
-            <a:schemeClr val="accent1"/>
-          </a:effectRef>
-          <a:fontRef idx="minor">
-            <a:schemeClr val="tx1"/>
-          </a:fontRef>
-        </p:style>
-      </p:cxnSp>
       <p:sp>
         <p:nvSpPr>
-          <p:cNvPr id="28" name="TextBox 27"/>
-          <p:cNvSpPr txBox="1"/>
-          <p:nvPr/>
+          <p:cNvPr id="4" name="Slide Number Placeholder 3"/>
+          <p:cNvSpPr>
+            <a:spLocks noGrp="1"/>
+          </p:cNvSpPr>
+          <p:nvPr>
+            <p:ph type="sldNum" sz="quarter" idx="4"/>
+          </p:nvPr>
         </p:nvSpPr>
-        <p:spPr>
-          <a:xfrm>
-            <a:off x="986827" y="4031362"/>
-            <a:ext cx="1330859" cy="523220"/>
-          </a:xfrm>
-          <a:prstGeom prst="rect">
-            <a:avLst/>
-          </a:prstGeom>
-          <a:noFill/>
-        </p:spPr>
+        <p:spPr/>
         <p:txBody>
-          <a:bodyPr wrap="square" rtlCol="0">
-            <a:spAutoFit/>
-          </a:bodyPr>
+          <a:bodyPr/>
           <a:lstStyle/>
           <a:p>
-            <a:pPr algn="ctr"/>
-            <a:r>
-              <a:rPr lang="en-CA" sz="1400" dirty="0" smtClean="0">
-                <a:solidFill>
-                  <a:schemeClr val="bg1"/>
-                </a:solidFill>
-              </a:rPr>
-              <a:t>The project’s history</a:t>
-            </a:r>
-            <a:endParaRPr lang="en-CA" sz="1400" dirty="0">
-              <a:solidFill>
-                <a:schemeClr val="bg1"/>
-              </a:solidFill>
-            </a:endParaRPr>
-          </a:p>
-        </p:txBody>
-      </p:sp>
-      <p:sp>
-        <p:nvSpPr>
-          <p:cNvPr id="29" name="TextBox 28"/>
-          <p:cNvSpPr txBox="1"/>
-          <p:nvPr/>
-        </p:nvSpPr>
-        <p:spPr>
-          <a:xfrm>
-            <a:off x="3643178" y="4048525"/>
-            <a:ext cx="1593381" cy="523220"/>
-          </a:xfrm>
-          <a:prstGeom prst="rect">
-            <a:avLst/>
-          </a:prstGeom>
-          <a:noFill/>
-        </p:spPr>
-        <p:txBody>
-          <a:bodyPr wrap="square" rtlCol="0">
-            <a:spAutoFit/>
-          </a:bodyPr>
-          <a:lstStyle/>
-          <a:p>
-            <a:pPr algn="ctr"/>
-            <a:r>
-              <a:rPr lang="en-CA" sz="1400" dirty="0" smtClean="0">
-                <a:solidFill>
-                  <a:schemeClr val="bg1"/>
-                </a:solidFill>
-              </a:rPr>
-              <a:t>Build and test changes</a:t>
-            </a:r>
-            <a:endParaRPr lang="en-CA" sz="1400" dirty="0">
-              <a:solidFill>
-                <a:schemeClr val="bg1"/>
-              </a:solidFill>
-            </a:endParaRPr>
-          </a:p>
-        </p:txBody>
-      </p:sp>
-      <p:sp>
-        <p:nvSpPr>
-          <p:cNvPr id="30" name="TextBox 29"/>
-          <p:cNvSpPr txBox="1"/>
-          <p:nvPr/>
-        </p:nvSpPr>
-        <p:spPr>
-          <a:xfrm>
-            <a:off x="6561525" y="4031362"/>
-            <a:ext cx="1430215" cy="523220"/>
-          </a:xfrm>
-          <a:prstGeom prst="rect">
-            <a:avLst/>
-          </a:prstGeom>
-          <a:noFill/>
-        </p:spPr>
-        <p:txBody>
-          <a:bodyPr wrap="square" rtlCol="0">
-            <a:spAutoFit/>
-          </a:bodyPr>
-          <a:lstStyle/>
-          <a:p>
-            <a:pPr algn="ctr"/>
-            <a:r>
-              <a:rPr lang="en-CA" sz="1400" dirty="0" smtClean="0">
-                <a:solidFill>
-                  <a:schemeClr val="bg1"/>
-                </a:solidFill>
-              </a:rPr>
-              <a:t>Deploy to test environments</a:t>
-            </a:r>
-            <a:endParaRPr lang="en-CA" sz="1400" dirty="0">
-              <a:solidFill>
-                <a:schemeClr val="bg1"/>
-              </a:solidFill>
-            </a:endParaRPr>
-          </a:p>
-        </p:txBody>
-      </p:sp>
-      <p:sp>
-        <p:nvSpPr>
-          <p:cNvPr id="31" name="TextBox 30"/>
-          <p:cNvSpPr txBox="1"/>
-          <p:nvPr/>
-        </p:nvSpPr>
-        <p:spPr>
-          <a:xfrm>
-            <a:off x="9378883" y="4031362"/>
-            <a:ext cx="1430215" cy="523220"/>
-          </a:xfrm>
-          <a:prstGeom prst="rect">
-            <a:avLst/>
-          </a:prstGeom>
-          <a:noFill/>
-        </p:spPr>
-        <p:txBody>
-          <a:bodyPr wrap="square" rtlCol="0">
-            <a:spAutoFit/>
-          </a:bodyPr>
-          <a:lstStyle/>
-          <a:p>
-            <a:pPr algn="ctr"/>
-            <a:r>
-              <a:rPr lang="en-CA" sz="1400" dirty="0" smtClean="0">
-                <a:solidFill>
-                  <a:schemeClr val="bg1"/>
-                </a:solidFill>
-              </a:rPr>
-              <a:t>Deploy to production</a:t>
-            </a:r>
-            <a:endParaRPr lang="en-CA" sz="1400" dirty="0">
-              <a:solidFill>
-                <a:schemeClr val="bg1"/>
-              </a:solidFill>
-            </a:endParaRPr>
-          </a:p>
-        </p:txBody>
-      </p:sp>
-      <p:cxnSp>
-        <p:nvCxnSpPr>
-          <p:cNvPr id="33" name="Straight Connector 32"/>
-          <p:cNvCxnSpPr/>
-          <p:nvPr/>
-        </p:nvCxnSpPr>
-        <p:spPr>
-          <a:xfrm flipV="1">
-            <a:off x="814814" y="3823143"/>
-            <a:ext cx="10109524" cy="2"/>
-          </a:xfrm>
-          <a:prstGeom prst="line">
-            <a:avLst/>
-          </a:prstGeom>
-          <a:ln w="25400">
-            <a:solidFill>
-              <a:schemeClr val="bg1">
-                <a:alpha val="20000"/>
-              </a:schemeClr>
-            </a:solidFill>
-          </a:ln>
-        </p:spPr>
-        <p:style>
-          <a:lnRef idx="1">
-            <a:schemeClr val="accent1"/>
-          </a:lnRef>
-          <a:fillRef idx="0">
-            <a:schemeClr val="accent1"/>
-          </a:fillRef>
-          <a:effectRef idx="0">
-            <a:schemeClr val="accent1"/>
-          </a:effectRef>
-          <a:fontRef idx="minor">
-            <a:schemeClr val="tx1"/>
-          </a:fontRef>
-        </p:style>
-      </p:cxnSp>
-      <p:cxnSp>
-        <p:nvCxnSpPr>
-          <p:cNvPr id="9" name="Straight Arrow Connector 8"/>
-          <p:cNvCxnSpPr/>
-          <p:nvPr/>
-        </p:nvCxnSpPr>
-        <p:spPr>
-          <a:xfrm>
-            <a:off x="2663717" y="3816158"/>
-            <a:ext cx="758493" cy="0"/>
-          </a:xfrm>
-          <a:prstGeom prst="straightConnector1">
-            <a:avLst/>
-          </a:prstGeom>
-          <a:ln w="63500" cap="rnd">
-            <a:solidFill>
-              <a:schemeClr val="bg1">
-                <a:lumMod val="75000"/>
-              </a:schemeClr>
-            </a:solidFill>
-            <a:prstDash val="sysDot"/>
-            <a:tailEnd type="triangle"/>
-          </a:ln>
-        </p:spPr>
-        <p:style>
-          <a:lnRef idx="1">
-            <a:schemeClr val="accent1"/>
-          </a:lnRef>
-          <a:fillRef idx="0">
-            <a:schemeClr val="accent1"/>
-          </a:fillRef>
-          <a:effectRef idx="0">
-            <a:schemeClr val="accent1"/>
-          </a:effectRef>
-          <a:fontRef idx="minor">
-            <a:schemeClr val="tx1"/>
-          </a:fontRef>
-        </p:style>
-      </p:cxnSp>
-      <p:cxnSp>
-        <p:nvCxnSpPr>
-          <p:cNvPr id="11" name="Straight Arrow Connector 10"/>
-          <p:cNvCxnSpPr/>
-          <p:nvPr/>
-        </p:nvCxnSpPr>
-        <p:spPr>
-          <a:xfrm>
-            <a:off x="5477836" y="3823143"/>
-            <a:ext cx="758493" cy="0"/>
-          </a:xfrm>
-          <a:prstGeom prst="straightConnector1">
-            <a:avLst/>
-          </a:prstGeom>
-          <a:ln w="63500" cap="rnd">
-            <a:solidFill>
-              <a:schemeClr val="bg1">
-                <a:lumMod val="75000"/>
-              </a:schemeClr>
-            </a:solidFill>
-            <a:prstDash val="sysDot"/>
-            <a:tailEnd type="triangle"/>
-          </a:ln>
-        </p:spPr>
-        <p:style>
-          <a:lnRef idx="1">
-            <a:schemeClr val="accent1"/>
-          </a:lnRef>
-          <a:fillRef idx="0">
-            <a:schemeClr val="accent1"/>
-          </a:fillRef>
-          <a:effectRef idx="0">
-            <a:schemeClr val="accent1"/>
-          </a:effectRef>
-          <a:fontRef idx="minor">
-            <a:schemeClr val="tx1"/>
-          </a:fontRef>
-        </p:style>
-      </p:cxnSp>
-      <p:cxnSp>
-        <p:nvCxnSpPr>
-          <p:cNvPr id="12" name="Straight Arrow Connector 11"/>
-          <p:cNvCxnSpPr/>
-          <p:nvPr/>
-        </p:nvCxnSpPr>
-        <p:spPr>
-          <a:xfrm>
-            <a:off x="8282901" y="3823143"/>
-            <a:ext cx="758493" cy="0"/>
-          </a:xfrm>
-          <a:prstGeom prst="straightConnector1">
-            <a:avLst/>
-          </a:prstGeom>
-          <a:ln w="63500" cap="rnd">
-            <a:solidFill>
-              <a:schemeClr val="bg1">
-                <a:lumMod val="75000"/>
-              </a:schemeClr>
-            </a:solidFill>
-            <a:prstDash val="sysDot"/>
-            <a:tailEnd type="triangle"/>
-          </a:ln>
-        </p:spPr>
-        <p:style>
-          <a:lnRef idx="1">
-            <a:schemeClr val="accent1"/>
-          </a:lnRef>
-          <a:fillRef idx="0">
-            <a:schemeClr val="accent1"/>
-          </a:fillRef>
-          <a:effectRef idx="0">
-            <a:schemeClr val="accent1"/>
-          </a:effectRef>
-          <a:fontRef idx="minor">
-            <a:schemeClr val="tx1"/>
-          </a:fontRef>
-        </p:style>
-      </p:cxnSp>
-      <p:sp>
-        <p:nvSpPr>
-          <p:cNvPr id="35" name="Oval 34"/>
-          <p:cNvSpPr/>
-          <p:nvPr/>
-        </p:nvSpPr>
-        <p:spPr>
-          <a:xfrm>
-            <a:off x="604587" y="2621392"/>
-            <a:ext cx="416459" cy="416459"/>
-          </a:xfrm>
-          <a:prstGeom prst="ellipse">
-            <a:avLst/>
-          </a:prstGeom>
-          <a:solidFill>
-            <a:srgbClr val="00B050"/>
-          </a:solidFill>
-          <a:ln>
-            <a:noFill/>
-          </a:ln>
-        </p:spPr>
-        <p:style>
-          <a:lnRef idx="2">
-            <a:schemeClr val="accent1">
-              <a:shade val="50000"/>
-            </a:schemeClr>
-          </a:lnRef>
-          <a:fillRef idx="1">
-            <a:schemeClr val="accent1"/>
-          </a:fillRef>
-          <a:effectRef idx="0">
-            <a:schemeClr val="accent1"/>
-          </a:effectRef>
-          <a:fontRef idx="minor">
-            <a:schemeClr val="lt1"/>
-          </a:fontRef>
-        </p:style>
-        <p:txBody>
-          <a:bodyPr rtlCol="0" anchor="ctr"/>
-          <a:lstStyle/>
-          <a:p>
-            <a:pPr algn="ctr"/>
-            <a:r>
-              <a:rPr lang="en-CA" b="1" dirty="0" smtClean="0"/>
-              <a:t>1</a:t>
-            </a:r>
-            <a:endParaRPr lang="en-CA" b="1" dirty="0"/>
-          </a:p>
-        </p:txBody>
-      </p:sp>
-      <p:sp>
-        <p:nvSpPr>
-          <p:cNvPr id="36" name="Oval 35"/>
-          <p:cNvSpPr/>
-          <p:nvPr/>
-        </p:nvSpPr>
-        <p:spPr>
-          <a:xfrm>
-            <a:off x="3405792" y="2598133"/>
-            <a:ext cx="416459" cy="416459"/>
-          </a:xfrm>
-          <a:prstGeom prst="ellipse">
-            <a:avLst/>
-          </a:prstGeom>
-          <a:solidFill>
-            <a:srgbClr val="00B050"/>
-          </a:solidFill>
-          <a:ln>
-            <a:noFill/>
-          </a:ln>
-        </p:spPr>
-        <p:style>
-          <a:lnRef idx="2">
-            <a:schemeClr val="accent1">
-              <a:shade val="50000"/>
-            </a:schemeClr>
-          </a:lnRef>
-          <a:fillRef idx="1">
-            <a:schemeClr val="accent1"/>
-          </a:fillRef>
-          <a:effectRef idx="0">
-            <a:schemeClr val="accent1"/>
-          </a:effectRef>
-          <a:fontRef idx="minor">
-            <a:schemeClr val="lt1"/>
-          </a:fontRef>
-        </p:style>
-        <p:txBody>
-          <a:bodyPr rtlCol="0" anchor="ctr"/>
-          <a:lstStyle/>
-          <a:p>
-            <a:pPr algn="ctr"/>
-            <a:r>
-              <a:rPr lang="en-CA" b="1" dirty="0" smtClean="0"/>
-              <a:t>2</a:t>
-            </a:r>
-            <a:endParaRPr lang="en-CA" b="1" dirty="0"/>
-          </a:p>
-        </p:txBody>
-      </p:sp>
-      <p:sp>
-        <p:nvSpPr>
-          <p:cNvPr id="37" name="Oval 36"/>
-          <p:cNvSpPr/>
-          <p:nvPr/>
-        </p:nvSpPr>
-        <p:spPr>
-          <a:xfrm>
-            <a:off x="6191089" y="2634396"/>
-            <a:ext cx="416459" cy="416459"/>
-          </a:xfrm>
-          <a:prstGeom prst="ellipse">
-            <a:avLst/>
-          </a:prstGeom>
-          <a:solidFill>
-            <a:srgbClr val="00B050"/>
-          </a:solidFill>
-          <a:ln>
-            <a:noFill/>
-          </a:ln>
-        </p:spPr>
-        <p:style>
-          <a:lnRef idx="2">
-            <a:schemeClr val="accent1">
-              <a:shade val="50000"/>
-            </a:schemeClr>
-          </a:lnRef>
-          <a:fillRef idx="1">
-            <a:schemeClr val="accent1"/>
-          </a:fillRef>
-          <a:effectRef idx="0">
-            <a:schemeClr val="accent1"/>
-          </a:effectRef>
-          <a:fontRef idx="minor">
-            <a:schemeClr val="lt1"/>
-          </a:fontRef>
-        </p:style>
-        <p:txBody>
-          <a:bodyPr rtlCol="0" anchor="ctr"/>
-          <a:lstStyle/>
-          <a:p>
-            <a:pPr algn="ctr"/>
-            <a:r>
-              <a:rPr lang="en-CA" b="1" dirty="0" smtClean="0"/>
-              <a:t>3</a:t>
-            </a:r>
-            <a:endParaRPr lang="en-CA" b="1" dirty="0"/>
-          </a:p>
-        </p:txBody>
-      </p:sp>
-      <p:sp>
-        <p:nvSpPr>
-          <p:cNvPr id="38" name="Oval 37"/>
-          <p:cNvSpPr/>
-          <p:nvPr/>
-        </p:nvSpPr>
-        <p:spPr>
-          <a:xfrm>
-            <a:off x="9062980" y="2634395"/>
-            <a:ext cx="416459" cy="416459"/>
-          </a:xfrm>
-          <a:prstGeom prst="ellipse">
-            <a:avLst/>
-          </a:prstGeom>
-          <a:solidFill>
-            <a:srgbClr val="00B050"/>
-          </a:solidFill>
-          <a:ln>
-            <a:noFill/>
-          </a:ln>
-        </p:spPr>
-        <p:style>
-          <a:lnRef idx="2">
-            <a:schemeClr val="accent1">
-              <a:shade val="50000"/>
-            </a:schemeClr>
-          </a:lnRef>
-          <a:fillRef idx="1">
-            <a:schemeClr val="accent1"/>
-          </a:fillRef>
-          <a:effectRef idx="0">
-            <a:schemeClr val="accent1"/>
-          </a:effectRef>
-          <a:fontRef idx="minor">
-            <a:schemeClr val="lt1"/>
-          </a:fontRef>
-        </p:style>
-        <p:txBody>
-          <a:bodyPr rtlCol="0" anchor="ctr"/>
-          <a:lstStyle/>
-          <a:p>
-            <a:pPr algn="ctr"/>
-            <a:r>
-              <a:rPr lang="en-CA" b="1" dirty="0"/>
-              <a:t>4</a:t>
-            </a:r>
+            <a:fld id="{105822BA-B7AE-4DDB-BAFC-C8E55FB5C986}" type="slidenum">
+              <a:rPr lang="en-CA" smtClean="0"/>
+              <a:pPr/>
+              <a:t>11</a:t>
+            </a:fld>
+            <a:r>
+              <a:rPr lang="en-CA" smtClean="0"/>
+              <a:t> </a:t>
+            </a:r>
+            <a:endParaRPr lang="en-CA" dirty="0"/>
           </a:p>
         </p:txBody>
       </p:sp>
@@ -5626,165 +5691,6 @@
       </p:grpSpPr>
       <p:sp>
         <p:nvSpPr>
-          <p:cNvPr id="15" name="Rectangle 14"/>
-          <p:cNvSpPr/>
-          <p:nvPr/>
-        </p:nvSpPr>
-        <p:spPr>
-          <a:xfrm>
-            <a:off x="1199808" y="1267485"/>
-            <a:ext cx="2290527" cy="4481465"/>
-          </a:xfrm>
-          <a:prstGeom prst="rect">
-            <a:avLst/>
-          </a:prstGeom>
-          <a:solidFill>
-            <a:schemeClr val="bg1"/>
-          </a:solidFill>
-          <a:ln>
-            <a:noFill/>
-          </a:ln>
-          <a:effectLst>
-            <a:outerShdw blurRad="127000" dist="38100" dir="5400000" algn="t" rotWithShape="0">
-              <a:prstClr val="black">
-                <a:alpha val="20000"/>
-              </a:prstClr>
-            </a:outerShdw>
-          </a:effectLst>
-        </p:spPr>
-        <p:style>
-          <a:lnRef idx="2">
-            <a:schemeClr val="accent1">
-              <a:shade val="50000"/>
-            </a:schemeClr>
-          </a:lnRef>
-          <a:fillRef idx="1">
-            <a:schemeClr val="accent1"/>
-          </a:fillRef>
-          <a:effectRef idx="0">
-            <a:schemeClr val="accent1"/>
-          </a:effectRef>
-          <a:fontRef idx="minor">
-            <a:schemeClr val="lt1"/>
-          </a:fontRef>
-        </p:style>
-        <p:txBody>
-          <a:bodyPr rtlCol="0" anchor="ctr"/>
-          <a:lstStyle/>
-          <a:p>
-            <a:pPr algn="ctr"/>
-            <a:endParaRPr lang="en-CA"/>
-          </a:p>
-        </p:txBody>
-      </p:sp>
-      <p:sp>
-        <p:nvSpPr>
-          <p:cNvPr id="16" name="Rectangle 15"/>
-          <p:cNvSpPr/>
-          <p:nvPr/>
-        </p:nvSpPr>
-        <p:spPr>
-          <a:xfrm>
-            <a:off x="4921273" y="1267484"/>
-            <a:ext cx="2290527" cy="4481465"/>
-          </a:xfrm>
-          <a:prstGeom prst="rect">
-            <a:avLst/>
-          </a:prstGeom>
-          <a:solidFill>
-            <a:schemeClr val="bg1"/>
-          </a:solidFill>
-          <a:ln>
-            <a:noFill/>
-          </a:ln>
-          <a:effectLst>
-            <a:outerShdw blurRad="127000" dist="38100" dir="5400000" algn="t" rotWithShape="0">
-              <a:prstClr val="black">
-                <a:alpha val="20000"/>
-              </a:prstClr>
-            </a:outerShdw>
-          </a:effectLst>
-        </p:spPr>
-        <p:style>
-          <a:lnRef idx="2">
-            <a:schemeClr val="accent1">
-              <a:shade val="50000"/>
-            </a:schemeClr>
-          </a:lnRef>
-          <a:fillRef idx="1">
-            <a:schemeClr val="accent1"/>
-          </a:fillRef>
-          <a:effectRef idx="0">
-            <a:schemeClr val="accent1"/>
-          </a:effectRef>
-          <a:fontRef idx="minor">
-            <a:schemeClr val="lt1"/>
-          </a:fontRef>
-        </p:style>
-        <p:txBody>
-          <a:bodyPr rtlCol="0" anchor="ctr"/>
-          <a:lstStyle/>
-          <a:p>
-            <a:pPr algn="ctr"/>
-            <a:endParaRPr lang="en-CA"/>
-          </a:p>
-        </p:txBody>
-      </p:sp>
-      <p:sp>
-        <p:nvSpPr>
-          <p:cNvPr id="17" name="Rectangle 16"/>
-          <p:cNvSpPr/>
-          <p:nvPr/>
-        </p:nvSpPr>
-        <p:spPr>
-          <a:xfrm>
-            <a:off x="8531704" y="1267484"/>
-            <a:ext cx="2290527" cy="4481465"/>
-          </a:xfrm>
-          <a:prstGeom prst="rect">
-            <a:avLst/>
-          </a:prstGeom>
-          <a:solidFill>
-            <a:schemeClr val="bg1"/>
-          </a:solidFill>
-          <a:ln>
-            <a:noFill/>
-          </a:ln>
-          <a:effectLst>
-            <a:outerShdw blurRad="127000" dist="38100" dir="5400000" algn="t" rotWithShape="0">
-              <a:prstClr val="black">
-                <a:alpha val="20000"/>
-              </a:prstClr>
-            </a:outerShdw>
-          </a:effectLst>
-        </p:spPr>
-        <p:style>
-          <a:lnRef idx="2">
-            <a:schemeClr val="accent1">
-              <a:shade val="50000"/>
-            </a:schemeClr>
-          </a:lnRef>
-          <a:fillRef idx="1">
-            <a:schemeClr val="accent1"/>
-          </a:fillRef>
-          <a:effectRef idx="0">
-            <a:schemeClr val="accent1"/>
-          </a:effectRef>
-          <a:fontRef idx="minor">
-            <a:schemeClr val="lt1"/>
-          </a:fontRef>
-        </p:style>
-        <p:txBody>
-          <a:bodyPr rtlCol="0" anchor="ctr"/>
-          <a:lstStyle/>
-          <a:p>
-            <a:pPr algn="ctr"/>
-            <a:endParaRPr lang="en-CA"/>
-          </a:p>
-        </p:txBody>
-      </p:sp>
-      <p:sp>
-        <p:nvSpPr>
           <p:cNvPr id="2" name="Title 1"/>
           <p:cNvSpPr>
             <a:spLocks noGrp="1"/>
@@ -5806,100 +5712,218 @@
           </a:p>
         </p:txBody>
       </p:sp>
-      <p:sp>
-        <p:nvSpPr>
-          <p:cNvPr id="4" name="Slide Number Placeholder 3"/>
-          <p:cNvSpPr>
-            <a:spLocks noGrp="1"/>
-          </p:cNvSpPr>
-          <p:nvPr>
-            <p:ph type="sldNum" sz="quarter" idx="4"/>
-          </p:nvPr>
-        </p:nvSpPr>
-        <p:spPr/>
-        <p:txBody>
-          <a:bodyPr/>
-          <a:lstStyle/>
-          <a:p>
-            <a:fld id="{105822BA-B7AE-4DDB-BAFC-C8E55FB5C986}" type="slidenum">
-              <a:rPr lang="en-CA" smtClean="0"/>
-              <a:pPr/>
-              <a:t>12</a:t>
-            </a:fld>
-            <a:r>
-              <a:rPr lang="en-CA" smtClean="0"/>
-              <a:t> </a:t>
-            </a:r>
-            <a:endParaRPr lang="en-CA" dirty="0"/>
-          </a:p>
-        </p:txBody>
-      </p:sp>
       <p:pic>
         <p:nvPicPr>
-          <p:cNvPr id="6" name="Picture 5"/>
+          <p:cNvPr id="5" name="__EngageSlideDescription__" descr="slide description : Outline of the tools and services used"/>
           <p:cNvPicPr>
-            <a:picLocks noChangeAspect="1"/>
+            <a:picLocks/>
           </p:cNvPicPr>
           <p:nvPr/>
         </p:nvPicPr>
         <p:blipFill>
-          <a:blip r:embed="rId2" cstate="print">
-            <a:extLst>
-              <a:ext uri="{28A0092B-C50C-407E-A947-70E740481C1C}">
-                <a14:useLocalDpi xmlns:a14="http://schemas.microsoft.com/office/drawing/2010/main" val="0"/>
-              </a:ext>
-            </a:extLst>
-          </a:blip>
+          <a:blip r:embed="rId3"/>
           <a:stretch>
             <a:fillRect/>
           </a:stretch>
         </p:blipFill>
         <p:spPr>
           <a:xfrm>
-            <a:off x="1606845" y="4057767"/>
-            <a:ext cx="1417413" cy="1063060"/>
+            <a:off x="428400" y="785288"/>
+            <a:ext cx="12700" cy="12700"/>
           </a:xfrm>
           <a:prstGeom prst="rect">
             <a:avLst/>
           </a:prstGeom>
+          <a:ln/>
         </p:spPr>
       </p:pic>
+      <p:grpSp>
+        <p:nvGrpSpPr>
+          <p:cNvPr id="3" name="Group 2"/>
+          <p:cNvGrpSpPr/>
+          <p:nvPr>
+            <p:custDataLst>
+              <p:tags r:id="rId1"/>
+            </p:custDataLst>
+          </p:nvPr>
+        </p:nvGrpSpPr>
+        <p:grpSpPr>
+          <a:xfrm>
+            <a:off x="1199808" y="1267484"/>
+            <a:ext cx="9622423" cy="4481466"/>
+            <a:chOff x="1199808" y="1267484"/>
+            <a:chExt cx="9622423" cy="4481466"/>
+          </a:xfrm>
+        </p:grpSpPr>
+        <p:sp>
+          <p:nvSpPr>
+            <p:cNvPr id="15" name="Rectangle 14"/>
+            <p:cNvSpPr/>
+            <p:nvPr/>
+          </p:nvSpPr>
+          <p:spPr>
+            <a:xfrm>
+              <a:off x="1199808" y="1267485"/>
+              <a:ext cx="2290527" cy="4481465"/>
+            </a:xfrm>
+            <a:prstGeom prst="rect">
+              <a:avLst/>
+            </a:prstGeom>
+            <a:solidFill>
+              <a:schemeClr val="bg1"/>
+            </a:solidFill>
+            <a:ln>
+              <a:noFill/>
+            </a:ln>
+            <a:effectLst>
+              <a:outerShdw blurRad="127000" dist="38100" dir="5400000" algn="t" rotWithShape="0">
+                <a:prstClr val="black">
+                  <a:alpha val="20000"/>
+                </a:prstClr>
+              </a:outerShdw>
+            </a:effectLst>
+          </p:spPr>
+          <p:style>
+            <a:lnRef idx="2">
+              <a:schemeClr val="accent1">
+                <a:shade val="50000"/>
+              </a:schemeClr>
+            </a:lnRef>
+            <a:fillRef idx="1">
+              <a:schemeClr val="accent1"/>
+            </a:fillRef>
+            <a:effectRef idx="0">
+              <a:schemeClr val="accent1"/>
+            </a:effectRef>
+            <a:fontRef idx="minor">
+              <a:schemeClr val="lt1"/>
+            </a:fontRef>
+          </p:style>
+          <p:txBody>
+            <a:bodyPr rtlCol="0" anchor="ctr"/>
+            <a:lstStyle/>
+            <a:p>
+              <a:pPr algn="ctr"/>
+              <a:endParaRPr lang="en-CA"/>
+            </a:p>
+          </p:txBody>
+        </p:sp>
+        <p:sp>
+          <p:nvSpPr>
+            <p:cNvPr id="16" name="Rectangle 15"/>
+            <p:cNvSpPr/>
+            <p:nvPr/>
+          </p:nvSpPr>
+          <p:spPr>
+            <a:xfrm>
+              <a:off x="4921273" y="1267484"/>
+              <a:ext cx="2290527" cy="4481465"/>
+            </a:xfrm>
+            <a:prstGeom prst="rect">
+              <a:avLst/>
+            </a:prstGeom>
+            <a:solidFill>
+              <a:schemeClr val="bg1"/>
+            </a:solidFill>
+            <a:ln>
+              <a:noFill/>
+            </a:ln>
+            <a:effectLst>
+              <a:outerShdw blurRad="127000" dist="38100" dir="5400000" algn="t" rotWithShape="0">
+                <a:prstClr val="black">
+                  <a:alpha val="20000"/>
+                </a:prstClr>
+              </a:outerShdw>
+            </a:effectLst>
+          </p:spPr>
+          <p:style>
+            <a:lnRef idx="2">
+              <a:schemeClr val="accent1">
+                <a:shade val="50000"/>
+              </a:schemeClr>
+            </a:lnRef>
+            <a:fillRef idx="1">
+              <a:schemeClr val="accent1"/>
+            </a:fillRef>
+            <a:effectRef idx="0">
+              <a:schemeClr val="accent1"/>
+            </a:effectRef>
+            <a:fontRef idx="minor">
+              <a:schemeClr val="lt1"/>
+            </a:fontRef>
+          </p:style>
+          <p:txBody>
+            <a:bodyPr rtlCol="0" anchor="ctr"/>
+            <a:lstStyle/>
+            <a:p>
+              <a:pPr algn="ctr"/>
+              <a:endParaRPr lang="en-CA"/>
+            </a:p>
+          </p:txBody>
+        </p:sp>
+        <p:sp>
+          <p:nvSpPr>
+            <p:cNvPr id="17" name="Rectangle 16"/>
+            <p:cNvSpPr/>
+            <p:nvPr/>
+          </p:nvSpPr>
+          <p:spPr>
+            <a:xfrm>
+              <a:off x="8531704" y="1267484"/>
+              <a:ext cx="2290527" cy="4481465"/>
+            </a:xfrm>
+            <a:prstGeom prst="rect">
+              <a:avLst/>
+            </a:prstGeom>
+            <a:solidFill>
+              <a:schemeClr val="bg1"/>
+            </a:solidFill>
+            <a:ln>
+              <a:noFill/>
+            </a:ln>
+            <a:effectLst>
+              <a:outerShdw blurRad="127000" dist="38100" dir="5400000" algn="t" rotWithShape="0">
+                <a:prstClr val="black">
+                  <a:alpha val="20000"/>
+                </a:prstClr>
+              </a:outerShdw>
+            </a:effectLst>
+          </p:spPr>
+          <p:style>
+            <a:lnRef idx="2">
+              <a:schemeClr val="accent1">
+                <a:shade val="50000"/>
+              </a:schemeClr>
+            </a:lnRef>
+            <a:fillRef idx="1">
+              <a:schemeClr val="accent1"/>
+            </a:fillRef>
+            <a:effectRef idx="0">
+              <a:schemeClr val="accent1"/>
+            </a:effectRef>
+            <a:fontRef idx="minor">
+              <a:schemeClr val="lt1"/>
+            </a:fontRef>
+          </p:style>
+          <p:txBody>
+            <a:bodyPr rtlCol="0" anchor="ctr"/>
+            <a:lstStyle/>
+            <a:p>
+              <a:pPr algn="ctr"/>
+              <a:endParaRPr lang="en-CA"/>
+            </a:p>
+          </p:txBody>
+        </p:sp>
+      </p:grpSp>
       <p:pic>
         <p:nvPicPr>
-          <p:cNvPr id="8" name="Content Placeholder 7"/>
+          <p:cNvPr id="8" name="Content Placeholder 7" descr="Azure"/>
           <p:cNvPicPr>
             <a:picLocks noGrp="1" noChangeAspect="1"/>
           </p:cNvPicPr>
           <p:nvPr>
             <p:ph idx="1"/>
           </p:nvPr>
-        </p:nvPicPr>
-        <p:blipFill>
-          <a:blip r:embed="rId3" cstate="print">
-            <a:extLst>
-              <a:ext uri="{28A0092B-C50C-407E-A947-70E740481C1C}">
-                <a14:useLocalDpi xmlns:a14="http://schemas.microsoft.com/office/drawing/2010/main" val="0"/>
-              </a:ext>
-            </a:extLst>
-          </a:blip>
-          <a:stretch>
-            <a:fillRect/>
-          </a:stretch>
-        </p:blipFill>
-        <p:spPr>
-          <a:xfrm>
-            <a:off x="1110220" y="1747349"/>
-            <a:ext cx="2410661" cy="1576974"/>
-          </a:xfrm>
-        </p:spPr>
-      </p:pic>
-      <p:pic>
-        <p:nvPicPr>
-          <p:cNvPr id="9" name="Picture 8"/>
-          <p:cNvPicPr>
-            <a:picLocks noChangeAspect="1"/>
-          </p:cNvPicPr>
-          <p:nvPr/>
         </p:nvPicPr>
         <p:blipFill>
           <a:blip r:embed="rId4" cstate="print">
@@ -5915,17 +5939,14 @@
         </p:blipFill>
         <p:spPr>
           <a:xfrm>
-            <a:off x="5206307" y="3647790"/>
-            <a:ext cx="1782968" cy="1780338"/>
-          </a:xfrm>
-          <a:prstGeom prst="rect">
-            <a:avLst/>
-          </a:prstGeom>
+            <a:off x="1110220" y="1747349"/>
+            <a:ext cx="2410661" cy="1576974"/>
+          </a:xfrm>
         </p:spPr>
       </p:pic>
       <p:pic>
         <p:nvPicPr>
-          <p:cNvPr id="11" name="Picture 10"/>
+          <p:cNvPr id="6" name="Picture 5" descr="AWS"/>
           <p:cNvPicPr>
             <a:picLocks noChangeAspect="1"/>
           </p:cNvPicPr>
@@ -5945,17 +5966,52 @@
         </p:blipFill>
         <p:spPr>
           <a:xfrm>
-            <a:off x="5576310" y="1813997"/>
-            <a:ext cx="980452" cy="1206364"/>
+            <a:off x="1606845" y="4057767"/>
+            <a:ext cx="1417413" cy="1063060"/>
           </a:xfrm>
           <a:prstGeom prst="rect">
             <a:avLst/>
           </a:prstGeom>
         </p:spPr>
       </p:pic>
+      <p:sp>
+        <p:nvSpPr>
+          <p:cNvPr id="18" name="TextBox 17"/>
+          <p:cNvSpPr txBox="1"/>
+          <p:nvPr/>
+        </p:nvSpPr>
+        <p:spPr>
+          <a:xfrm>
+            <a:off x="689140" y="5863359"/>
+            <a:ext cx="3252824" cy="374526"/>
+          </a:xfrm>
+          <a:prstGeom prst="rect">
+            <a:avLst/>
+          </a:prstGeom>
+          <a:noFill/>
+        </p:spPr>
+        <p:txBody>
+          <a:bodyPr wrap="square" rtlCol="0">
+            <a:spAutoFit/>
+          </a:bodyPr>
+          <a:lstStyle/>
+          <a:p>
+            <a:pPr algn="ctr">
+              <a:lnSpc>
+                <a:spcPct val="150000"/>
+              </a:lnSpc>
+            </a:pPr>
+            <a:r>
+              <a:rPr lang="en-CA" sz="1400" dirty="0" smtClean="0"/>
+              <a:t>Cloud</a:t>
+            </a:r>
+            <a:endParaRPr lang="en-CA" sz="1400" dirty="0"/>
+          </a:p>
+        </p:txBody>
+      </p:sp>
       <p:pic>
         <p:nvPicPr>
-          <p:cNvPr id="12" name="Picture 11"/>
+          <p:cNvPr id="11" name="Picture 10" descr="Ansible"/>
           <p:cNvPicPr>
             <a:picLocks noChangeAspect="1"/>
           </p:cNvPicPr>
@@ -5975,8 +6031,8 @@
         </p:blipFill>
         <p:spPr>
           <a:xfrm>
-            <a:off x="9056055" y="3987654"/>
-            <a:ext cx="1332358" cy="1203286"/>
+            <a:off x="5576310" y="1813997"/>
+            <a:ext cx="980452" cy="1206364"/>
           </a:xfrm>
           <a:prstGeom prst="rect">
             <a:avLst/>
@@ -5985,7 +6041,7 @@
       </p:pic>
       <p:pic>
         <p:nvPicPr>
-          <p:cNvPr id="14" name="Picture 13"/>
+          <p:cNvPr id="9" name="Picture 8" descr="Terraform"/>
           <p:cNvPicPr>
             <a:picLocks noChangeAspect="1"/>
           </p:cNvPicPr>
@@ -6005,49 +6061,14 @@
         </p:blipFill>
         <p:spPr>
           <a:xfrm>
-            <a:off x="8954654" y="1659803"/>
-            <a:ext cx="1535160" cy="1535160"/>
+            <a:off x="5206307" y="3647790"/>
+            <a:ext cx="1782968" cy="1780338"/>
           </a:xfrm>
           <a:prstGeom prst="rect">
             <a:avLst/>
           </a:prstGeom>
         </p:spPr>
       </p:pic>
-      <p:sp>
-        <p:nvSpPr>
-          <p:cNvPr id="18" name="TextBox 17"/>
-          <p:cNvSpPr txBox="1"/>
-          <p:nvPr/>
-        </p:nvSpPr>
-        <p:spPr>
-          <a:xfrm>
-            <a:off x="689140" y="5863359"/>
-            <a:ext cx="3252824" cy="374526"/>
-          </a:xfrm>
-          <a:prstGeom prst="rect">
-            <a:avLst/>
-          </a:prstGeom>
-          <a:noFill/>
-        </p:spPr>
-        <p:txBody>
-          <a:bodyPr wrap="square" rtlCol="0">
-            <a:spAutoFit/>
-          </a:bodyPr>
-          <a:lstStyle/>
-          <a:p>
-            <a:pPr algn="ctr">
-              <a:lnSpc>
-                <a:spcPct val="150000"/>
-              </a:lnSpc>
-            </a:pPr>
-            <a:r>
-              <a:rPr lang="en-CA" sz="1400" dirty="0" smtClean="0"/>
-              <a:t>Cloud</a:t>
-            </a:r>
-            <a:endParaRPr lang="en-CA" sz="1400" dirty="0"/>
-          </a:p>
-        </p:txBody>
-      </p:sp>
       <p:sp>
         <p:nvSpPr>
           <p:cNvPr id="19" name="TextBox 18"/>
@@ -6083,6 +6104,66 @@
           </a:p>
         </p:txBody>
       </p:sp>
+      <p:pic>
+        <p:nvPicPr>
+          <p:cNvPr id="14" name="Picture 13" descr="Azure DevOps"/>
+          <p:cNvPicPr>
+            <a:picLocks noChangeAspect="1"/>
+          </p:cNvPicPr>
+          <p:nvPr/>
+        </p:nvPicPr>
+        <p:blipFill>
+          <a:blip r:embed="rId8" cstate="print">
+            <a:extLst>
+              <a:ext uri="{28A0092B-C50C-407E-A947-70E740481C1C}">
+                <a14:useLocalDpi xmlns:a14="http://schemas.microsoft.com/office/drawing/2010/main" val="0"/>
+              </a:ext>
+            </a:extLst>
+          </a:blip>
+          <a:stretch>
+            <a:fillRect/>
+          </a:stretch>
+        </p:blipFill>
+        <p:spPr>
+          <a:xfrm>
+            <a:off x="8954654" y="1659803"/>
+            <a:ext cx="1535160" cy="1535160"/>
+          </a:xfrm>
+          <a:prstGeom prst="rect">
+            <a:avLst/>
+          </a:prstGeom>
+        </p:spPr>
+      </p:pic>
+      <p:pic>
+        <p:nvPicPr>
+          <p:cNvPr id="12" name="Picture 11" descr="GitHub"/>
+          <p:cNvPicPr>
+            <a:picLocks noChangeAspect="1"/>
+          </p:cNvPicPr>
+          <p:nvPr/>
+        </p:nvPicPr>
+        <p:blipFill>
+          <a:blip r:embed="rId9" cstate="print">
+            <a:extLst>
+              <a:ext uri="{28A0092B-C50C-407E-A947-70E740481C1C}">
+                <a14:useLocalDpi xmlns:a14="http://schemas.microsoft.com/office/drawing/2010/main" val="0"/>
+              </a:ext>
+            </a:extLst>
+          </a:blip>
+          <a:stretch>
+            <a:fillRect/>
+          </a:stretch>
+        </p:blipFill>
+        <p:spPr>
+          <a:xfrm>
+            <a:off x="9056055" y="3987654"/>
+            <a:ext cx="1332358" cy="1203286"/>
+          </a:xfrm>
+          <a:prstGeom prst="rect">
+            <a:avLst/>
+          </a:prstGeom>
+        </p:spPr>
+      </p:pic>
       <p:sp>
         <p:nvSpPr>
           <p:cNvPr id="20" name="TextBox 19"/>
@@ -6115,6 +6196,34 @@
               <a:t>Version control</a:t>
             </a:r>
             <a:endParaRPr lang="en-CA" sz="1400" dirty="0"/>
+          </a:p>
+        </p:txBody>
+      </p:sp>
+      <p:sp>
+        <p:nvSpPr>
+          <p:cNvPr id="4" name="Slide Number Placeholder 3"/>
+          <p:cNvSpPr>
+            <a:spLocks noGrp="1"/>
+          </p:cNvSpPr>
+          <p:nvPr>
+            <p:ph type="sldNum" sz="quarter" idx="4"/>
+          </p:nvPr>
+        </p:nvSpPr>
+        <p:spPr/>
+        <p:txBody>
+          <a:bodyPr/>
+          <a:lstStyle/>
+          <a:p>
+            <a:fld id="{105822BA-B7AE-4DDB-BAFC-C8E55FB5C986}" type="slidenum">
+              <a:rPr lang="en-CA" smtClean="0"/>
+              <a:pPr/>
+              <a:t>12</a:t>
+            </a:fld>
+            <a:r>
+              <a:rPr lang="en-CA" smtClean="0"/>
+              <a:t> </a:t>
+            </a:r>
+            <a:endParaRPr lang="en-CA" dirty="0"/>
           </a:p>
         </p:txBody>
       </p:sp>
@@ -6178,6 +6287,31 @@
           </a:p>
         </p:txBody>
       </p:sp>
+      <p:pic>
+        <p:nvPicPr>
+          <p:cNvPr id="6" name="__EngageSlideDescription__" descr="slide description : Contact details for our team"/>
+          <p:cNvPicPr>
+            <a:picLocks/>
+          </p:cNvPicPr>
+          <p:nvPr/>
+        </p:nvPicPr>
+        <p:blipFill>
+          <a:blip r:embed="rId3"/>
+          <a:stretch>
+            <a:fillRect/>
+          </a:stretch>
+        </p:blipFill>
+        <p:spPr>
+          <a:xfrm>
+            <a:off x="428400" y="785288"/>
+            <a:ext cx="12700" cy="12700"/>
+          </a:xfrm>
+          <a:prstGeom prst="rect">
+            <a:avLst/>
+          </a:prstGeom>
+          <a:ln/>
+        </p:spPr>
+      </p:pic>
       <p:sp>
         <p:nvSpPr>
           <p:cNvPr id="3" name="Content Placeholder 2"/>
@@ -6210,10 +6344,6 @@
               <a:rPr lang="en-CA" dirty="0" smtClean="0"/>
               <a:t>@canada.ca</a:t>
             </a:r>
-            <a:r>
-              <a:rPr lang="en-CA" dirty="0" smtClean="0"/>
-              <a:t/>
-            </a:r>
             <a:br>
               <a:rPr lang="en-CA" dirty="0" smtClean="0"/>
             </a:br>
@@ -6231,10 +6361,6 @@
             <a:r>
               <a:rPr lang="en-CA" dirty="0" smtClean="0"/>
               <a:t>@canada.ca</a:t>
-            </a:r>
-            <a:r>
-              <a:rPr lang="en-CA" dirty="0" smtClean="0"/>
-              <a:t/>
             </a:r>
             <a:br>
               <a:rPr lang="en-CA" dirty="0" smtClean="0"/>
@@ -6269,6 +6395,40 @@
           </a:p>
         </p:txBody>
       </p:sp>
+      <p:pic>
+        <p:nvPicPr>
+          <p:cNvPr id="5" name="Picture 4" descr="Waving hand emoji"/>
+          <p:cNvPicPr>
+            <a:picLocks noChangeAspect="1"/>
+          </p:cNvPicPr>
+          <p:nvPr>
+            <p:custDataLst>
+              <p:tags r:id="rId1"/>
+            </p:custDataLst>
+          </p:nvPr>
+        </p:nvPicPr>
+        <p:blipFill>
+          <a:blip r:embed="rId4">
+            <a:extLst>
+              <a:ext uri="{28A0092B-C50C-407E-A947-70E740481C1C}">
+                <a14:useLocalDpi xmlns:a14="http://schemas.microsoft.com/office/drawing/2010/main" val="0"/>
+              </a:ext>
+            </a:extLst>
+          </a:blip>
+          <a:stretch>
+            <a:fillRect/>
+          </a:stretch>
+        </p:blipFill>
+        <p:spPr>
+          <a:xfrm>
+            <a:off x="6813643" y="2086132"/>
+            <a:ext cx="2143125" cy="2143125"/>
+          </a:xfrm>
+          <a:prstGeom prst="rect">
+            <a:avLst/>
+          </a:prstGeom>
+        </p:spPr>
+      </p:pic>
       <p:sp>
         <p:nvSpPr>
           <p:cNvPr id="4" name="Slide Number Placeholder 3"/>
@@ -6297,36 +6457,6 @@
           </a:p>
         </p:txBody>
       </p:sp>
-      <p:pic>
-        <p:nvPicPr>
-          <p:cNvPr id="5" name="Picture 4"/>
-          <p:cNvPicPr>
-            <a:picLocks noChangeAspect="1"/>
-          </p:cNvPicPr>
-          <p:nvPr/>
-        </p:nvPicPr>
-        <p:blipFill>
-          <a:blip r:embed="rId2">
-            <a:extLst>
-              <a:ext uri="{28A0092B-C50C-407E-A947-70E740481C1C}">
-                <a14:useLocalDpi xmlns:a14="http://schemas.microsoft.com/office/drawing/2010/main" val="0"/>
-              </a:ext>
-            </a:extLst>
-          </a:blip>
-          <a:stretch>
-            <a:fillRect/>
-          </a:stretch>
-        </p:blipFill>
-        <p:spPr>
-          <a:xfrm>
-            <a:off x="6813643" y="2086132"/>
-            <a:ext cx="2143125" cy="2143125"/>
-          </a:xfrm>
-          <a:prstGeom prst="rect">
-            <a:avLst/>
-          </a:prstGeom>
-        </p:spPr>
-      </p:pic>
     </p:spTree>
     <p:extLst>
       <p:ext uri="{BB962C8B-B14F-4D97-AF65-F5344CB8AC3E}">
@@ -6396,7 +6526,7 @@
           <p:nvPr/>
         </p:nvPicPr>
         <p:blipFill>
-          <a:blip r:embed="rId2"/>
+          <a:blip r:embed="rId5"/>
           <a:stretch>
             <a:fillRect/>
           </a:stretch>
@@ -6412,54 +6542,122 @@
           <a:ln/>
         </p:spPr>
       </p:pic>
+      <p:grpSp>
+        <p:nvGrpSpPr>
+          <p:cNvPr id="12" name="Group 11" descr="Cloud icon"/>
+          <p:cNvGrpSpPr/>
+          <p:nvPr>
+            <p:custDataLst>
+              <p:tags r:id="rId1"/>
+            </p:custDataLst>
+          </p:nvPr>
+        </p:nvGrpSpPr>
+        <p:grpSpPr>
+          <a:xfrm>
+            <a:off x="1358020" y="2390115"/>
+            <a:ext cx="1584356" cy="1584356"/>
+            <a:chOff x="1358020" y="2390115"/>
+            <a:chExt cx="1584356" cy="1584356"/>
+          </a:xfrm>
+        </p:grpSpPr>
+        <p:sp>
+          <p:nvSpPr>
+            <p:cNvPr id="6" name="Oval 5"/>
+            <p:cNvSpPr/>
+            <p:nvPr/>
+          </p:nvSpPr>
+          <p:spPr>
+            <a:xfrm>
+              <a:off x="1358020" y="2390115"/>
+              <a:ext cx="1584356" cy="1584356"/>
+            </a:xfrm>
+            <a:prstGeom prst="ellipse">
+              <a:avLst/>
+            </a:prstGeom>
+            <a:solidFill>
+              <a:srgbClr val="26262D"/>
+            </a:solidFill>
+            <a:ln>
+              <a:noFill/>
+            </a:ln>
+          </p:spPr>
+          <p:style>
+            <a:lnRef idx="2">
+              <a:schemeClr val="accent1">
+                <a:shade val="50000"/>
+              </a:schemeClr>
+            </a:lnRef>
+            <a:fillRef idx="1">
+              <a:schemeClr val="accent1"/>
+            </a:fillRef>
+            <a:effectRef idx="0">
+              <a:schemeClr val="accent1"/>
+            </a:effectRef>
+            <a:fontRef idx="minor">
+              <a:schemeClr val="lt1"/>
+            </a:fontRef>
+          </p:style>
+          <p:txBody>
+            <a:bodyPr rtlCol="0" anchor="ctr"/>
+            <a:lstStyle/>
+            <a:p>
+              <a:pPr algn="ctr"/>
+              <a:endParaRPr lang="en-CA" sz="6000" b="1" dirty="0"/>
+            </a:p>
+          </p:txBody>
+        </p:sp>
+        <p:pic>
+          <p:nvPicPr>
+            <p:cNvPr id="18" name="Picture 17"/>
+            <p:cNvPicPr>
+              <a:picLocks noChangeAspect="1"/>
+            </p:cNvPicPr>
+            <p:nvPr/>
+          </p:nvPicPr>
+          <p:blipFill>
+            <a:blip r:embed="rId6" cstate="print">
+              <a:extLst>
+                <a:ext uri="{28A0092B-C50C-407E-A947-70E740481C1C}">
+                  <a14:useLocalDpi xmlns:a14="http://schemas.microsoft.com/office/drawing/2010/main" val="0"/>
+                </a:ext>
+              </a:extLst>
+            </a:blip>
+            <a:stretch>
+              <a:fillRect/>
+            </a:stretch>
+          </p:blipFill>
+          <p:spPr>
+            <a:xfrm flipH="1">
+              <a:off x="1753413" y="2920730"/>
+              <a:ext cx="796760" cy="523125"/>
+            </a:xfrm>
+            <a:prstGeom prst="rect">
+              <a:avLst/>
+            </a:prstGeom>
+          </p:spPr>
+        </p:pic>
+      </p:grpSp>
       <p:sp>
         <p:nvSpPr>
-          <p:cNvPr id="4" name="Slide Number Placeholder 3"/>
-          <p:cNvSpPr>
-            <a:spLocks noGrp="1"/>
-          </p:cNvSpPr>
-          <p:nvPr>
-            <p:ph type="sldNum" sz="quarter" idx="4"/>
-          </p:nvPr>
-        </p:nvSpPr>
-        <p:spPr/>
-        <p:txBody>
-          <a:bodyPr/>
-          <a:lstStyle/>
-          <a:p>
-            <a:fld id="{105822BA-B7AE-4DDB-BAFC-C8E55FB5C986}" type="slidenum">
-              <a:rPr lang="en-CA" smtClean="0"/>
-              <a:pPr/>
-              <a:t>2</a:t>
-            </a:fld>
-            <a:r>
-              <a:rPr lang="en-CA" smtClean="0"/>
-              <a:t> </a:t>
-            </a:r>
-            <a:endParaRPr lang="en-CA" dirty="0"/>
-          </a:p>
-        </p:txBody>
-      </p:sp>
-      <p:sp>
-        <p:nvSpPr>
-          <p:cNvPr id="6" name="Oval 5"/>
+          <p:cNvPr id="24" name="Oval 23"/>
           <p:cNvSpPr/>
           <p:nvPr/>
         </p:nvSpPr>
         <p:spPr>
           <a:xfrm>
-            <a:off x="1358020" y="2390115"/>
-            <a:ext cx="1584356" cy="1584356"/>
+            <a:off x="1559843" y="4175206"/>
+            <a:ext cx="288873" cy="288873"/>
           </a:xfrm>
           <a:prstGeom prst="ellipse">
             <a:avLst/>
           </a:prstGeom>
           <a:solidFill>
-            <a:srgbClr val="26262D"/>
+            <a:srgbClr val="00883D"/>
           </a:solidFill>
           <a:ln>
             <a:noFill/>
           </a:ln>
+          <a:effectLst/>
         </p:spPr>
         <p:style>
           <a:lnRef idx="2">
@@ -6482,30 +6680,161 @@
           <a:lstStyle/>
           <a:p>
             <a:pPr algn="ctr"/>
-            <a:endParaRPr lang="en-CA" sz="6000" b="1" dirty="0"/>
+            <a:r>
+              <a:rPr lang="en-CA" sz="1200" b="1" dirty="0" smtClean="0"/>
+              <a:t>1</a:t>
+            </a:r>
+            <a:endParaRPr lang="en-CA" sz="1200" b="1" dirty="0"/>
           </a:p>
         </p:txBody>
       </p:sp>
       <p:sp>
         <p:nvSpPr>
-          <p:cNvPr id="7" name="Oval 6"/>
+          <p:cNvPr id="9" name="TextBox 8"/>
+          <p:cNvSpPr txBox="1"/>
+          <p:nvPr/>
+        </p:nvSpPr>
+        <p:spPr>
+          <a:xfrm>
+            <a:off x="984012" y="4123106"/>
+            <a:ext cx="2585867" cy="400110"/>
+          </a:xfrm>
+          <a:prstGeom prst="rect">
+            <a:avLst/>
+          </a:prstGeom>
+          <a:noFill/>
+        </p:spPr>
+        <p:txBody>
+          <a:bodyPr wrap="square" rtlCol="0">
+            <a:spAutoFit/>
+          </a:bodyPr>
+          <a:lstStyle/>
+          <a:p>
+            <a:pPr algn="ctr"/>
+            <a:r>
+              <a:rPr lang="en-CA" sz="2000" b="1" dirty="0" smtClean="0"/>
+              <a:t>Cloud</a:t>
+            </a:r>
+            <a:endParaRPr lang="en-CA" sz="1400" dirty="0"/>
+          </a:p>
+        </p:txBody>
+      </p:sp>
+      <p:grpSp>
+        <p:nvGrpSpPr>
+          <p:cNvPr id="13" name="Group 12" descr="Lightening bolt icon"/>
+          <p:cNvGrpSpPr/>
+          <p:nvPr>
+            <p:custDataLst>
+              <p:tags r:id="rId2"/>
+            </p:custDataLst>
+          </p:nvPr>
+        </p:nvGrpSpPr>
+        <p:grpSpPr>
+          <a:xfrm>
+            <a:off x="5136633" y="2390115"/>
+            <a:ext cx="1584356" cy="1584356"/>
+            <a:chOff x="5136633" y="2390115"/>
+            <a:chExt cx="1584356" cy="1584356"/>
+          </a:xfrm>
+        </p:grpSpPr>
+        <p:sp>
+          <p:nvSpPr>
+            <p:cNvPr id="7" name="Oval 6"/>
+            <p:cNvSpPr/>
+            <p:nvPr/>
+          </p:nvSpPr>
+          <p:spPr>
+            <a:xfrm>
+              <a:off x="5136633" y="2390115"/>
+              <a:ext cx="1584356" cy="1584356"/>
+            </a:xfrm>
+            <a:prstGeom prst="ellipse">
+              <a:avLst/>
+            </a:prstGeom>
+            <a:solidFill>
+              <a:srgbClr val="392190"/>
+            </a:solidFill>
+            <a:ln>
+              <a:noFill/>
+            </a:ln>
+          </p:spPr>
+          <p:style>
+            <a:lnRef idx="2">
+              <a:schemeClr val="accent1">
+                <a:shade val="50000"/>
+              </a:schemeClr>
+            </a:lnRef>
+            <a:fillRef idx="1">
+              <a:schemeClr val="accent1"/>
+            </a:fillRef>
+            <a:effectRef idx="0">
+              <a:schemeClr val="accent1"/>
+            </a:effectRef>
+            <a:fontRef idx="minor">
+              <a:schemeClr val="lt1"/>
+            </a:fontRef>
+          </p:style>
+          <p:txBody>
+            <a:bodyPr rtlCol="0" anchor="ctr"/>
+            <a:lstStyle/>
+            <a:p>
+              <a:pPr algn="ctr"/>
+              <a:endParaRPr lang="en-CA" sz="6000" b="1" dirty="0"/>
+            </a:p>
+          </p:txBody>
+        </p:sp>
+        <p:pic>
+          <p:nvPicPr>
+            <p:cNvPr id="19" name="Picture 18"/>
+            <p:cNvPicPr>
+              <a:picLocks noChangeAspect="1"/>
+            </p:cNvPicPr>
+            <p:nvPr/>
+          </p:nvPicPr>
+          <p:blipFill>
+            <a:blip r:embed="rId7" cstate="print">
+              <a:extLst>
+                <a:ext uri="{28A0092B-C50C-407E-A947-70E740481C1C}">
+                  <a14:useLocalDpi xmlns:a14="http://schemas.microsoft.com/office/drawing/2010/main" val="0"/>
+                </a:ext>
+              </a:extLst>
+            </a:blip>
+            <a:stretch>
+              <a:fillRect/>
+            </a:stretch>
+          </p:blipFill>
+          <p:spPr>
+            <a:xfrm>
+              <a:off x="5745261" y="2824681"/>
+              <a:ext cx="377055" cy="712513"/>
+            </a:xfrm>
+            <a:prstGeom prst="rect">
+              <a:avLst/>
+            </a:prstGeom>
+          </p:spPr>
+        </p:pic>
+      </p:grpSp>
+      <p:sp>
+        <p:nvSpPr>
+          <p:cNvPr id="23" name="Oval 22"/>
           <p:cNvSpPr/>
           <p:nvPr/>
         </p:nvSpPr>
         <p:spPr>
           <a:xfrm>
-            <a:off x="5136633" y="2390115"/>
-            <a:ext cx="1584356" cy="1584356"/>
+            <a:off x="4993424" y="4178724"/>
+            <a:ext cx="288873" cy="288873"/>
           </a:xfrm>
           <a:prstGeom prst="ellipse">
             <a:avLst/>
           </a:prstGeom>
           <a:solidFill>
-            <a:srgbClr val="392190"/>
+            <a:srgbClr val="00883D"/>
           </a:solidFill>
           <a:ln>
             <a:noFill/>
           </a:ln>
+          <a:effectLst/>
         </p:spPr>
         <p:style>
           <a:lnRef idx="2">
@@ -6528,30 +6857,160 @@
           <a:lstStyle/>
           <a:p>
             <a:pPr algn="ctr"/>
-            <a:endParaRPr lang="en-CA" sz="6000" b="1" dirty="0"/>
+            <a:r>
+              <a:rPr lang="en-CA" sz="1200" b="1" dirty="0"/>
+              <a:t>2</a:t>
+            </a:r>
           </a:p>
         </p:txBody>
       </p:sp>
       <p:sp>
         <p:nvSpPr>
-          <p:cNvPr id="8" name="Oval 7"/>
+          <p:cNvPr id="10" name="TextBox 9"/>
+          <p:cNvSpPr txBox="1"/>
+          <p:nvPr/>
+        </p:nvSpPr>
+        <p:spPr>
+          <a:xfrm>
+            <a:off x="4763435" y="4123106"/>
+            <a:ext cx="2585867" cy="400110"/>
+          </a:xfrm>
+          <a:prstGeom prst="rect">
+            <a:avLst/>
+          </a:prstGeom>
+          <a:noFill/>
+        </p:spPr>
+        <p:txBody>
+          <a:bodyPr wrap="square" rtlCol="0">
+            <a:spAutoFit/>
+          </a:bodyPr>
+          <a:lstStyle/>
+          <a:p>
+            <a:pPr algn="ctr"/>
+            <a:r>
+              <a:rPr lang="en-CA" sz="2000" b="1" dirty="0" smtClean="0"/>
+              <a:t>Automation</a:t>
+            </a:r>
+            <a:endParaRPr lang="en-CA" sz="1400" dirty="0"/>
+          </a:p>
+        </p:txBody>
+      </p:sp>
+      <p:grpSp>
+        <p:nvGrpSpPr>
+          <p:cNvPr id="14" name="Group 13" descr="DevOps infinity icon"/>
+          <p:cNvGrpSpPr/>
+          <p:nvPr>
+            <p:custDataLst>
+              <p:tags r:id="rId3"/>
+            </p:custDataLst>
+          </p:nvPr>
+        </p:nvGrpSpPr>
+        <p:grpSpPr>
+          <a:xfrm>
+            <a:off x="8915246" y="2390115"/>
+            <a:ext cx="1584356" cy="1584356"/>
+            <a:chOff x="8915246" y="2390115"/>
+            <a:chExt cx="1584356" cy="1584356"/>
+          </a:xfrm>
+        </p:grpSpPr>
+        <p:sp>
+          <p:nvSpPr>
+            <p:cNvPr id="8" name="Oval 7"/>
+            <p:cNvSpPr/>
+            <p:nvPr/>
+          </p:nvSpPr>
+          <p:spPr>
+            <a:xfrm>
+              <a:off x="8915246" y="2390115"/>
+              <a:ext cx="1584356" cy="1584356"/>
+            </a:xfrm>
+            <a:prstGeom prst="ellipse">
+              <a:avLst/>
+            </a:prstGeom>
+            <a:solidFill>
+              <a:srgbClr val="521F80"/>
+            </a:solidFill>
+            <a:ln>
+              <a:noFill/>
+            </a:ln>
+          </p:spPr>
+          <p:style>
+            <a:lnRef idx="2">
+              <a:schemeClr val="accent1">
+                <a:shade val="50000"/>
+              </a:schemeClr>
+            </a:lnRef>
+            <a:fillRef idx="1">
+              <a:schemeClr val="accent1"/>
+            </a:fillRef>
+            <a:effectRef idx="0">
+              <a:schemeClr val="accent1"/>
+            </a:effectRef>
+            <a:fontRef idx="minor">
+              <a:schemeClr val="lt1"/>
+            </a:fontRef>
+          </p:style>
+          <p:txBody>
+            <a:bodyPr rtlCol="0" anchor="ctr"/>
+            <a:lstStyle/>
+            <a:p>
+              <a:pPr algn="ctr"/>
+              <a:endParaRPr lang="en-CA" sz="6000" b="1" dirty="0"/>
+            </a:p>
+          </p:txBody>
+        </p:sp>
+        <p:pic>
+          <p:nvPicPr>
+            <p:cNvPr id="3" name="Picture 2"/>
+            <p:cNvPicPr>
+              <a:picLocks noChangeAspect="1"/>
+            </p:cNvPicPr>
+            <p:nvPr/>
+          </p:nvPicPr>
+          <p:blipFill>
+            <a:blip r:embed="rId8" cstate="print">
+              <a:extLst>
+                <a:ext uri="{28A0092B-C50C-407E-A947-70E740481C1C}">
+                  <a14:useLocalDpi xmlns:a14="http://schemas.microsoft.com/office/drawing/2010/main" val="0"/>
+                </a:ext>
+              </a:extLst>
+            </a:blip>
+            <a:stretch>
+              <a:fillRect/>
+            </a:stretch>
+          </p:blipFill>
+          <p:spPr>
+            <a:xfrm>
+              <a:off x="9303556" y="3016917"/>
+              <a:ext cx="807736" cy="330750"/>
+            </a:xfrm>
+            <a:prstGeom prst="rect">
+              <a:avLst/>
+            </a:prstGeom>
+          </p:spPr>
+        </p:pic>
+      </p:grpSp>
+      <p:sp>
+        <p:nvSpPr>
+          <p:cNvPr id="25" name="Oval 24"/>
           <p:cNvSpPr/>
           <p:nvPr/>
         </p:nvSpPr>
         <p:spPr>
           <a:xfrm>
-            <a:off x="8915246" y="2390115"/>
-            <a:ext cx="1584356" cy="1584356"/>
+            <a:off x="8998349" y="4175206"/>
+            <a:ext cx="288873" cy="288873"/>
           </a:xfrm>
           <a:prstGeom prst="ellipse">
             <a:avLst/>
           </a:prstGeom>
           <a:solidFill>
-            <a:srgbClr val="521F80"/>
+            <a:srgbClr val="00883D"/>
           </a:solidFill>
           <a:ln>
             <a:noFill/>
           </a:ln>
+          <a:effectLst/>
         </p:spPr>
         <p:style>
           <a:lnRef idx="2">
@@ -6574,69 +7033,11 @@
           <a:lstStyle/>
           <a:p>
             <a:pPr algn="ctr"/>
-            <a:endParaRPr lang="en-CA" sz="6000" b="1" dirty="0"/>
-          </a:p>
-        </p:txBody>
-      </p:sp>
-      <p:sp>
-        <p:nvSpPr>
-          <p:cNvPr id="9" name="TextBox 8"/>
-          <p:cNvSpPr txBox="1"/>
-          <p:nvPr/>
-        </p:nvSpPr>
-        <p:spPr>
-          <a:xfrm>
-            <a:off x="984012" y="4123106"/>
-            <a:ext cx="2585867" cy="400110"/>
-          </a:xfrm>
-          <a:prstGeom prst="rect">
-            <a:avLst/>
-          </a:prstGeom>
-          <a:noFill/>
-        </p:spPr>
-        <p:txBody>
-          <a:bodyPr wrap="square" rtlCol="0">
-            <a:spAutoFit/>
-          </a:bodyPr>
-          <a:lstStyle/>
-          <a:p>
-            <a:pPr algn="ctr"/>
-            <a:r>
-              <a:rPr lang="en-CA" sz="2000" b="1" dirty="0" smtClean="0"/>
-              <a:t>Cloud</a:t>
-            </a:r>
-            <a:endParaRPr lang="en-CA" sz="1400" dirty="0"/>
-          </a:p>
-        </p:txBody>
-      </p:sp>
-      <p:sp>
-        <p:nvSpPr>
-          <p:cNvPr id="10" name="TextBox 9"/>
-          <p:cNvSpPr txBox="1"/>
-          <p:nvPr/>
-        </p:nvSpPr>
-        <p:spPr>
-          <a:xfrm>
-            <a:off x="4763435" y="4123106"/>
-            <a:ext cx="2585867" cy="400110"/>
-          </a:xfrm>
-          <a:prstGeom prst="rect">
-            <a:avLst/>
-          </a:prstGeom>
-          <a:noFill/>
-        </p:spPr>
-        <p:txBody>
-          <a:bodyPr wrap="square" rtlCol="0">
-            <a:spAutoFit/>
-          </a:bodyPr>
-          <a:lstStyle/>
-          <a:p>
-            <a:pPr algn="ctr"/>
-            <a:r>
-              <a:rPr lang="en-CA" sz="2000" b="1" dirty="0" smtClean="0"/>
-              <a:t>Automation</a:t>
-            </a:r>
-            <a:endParaRPr lang="en-CA" sz="1400" dirty="0"/>
+            <a:r>
+              <a:rPr lang="en-CA" sz="1200" b="1" dirty="0" smtClean="0"/>
+              <a:t>3</a:t>
+            </a:r>
+            <a:endParaRPr lang="en-CA" sz="1200" b="1" dirty="0"/>
           </a:p>
         </p:txBody>
       </p:sp>
@@ -6673,246 +7074,32 @@
       </p:sp>
       <p:sp>
         <p:nvSpPr>
-          <p:cNvPr id="23" name="Oval 22"/>
-          <p:cNvSpPr/>
-          <p:nvPr/>
+          <p:cNvPr id="4" name="Slide Number Placeholder 3"/>
+          <p:cNvSpPr>
+            <a:spLocks noGrp="1"/>
+          </p:cNvSpPr>
+          <p:nvPr>
+            <p:ph type="sldNum" sz="quarter" idx="4"/>
+          </p:nvPr>
         </p:nvSpPr>
-        <p:spPr>
-          <a:xfrm>
-            <a:off x="4993424" y="4178724"/>
-            <a:ext cx="288873" cy="288873"/>
-          </a:xfrm>
-          <a:prstGeom prst="ellipse">
-            <a:avLst/>
-          </a:prstGeom>
-          <a:solidFill>
-            <a:srgbClr val="00B050"/>
-          </a:solidFill>
-          <a:ln>
-            <a:noFill/>
-          </a:ln>
-          <a:effectLst/>
-        </p:spPr>
-        <p:style>
-          <a:lnRef idx="2">
-            <a:schemeClr val="accent1">
-              <a:shade val="50000"/>
-            </a:schemeClr>
-          </a:lnRef>
-          <a:fillRef idx="1">
-            <a:schemeClr val="accent1"/>
-          </a:fillRef>
-          <a:effectRef idx="0">
-            <a:schemeClr val="accent1"/>
-          </a:effectRef>
-          <a:fontRef idx="minor">
-            <a:schemeClr val="lt1"/>
-          </a:fontRef>
-        </p:style>
+        <p:spPr/>
         <p:txBody>
-          <a:bodyPr rtlCol="0" anchor="ctr"/>
+          <a:bodyPr/>
           <a:lstStyle/>
           <a:p>
-            <a:pPr algn="ctr"/>
-            <a:r>
-              <a:rPr lang="en-CA" sz="1200" b="1" dirty="0"/>
+            <a:fld id="{105822BA-B7AE-4DDB-BAFC-C8E55FB5C986}" type="slidenum">
+              <a:rPr lang="en-CA" smtClean="0"/>
+              <a:pPr/>
               <a:t>2</a:t>
-            </a:r>
+            </a:fld>
+            <a:r>
+              <a:rPr lang="en-CA" smtClean="0"/>
+              <a:t> </a:t>
+            </a:r>
+            <a:endParaRPr lang="en-CA" dirty="0"/>
           </a:p>
         </p:txBody>
       </p:sp>
-      <p:sp>
-        <p:nvSpPr>
-          <p:cNvPr id="24" name="Oval 23"/>
-          <p:cNvSpPr/>
-          <p:nvPr/>
-        </p:nvSpPr>
-        <p:spPr>
-          <a:xfrm>
-            <a:off x="1559843" y="4175206"/>
-            <a:ext cx="288873" cy="288873"/>
-          </a:xfrm>
-          <a:prstGeom prst="ellipse">
-            <a:avLst/>
-          </a:prstGeom>
-          <a:solidFill>
-            <a:srgbClr val="00B050"/>
-          </a:solidFill>
-          <a:ln>
-            <a:noFill/>
-          </a:ln>
-          <a:effectLst/>
-        </p:spPr>
-        <p:style>
-          <a:lnRef idx="2">
-            <a:schemeClr val="accent1">
-              <a:shade val="50000"/>
-            </a:schemeClr>
-          </a:lnRef>
-          <a:fillRef idx="1">
-            <a:schemeClr val="accent1"/>
-          </a:fillRef>
-          <a:effectRef idx="0">
-            <a:schemeClr val="accent1"/>
-          </a:effectRef>
-          <a:fontRef idx="minor">
-            <a:schemeClr val="lt1"/>
-          </a:fontRef>
-        </p:style>
-        <p:txBody>
-          <a:bodyPr rtlCol="0" anchor="ctr"/>
-          <a:lstStyle/>
-          <a:p>
-            <a:pPr algn="ctr"/>
-            <a:r>
-              <a:rPr lang="en-CA" sz="1200" b="1" dirty="0" smtClean="0"/>
-              <a:t>1</a:t>
-            </a:r>
-            <a:endParaRPr lang="en-CA" sz="1200" b="1" dirty="0"/>
-          </a:p>
-        </p:txBody>
-      </p:sp>
-      <p:sp>
-        <p:nvSpPr>
-          <p:cNvPr id="25" name="Oval 24"/>
-          <p:cNvSpPr/>
-          <p:nvPr/>
-        </p:nvSpPr>
-        <p:spPr>
-          <a:xfrm>
-            <a:off x="8998349" y="4175206"/>
-            <a:ext cx="288873" cy="288873"/>
-          </a:xfrm>
-          <a:prstGeom prst="ellipse">
-            <a:avLst/>
-          </a:prstGeom>
-          <a:solidFill>
-            <a:srgbClr val="00B050"/>
-          </a:solidFill>
-          <a:ln>
-            <a:noFill/>
-          </a:ln>
-          <a:effectLst/>
-        </p:spPr>
-        <p:style>
-          <a:lnRef idx="2">
-            <a:schemeClr val="accent1">
-              <a:shade val="50000"/>
-            </a:schemeClr>
-          </a:lnRef>
-          <a:fillRef idx="1">
-            <a:schemeClr val="accent1"/>
-          </a:fillRef>
-          <a:effectRef idx="0">
-            <a:schemeClr val="accent1"/>
-          </a:effectRef>
-          <a:fontRef idx="minor">
-            <a:schemeClr val="lt1"/>
-          </a:fontRef>
-        </p:style>
-        <p:txBody>
-          <a:bodyPr rtlCol="0" anchor="ctr"/>
-          <a:lstStyle/>
-          <a:p>
-            <a:pPr algn="ctr"/>
-            <a:r>
-              <a:rPr lang="en-CA" sz="1200" b="1" dirty="0" smtClean="0"/>
-              <a:t>3</a:t>
-            </a:r>
-            <a:endParaRPr lang="en-CA" sz="1200" b="1" dirty="0"/>
-          </a:p>
-        </p:txBody>
-      </p:sp>
-      <p:pic>
-        <p:nvPicPr>
-          <p:cNvPr id="3" name="Picture 2"/>
-          <p:cNvPicPr>
-            <a:picLocks noChangeAspect="1"/>
-          </p:cNvPicPr>
-          <p:nvPr/>
-        </p:nvPicPr>
-        <p:blipFill>
-          <a:blip r:embed="rId3" cstate="print">
-            <a:extLst>
-              <a:ext uri="{28A0092B-C50C-407E-A947-70E740481C1C}">
-                <a14:useLocalDpi xmlns:a14="http://schemas.microsoft.com/office/drawing/2010/main" val="0"/>
-              </a:ext>
-            </a:extLst>
-          </a:blip>
-          <a:stretch>
-            <a:fillRect/>
-          </a:stretch>
-        </p:blipFill>
-        <p:spPr>
-          <a:xfrm>
-            <a:off x="9303556" y="3016917"/>
-            <a:ext cx="807736" cy="330750"/>
-          </a:xfrm>
-          <a:prstGeom prst="rect">
-            <a:avLst/>
-          </a:prstGeom>
-        </p:spPr>
-      </p:pic>
-      <p:pic>
-        <p:nvPicPr>
-          <p:cNvPr id="18" name="Picture 17"/>
-          <p:cNvPicPr>
-            <a:picLocks noChangeAspect="1"/>
-          </p:cNvPicPr>
-          <p:nvPr/>
-        </p:nvPicPr>
-        <p:blipFill>
-          <a:blip r:embed="rId4" cstate="print">
-            <a:extLst>
-              <a:ext uri="{28A0092B-C50C-407E-A947-70E740481C1C}">
-                <a14:useLocalDpi xmlns:a14="http://schemas.microsoft.com/office/drawing/2010/main" val="0"/>
-              </a:ext>
-            </a:extLst>
-          </a:blip>
-          <a:stretch>
-            <a:fillRect/>
-          </a:stretch>
-        </p:blipFill>
-        <p:spPr>
-          <a:xfrm flipH="1">
-            <a:off x="1753413" y="2920730"/>
-            <a:ext cx="796760" cy="523125"/>
-          </a:xfrm>
-          <a:prstGeom prst="rect">
-            <a:avLst/>
-          </a:prstGeom>
-        </p:spPr>
-      </p:pic>
-      <p:pic>
-        <p:nvPicPr>
-          <p:cNvPr id="19" name="Picture 18"/>
-          <p:cNvPicPr>
-            <a:picLocks noChangeAspect="1"/>
-          </p:cNvPicPr>
-          <p:nvPr/>
-        </p:nvPicPr>
-        <p:blipFill>
-          <a:blip r:embed="rId5" cstate="print">
-            <a:extLst>
-              <a:ext uri="{28A0092B-C50C-407E-A947-70E740481C1C}">
-                <a14:useLocalDpi xmlns:a14="http://schemas.microsoft.com/office/drawing/2010/main" val="0"/>
-              </a:ext>
-            </a:extLst>
-          </a:blip>
-          <a:stretch>
-            <a:fillRect/>
-          </a:stretch>
-        </p:blipFill>
-        <p:spPr>
-          <a:xfrm>
-            <a:off x="5745261" y="2824681"/>
-            <a:ext cx="377055" cy="712513"/>
-          </a:xfrm>
-          <a:prstGeom prst="rect">
-            <a:avLst/>
-          </a:prstGeom>
-        </p:spPr>
-      </p:pic>
     </p:spTree>
     <p:extLst>
       <p:ext uri="{BB962C8B-B14F-4D97-AF65-F5344CB8AC3E}">
@@ -6939,7 +7126,7 @@
     <p:bg>
       <p:bgPr>
         <a:blipFill dpi="0" rotWithShape="1">
-          <a:blip r:embed="rId2">
+          <a:blip r:embed="rId3">
             <a:lum/>
           </a:blip>
           <a:srcRect/>
@@ -6964,11 +7151,40 @@
           <a:chExt cx="0" cy="0"/>
         </a:xfrm>
       </p:grpSpPr>
+      <p:pic>
+        <p:nvPicPr>
+          <p:cNvPr id="2" name="__EngageSlideDescription__" descr="slide description : Cloud section."/>
+          <p:cNvPicPr>
+            <a:picLocks/>
+          </p:cNvPicPr>
+          <p:nvPr/>
+        </p:nvPicPr>
+        <p:blipFill>
+          <a:blip r:embed="rId4"/>
+          <a:stretch>
+            <a:fillRect/>
+          </a:stretch>
+        </p:blipFill>
+        <p:spPr>
+          <a:xfrm>
+            <a:off x="0" y="0"/>
+            <a:ext cx="12700" cy="12700"/>
+          </a:xfrm>
+          <a:prstGeom prst="rect">
+            <a:avLst/>
+          </a:prstGeom>
+          <a:ln/>
+        </p:spPr>
+      </p:pic>
       <p:sp>
         <p:nvSpPr>
           <p:cNvPr id="5" name="Rectangle 4"/>
           <p:cNvSpPr/>
-          <p:nvPr/>
+          <p:nvPr>
+            <p:custDataLst>
+              <p:tags r:id="rId1"/>
+            </p:custDataLst>
+          </p:nvPr>
         </p:nvSpPr>
         <p:spPr>
           <a:xfrm>
@@ -7020,87 +7236,6 @@
           </a:p>
         </p:txBody>
       </p:sp>
-      <p:pic>
-        <p:nvPicPr>
-          <p:cNvPr id="2" name="__EngageSlideDescription__" descr="slide description : Cloud section."/>
-          <p:cNvPicPr>
-            <a:picLocks/>
-          </p:cNvPicPr>
-          <p:nvPr/>
-        </p:nvPicPr>
-        <p:blipFill>
-          <a:blip r:embed="rId3"/>
-          <a:stretch>
-            <a:fillRect/>
-          </a:stretch>
-        </p:blipFill>
-        <p:spPr>
-          <a:xfrm>
-            <a:off x="0" y="0"/>
-            <a:ext cx="12700" cy="12700"/>
-          </a:xfrm>
-          <a:prstGeom prst="rect">
-            <a:avLst/>
-          </a:prstGeom>
-          <a:ln/>
-        </p:spPr>
-      </p:pic>
-      <p:sp>
-        <p:nvSpPr>
-          <p:cNvPr id="4" name="Title 1"/>
-          <p:cNvSpPr txBox="1">
-            <a:spLocks/>
-          </p:cNvSpPr>
-          <p:nvPr/>
-        </p:nvSpPr>
-        <p:spPr>
-          <a:xfrm>
-            <a:off x="718111" y="5349483"/>
-            <a:ext cx="2890533" cy="1068249"/>
-          </a:xfrm>
-          <a:prstGeom prst="rect">
-            <a:avLst/>
-          </a:prstGeom>
-          <a:noFill/>
-        </p:spPr>
-        <p:txBody>
-          <a:bodyPr/>
-          <a:lstStyle>
-            <a:lvl1pPr algn="l" defTabSz="914377" rtl="0" eaLnBrk="1" latinLnBrk="0" hangingPunct="1">
-              <a:lnSpc>
-                <a:spcPct val="90000"/>
-              </a:lnSpc>
-              <a:spcBef>
-                <a:spcPct val="0"/>
-              </a:spcBef>
-              <a:buNone/>
-              <a:defRPr sz="2400" b="1" kern="1200">
-                <a:solidFill>
-                  <a:schemeClr val="tx1"/>
-                </a:solidFill>
-                <a:latin typeface="Century Gothic" panose="020B0502020202020204" pitchFamily="34" charset="0"/>
-                <a:ea typeface="+mj-ea"/>
-                <a:cs typeface="+mj-cs"/>
-              </a:defRPr>
-            </a:lvl1pPr>
-          </a:lstStyle>
-          <a:p>
-            <a:r>
-              <a:rPr lang="en-CA" sz="7200" dirty="0" smtClean="0">
-                <a:solidFill>
-                  <a:schemeClr val="bg1"/>
-                </a:solidFill>
-              </a:rPr>
-              <a:t>Cloud</a:t>
-            </a:r>
-            <a:endParaRPr lang="en-CA" sz="7200" dirty="0">
-              <a:solidFill>
-                <a:schemeClr val="bg1"/>
-              </a:solidFill>
-            </a:endParaRPr>
-          </a:p>
-        </p:txBody>
-      </p:sp>
       <p:sp>
         <p:nvSpPr>
           <p:cNvPr id="3" name="Oval 2"/>
@@ -7116,7 +7251,7 @@
             <a:avLst/>
           </a:prstGeom>
           <a:solidFill>
-            <a:srgbClr val="00B050"/>
+            <a:srgbClr val="00883D"/>
           </a:solidFill>
           <a:ln>
             <a:noFill/>
@@ -7151,10 +7286,59 @@
           <a:p>
             <a:pPr algn="ctr"/>
             <a:r>
-              <a:rPr lang="en-CA" b="1" dirty="0" smtClean="0"/>
+              <a:rPr lang="en-CA" b="1" dirty="0" smtClean="0">
+                <a:solidFill>
+                  <a:srgbClr val="FFFFFF"/>
+                </a:solidFill>
+              </a:rPr>
               <a:t>1</a:t>
             </a:r>
-            <a:endParaRPr lang="en-CA" b="1" dirty="0"/>
+            <a:endParaRPr lang="en-CA" b="1" dirty="0">
+              <a:solidFill>
+                <a:srgbClr val="FFFFFF"/>
+              </a:solidFill>
+            </a:endParaRPr>
+          </a:p>
+        </p:txBody>
+      </p:sp>
+      <p:sp>
+        <p:nvSpPr>
+          <p:cNvPr id="7" name="Title 6"/>
+          <p:cNvSpPr>
+            <a:spLocks noGrp="1"/>
+          </p:cNvSpPr>
+          <p:nvPr>
+            <p:ph type="title"/>
+          </p:nvPr>
+        </p:nvSpPr>
+        <p:spPr>
+          <a:xfrm>
+            <a:off x="718111" y="5349483"/>
+            <a:ext cx="9961255" cy="1090222"/>
+          </a:xfrm>
+          <a:solidFill>
+            <a:srgbClr val="1E1E1E">
+              <a:alpha val="0"/>
+            </a:srgbClr>
+          </a:solidFill>
+        </p:spPr>
+        <p:txBody>
+          <a:bodyPr/>
+          <a:lstStyle/>
+          <a:p>
+            <a:r>
+              <a:rPr lang="en-CA" sz="7200" dirty="0" smtClean="0">
+                <a:solidFill>
+                  <a:schemeClr val="bg1"/>
+                </a:solidFill>
+              </a:rPr>
+              <a:t>Cloud</a:t>
+            </a:r>
+            <a:endParaRPr lang="en-CA" sz="7200" dirty="0">
+              <a:solidFill>
+                <a:schemeClr val="bg1"/>
+              </a:solidFill>
+            </a:endParaRPr>
           </a:p>
         </p:txBody>
       </p:sp>
@@ -7389,6 +7573,31 @@
           </a:p>
         </p:txBody>
       </p:sp>
+      <p:pic>
+        <p:nvPicPr>
+          <p:cNvPr id="5" name="__EngageSlideDescription__" descr="slide description : Benefits of adopting cloud infrastructure"/>
+          <p:cNvPicPr>
+            <a:picLocks/>
+          </p:cNvPicPr>
+          <p:nvPr/>
+        </p:nvPicPr>
+        <p:blipFill>
+          <a:blip r:embed="rId2"/>
+          <a:stretch>
+            <a:fillRect/>
+          </a:stretch>
+        </p:blipFill>
+        <p:spPr>
+          <a:xfrm>
+            <a:off x="428400" y="785288"/>
+            <a:ext cx="12700" cy="12700"/>
+          </a:xfrm>
+          <a:prstGeom prst="rect">
+            <a:avLst/>
+          </a:prstGeom>
+          <a:ln/>
+        </p:spPr>
+      </p:pic>
       <p:sp>
         <p:nvSpPr>
           <p:cNvPr id="3" name="Content Placeholder 2"/>
@@ -7551,7 +7760,7 @@
           <p:nvPr/>
         </p:nvPicPr>
         <p:blipFill>
-          <a:blip r:embed="rId2"/>
+          <a:blip r:embed="rId3"/>
           <a:stretch>
             <a:fillRect/>
           </a:stretch>
@@ -7609,158 +7818,64 @@
           </a:p>
         </p:txBody>
       </p:sp>
-      <p:sp>
-        <p:nvSpPr>
-          <p:cNvPr id="11" name="TextBox 10"/>
-          <p:cNvSpPr txBox="1"/>
-          <p:nvPr/>
-        </p:nvSpPr>
-        <p:spPr>
-          <a:xfrm>
-            <a:off x="8511976" y="5823414"/>
-            <a:ext cx="3252824" cy="415498"/>
-          </a:xfrm>
-          <a:prstGeom prst="rect">
-            <a:avLst/>
-          </a:prstGeom>
-          <a:noFill/>
-        </p:spPr>
-        <p:txBody>
-          <a:bodyPr wrap="square" rtlCol="0">
-            <a:spAutoFit/>
-          </a:bodyPr>
-          <a:lstStyle/>
-          <a:p>
-            <a:pPr>
-              <a:lnSpc>
-                <a:spcPct val="150000"/>
-              </a:lnSpc>
-            </a:pPr>
-            <a:r>
-              <a:rPr lang="en-CA" sz="1400" dirty="0" smtClean="0"/>
-              <a:t>Most control and effort</a:t>
-            </a:r>
-            <a:endParaRPr lang="en-CA" sz="1400" dirty="0"/>
-          </a:p>
-        </p:txBody>
-      </p:sp>
-      <p:cxnSp>
-        <p:nvCxnSpPr>
-          <p:cNvPr id="37" name="Straight Connector 36" descr="Arrow between most control and least control"/>
-          <p:cNvCxnSpPr/>
-          <p:nvPr/>
-        </p:nvCxnSpPr>
-        <p:spPr>
-          <a:xfrm>
-            <a:off x="6436130" y="2116691"/>
-            <a:ext cx="2178544" cy="3630378"/>
-          </a:xfrm>
-          <a:prstGeom prst="line">
-            <a:avLst/>
-          </a:prstGeom>
-          <a:ln w="63500" cap="rnd">
-            <a:solidFill>
-              <a:schemeClr val="bg1">
-                <a:lumMod val="85000"/>
-              </a:schemeClr>
-            </a:solidFill>
-            <a:prstDash val="sysDot"/>
-            <a:headEnd type="triangle"/>
-            <a:tailEnd type="triangle"/>
-          </a:ln>
-        </p:spPr>
-        <p:style>
-          <a:lnRef idx="1">
-            <a:schemeClr val="accent1"/>
-          </a:lnRef>
-          <a:fillRef idx="0">
-            <a:schemeClr val="accent1"/>
-          </a:fillRef>
-          <a:effectRef idx="0">
-            <a:schemeClr val="accent1"/>
-          </a:effectRef>
-          <a:fontRef idx="minor">
-            <a:schemeClr val="tx1"/>
-          </a:fontRef>
-        </p:style>
-      </p:cxnSp>
-      <p:sp>
-        <p:nvSpPr>
-          <p:cNvPr id="12" name="TextBox 11"/>
-          <p:cNvSpPr txBox="1"/>
-          <p:nvPr/>
-        </p:nvSpPr>
-        <p:spPr>
-          <a:xfrm>
-            <a:off x="6139431" y="1636688"/>
-            <a:ext cx="3048483" cy="415498"/>
-          </a:xfrm>
-          <a:prstGeom prst="rect">
-            <a:avLst/>
-          </a:prstGeom>
-          <a:noFill/>
-        </p:spPr>
-        <p:txBody>
-          <a:bodyPr wrap="square" rtlCol="0">
-            <a:spAutoFit/>
-          </a:bodyPr>
-          <a:lstStyle/>
-          <a:p>
-            <a:pPr>
-              <a:lnSpc>
-                <a:spcPct val="150000"/>
-              </a:lnSpc>
-            </a:pPr>
-            <a:r>
-              <a:rPr lang="en-CA" sz="1400" dirty="0" smtClean="0"/>
-              <a:t>Least control and effort</a:t>
-            </a:r>
-            <a:endParaRPr lang="en-CA" sz="1400" dirty="0"/>
-          </a:p>
-        </p:txBody>
-      </p:sp>
-      <p:sp>
-        <p:nvSpPr>
-          <p:cNvPr id="4" name="Slide Number Placeholder 3"/>
-          <p:cNvSpPr>
-            <a:spLocks noGrp="1"/>
-          </p:cNvSpPr>
-          <p:nvPr>
-            <p:ph type="sldNum" sz="quarter" idx="4"/>
-          </p:nvPr>
-        </p:nvSpPr>
-        <p:spPr/>
-        <p:txBody>
-          <a:bodyPr/>
-          <a:lstStyle/>
-          <a:p>
-            <a:fld id="{105822BA-B7AE-4DDB-BAFC-C8E55FB5C986}" type="slidenum">
-              <a:rPr lang="en-CA" smtClean="0"/>
-              <a:pPr/>
-              <a:t>6</a:t>
-            </a:fld>
-            <a:r>
-              <a:rPr lang="en-CA" smtClean="0"/>
-              <a:t> </a:t>
-            </a:r>
-            <a:endParaRPr lang="en-CA" dirty="0"/>
-          </a:p>
-        </p:txBody>
-      </p:sp>
       <p:grpSp>
         <p:nvGrpSpPr>
-          <p:cNvPr id="10" name="Group 9"/>
+          <p:cNvPr id="14" name="Group 13" descr="Pyramid showing the relative effor and control for SaaS, PaaS and IaaS.  IaaS has the most control and effort, PaaS is in the middle and SaaS has the least control and effort required."/>
           <p:cNvGrpSpPr/>
-          <p:nvPr/>
+          <p:nvPr>
+            <p:custDataLst>
+              <p:tags r:id="rId1"/>
+            </p:custDataLst>
+          </p:nvPr>
         </p:nvGrpSpPr>
         <p:grpSpPr>
           <a:xfrm>
-            <a:off x="3222934" y="1791812"/>
-            <a:ext cx="5129950" cy="4429971"/>
-            <a:chOff x="6096600" y="397746"/>
-            <a:chExt cx="5129950" cy="4429971"/>
+            <a:off x="878187" y="1791812"/>
+            <a:ext cx="10316006" cy="4429971"/>
+            <a:chOff x="878187" y="1791812"/>
+            <a:chExt cx="10316006" cy="4429971"/>
           </a:xfrm>
         </p:grpSpPr>
+        <p:cxnSp>
+          <p:nvCxnSpPr>
+            <p:cNvPr id="37" name="Straight Connector 36" descr="Arrow between most control and least control"/>
+            <p:cNvCxnSpPr/>
+            <p:nvPr/>
+          </p:nvCxnSpPr>
+          <p:spPr>
+            <a:xfrm>
+              <a:off x="6436130" y="2116691"/>
+              <a:ext cx="2178544" cy="3630378"/>
+            </a:xfrm>
+            <a:prstGeom prst="line">
+              <a:avLst/>
+            </a:prstGeom>
+            <a:ln w="63500" cap="rnd">
+              <a:solidFill>
+                <a:schemeClr val="bg1">
+                  <a:lumMod val="85000"/>
+                </a:schemeClr>
+              </a:solidFill>
+              <a:prstDash val="sysDot"/>
+              <a:headEnd type="triangle"/>
+              <a:tailEnd type="triangle"/>
+            </a:ln>
+          </p:spPr>
+          <p:style>
+            <a:lnRef idx="1">
+              <a:schemeClr val="accent1"/>
+            </a:lnRef>
+            <a:fillRef idx="0">
+              <a:schemeClr val="accent1"/>
+            </a:fillRef>
+            <a:effectRef idx="0">
+              <a:schemeClr val="accent1"/>
+            </a:effectRef>
+            <a:fontRef idx="minor">
+              <a:schemeClr val="tx1"/>
+            </a:fontRef>
+          </p:style>
+        </p:cxnSp>
         <p:grpSp>
           <p:nvGrpSpPr>
             <p:cNvPr id="9" name="Group 8"/>
@@ -7769,7 +7884,7 @@
           </p:nvGrpSpPr>
           <p:grpSpPr>
             <a:xfrm>
-              <a:off x="6096600" y="397746"/>
+              <a:off x="3222934" y="1791812"/>
               <a:ext cx="5129950" cy="4429971"/>
               <a:chOff x="5266832" y="1641075"/>
               <a:chExt cx="5129950" cy="4429971"/>
@@ -7921,231 +8036,335 @@
             </p:txBody>
           </p:sp>
         </p:grpSp>
-        <p:sp>
-          <p:nvSpPr>
-            <p:cNvPr id="8" name="TextBox 7"/>
-            <p:cNvSpPr txBox="1"/>
+        <p:cxnSp>
+          <p:nvCxnSpPr>
+            <p:cNvPr id="25" name="Straight Connector 24"/>
+            <p:cNvCxnSpPr/>
             <p:nvPr/>
-          </p:nvSpPr>
+          </p:nvCxnSpPr>
           <p:spPr>
-            <a:xfrm>
-              <a:off x="7364979" y="3905627"/>
-              <a:ext cx="2585867" cy="615553"/>
+            <a:xfrm flipV="1">
+              <a:off x="878187" y="3818597"/>
+              <a:ext cx="10109524" cy="2"/>
             </a:xfrm>
-            <a:prstGeom prst="rect">
+            <a:prstGeom prst="line">
               <a:avLst/>
             </a:prstGeom>
-            <a:noFill/>
+            <a:ln w="63500">
+              <a:solidFill>
+                <a:schemeClr val="bg1">
+                  <a:alpha val="20000"/>
+                </a:schemeClr>
+              </a:solidFill>
+            </a:ln>
           </p:spPr>
-          <p:txBody>
-            <a:bodyPr wrap="square" rtlCol="0">
-              <a:spAutoFit/>
-            </a:bodyPr>
-            <a:lstStyle/>
-            <a:p>
-              <a:pPr algn="ctr"/>
-              <a:r>
-                <a:rPr lang="en-CA" sz="2000" b="1" dirty="0" smtClean="0">
-                  <a:solidFill>
-                    <a:schemeClr val="bg1"/>
-                  </a:solidFill>
-                </a:rPr>
-                <a:t>IaaS</a:t>
-              </a:r>
-            </a:p>
-            <a:p>
-              <a:pPr algn="ctr"/>
-              <a:r>
-                <a:rPr lang="en-CA" sz="1400" dirty="0" smtClean="0">
-                  <a:solidFill>
-                    <a:schemeClr val="bg1"/>
-                  </a:solidFill>
-                </a:rPr>
-                <a:t>Infrastructure</a:t>
-              </a:r>
-              <a:endParaRPr lang="en-CA" sz="1400" dirty="0">
+          <p:style>
+            <a:lnRef idx="1">
+              <a:schemeClr val="accent1"/>
+            </a:lnRef>
+            <a:fillRef idx="0">
+              <a:schemeClr val="accent1"/>
+            </a:fillRef>
+            <a:effectRef idx="0">
+              <a:schemeClr val="accent1"/>
+            </a:effectRef>
+            <a:fontRef idx="minor">
+              <a:schemeClr val="tx1"/>
+            </a:fontRef>
+          </p:style>
+        </p:cxnSp>
+        <p:cxnSp>
+          <p:nvCxnSpPr>
+            <p:cNvPr id="26" name="Straight Connector 25"/>
+            <p:cNvCxnSpPr/>
+            <p:nvPr/>
+          </p:nvCxnSpPr>
+          <p:spPr>
+            <a:xfrm flipV="1">
+              <a:off x="1084669" y="5009321"/>
+              <a:ext cx="10109524" cy="2"/>
+            </a:xfrm>
+            <a:prstGeom prst="line">
+              <a:avLst/>
+            </a:prstGeom>
+            <a:ln w="63500">
+              <a:solidFill>
+                <a:schemeClr val="bg1">
+                  <a:alpha val="20000"/>
+                </a:schemeClr>
+              </a:solidFill>
+            </a:ln>
+          </p:spPr>
+          <p:style>
+            <a:lnRef idx="1">
+              <a:schemeClr val="accent1"/>
+            </a:lnRef>
+            <a:fillRef idx="0">
+              <a:schemeClr val="accent1"/>
+            </a:fillRef>
+            <a:effectRef idx="0">
+              <a:schemeClr val="accent1"/>
+            </a:effectRef>
+            <a:fontRef idx="minor">
+              <a:schemeClr val="tx1"/>
+            </a:fontRef>
+          </p:style>
+        </p:cxnSp>
+      </p:grpSp>
+      <p:sp>
+        <p:nvSpPr>
+          <p:cNvPr id="20" name="TextBox 19"/>
+          <p:cNvSpPr txBox="1"/>
+          <p:nvPr/>
+        </p:nvSpPr>
+        <p:spPr>
+          <a:xfrm>
+            <a:off x="5080001" y="2973315"/>
+            <a:ext cx="1356130" cy="615553"/>
+          </a:xfrm>
+          <a:prstGeom prst="rect">
+            <a:avLst/>
+          </a:prstGeom>
+          <a:solidFill>
+            <a:srgbClr val="521F80"/>
+          </a:solidFill>
+        </p:spPr>
+        <p:txBody>
+          <a:bodyPr wrap="square" rtlCol="0">
+            <a:spAutoFit/>
+          </a:bodyPr>
+          <a:lstStyle/>
+          <a:p>
+            <a:pPr algn="ctr"/>
+            <a:r>
+              <a:rPr lang="en-CA" sz="2000" b="1" dirty="0" smtClean="0">
                 <a:solidFill>
                   <a:schemeClr val="bg1"/>
                 </a:solidFill>
-              </a:endParaRPr>
-            </a:p>
-          </p:txBody>
-        </p:sp>
-        <p:sp>
-          <p:nvSpPr>
-            <p:cNvPr id="19" name="TextBox 18"/>
-            <p:cNvSpPr txBox="1"/>
-            <p:nvPr/>
-          </p:nvSpPr>
-          <p:spPr>
-            <a:xfrm>
-              <a:off x="7364979" y="2704203"/>
-              <a:ext cx="2585867" cy="615553"/>
-            </a:xfrm>
-            <a:prstGeom prst="rect">
-              <a:avLst/>
-            </a:prstGeom>
-            <a:noFill/>
-          </p:spPr>
-          <p:txBody>
-            <a:bodyPr wrap="square" rtlCol="0">
-              <a:spAutoFit/>
-            </a:bodyPr>
-            <a:lstStyle/>
-            <a:p>
-              <a:pPr algn="ctr"/>
-              <a:r>
-                <a:rPr lang="en-CA" sz="2000" b="1" dirty="0" smtClean="0">
-                  <a:solidFill>
-                    <a:schemeClr val="bg1"/>
-                  </a:solidFill>
-                </a:rPr>
-                <a:t>PaaS</a:t>
-              </a:r>
-            </a:p>
-            <a:p>
-              <a:pPr algn="ctr"/>
-              <a:r>
-                <a:rPr lang="en-CA" sz="1400" dirty="0" smtClean="0">
-                  <a:solidFill>
-                    <a:schemeClr val="bg1"/>
-                  </a:solidFill>
-                </a:rPr>
-                <a:t>Platform</a:t>
-              </a:r>
-              <a:endParaRPr lang="en-CA" sz="1400" dirty="0">
+              </a:rPr>
+              <a:t>SaaS</a:t>
+            </a:r>
+          </a:p>
+          <a:p>
+            <a:pPr algn="ctr"/>
+            <a:r>
+              <a:rPr lang="en-CA" sz="1400" dirty="0" smtClean="0">
                 <a:solidFill>
                   <a:schemeClr val="bg1"/>
                 </a:solidFill>
-              </a:endParaRPr>
-            </a:p>
-          </p:txBody>
-        </p:sp>
-        <p:sp>
-          <p:nvSpPr>
-            <p:cNvPr id="20" name="TextBox 19"/>
-            <p:cNvSpPr txBox="1"/>
-            <p:nvPr/>
-          </p:nvSpPr>
-          <p:spPr>
-            <a:xfrm>
-              <a:off x="7390574" y="1579249"/>
-              <a:ext cx="2585867" cy="615553"/>
-            </a:xfrm>
-            <a:prstGeom prst="rect">
-              <a:avLst/>
-            </a:prstGeom>
-            <a:noFill/>
-          </p:spPr>
-          <p:txBody>
-            <a:bodyPr wrap="square" rtlCol="0">
-              <a:spAutoFit/>
-            </a:bodyPr>
-            <a:lstStyle/>
-            <a:p>
-              <a:pPr algn="ctr"/>
-              <a:r>
-                <a:rPr lang="en-CA" sz="2000" b="1" dirty="0" smtClean="0">
-                  <a:solidFill>
-                    <a:schemeClr val="bg1"/>
-                  </a:solidFill>
-                </a:rPr>
-                <a:t>SaaS</a:t>
-              </a:r>
-            </a:p>
-            <a:p>
-              <a:pPr algn="ctr"/>
-              <a:r>
-                <a:rPr lang="en-CA" sz="1400" dirty="0" smtClean="0">
-                  <a:solidFill>
-                    <a:schemeClr val="bg1"/>
-                  </a:solidFill>
-                </a:rPr>
-                <a:t>Software</a:t>
-              </a:r>
-              <a:endParaRPr lang="en-CA" sz="1400" dirty="0">
+              </a:rPr>
+              <a:t>Software</a:t>
+            </a:r>
+            <a:endParaRPr lang="en-CA" sz="1400" dirty="0">
+              <a:solidFill>
+                <a:schemeClr val="bg1"/>
+              </a:solidFill>
+            </a:endParaRPr>
+          </a:p>
+        </p:txBody>
+      </p:sp>
+      <p:sp>
+        <p:nvSpPr>
+          <p:cNvPr id="19" name="TextBox 18"/>
+          <p:cNvSpPr txBox="1"/>
+          <p:nvPr/>
+        </p:nvSpPr>
+        <p:spPr>
+          <a:xfrm>
+            <a:off x="4491313" y="4098269"/>
+            <a:ext cx="2585867" cy="615553"/>
+          </a:xfrm>
+          <a:prstGeom prst="rect">
+            <a:avLst/>
+          </a:prstGeom>
+          <a:solidFill>
+            <a:srgbClr val="392190"/>
+          </a:solidFill>
+        </p:spPr>
+        <p:txBody>
+          <a:bodyPr wrap="square" rtlCol="0">
+            <a:spAutoFit/>
+          </a:bodyPr>
+          <a:lstStyle/>
+          <a:p>
+            <a:pPr algn="ctr"/>
+            <a:r>
+              <a:rPr lang="en-CA" sz="2000" b="1" dirty="0" smtClean="0">
                 <a:solidFill>
                   <a:schemeClr val="bg1"/>
                 </a:solidFill>
-              </a:endParaRPr>
-            </a:p>
-          </p:txBody>
-        </p:sp>
-      </p:grpSp>
-      <p:cxnSp>
-        <p:nvCxnSpPr>
-          <p:cNvPr id="25" name="Straight Connector 24"/>
-          <p:cNvCxnSpPr/>
+              </a:rPr>
+              <a:t>PaaS</a:t>
+            </a:r>
+          </a:p>
+          <a:p>
+            <a:pPr algn="ctr"/>
+            <a:r>
+              <a:rPr lang="en-CA" sz="1400" dirty="0" smtClean="0">
+                <a:solidFill>
+                  <a:schemeClr val="bg1"/>
+                </a:solidFill>
+              </a:rPr>
+              <a:t>Platform</a:t>
+            </a:r>
+            <a:endParaRPr lang="en-CA" sz="1400" dirty="0">
+              <a:solidFill>
+                <a:schemeClr val="bg1"/>
+              </a:solidFill>
+            </a:endParaRPr>
+          </a:p>
+        </p:txBody>
+      </p:sp>
+      <p:sp>
+        <p:nvSpPr>
+          <p:cNvPr id="8" name="TextBox 7"/>
+          <p:cNvSpPr txBox="1"/>
           <p:nvPr/>
-        </p:nvCxnSpPr>
-        <p:spPr>
-          <a:xfrm flipV="1">
-            <a:off x="878187" y="3818597"/>
-            <a:ext cx="10109524" cy="2"/>
-          </a:xfrm>
-          <a:prstGeom prst="line">
+        </p:nvSpPr>
+        <p:spPr>
+          <a:xfrm>
+            <a:off x="4491313" y="5299693"/>
+            <a:ext cx="2585867" cy="615553"/>
+          </a:xfrm>
+          <a:prstGeom prst="rect">
             <a:avLst/>
           </a:prstGeom>
-          <a:ln w="63500">
-            <a:solidFill>
-              <a:schemeClr val="bg1">
-                <a:alpha val="20000"/>
-              </a:schemeClr>
-            </a:solidFill>
-          </a:ln>
-        </p:spPr>
-        <p:style>
-          <a:lnRef idx="1">
-            <a:schemeClr val="accent1"/>
-          </a:lnRef>
-          <a:fillRef idx="0">
-            <a:schemeClr val="accent1"/>
-          </a:fillRef>
-          <a:effectRef idx="0">
-            <a:schemeClr val="accent1"/>
-          </a:effectRef>
-          <a:fontRef idx="minor">
-            <a:schemeClr val="tx1"/>
-          </a:fontRef>
-        </p:style>
-      </p:cxnSp>
-      <p:cxnSp>
-        <p:nvCxnSpPr>
-          <p:cNvPr id="26" name="Straight Connector 25"/>
-          <p:cNvCxnSpPr/>
+          <a:solidFill>
+            <a:srgbClr val="26262D"/>
+          </a:solidFill>
+        </p:spPr>
+        <p:txBody>
+          <a:bodyPr wrap="square" rtlCol="0">
+            <a:spAutoFit/>
+          </a:bodyPr>
+          <a:lstStyle/>
+          <a:p>
+            <a:pPr algn="ctr"/>
+            <a:r>
+              <a:rPr lang="en-CA" sz="2000" b="1" dirty="0" smtClean="0">
+                <a:solidFill>
+                  <a:schemeClr val="bg1"/>
+                </a:solidFill>
+              </a:rPr>
+              <a:t>IaaS</a:t>
+            </a:r>
+          </a:p>
+          <a:p>
+            <a:pPr algn="ctr"/>
+            <a:r>
+              <a:rPr lang="en-CA" sz="1400" dirty="0" smtClean="0">
+                <a:solidFill>
+                  <a:schemeClr val="bg1"/>
+                </a:solidFill>
+              </a:rPr>
+              <a:t>Infrastructure</a:t>
+            </a:r>
+            <a:endParaRPr lang="en-CA" sz="1400" dirty="0">
+              <a:solidFill>
+                <a:schemeClr val="bg1"/>
+              </a:solidFill>
+            </a:endParaRPr>
+          </a:p>
+        </p:txBody>
+      </p:sp>
+      <p:sp>
+        <p:nvSpPr>
+          <p:cNvPr id="12" name="TextBox 11"/>
+          <p:cNvSpPr txBox="1"/>
           <p:nvPr/>
-        </p:nvCxnSpPr>
-        <p:spPr>
-          <a:xfrm flipV="1">
-            <a:off x="1084669" y="5009321"/>
-            <a:ext cx="10109524" cy="2"/>
-          </a:xfrm>
-          <a:prstGeom prst="line">
+        </p:nvSpPr>
+        <p:spPr>
+          <a:xfrm>
+            <a:off x="6139431" y="1636688"/>
+            <a:ext cx="3048483" cy="415498"/>
+          </a:xfrm>
+          <a:prstGeom prst="rect">
             <a:avLst/>
           </a:prstGeom>
-          <a:ln w="63500">
-            <a:solidFill>
-              <a:schemeClr val="bg1">
-                <a:alpha val="20000"/>
-              </a:schemeClr>
-            </a:solidFill>
-          </a:ln>
-        </p:spPr>
-        <p:style>
-          <a:lnRef idx="1">
-            <a:schemeClr val="accent1"/>
-          </a:lnRef>
-          <a:fillRef idx="0">
-            <a:schemeClr val="accent1"/>
-          </a:fillRef>
-          <a:effectRef idx="0">
-            <a:schemeClr val="accent1"/>
-          </a:effectRef>
-          <a:fontRef idx="minor">
-            <a:schemeClr val="tx1"/>
-          </a:fontRef>
-        </p:style>
-      </p:cxnSp>
+          <a:noFill/>
+        </p:spPr>
+        <p:txBody>
+          <a:bodyPr wrap="square" rtlCol="0">
+            <a:spAutoFit/>
+          </a:bodyPr>
+          <a:lstStyle/>
+          <a:p>
+            <a:pPr>
+              <a:lnSpc>
+                <a:spcPct val="150000"/>
+              </a:lnSpc>
+            </a:pPr>
+            <a:r>
+              <a:rPr lang="en-CA" sz="1400" dirty="0" smtClean="0"/>
+              <a:t>Least control and effort</a:t>
+            </a:r>
+            <a:endParaRPr lang="en-CA" sz="1400" dirty="0"/>
+          </a:p>
+        </p:txBody>
+      </p:sp>
+      <p:sp>
+        <p:nvSpPr>
+          <p:cNvPr id="11" name="TextBox 10"/>
+          <p:cNvSpPr txBox="1"/>
+          <p:nvPr/>
+        </p:nvSpPr>
+        <p:spPr>
+          <a:xfrm>
+            <a:off x="8511976" y="5823414"/>
+            <a:ext cx="3252824" cy="415498"/>
+          </a:xfrm>
+          <a:prstGeom prst="rect">
+            <a:avLst/>
+          </a:prstGeom>
+          <a:noFill/>
+        </p:spPr>
+        <p:txBody>
+          <a:bodyPr wrap="square" rtlCol="0">
+            <a:spAutoFit/>
+          </a:bodyPr>
+          <a:lstStyle/>
+          <a:p>
+            <a:pPr>
+              <a:lnSpc>
+                <a:spcPct val="150000"/>
+              </a:lnSpc>
+            </a:pPr>
+            <a:r>
+              <a:rPr lang="en-CA" sz="1400" dirty="0" smtClean="0"/>
+              <a:t>Most control and effort</a:t>
+            </a:r>
+            <a:endParaRPr lang="en-CA" sz="1400" dirty="0"/>
+          </a:p>
+        </p:txBody>
+      </p:sp>
+      <p:sp>
+        <p:nvSpPr>
+          <p:cNvPr id="4" name="Slide Number Placeholder 3"/>
+          <p:cNvSpPr>
+            <a:spLocks noGrp="1"/>
+          </p:cNvSpPr>
+          <p:nvPr>
+            <p:ph type="sldNum" sz="quarter" idx="4"/>
+          </p:nvPr>
+        </p:nvSpPr>
+        <p:spPr/>
+        <p:txBody>
+          <a:bodyPr/>
+          <a:lstStyle/>
+          <a:p>
+            <a:fld id="{105822BA-B7AE-4DDB-BAFC-C8E55FB5C986}" type="slidenum">
+              <a:rPr lang="en-CA" smtClean="0"/>
+              <a:pPr/>
+              <a:t>6</a:t>
+            </a:fld>
+            <a:r>
+              <a:rPr lang="en-CA" smtClean="0"/>
+              <a:t> </a:t>
+            </a:r>
+            <a:endParaRPr lang="en-CA" dirty="0"/>
+          </a:p>
+        </p:txBody>
+      </p:sp>
     </p:spTree>
     <p:extLst>
       <p:ext uri="{BB962C8B-B14F-4D97-AF65-F5344CB8AC3E}">
@@ -8206,6 +8425,31 @@
           </a:p>
         </p:txBody>
       </p:sp>
+      <p:pic>
+        <p:nvPicPr>
+          <p:cNvPr id="5" name="__EngageSlideDescription__" descr="slide description : Explanation of the GC Accelerators project"/>
+          <p:cNvPicPr>
+            <a:picLocks/>
+          </p:cNvPicPr>
+          <p:nvPr/>
+        </p:nvPicPr>
+        <p:blipFill>
+          <a:blip r:embed="rId2"/>
+          <a:stretch>
+            <a:fillRect/>
+          </a:stretch>
+        </p:blipFill>
+        <p:spPr>
+          <a:xfrm>
+            <a:off x="428400" y="785288"/>
+            <a:ext cx="12700" cy="12700"/>
+          </a:xfrm>
+          <a:prstGeom prst="rect">
+            <a:avLst/>
+          </a:prstGeom>
+          <a:ln/>
+        </p:spPr>
+      </p:pic>
       <p:sp>
         <p:nvSpPr>
           <p:cNvPr id="3" name="Content Placeholder 2"/>
@@ -8343,7 +8587,7 @@
     <p:bg>
       <p:bgPr>
         <a:blipFill dpi="0" rotWithShape="1">
-          <a:blip r:embed="rId2">
+          <a:blip r:embed="rId3">
             <a:lum/>
           </a:blip>
           <a:srcRect/>
@@ -8368,11 +8612,40 @@
           <a:chExt cx="0" cy="0"/>
         </a:xfrm>
       </p:grpSpPr>
+      <p:pic>
+        <p:nvPicPr>
+          <p:cNvPr id="2" name="__EngageSlideDescription__" descr="slide description : Automation section."/>
+          <p:cNvPicPr>
+            <a:picLocks/>
+          </p:cNvPicPr>
+          <p:nvPr/>
+        </p:nvPicPr>
+        <p:blipFill>
+          <a:blip r:embed="rId4"/>
+          <a:stretch>
+            <a:fillRect/>
+          </a:stretch>
+        </p:blipFill>
+        <p:spPr>
+          <a:xfrm>
+            <a:off x="0" y="0"/>
+            <a:ext cx="12700" cy="12700"/>
+          </a:xfrm>
+          <a:prstGeom prst="rect">
+            <a:avLst/>
+          </a:prstGeom>
+          <a:ln/>
+        </p:spPr>
+      </p:pic>
       <p:sp>
         <p:nvSpPr>
           <p:cNvPr id="5" name="Rectangle 4"/>
           <p:cNvSpPr/>
-          <p:nvPr/>
+          <p:nvPr>
+            <p:custDataLst>
+              <p:tags r:id="rId1"/>
+            </p:custDataLst>
+          </p:nvPr>
         </p:nvSpPr>
         <p:spPr>
           <a:xfrm>
@@ -8424,87 +8697,6 @@
           </a:p>
         </p:txBody>
       </p:sp>
-      <p:pic>
-        <p:nvPicPr>
-          <p:cNvPr id="2" name="__EngageSlideDescription__" descr="slide description : Cloud section."/>
-          <p:cNvPicPr>
-            <a:picLocks/>
-          </p:cNvPicPr>
-          <p:nvPr/>
-        </p:nvPicPr>
-        <p:blipFill>
-          <a:blip r:embed="rId3"/>
-          <a:stretch>
-            <a:fillRect/>
-          </a:stretch>
-        </p:blipFill>
-        <p:spPr>
-          <a:xfrm>
-            <a:off x="0" y="0"/>
-            <a:ext cx="12700" cy="12700"/>
-          </a:xfrm>
-          <a:prstGeom prst="rect">
-            <a:avLst/>
-          </a:prstGeom>
-          <a:ln/>
-        </p:spPr>
-      </p:pic>
-      <p:sp>
-        <p:nvSpPr>
-          <p:cNvPr id="4" name="Title 1"/>
-          <p:cNvSpPr txBox="1">
-            <a:spLocks/>
-          </p:cNvSpPr>
-          <p:nvPr/>
-        </p:nvSpPr>
-        <p:spPr>
-          <a:xfrm>
-            <a:off x="657754" y="5349483"/>
-            <a:ext cx="5438246" cy="1068249"/>
-          </a:xfrm>
-          <a:prstGeom prst="rect">
-            <a:avLst/>
-          </a:prstGeom>
-          <a:noFill/>
-        </p:spPr>
-        <p:txBody>
-          <a:bodyPr/>
-          <a:lstStyle>
-            <a:lvl1pPr algn="l" defTabSz="914377" rtl="0" eaLnBrk="1" latinLnBrk="0" hangingPunct="1">
-              <a:lnSpc>
-                <a:spcPct val="90000"/>
-              </a:lnSpc>
-              <a:spcBef>
-                <a:spcPct val="0"/>
-              </a:spcBef>
-              <a:buNone/>
-              <a:defRPr sz="2400" b="1" kern="1200">
-                <a:solidFill>
-                  <a:schemeClr val="tx1"/>
-                </a:solidFill>
-                <a:latin typeface="Century Gothic" panose="020B0502020202020204" pitchFamily="34" charset="0"/>
-                <a:ea typeface="+mj-ea"/>
-                <a:cs typeface="+mj-cs"/>
-              </a:defRPr>
-            </a:lvl1pPr>
-          </a:lstStyle>
-          <a:p>
-            <a:r>
-              <a:rPr lang="en-CA" sz="7200" dirty="0" smtClean="0">
-                <a:solidFill>
-                  <a:schemeClr val="bg1"/>
-                </a:solidFill>
-              </a:rPr>
-              <a:t>Automation</a:t>
-            </a:r>
-            <a:endParaRPr lang="en-CA" sz="7200" dirty="0">
-              <a:solidFill>
-                <a:schemeClr val="bg1"/>
-              </a:solidFill>
-            </a:endParaRPr>
-          </a:p>
-        </p:txBody>
-      </p:sp>
       <p:sp>
         <p:nvSpPr>
           <p:cNvPr id="6" name="Oval 5"/>
@@ -8520,7 +8712,7 @@
             <a:avLst/>
           </a:prstGeom>
           <a:solidFill>
-            <a:srgbClr val="00B050"/>
+            <a:srgbClr val="00883D"/>
           </a:solidFill>
           <a:ln>
             <a:noFill/>
@@ -8558,6 +8750,47 @@
               <a:rPr lang="en-CA" b="1" dirty="0"/>
               <a:t>2</a:t>
             </a:r>
+          </a:p>
+        </p:txBody>
+      </p:sp>
+      <p:sp>
+        <p:nvSpPr>
+          <p:cNvPr id="3" name="Title 2"/>
+          <p:cNvSpPr>
+            <a:spLocks noGrp="1"/>
+          </p:cNvSpPr>
+          <p:nvPr>
+            <p:ph type="title"/>
+          </p:nvPr>
+        </p:nvSpPr>
+        <p:spPr>
+          <a:xfrm>
+            <a:off x="687762" y="5333651"/>
+            <a:ext cx="10399257" cy="1110692"/>
+          </a:xfrm>
+          <a:solidFill>
+            <a:schemeClr val="tx1">
+              <a:alpha val="0"/>
+            </a:schemeClr>
+          </a:solidFill>
+        </p:spPr>
+        <p:txBody>
+          <a:bodyPr/>
+          <a:lstStyle/>
+          <a:p>
+            <a:r>
+              <a:rPr lang="en-CA" sz="7200" dirty="0" smtClean="0">
+                <a:solidFill>
+                  <a:schemeClr val="bg1"/>
+                </a:solidFill>
+              </a:rPr>
+              <a:t>Automation</a:t>
+            </a:r>
+            <a:endParaRPr lang="en-CA" sz="7200" dirty="0">
+              <a:solidFill>
+                <a:schemeClr val="bg1"/>
+              </a:solidFill>
+            </a:endParaRPr>
           </a:p>
         </p:txBody>
       </p:sp>
@@ -8621,6 +8854,126 @@
           </a:p>
         </p:txBody>
       </p:sp>
+      <p:pic>
+        <p:nvPicPr>
+          <p:cNvPr id="3" name="__EngageSlideDescription__" descr="slide description : Automation benefits"/>
+          <p:cNvPicPr>
+            <a:picLocks/>
+          </p:cNvPicPr>
+          <p:nvPr/>
+        </p:nvPicPr>
+        <p:blipFill>
+          <a:blip r:embed="rId2"/>
+          <a:stretch>
+            <a:fillRect/>
+          </a:stretch>
+        </p:blipFill>
+        <p:spPr>
+          <a:xfrm>
+            <a:off x="428400" y="785288"/>
+            <a:ext cx="12700" cy="12700"/>
+          </a:xfrm>
+          <a:prstGeom prst="rect">
+            <a:avLst/>
+          </a:prstGeom>
+          <a:ln/>
+        </p:spPr>
+      </p:pic>
+      <p:sp>
+        <p:nvSpPr>
+          <p:cNvPr id="5" name="Content Placeholder 2"/>
+          <p:cNvSpPr>
+            <a:spLocks noGrp="1"/>
+          </p:cNvSpPr>
+          <p:nvPr>
+            <p:ph idx="1"/>
+          </p:nvPr>
+        </p:nvSpPr>
+        <p:spPr>
+          <a:xfrm>
+            <a:off x="428400" y="1069847"/>
+            <a:ext cx="11336400" cy="5001199"/>
+          </a:xfrm>
+        </p:spPr>
+        <p:txBody>
+          <a:bodyPr/>
+          <a:lstStyle/>
+          <a:p>
+            <a:pPr marL="285750" indent="-285750">
+              <a:buFont typeface="Arial" panose="020B0604020202020204" pitchFamily="34" charset="0"/>
+              <a:buChar char="•"/>
+            </a:pPr>
+            <a:r>
+              <a:rPr lang="en-US" dirty="0" smtClean="0"/>
+              <a:t>Power of cloud is unlocked through automation</a:t>
+            </a:r>
+            <a:br>
+              <a:rPr lang="en-US" dirty="0" smtClean="0"/>
+            </a:br>
+            <a:endParaRPr lang="en-US" dirty="0" smtClean="0"/>
+          </a:p>
+          <a:p>
+            <a:pPr marL="285750" indent="-285750">
+              <a:buFont typeface="Arial" panose="020B0604020202020204" pitchFamily="34" charset="0"/>
+              <a:buChar char="•"/>
+            </a:pPr>
+            <a:r>
+              <a:rPr lang="en-CA" dirty="0" smtClean="0"/>
+              <a:t>Allows you to express your </a:t>
+            </a:r>
+            <a:r>
+              <a:rPr lang="en-CA" b="1" dirty="0" smtClean="0"/>
+              <a:t>infrastructure as code</a:t>
+            </a:r>
+            <a:br>
+              <a:rPr lang="en-CA" b="1" dirty="0" smtClean="0"/>
+            </a:br>
+            <a:endParaRPr lang="en-CA" dirty="0" smtClean="0"/>
+          </a:p>
+          <a:p>
+            <a:pPr marL="285750" indent="-285750">
+              <a:buFont typeface="Arial" panose="020B0604020202020204" pitchFamily="34" charset="0"/>
+              <a:buChar char="•"/>
+            </a:pPr>
+            <a:r>
+              <a:rPr lang="en-CA" dirty="0" smtClean="0"/>
+              <a:t>Repeatable and fast creation of services</a:t>
+            </a:r>
+            <a:br>
+              <a:rPr lang="en-CA" dirty="0" smtClean="0"/>
+            </a:br>
+            <a:r>
+              <a:rPr lang="en-CA" dirty="0" smtClean="0"/>
+              <a:t/>
+            </a:r>
+            <a:br>
+              <a:rPr lang="en-CA" dirty="0" smtClean="0"/>
+            </a:br>
+            <a:endParaRPr lang="en-CA" dirty="0"/>
+          </a:p>
+          <a:p>
+            <a:pPr marL="285750" indent="-285750">
+              <a:buFont typeface="Arial" panose="020B0604020202020204" pitchFamily="34" charset="0"/>
+              <a:buChar char="•"/>
+            </a:pPr>
+            <a:endParaRPr lang="en-CA" dirty="0" smtClean="0"/>
+          </a:p>
+          <a:p>
+            <a:pPr marL="285750" indent="-285750">
+              <a:buFont typeface="Arial" panose="020B0604020202020204" pitchFamily="34" charset="0"/>
+              <a:buChar char="•"/>
+            </a:pPr>
+            <a:endParaRPr lang="en-CA" dirty="0"/>
+          </a:p>
+          <a:p>
+            <a:pPr marL="285750" indent="-285750">
+              <a:buFont typeface="Arial" panose="020B0604020202020204" pitchFamily="34" charset="0"/>
+              <a:buChar char="•"/>
+            </a:pPr>
+            <a:endParaRPr lang="en-CA" dirty="0"/>
+          </a:p>
+        </p:txBody>
+      </p:sp>
       <p:sp>
         <p:nvSpPr>
           <p:cNvPr id="4" name="Slide Number Placeholder 3"/>
@@ -8645,101 +8998,6 @@
               <a:rPr lang="en-CA" smtClean="0"/>
               <a:t> </a:t>
             </a:r>
-            <a:endParaRPr lang="en-CA" dirty="0"/>
-          </a:p>
-        </p:txBody>
-      </p:sp>
-      <p:sp>
-        <p:nvSpPr>
-          <p:cNvPr id="5" name="Content Placeholder 2"/>
-          <p:cNvSpPr>
-            <a:spLocks noGrp="1"/>
-          </p:cNvSpPr>
-          <p:nvPr>
-            <p:ph idx="1"/>
-          </p:nvPr>
-        </p:nvSpPr>
-        <p:spPr>
-          <a:xfrm>
-            <a:off x="428400" y="1069847"/>
-            <a:ext cx="11336400" cy="5001199"/>
-          </a:xfrm>
-        </p:spPr>
-        <p:txBody>
-          <a:bodyPr/>
-          <a:lstStyle/>
-          <a:p>
-            <a:pPr marL="285750" indent="-285750">
-              <a:buFont typeface="Arial" panose="020B0604020202020204" pitchFamily="34" charset="0"/>
-              <a:buChar char="•"/>
-            </a:pPr>
-            <a:r>
-              <a:rPr lang="en-US" dirty="0" smtClean="0"/>
-              <a:t>Power of cloud is unlocked through automation</a:t>
-            </a:r>
-            <a:br>
-              <a:rPr lang="en-US" dirty="0" smtClean="0"/>
-            </a:br>
-            <a:endParaRPr lang="en-US" dirty="0" smtClean="0"/>
-          </a:p>
-          <a:p>
-            <a:pPr marL="285750" indent="-285750">
-              <a:buFont typeface="Arial" panose="020B0604020202020204" pitchFamily="34" charset="0"/>
-              <a:buChar char="•"/>
-            </a:pPr>
-            <a:r>
-              <a:rPr lang="en-CA" dirty="0" smtClean="0"/>
-              <a:t>Allows you to express your </a:t>
-            </a:r>
-            <a:r>
-              <a:rPr lang="en-CA" b="1" dirty="0" smtClean="0"/>
-              <a:t>infrastructure as code</a:t>
-            </a:r>
-            <a:br>
-              <a:rPr lang="en-CA" b="1" dirty="0" smtClean="0"/>
-            </a:br>
-            <a:endParaRPr lang="en-CA" dirty="0" smtClean="0"/>
-          </a:p>
-          <a:p>
-            <a:pPr marL="285750" indent="-285750">
-              <a:buFont typeface="Arial" panose="020B0604020202020204" pitchFamily="34" charset="0"/>
-              <a:buChar char="•"/>
-            </a:pPr>
-            <a:r>
-              <a:rPr lang="en-CA" dirty="0" smtClean="0"/>
-              <a:t>Repeatable and fast creation of services</a:t>
-            </a:r>
-            <a:br>
-              <a:rPr lang="en-CA" dirty="0" smtClean="0"/>
-            </a:br>
-            <a:r>
-              <a:rPr lang="en-CA" dirty="0" smtClean="0"/>
-              <a:t/>
-            </a:r>
-            <a:br>
-              <a:rPr lang="en-CA" dirty="0" smtClean="0"/>
-            </a:br>
-            <a:endParaRPr lang="en-CA" dirty="0"/>
-          </a:p>
-          <a:p>
-            <a:pPr marL="285750" indent="-285750">
-              <a:buFont typeface="Arial" panose="020B0604020202020204" pitchFamily="34" charset="0"/>
-              <a:buChar char="•"/>
-            </a:pPr>
-            <a:endParaRPr lang="en-CA" dirty="0" smtClean="0"/>
-          </a:p>
-          <a:p>
-            <a:pPr marL="285750" indent="-285750">
-              <a:buFont typeface="Arial" panose="020B0604020202020204" pitchFamily="34" charset="0"/>
-              <a:buChar char="•"/>
-            </a:pPr>
-            <a:endParaRPr lang="en-CA" dirty="0"/>
-          </a:p>
-          <a:p>
-            <a:pPr marL="285750" indent="-285750">
-              <a:buFont typeface="Arial" panose="020B0604020202020204" pitchFamily="34" charset="0"/>
-              <a:buChar char="•"/>
-            </a:pPr>
             <a:endParaRPr lang="en-CA" dirty="0"/>
           </a:p>
         </p:txBody>
@@ -8766,7 +9024,73 @@
 
 <file path=ppt/tags/tag1.xml><?xml version="1.0" encoding="utf-8"?>
 <p:tagLst xmlns:a="http://schemas.openxmlformats.org/drawingml/2006/main" xmlns:r="http://schemas.openxmlformats.org/officeDocument/2006/relationships" xmlns:p="http://schemas.openxmlformats.org/presentationml/2006/main">
-  <p:tag name="ENGAGE" val="{&quot;SavedSwatch&quot;:&quot;-16747630|-1615358|-5828210|-11231456|-12763591|Shared Services Canada&quot;,&quot;Id&quot;:&quot;5da7737143314308dc88aafa&quot;,&quot;SmartGridHorizontal&quot;:0,&quot;LinkedExcelSources&quot;:{},&quot;LinkedProjectSources&quot;:{},&quot;FlowConfig&quot;:{&quot;Canvas&quot;:{&quot;Slide&quot;:-1,&quot;Width&quot;:0,&quot;Height&quot;:0},&quot;Timeline&quot;:{&quot;Actions&quot;:[]}},&quot;LinkedSlideMergeSources&quot;:{},&quot;LinkedSharePointSlideMergeSources&quot;:{}}"/>
+  <p:tag name="ENGAGE" val="{&quot;SavedSwatch&quot;:&quot;-16747630|-1615358|-5828210|-11231456|-12763591|Shared Services Canada&quot;,&quot;Id&quot;:&quot;5da891dc4331431c08f3962a&quot;,&quot;SmartGridHorizontal&quot;:0,&quot;LinkedExcelSources&quot;:{},&quot;LinkedProjectSources&quot;:{},&quot;FlowConfig&quot;:{&quot;Canvas&quot;:{&quot;Slide&quot;:-1,&quot;Width&quot;:0,&quot;Height&quot;:0},&quot;Timeline&quot;:{&quot;Actions&quot;:[]}},&quot;LinkedSlideMergeSources&quot;:{},&quot;LinkedSharePointSlideMergeSources&quot;:{}}"/>
+</p:tagLst>
+</file>
+
+<file path=ppt/tags/tag10.xml><?xml version="1.0" encoding="utf-8"?>
+<p:tagLst xmlns:a="http://schemas.openxmlformats.org/drawingml/2006/main" xmlns:r="http://schemas.openxmlformats.org/officeDocument/2006/relationships" xmlns:p="http://schemas.openxmlformats.org/presentationml/2006/main">
+  <p:tag name="E_IMGDECORATIVE" val="1"/>
+</p:tagLst>
+</file>
+
+<file path=ppt/tags/tag11.xml><?xml version="1.0" encoding="utf-8"?>
+<p:tagLst xmlns:a="http://schemas.openxmlformats.org/drawingml/2006/main" xmlns:r="http://schemas.openxmlformats.org/officeDocument/2006/relationships" xmlns:p="http://schemas.openxmlformats.org/presentationml/2006/main">
+  <p:tag name="E_IMGDECORATIVE" val=""/>
+  <p:tag name="E_ALTTEXTCACHE" val=""/>
+</p:tagLst>
+</file>
+
+<file path=ppt/tags/tag2.xml><?xml version="1.0" encoding="utf-8"?>
+<p:tagLst xmlns:a="http://schemas.openxmlformats.org/drawingml/2006/main" xmlns:r="http://schemas.openxmlformats.org/officeDocument/2006/relationships" xmlns:p="http://schemas.openxmlformats.org/presentationml/2006/main">
+  <p:tag name="E_IMGDECORATIVE" val=""/>
+  <p:tag name="E_ALTTEXTCACHE" val=""/>
+</p:tagLst>
+</file>
+
+<file path=ppt/tags/tag3.xml><?xml version="1.0" encoding="utf-8"?>
+<p:tagLst xmlns:a="http://schemas.openxmlformats.org/drawingml/2006/main" xmlns:r="http://schemas.openxmlformats.org/officeDocument/2006/relationships" xmlns:p="http://schemas.openxmlformats.org/presentationml/2006/main">
+  <p:tag name="E_IMGDECORATIVE" val=""/>
+  <p:tag name="E_ALTTEXTCACHE" val=""/>
+</p:tagLst>
+</file>
+
+<file path=ppt/tags/tag4.xml><?xml version="1.0" encoding="utf-8"?>
+<p:tagLst xmlns:a="http://schemas.openxmlformats.org/drawingml/2006/main" xmlns:r="http://schemas.openxmlformats.org/officeDocument/2006/relationships" xmlns:p="http://schemas.openxmlformats.org/presentationml/2006/main">
+  <p:tag name="E_IMGDECORATIVE" val=""/>
+  <p:tag name="E_ALTTEXTCACHE" val=""/>
+</p:tagLst>
+</file>
+
+<file path=ppt/tags/tag5.xml><?xml version="1.0" encoding="utf-8"?>
+<p:tagLst xmlns:a="http://schemas.openxmlformats.org/drawingml/2006/main" xmlns:r="http://schemas.openxmlformats.org/officeDocument/2006/relationships" xmlns:p="http://schemas.openxmlformats.org/presentationml/2006/main">
+  <p:tag name="E_IMGDECORATIVE" val="1"/>
+</p:tagLst>
+</file>
+
+<file path=ppt/tags/tag6.xml><?xml version="1.0" encoding="utf-8"?>
+<p:tagLst xmlns:a="http://schemas.openxmlformats.org/drawingml/2006/main" xmlns:r="http://schemas.openxmlformats.org/officeDocument/2006/relationships" xmlns:p="http://schemas.openxmlformats.org/presentationml/2006/main">
+  <p:tag name="E_IMGDECORATIVE" val=""/>
+  <p:tag name="E_ALTTEXTCACHE" val=""/>
+</p:tagLst>
+</file>
+
+<file path=ppt/tags/tag7.xml><?xml version="1.0" encoding="utf-8"?>
+<p:tagLst xmlns:a="http://schemas.openxmlformats.org/drawingml/2006/main" xmlns:r="http://schemas.openxmlformats.org/officeDocument/2006/relationships" xmlns:p="http://schemas.openxmlformats.org/presentationml/2006/main">
+  <p:tag name="E_IMGDECORATIVE" val="1"/>
+</p:tagLst>
+</file>
+
+<file path=ppt/tags/tag8.xml><?xml version="1.0" encoding="utf-8"?>
+<p:tagLst xmlns:a="http://schemas.openxmlformats.org/drawingml/2006/main" xmlns:r="http://schemas.openxmlformats.org/officeDocument/2006/relationships" xmlns:p="http://schemas.openxmlformats.org/presentationml/2006/main">
+  <p:tag name="E_IMGDECORATIVE" val="1"/>
+</p:tagLst>
+</file>
+
+<file path=ppt/tags/tag9.xml><?xml version="1.0" encoding="utf-8"?>
+<p:tagLst xmlns:a="http://schemas.openxmlformats.org/drawingml/2006/main" xmlns:r="http://schemas.openxmlformats.org/officeDocument/2006/relationships" xmlns:p="http://schemas.openxmlformats.org/presentationml/2006/main">
+  <p:tag name="E_IMGDECORATIVE" val=""/>
+  <p:tag name="E_ALTTEXTCACHE" val=""/>
 </p:tagLst>
 </file>
 

--- a/presentations/digital-hour-cloud-automation.pptx
+++ b/presentations/digital-hour-cloud-automation.pptx
@@ -218,7 +218,7 @@
           <a:p>
             <a:fld id="{C432A8CA-5653-4CB8-AEEB-44430BC38506}" type="datetimeFigureOut">
               <a:rPr lang="en-CA" smtClean="0"/>
-              <a:t>2019-10-17</a:t>
+              <a:t>2019-10-21</a:t>
             </a:fld>
             <a:endParaRPr lang="en-CA"/>
           </a:p>
@@ -383,7 +383,7 @@
           <a:p>
             <a:fld id="{F54FB522-10CE-4B3C-92A1-9B8FCA0AFF13}" type="datetimeFigureOut">
               <a:rPr lang="en-CA" smtClean="0"/>
-              <a:t>2019-10-17</a:t>
+              <a:t>2019-10-21</a:t>
             </a:fld>
             <a:endParaRPr lang="en-CA"/>
           </a:p>
@@ -4001,16 +4001,21 @@
             <p:ph type="ctrTitle"/>
           </p:nvPr>
         </p:nvSpPr>
-        <p:spPr/>
+        <p:spPr>
+          <a:xfrm>
+            <a:off x="1758685" y="2419346"/>
+            <a:ext cx="8747390" cy="458194"/>
+          </a:xfrm>
+        </p:spPr>
         <p:txBody>
           <a:bodyPr/>
           <a:lstStyle/>
           <a:p>
             <a:r>
-              <a:rPr lang="en-CA" dirty="0" smtClean="0"/>
+              <a:rPr lang="en-CA" sz="2800" dirty="0" smtClean="0"/>
               <a:t>Cloud automation</a:t>
             </a:r>
-            <a:endParaRPr lang="en-CA" dirty="0"/>
+            <a:endParaRPr lang="en-CA" sz="2800" dirty="0"/>
           </a:p>
         </p:txBody>
       </p:sp>
@@ -4049,16 +4054,21 @@
             <p:ph type="subTitle" idx="1"/>
           </p:nvPr>
         </p:nvSpPr>
-        <p:spPr/>
+        <p:spPr>
+          <a:xfrm>
+            <a:off x="1758685" y="2921799"/>
+            <a:ext cx="8747390" cy="392346"/>
+          </a:xfrm>
+        </p:spPr>
         <p:txBody>
           <a:bodyPr/>
           <a:lstStyle/>
           <a:p>
             <a:r>
-              <a:rPr lang="en-CA" dirty="0" smtClean="0"/>
+              <a:rPr lang="en-CA" sz="2400" dirty="0" smtClean="0"/>
               <a:t>Digital hour</a:t>
             </a:r>
-            <a:endParaRPr lang="en-CA" dirty="0"/>
+            <a:endParaRPr lang="en-CA" sz="2400" dirty="0"/>
           </a:p>
         </p:txBody>
       </p:sp>
@@ -4349,7 +4359,7 @@
           <a:lstStyle/>
           <a:p>
             <a:r>
-              <a:rPr lang="en-CA" dirty="0" smtClean="0"/>
+              <a:rPr lang="en-CA" sz="2800" dirty="0" smtClean="0"/>
               <a:t>DevOps</a:t>
             </a:r>
             <a:endParaRPr lang="en-CA" dirty="0"/>
@@ -4365,7 +4375,7 @@
           <p:nvPr/>
         </p:nvPicPr>
         <p:blipFill>
-          <a:blip r:embed="rId3"/>
+          <a:blip r:embed="rId2"/>
           <a:stretch>
             <a:fillRect/>
           </a:stretch>
@@ -4381,444 +4391,396 @@
           <a:ln/>
         </p:spPr>
       </p:pic>
+      <p:sp>
+        <p:nvSpPr>
+          <p:cNvPr id="3" name="Content Placeholder 2"/>
+          <p:cNvSpPr>
+            <a:spLocks noGrp="1"/>
+          </p:cNvSpPr>
+          <p:nvPr>
+            <p:ph idx="1"/>
+          </p:nvPr>
+        </p:nvSpPr>
+        <p:spPr>
+          <a:xfrm>
+            <a:off x="428400" y="1120647"/>
+            <a:ext cx="11336400" cy="5001199"/>
+          </a:xfrm>
+        </p:spPr>
+        <p:txBody>
+          <a:bodyPr>
+            <a:normAutofit/>
+          </a:bodyPr>
+          <a:lstStyle/>
+          <a:p>
+            <a:pPr marL="285750" indent="-285750">
+              <a:lnSpc>
+                <a:spcPct val="100000"/>
+              </a:lnSpc>
+              <a:buFont typeface="Arial" panose="020B0604020202020204" pitchFamily="34" charset="0"/>
+              <a:buChar char="•"/>
+            </a:pPr>
+            <a:r>
+              <a:rPr lang="en-CA" sz="2400" dirty="0" smtClean="0"/>
+              <a:t>Essential for delivering modern digital services</a:t>
+            </a:r>
+          </a:p>
+          <a:p>
+            <a:pPr marL="285750" indent="-285750">
+              <a:lnSpc>
+                <a:spcPct val="100000"/>
+              </a:lnSpc>
+              <a:buFont typeface="Arial" panose="020B0604020202020204" pitchFamily="34" charset="0"/>
+              <a:buChar char="•"/>
+            </a:pPr>
+            <a:r>
+              <a:rPr lang="en-CA" sz="2400" dirty="0" smtClean="0"/>
+              <a:t>CI/CD pipelines are the backbone</a:t>
+            </a:r>
+          </a:p>
+        </p:txBody>
+      </p:sp>
       <p:grpSp>
         <p:nvGrpSpPr>
-          <p:cNvPr id="21" name="Group 20" descr="Flow chart showing how a CI/CD pipeline flows.  It starts with Version Control, then Continous Integration, followed by Continuous Delivery and finally Continuous Deployment.  Throughout all stages, there is monitoring and reporting."/>
+          <p:cNvPr id="51" name="Group 50" descr="Flow chart showing how a CI/CD pipeline flows.  It starts with Version Control, then Continous Integration, followed by Continuous Delivery and finally Continuous Deployment.  Throughout all stages, there is monitoring and reporting."/>
           <p:cNvGrpSpPr/>
-          <p:nvPr>
-            <p:custDataLst>
-              <p:tags r:id="rId1"/>
-            </p:custDataLst>
-          </p:nvPr>
+          <p:nvPr/>
         </p:nvGrpSpPr>
         <p:grpSpPr>
           <a:xfrm>
-            <a:off x="814814" y="2829622"/>
-            <a:ext cx="10109524" cy="2492582"/>
-            <a:chOff x="814814" y="2829622"/>
-            <a:chExt cx="10109524" cy="2492582"/>
+            <a:off x="661114" y="2829621"/>
+            <a:ext cx="10664773" cy="2718922"/>
+            <a:chOff x="661114" y="2829621"/>
+            <a:chExt cx="10664773" cy="2718922"/>
           </a:xfrm>
         </p:grpSpPr>
-        <p:grpSp>
-          <p:nvGrpSpPr>
-            <p:cNvPr id="10" name="Group 9"/>
-            <p:cNvGrpSpPr/>
+        <p:sp>
+          <p:nvSpPr>
+            <p:cNvPr id="5" name="Rectangle 4"/>
+            <p:cNvSpPr/>
             <p:nvPr/>
-          </p:nvGrpSpPr>
-          <p:grpSpPr>
+          </p:nvSpPr>
+          <p:spPr>
             <a:xfrm>
-              <a:off x="814814" y="2829622"/>
-              <a:ext cx="10109524" cy="2492582"/>
-              <a:chOff x="814814" y="2829622"/>
-              <a:chExt cx="10109524" cy="2492582"/>
+              <a:off x="697326" y="2829623"/>
+              <a:ext cx="2027235" cy="2208021"/>
             </a:xfrm>
-          </p:grpSpPr>
-          <p:sp>
-            <p:nvSpPr>
-              <p:cNvPr id="5" name="Rectangle 4"/>
-              <p:cNvSpPr/>
-              <p:nvPr/>
-            </p:nvSpPr>
-            <p:spPr>
-              <a:xfrm>
-                <a:off x="814814" y="2829624"/>
-                <a:ext cx="1674891" cy="1946496"/>
-              </a:xfrm>
-              <a:prstGeom prst="rect">
-                <a:avLst/>
-              </a:prstGeom>
+            <a:prstGeom prst="rect">
+              <a:avLst/>
+            </a:prstGeom>
+            <a:solidFill>
+              <a:srgbClr val="29229A"/>
+            </a:solidFill>
+            <a:ln>
+              <a:noFill/>
+            </a:ln>
+            <a:effectLst>
+              <a:outerShdw blurRad="101600" dist="38100" dir="5400000" algn="t" rotWithShape="0">
+                <a:prstClr val="black">
+                  <a:alpha val="20000"/>
+                </a:prstClr>
+              </a:outerShdw>
+            </a:effectLst>
+          </p:spPr>
+          <p:style>
+            <a:lnRef idx="2">
+              <a:schemeClr val="accent1">
+                <a:shade val="50000"/>
+              </a:schemeClr>
+            </a:lnRef>
+            <a:fillRef idx="1">
+              <a:schemeClr val="accent1"/>
+            </a:fillRef>
+            <a:effectRef idx="0">
+              <a:schemeClr val="accent1"/>
+            </a:effectRef>
+            <a:fontRef idx="minor">
+              <a:schemeClr val="lt1"/>
+            </a:fontRef>
+          </p:style>
+          <p:txBody>
+            <a:bodyPr rtlCol="0" anchor="ctr"/>
+            <a:lstStyle/>
+            <a:p>
+              <a:pPr algn="ctr"/>
+              <a:endParaRPr lang="en-CA" dirty="0"/>
+            </a:p>
+          </p:txBody>
+        </p:sp>
+        <p:sp>
+          <p:nvSpPr>
+            <p:cNvPr id="6" name="Rectangle 5"/>
+            <p:cNvSpPr/>
+            <p:nvPr/>
+          </p:nvSpPr>
+          <p:spPr>
+            <a:xfrm>
+              <a:off x="3492464" y="2829622"/>
+              <a:ext cx="2009363" cy="2208021"/>
+            </a:xfrm>
+            <a:prstGeom prst="rect">
+              <a:avLst/>
+            </a:prstGeom>
+            <a:solidFill>
+              <a:srgbClr val="3D218D"/>
+            </a:solidFill>
+            <a:ln>
+              <a:noFill/>
+            </a:ln>
+            <a:effectLst>
+              <a:outerShdw blurRad="101600" dist="38100" dir="5400000" algn="t" rotWithShape="0">
+                <a:prstClr val="black">
+                  <a:alpha val="20000"/>
+                </a:prstClr>
+              </a:outerShdw>
+            </a:effectLst>
+          </p:spPr>
+          <p:style>
+            <a:lnRef idx="2">
+              <a:schemeClr val="accent1">
+                <a:shade val="50000"/>
+              </a:schemeClr>
+            </a:lnRef>
+            <a:fillRef idx="1">
+              <a:schemeClr val="accent1"/>
+            </a:fillRef>
+            <a:effectRef idx="0">
+              <a:schemeClr val="accent1"/>
+            </a:effectRef>
+            <a:fontRef idx="minor">
+              <a:schemeClr val="lt1"/>
+            </a:fontRef>
+          </p:style>
+          <p:txBody>
+            <a:bodyPr rtlCol="0" anchor="ctr"/>
+            <a:lstStyle/>
+            <a:p>
+              <a:pPr algn="ctr"/>
+              <a:endParaRPr lang="en-CA"/>
+            </a:p>
+          </p:txBody>
+        </p:sp>
+        <p:sp>
+          <p:nvSpPr>
+            <p:cNvPr id="7" name="Rectangle 6"/>
+            <p:cNvSpPr/>
+            <p:nvPr/>
+          </p:nvSpPr>
+          <p:spPr>
+            <a:xfrm>
+              <a:off x="6330056" y="2829621"/>
+              <a:ext cx="2056579" cy="2208021"/>
+            </a:xfrm>
+            <a:prstGeom prst="rect">
+              <a:avLst/>
+            </a:prstGeom>
+            <a:solidFill>
+              <a:srgbClr val="4C2084"/>
+            </a:solidFill>
+            <a:ln>
+              <a:noFill/>
+            </a:ln>
+            <a:effectLst>
+              <a:outerShdw blurRad="101600" dist="38100" dir="5400000" algn="t" rotWithShape="0">
+                <a:prstClr val="black">
+                  <a:alpha val="20000"/>
+                </a:prstClr>
+              </a:outerShdw>
+            </a:effectLst>
+          </p:spPr>
+          <p:style>
+            <a:lnRef idx="2">
+              <a:schemeClr val="accent1">
+                <a:shade val="50000"/>
+              </a:schemeClr>
+            </a:lnRef>
+            <a:fillRef idx="1">
+              <a:schemeClr val="accent1"/>
+            </a:fillRef>
+            <a:effectRef idx="0">
+              <a:schemeClr val="accent1"/>
+            </a:effectRef>
+            <a:fontRef idx="minor">
+              <a:schemeClr val="lt1"/>
+            </a:fontRef>
+          </p:style>
+          <p:txBody>
+            <a:bodyPr rtlCol="0" anchor="ctr"/>
+            <a:lstStyle/>
+            <a:p>
+              <a:pPr algn="ctr"/>
+              <a:endParaRPr lang="en-CA"/>
+            </a:p>
+          </p:txBody>
+        </p:sp>
+        <p:sp>
+          <p:nvSpPr>
+            <p:cNvPr id="8" name="Rectangle 7"/>
+            <p:cNvSpPr/>
+            <p:nvPr/>
+          </p:nvSpPr>
+          <p:spPr>
+            <a:xfrm>
+              <a:off x="9155719" y="2829621"/>
+              <a:ext cx="2016257" cy="2208021"/>
+            </a:xfrm>
+            <a:prstGeom prst="rect">
+              <a:avLst/>
+            </a:prstGeom>
+            <a:solidFill>
+              <a:srgbClr val="601E77"/>
+            </a:solidFill>
+            <a:ln>
+              <a:noFill/>
+            </a:ln>
+            <a:effectLst>
+              <a:outerShdw blurRad="101600" dist="38100" dir="5400000" algn="t" rotWithShape="0">
+                <a:prstClr val="black">
+                  <a:alpha val="20000"/>
+                </a:prstClr>
+              </a:outerShdw>
+            </a:effectLst>
+          </p:spPr>
+          <p:style>
+            <a:lnRef idx="2">
+              <a:schemeClr val="accent1">
+                <a:shade val="50000"/>
+              </a:schemeClr>
+            </a:lnRef>
+            <a:fillRef idx="1">
+              <a:schemeClr val="accent1"/>
+            </a:fillRef>
+            <a:effectRef idx="0">
+              <a:schemeClr val="accent1"/>
+            </a:effectRef>
+            <a:fontRef idx="minor">
+              <a:schemeClr val="lt1"/>
+            </a:fontRef>
+          </p:style>
+          <p:txBody>
+            <a:bodyPr rtlCol="0" anchor="ctr"/>
+            <a:lstStyle/>
+            <a:p>
+              <a:pPr algn="ctr"/>
+              <a:endParaRPr lang="en-CA"/>
+            </a:p>
+          </p:txBody>
+        </p:sp>
+        <p:cxnSp>
+          <p:nvCxnSpPr>
+            <p:cNvPr id="18" name="Straight Arrow Connector 17"/>
+            <p:cNvCxnSpPr/>
+            <p:nvPr/>
+          </p:nvCxnSpPr>
+          <p:spPr>
+            <a:xfrm>
+              <a:off x="1625098" y="5548543"/>
+              <a:ext cx="8538749" cy="0"/>
+            </a:xfrm>
+            <a:prstGeom prst="straightConnector1">
+              <a:avLst/>
+            </a:prstGeom>
+            <a:ln w="63500" cap="rnd">
               <a:solidFill>
-                <a:srgbClr val="29229A"/>
+                <a:schemeClr val="bg1">
+                  <a:lumMod val="75000"/>
+                </a:schemeClr>
               </a:solidFill>
-              <a:ln>
-                <a:noFill/>
-              </a:ln>
-              <a:effectLst>
-                <a:outerShdw blurRad="101600" dist="38100" dir="5400000" algn="t" rotWithShape="0">
-                  <a:prstClr val="black">
-                    <a:alpha val="20000"/>
-                  </a:prstClr>
-                </a:outerShdw>
-              </a:effectLst>
-            </p:spPr>
-            <p:style>
-              <a:lnRef idx="2">
-                <a:schemeClr val="accent1">
-                  <a:shade val="50000"/>
+              <a:prstDash val="sysDot"/>
+              <a:tailEnd type="none"/>
+            </a:ln>
+          </p:spPr>
+          <p:style>
+            <a:lnRef idx="1">
+              <a:schemeClr val="accent1"/>
+            </a:lnRef>
+            <a:fillRef idx="0">
+              <a:schemeClr val="accent1"/>
+            </a:fillRef>
+            <a:effectRef idx="0">
+              <a:schemeClr val="accent1"/>
+            </a:effectRef>
+            <a:fontRef idx="minor">
+              <a:schemeClr val="tx1"/>
+            </a:fontRef>
+          </p:style>
+        </p:cxnSp>
+        <p:cxnSp>
+          <p:nvCxnSpPr>
+            <p:cNvPr id="33" name="Straight Connector 32"/>
+            <p:cNvCxnSpPr/>
+            <p:nvPr/>
+          </p:nvCxnSpPr>
+          <p:spPr>
+            <a:xfrm flipV="1">
+              <a:off x="661114" y="3888895"/>
+              <a:ext cx="10664773" cy="17580"/>
+            </a:xfrm>
+            <a:prstGeom prst="line">
+              <a:avLst/>
+            </a:prstGeom>
+            <a:ln w="25400">
+              <a:solidFill>
+                <a:schemeClr val="bg1">
+                  <a:alpha val="20000"/>
                 </a:schemeClr>
-              </a:lnRef>
-              <a:fillRef idx="1">
-                <a:schemeClr val="accent1"/>
-              </a:fillRef>
-              <a:effectRef idx="0">
-                <a:schemeClr val="accent1"/>
-              </a:effectRef>
-              <a:fontRef idx="minor">
-                <a:schemeClr val="lt1"/>
-              </a:fontRef>
-            </p:style>
-            <p:txBody>
-              <a:bodyPr rtlCol="0" anchor="ctr"/>
-              <a:lstStyle/>
-              <a:p>
-                <a:pPr algn="ctr"/>
-                <a:endParaRPr lang="en-CA" dirty="0"/>
-              </a:p>
-            </p:txBody>
-          </p:sp>
-          <p:sp>
-            <p:nvSpPr>
-              <p:cNvPr id="6" name="Rectangle 5"/>
-              <p:cNvSpPr/>
-              <p:nvPr/>
-            </p:nvSpPr>
-            <p:spPr>
-              <a:xfrm>
-                <a:off x="3592719" y="2829623"/>
-                <a:ext cx="1674891" cy="1946496"/>
-              </a:xfrm>
-              <a:prstGeom prst="rect">
-                <a:avLst/>
-              </a:prstGeom>
+              </a:solidFill>
+            </a:ln>
+          </p:spPr>
+          <p:style>
+            <a:lnRef idx="1">
+              <a:schemeClr val="accent1"/>
+            </a:lnRef>
+            <a:fillRef idx="0">
+              <a:schemeClr val="accent1"/>
+            </a:fillRef>
+            <a:effectRef idx="0">
+              <a:schemeClr val="accent1"/>
+            </a:effectRef>
+            <a:fontRef idx="minor">
+              <a:schemeClr val="tx1"/>
+            </a:fontRef>
+          </p:style>
+        </p:cxnSp>
+        <p:cxnSp>
+          <p:nvCxnSpPr>
+            <p:cNvPr id="12" name="Straight Arrow Connector 11"/>
+            <p:cNvCxnSpPr/>
+            <p:nvPr/>
+          </p:nvCxnSpPr>
+          <p:spPr>
+            <a:xfrm>
+              <a:off x="8492150" y="3906475"/>
+              <a:ext cx="558297" cy="0"/>
+            </a:xfrm>
+            <a:prstGeom prst="straightConnector1">
+              <a:avLst/>
+            </a:prstGeom>
+            <a:ln w="63500" cap="rnd">
               <a:solidFill>
-                <a:srgbClr val="3D218D"/>
+                <a:schemeClr val="bg1">
+                  <a:lumMod val="75000"/>
+                </a:schemeClr>
               </a:solidFill>
-              <a:ln>
-                <a:noFill/>
-              </a:ln>
-              <a:effectLst>
-                <a:outerShdw blurRad="101600" dist="38100" dir="5400000" algn="t" rotWithShape="0">
-                  <a:prstClr val="black">
-                    <a:alpha val="20000"/>
-                  </a:prstClr>
-                </a:outerShdw>
-              </a:effectLst>
-            </p:spPr>
-            <p:style>
-              <a:lnRef idx="2">
-                <a:schemeClr val="accent1">
-                  <a:shade val="50000"/>
-                </a:schemeClr>
-              </a:lnRef>
-              <a:fillRef idx="1">
-                <a:schemeClr val="accent1"/>
-              </a:fillRef>
-              <a:effectRef idx="0">
-                <a:schemeClr val="accent1"/>
-              </a:effectRef>
-              <a:fontRef idx="minor">
-                <a:schemeClr val="lt1"/>
-              </a:fontRef>
-            </p:style>
-            <p:txBody>
-              <a:bodyPr rtlCol="0" anchor="ctr"/>
-              <a:lstStyle/>
-              <a:p>
-                <a:pPr algn="ctr"/>
-                <a:endParaRPr lang="en-CA"/>
-              </a:p>
-            </p:txBody>
-          </p:sp>
-          <p:sp>
-            <p:nvSpPr>
-              <p:cNvPr id="7" name="Rectangle 6"/>
-              <p:cNvSpPr/>
-              <p:nvPr/>
-            </p:nvSpPr>
-            <p:spPr>
-              <a:xfrm>
-                <a:off x="6421083" y="2829622"/>
-                <a:ext cx="1674891" cy="1946496"/>
-              </a:xfrm>
-              <a:prstGeom prst="rect">
-                <a:avLst/>
-              </a:prstGeom>
-              <a:solidFill>
-                <a:srgbClr val="4C2084"/>
-              </a:solidFill>
-              <a:ln>
-                <a:noFill/>
-              </a:ln>
-              <a:effectLst>
-                <a:outerShdw blurRad="101600" dist="38100" dir="5400000" algn="t" rotWithShape="0">
-                  <a:prstClr val="black">
-                    <a:alpha val="20000"/>
-                  </a:prstClr>
-                </a:outerShdw>
-              </a:effectLst>
-            </p:spPr>
-            <p:style>
-              <a:lnRef idx="2">
-                <a:schemeClr val="accent1">
-                  <a:shade val="50000"/>
-                </a:schemeClr>
-              </a:lnRef>
-              <a:fillRef idx="1">
-                <a:schemeClr val="accent1"/>
-              </a:fillRef>
-              <a:effectRef idx="0">
-                <a:schemeClr val="accent1"/>
-              </a:effectRef>
-              <a:fontRef idx="minor">
-                <a:schemeClr val="lt1"/>
-              </a:fontRef>
-            </p:style>
-            <p:txBody>
-              <a:bodyPr rtlCol="0" anchor="ctr"/>
-              <a:lstStyle/>
-              <a:p>
-                <a:pPr algn="ctr"/>
-                <a:endParaRPr lang="en-CA"/>
-              </a:p>
-            </p:txBody>
-          </p:sp>
-          <p:sp>
-            <p:nvSpPr>
-              <p:cNvPr id="8" name="Rectangle 7"/>
-              <p:cNvSpPr/>
-              <p:nvPr/>
-            </p:nvSpPr>
-            <p:spPr>
-              <a:xfrm>
-                <a:off x="9249447" y="2829622"/>
-                <a:ext cx="1674891" cy="1946496"/>
-              </a:xfrm>
-              <a:prstGeom prst="rect">
-                <a:avLst/>
-              </a:prstGeom>
-              <a:solidFill>
-                <a:srgbClr val="601E77"/>
-              </a:solidFill>
-              <a:ln>
-                <a:noFill/>
-              </a:ln>
-              <a:effectLst>
-                <a:outerShdw blurRad="101600" dist="38100" dir="5400000" algn="t" rotWithShape="0">
-                  <a:prstClr val="black">
-                    <a:alpha val="20000"/>
-                  </a:prstClr>
-                </a:outerShdw>
-              </a:effectLst>
-            </p:spPr>
-            <p:style>
-              <a:lnRef idx="2">
-                <a:schemeClr val="accent1">
-                  <a:shade val="50000"/>
-                </a:schemeClr>
-              </a:lnRef>
-              <a:fillRef idx="1">
-                <a:schemeClr val="accent1"/>
-              </a:fillRef>
-              <a:effectRef idx="0">
-                <a:schemeClr val="accent1"/>
-              </a:effectRef>
-              <a:fontRef idx="minor">
-                <a:schemeClr val="lt1"/>
-              </a:fontRef>
-            </p:style>
-            <p:txBody>
-              <a:bodyPr rtlCol="0" anchor="ctr"/>
-              <a:lstStyle/>
-              <a:p>
-                <a:pPr algn="ctr"/>
-                <a:endParaRPr lang="en-CA"/>
-              </a:p>
-            </p:txBody>
-          </p:sp>
-          <p:cxnSp>
-            <p:nvCxnSpPr>
-              <p:cNvPr id="18" name="Straight Arrow Connector 17"/>
-              <p:cNvCxnSpPr/>
-              <p:nvPr/>
-            </p:nvCxnSpPr>
-            <p:spPr>
-              <a:xfrm>
-                <a:off x="1652257" y="5322204"/>
-                <a:ext cx="8551000" cy="0"/>
-              </a:xfrm>
-              <a:prstGeom prst="straightConnector1">
-                <a:avLst/>
-              </a:prstGeom>
-              <a:ln w="63500" cap="rnd">
-                <a:solidFill>
-                  <a:schemeClr val="bg1">
-                    <a:lumMod val="75000"/>
-                  </a:schemeClr>
-                </a:solidFill>
-                <a:prstDash val="sysDot"/>
-                <a:tailEnd type="none"/>
-              </a:ln>
-            </p:spPr>
-            <p:style>
-              <a:lnRef idx="1">
-                <a:schemeClr val="accent1"/>
-              </a:lnRef>
-              <a:fillRef idx="0">
-                <a:schemeClr val="accent1"/>
-              </a:fillRef>
-              <a:effectRef idx="0">
-                <a:schemeClr val="accent1"/>
-              </a:effectRef>
-              <a:fontRef idx="minor">
-                <a:schemeClr val="tx1"/>
-              </a:fontRef>
-            </p:style>
-          </p:cxnSp>
-          <p:cxnSp>
-            <p:nvCxnSpPr>
-              <p:cNvPr id="33" name="Straight Connector 32"/>
-              <p:cNvCxnSpPr/>
-              <p:nvPr/>
-            </p:nvCxnSpPr>
-            <p:spPr>
-              <a:xfrm flipV="1">
-                <a:off x="814814" y="3823143"/>
-                <a:ext cx="10109524" cy="2"/>
-              </a:xfrm>
-              <a:prstGeom prst="line">
-                <a:avLst/>
-              </a:prstGeom>
-              <a:ln w="25400">
-                <a:solidFill>
-                  <a:schemeClr val="bg1">
-                    <a:alpha val="20000"/>
-                  </a:schemeClr>
-                </a:solidFill>
-              </a:ln>
-            </p:spPr>
-            <p:style>
-              <a:lnRef idx="1">
-                <a:schemeClr val="accent1"/>
-              </a:lnRef>
-              <a:fillRef idx="0">
-                <a:schemeClr val="accent1"/>
-              </a:fillRef>
-              <a:effectRef idx="0">
-                <a:schemeClr val="accent1"/>
-              </a:effectRef>
-              <a:fontRef idx="minor">
-                <a:schemeClr val="tx1"/>
-              </a:fontRef>
-            </p:style>
-          </p:cxnSp>
-          <p:cxnSp>
-            <p:nvCxnSpPr>
-              <p:cNvPr id="9" name="Straight Arrow Connector 8"/>
-              <p:cNvCxnSpPr/>
-              <p:nvPr/>
-            </p:nvCxnSpPr>
-            <p:spPr>
-              <a:xfrm>
-                <a:off x="2663717" y="3816158"/>
-                <a:ext cx="758493" cy="0"/>
-              </a:xfrm>
-              <a:prstGeom prst="straightConnector1">
-                <a:avLst/>
-              </a:prstGeom>
-              <a:ln w="63500" cap="rnd">
-                <a:solidFill>
-                  <a:schemeClr val="bg1">
-                    <a:lumMod val="75000"/>
-                  </a:schemeClr>
-                </a:solidFill>
-                <a:prstDash val="sysDot"/>
-                <a:tailEnd type="triangle"/>
-              </a:ln>
-            </p:spPr>
-            <p:style>
-              <a:lnRef idx="1">
-                <a:schemeClr val="accent1"/>
-              </a:lnRef>
-              <a:fillRef idx="0">
-                <a:schemeClr val="accent1"/>
-              </a:fillRef>
-              <a:effectRef idx="0">
-                <a:schemeClr val="accent1"/>
-              </a:effectRef>
-              <a:fontRef idx="minor">
-                <a:schemeClr val="tx1"/>
-              </a:fontRef>
-            </p:style>
-          </p:cxnSp>
-          <p:cxnSp>
-            <p:nvCxnSpPr>
-              <p:cNvPr id="11" name="Straight Arrow Connector 10"/>
-              <p:cNvCxnSpPr/>
-              <p:nvPr/>
-            </p:nvCxnSpPr>
-            <p:spPr>
-              <a:xfrm>
-                <a:off x="5477836" y="3823143"/>
-                <a:ext cx="758493" cy="0"/>
-              </a:xfrm>
-              <a:prstGeom prst="straightConnector1">
-                <a:avLst/>
-              </a:prstGeom>
-              <a:ln w="63500" cap="rnd">
-                <a:solidFill>
-                  <a:schemeClr val="bg1">
-                    <a:lumMod val="75000"/>
-                  </a:schemeClr>
-                </a:solidFill>
-                <a:prstDash val="sysDot"/>
-                <a:tailEnd type="triangle"/>
-              </a:ln>
-            </p:spPr>
-            <p:style>
-              <a:lnRef idx="1">
-                <a:schemeClr val="accent1"/>
-              </a:lnRef>
-              <a:fillRef idx="0">
-                <a:schemeClr val="accent1"/>
-              </a:fillRef>
-              <a:effectRef idx="0">
-                <a:schemeClr val="accent1"/>
-              </a:effectRef>
-              <a:fontRef idx="minor">
-                <a:schemeClr val="tx1"/>
-              </a:fontRef>
-            </p:style>
-          </p:cxnSp>
-          <p:cxnSp>
-            <p:nvCxnSpPr>
-              <p:cNvPr id="12" name="Straight Arrow Connector 11"/>
-              <p:cNvCxnSpPr/>
-              <p:nvPr/>
-            </p:nvCxnSpPr>
-            <p:spPr>
-              <a:xfrm>
-                <a:off x="8282901" y="3823143"/>
-                <a:ext cx="758493" cy="0"/>
-              </a:xfrm>
-              <a:prstGeom prst="straightConnector1">
-                <a:avLst/>
-              </a:prstGeom>
-              <a:ln w="63500" cap="rnd">
-                <a:solidFill>
-                  <a:schemeClr val="bg1">
-                    <a:lumMod val="75000"/>
-                  </a:schemeClr>
-                </a:solidFill>
-                <a:prstDash val="sysDot"/>
-                <a:tailEnd type="triangle"/>
-              </a:ln>
-            </p:spPr>
-            <p:style>
-              <a:lnRef idx="1">
-                <a:schemeClr val="accent1"/>
-              </a:lnRef>
-              <a:fillRef idx="0">
-                <a:schemeClr val="accent1"/>
-              </a:fillRef>
-              <a:effectRef idx="0">
-                <a:schemeClr val="accent1"/>
-              </a:effectRef>
-              <a:fontRef idx="minor">
-                <a:schemeClr val="tx1"/>
-              </a:fontRef>
-            </p:style>
-          </p:cxnSp>
-        </p:grpSp>
+              <a:prstDash val="sysDot"/>
+              <a:tailEnd type="triangle"/>
+            </a:ln>
+          </p:spPr>
+          <p:style>
+            <a:lnRef idx="1">
+              <a:schemeClr val="accent1"/>
+            </a:lnRef>
+            <a:fillRef idx="0">
+              <a:schemeClr val="accent1"/>
+            </a:fillRef>
+            <a:effectRef idx="0">
+              <a:schemeClr val="accent1"/>
+            </a:effectRef>
+            <a:fontRef idx="minor">
+              <a:schemeClr val="tx1"/>
+            </a:fontRef>
+          </p:style>
+        </p:cxnSp>
         <p:cxnSp>
           <p:nvCxnSpPr>
             <p:cNvPr id="20" name="Straight Arrow Connector 19"/>
@@ -4827,7 +4789,7 @@
           </p:nvCxnSpPr>
           <p:spPr>
             <a:xfrm flipV="1">
-              <a:off x="1652257" y="4878584"/>
+              <a:off x="1625098" y="5104923"/>
               <a:ext cx="0" cy="322842"/>
             </a:xfrm>
             <a:prstGeom prst="straightConnector1">
@@ -4866,7 +4828,7 @@
           </p:nvCxnSpPr>
           <p:spPr>
             <a:xfrm flipV="1">
-              <a:off x="4439219" y="4878584"/>
+              <a:off x="4484484" y="5104923"/>
               <a:ext cx="0" cy="322842"/>
             </a:xfrm>
             <a:prstGeom prst="straightConnector1">
@@ -4905,7 +4867,7 @@
           </p:nvCxnSpPr>
           <p:spPr>
             <a:xfrm flipV="1">
-              <a:off x="7276633" y="4887741"/>
+              <a:off x="7349057" y="5114080"/>
               <a:ext cx="0" cy="322842"/>
             </a:xfrm>
             <a:prstGeom prst="straightConnector1">
@@ -4944,7 +4906,7 @@
           </p:nvCxnSpPr>
           <p:spPr>
             <a:xfrm flipV="1">
-              <a:off x="10157992" y="4878792"/>
+              <a:off x="10130829" y="5105131"/>
               <a:ext cx="0" cy="322842"/>
             </a:xfrm>
             <a:prstGeom prst="straightConnector1">
@@ -4975,43 +4937,85 @@
             </a:fontRef>
           </p:style>
         </p:cxnSp>
+        <p:cxnSp>
+          <p:nvCxnSpPr>
+            <p:cNvPr id="46" name="Straight Arrow Connector 45"/>
+            <p:cNvCxnSpPr/>
+            <p:nvPr/>
+          </p:nvCxnSpPr>
+          <p:spPr>
+            <a:xfrm>
+              <a:off x="5648608" y="3906475"/>
+              <a:ext cx="558297" cy="0"/>
+            </a:xfrm>
+            <a:prstGeom prst="straightConnector1">
+              <a:avLst/>
+            </a:prstGeom>
+            <a:ln w="63500" cap="rnd">
+              <a:solidFill>
+                <a:schemeClr val="bg1">
+                  <a:lumMod val="75000"/>
+                </a:schemeClr>
+              </a:solidFill>
+              <a:prstDash val="sysDot"/>
+              <a:tailEnd type="triangle"/>
+            </a:ln>
+          </p:spPr>
+          <p:style>
+            <a:lnRef idx="1">
+              <a:schemeClr val="accent1"/>
+            </a:lnRef>
+            <a:fillRef idx="0">
+              <a:schemeClr val="accent1"/>
+            </a:fillRef>
+            <a:effectRef idx="0">
+              <a:schemeClr val="accent1"/>
+            </a:effectRef>
+            <a:fontRef idx="minor">
+              <a:schemeClr val="tx1"/>
+            </a:fontRef>
+          </p:style>
+        </p:cxnSp>
+        <p:cxnSp>
+          <p:nvCxnSpPr>
+            <p:cNvPr id="47" name="Straight Arrow Connector 46"/>
+            <p:cNvCxnSpPr/>
+            <p:nvPr/>
+          </p:nvCxnSpPr>
+          <p:spPr>
+            <a:xfrm>
+              <a:off x="2831471" y="3909924"/>
+              <a:ext cx="558297" cy="0"/>
+            </a:xfrm>
+            <a:prstGeom prst="straightConnector1">
+              <a:avLst/>
+            </a:prstGeom>
+            <a:ln w="63500" cap="rnd">
+              <a:solidFill>
+                <a:schemeClr val="bg1">
+                  <a:lumMod val="75000"/>
+                </a:schemeClr>
+              </a:solidFill>
+              <a:prstDash val="sysDot"/>
+              <a:tailEnd type="triangle"/>
+            </a:ln>
+          </p:spPr>
+          <p:style>
+            <a:lnRef idx="1">
+              <a:schemeClr val="accent1"/>
+            </a:lnRef>
+            <a:fillRef idx="0">
+              <a:schemeClr val="accent1"/>
+            </a:fillRef>
+            <a:effectRef idx="0">
+              <a:schemeClr val="accent1"/>
+            </a:effectRef>
+            <a:fontRef idx="minor">
+              <a:schemeClr val="tx1"/>
+            </a:fontRef>
+          </p:style>
+        </p:cxnSp>
       </p:grpSp>
-      <p:sp>
-        <p:nvSpPr>
-          <p:cNvPr id="3" name="Content Placeholder 2"/>
-          <p:cNvSpPr>
-            <a:spLocks noGrp="1"/>
-          </p:cNvSpPr>
-          <p:nvPr>
-            <p:ph idx="1"/>
-          </p:nvPr>
-        </p:nvSpPr>
-        <p:spPr/>
-        <p:txBody>
-          <a:bodyPr/>
-          <a:lstStyle/>
-          <a:p>
-            <a:pPr marL="285750" indent="-285750">
-              <a:buFont typeface="Arial" panose="020B0604020202020204" pitchFamily="34" charset="0"/>
-              <a:buChar char="•"/>
-            </a:pPr>
-            <a:r>
-              <a:rPr lang="en-CA" dirty="0" smtClean="0"/>
-              <a:t>Essential for delivering modern digital services</a:t>
-            </a:r>
-          </a:p>
-          <a:p>
-            <a:pPr marL="285750" indent="-285750">
-              <a:buFont typeface="Arial" panose="020B0604020202020204" pitchFamily="34" charset="0"/>
-              <a:buChar char="•"/>
-            </a:pPr>
-            <a:r>
-              <a:rPr lang="en-CA" dirty="0" smtClean="0"/>
-              <a:t>CI/CD pipelines are the backbone</a:t>
-            </a:r>
-          </a:p>
-        </p:txBody>
-      </p:sp>
       <p:sp>
         <p:nvSpPr>
           <p:cNvPr id="35" name="Oval 34"/>
@@ -5020,7 +5024,7 @@
         </p:nvSpPr>
         <p:spPr>
           <a:xfrm>
-            <a:off x="604587" y="2621392"/>
+            <a:off x="498149" y="2626127"/>
             <a:ext cx="416459" cy="416459"/>
           </a:xfrm>
           <a:prstGeom prst="ellipse">
@@ -5072,8 +5076,8 @@
         </p:nvSpPr>
         <p:spPr>
           <a:xfrm>
-            <a:off x="1192035" y="3040497"/>
-            <a:ext cx="920445" cy="584775"/>
+            <a:off x="935792" y="3011103"/>
+            <a:ext cx="1552006" cy="707886"/>
           </a:xfrm>
           <a:prstGeom prst="rect">
             <a:avLst/>
@@ -5083,14 +5087,14 @@
           </a:solidFill>
         </p:spPr>
         <p:txBody>
-          <a:bodyPr wrap="none" rtlCol="0">
+          <a:bodyPr wrap="square" rtlCol="0">
             <a:spAutoFit/>
           </a:bodyPr>
           <a:lstStyle/>
           <a:p>
             <a:pPr algn="ctr"/>
             <a:r>
-              <a:rPr lang="en-CA" sz="1600" b="1" dirty="0" smtClean="0">
+              <a:rPr lang="en-CA" sz="2000" b="1" dirty="0" smtClean="0">
                 <a:solidFill>
                   <a:schemeClr val="bg1"/>
                 </a:solidFill>
@@ -5098,21 +5102,21 @@
               <a:t>Version</a:t>
             </a:r>
             <a:br>
-              <a:rPr lang="en-CA" sz="1600" b="1" dirty="0" smtClean="0">
+              <a:rPr lang="en-CA" sz="2000" b="1" dirty="0" smtClean="0">
                 <a:solidFill>
                   <a:schemeClr val="bg1"/>
                 </a:solidFill>
               </a:rPr>
             </a:br>
             <a:r>
-              <a:rPr lang="en-CA" sz="1600" b="1" dirty="0" smtClean="0">
+              <a:rPr lang="en-CA" sz="2000" b="1" dirty="0" smtClean="0">
                 <a:solidFill>
                   <a:schemeClr val="bg1"/>
                 </a:solidFill>
               </a:rPr>
               <a:t>Control</a:t>
             </a:r>
-            <a:endParaRPr lang="en-CA" sz="1600" b="1" dirty="0">
+            <a:endParaRPr lang="en-CA" sz="2000" b="1" dirty="0">
               <a:solidFill>
                 <a:schemeClr val="bg1"/>
               </a:solidFill>
@@ -5128,8 +5132,8 @@
         </p:nvSpPr>
         <p:spPr>
           <a:xfrm>
-            <a:off x="986827" y="4031362"/>
-            <a:ext cx="1330859" cy="523220"/>
+            <a:off x="772208" y="4101255"/>
+            <a:ext cx="1877470" cy="646331"/>
           </a:xfrm>
           <a:prstGeom prst="rect">
             <a:avLst/>
@@ -5146,14 +5150,14 @@
           <a:p>
             <a:pPr algn="ctr"/>
             <a:r>
-              <a:rPr lang="en-CA" sz="1400" dirty="0" smtClean="0">
+              <a:rPr lang="en-CA" dirty="0" smtClean="0">
                 <a:solidFill>
                   <a:schemeClr val="bg1"/>
                 </a:solidFill>
               </a:rPr>
               <a:t>The project’s history</a:t>
             </a:r>
-            <a:endParaRPr lang="en-CA" sz="1400" dirty="0">
+            <a:endParaRPr lang="en-CA" dirty="0">
               <a:solidFill>
                 <a:schemeClr val="bg1"/>
               </a:solidFill>
@@ -5169,7 +5173,7 @@
         </p:nvSpPr>
         <p:spPr>
           <a:xfrm>
-            <a:off x="3405792" y="2598133"/>
+            <a:off x="3290301" y="2620974"/>
             <a:ext cx="416459" cy="416459"/>
           </a:xfrm>
           <a:prstGeom prst="ellipse">
@@ -5219,8 +5223,8 @@
         </p:nvSpPr>
         <p:spPr>
           <a:xfrm>
-            <a:off x="3779184" y="3040497"/>
-            <a:ext cx="1301959" cy="584775"/>
+            <a:off x="3659700" y="3003020"/>
+            <a:ext cx="1674890" cy="707886"/>
           </a:xfrm>
           <a:prstGeom prst="rect">
             <a:avLst/>
@@ -5230,14 +5234,14 @@
           </a:solidFill>
         </p:spPr>
         <p:txBody>
-          <a:bodyPr wrap="none" rtlCol="0">
+          <a:bodyPr wrap="square" rtlCol="0">
             <a:spAutoFit/>
           </a:bodyPr>
           <a:lstStyle/>
           <a:p>
             <a:pPr algn="ctr"/>
             <a:r>
-              <a:rPr lang="en-CA" sz="1600" b="1" dirty="0" smtClean="0">
+              <a:rPr lang="en-CA" sz="2000" b="1" dirty="0" smtClean="0">
                 <a:solidFill>
                   <a:schemeClr val="bg1"/>
                 </a:solidFill>
@@ -5245,21 +5249,21 @@
               <a:t>Continuous</a:t>
             </a:r>
             <a:br>
-              <a:rPr lang="en-CA" sz="1600" b="1" dirty="0" smtClean="0">
+              <a:rPr lang="en-CA" sz="2000" b="1" dirty="0" smtClean="0">
                 <a:solidFill>
                   <a:schemeClr val="bg1"/>
                 </a:solidFill>
               </a:rPr>
             </a:br>
             <a:r>
-              <a:rPr lang="en-CA" sz="1600" b="1" dirty="0" smtClean="0">
+              <a:rPr lang="en-CA" sz="2000" b="1" dirty="0" smtClean="0">
                 <a:solidFill>
                   <a:schemeClr val="bg1"/>
                 </a:solidFill>
               </a:rPr>
               <a:t>Integration</a:t>
             </a:r>
-            <a:endParaRPr lang="en-CA" sz="1600" b="1" dirty="0">
+            <a:endParaRPr lang="en-CA" sz="2000" b="1" dirty="0">
               <a:solidFill>
                 <a:schemeClr val="bg1"/>
               </a:solidFill>
@@ -5275,8 +5279,8 @@
         </p:nvSpPr>
         <p:spPr>
           <a:xfrm>
-            <a:off x="3643178" y="4048525"/>
-            <a:ext cx="1593381" cy="523220"/>
+            <a:off x="3566236" y="4101255"/>
+            <a:ext cx="1861818" cy="646331"/>
           </a:xfrm>
           <a:prstGeom prst="rect">
             <a:avLst/>
@@ -5293,14 +5297,14 @@
           <a:p>
             <a:pPr algn="ctr"/>
             <a:r>
-              <a:rPr lang="en-CA" sz="1400" dirty="0" smtClean="0">
+              <a:rPr lang="en-CA" dirty="0" smtClean="0">
                 <a:solidFill>
                   <a:schemeClr val="bg1"/>
                 </a:solidFill>
               </a:rPr>
               <a:t>Build and test changes</a:t>
             </a:r>
-            <a:endParaRPr lang="en-CA" sz="1400" dirty="0">
+            <a:endParaRPr lang="en-CA" dirty="0">
               <a:solidFill>
                 <a:schemeClr val="bg1"/>
               </a:solidFill>
@@ -5316,7 +5320,7 @@
         </p:nvSpPr>
         <p:spPr>
           <a:xfrm>
-            <a:off x="6191089" y="2634396"/>
+            <a:off x="6111810" y="2630078"/>
             <a:ext cx="416459" cy="416459"/>
           </a:xfrm>
           <a:prstGeom prst="ellipse">
@@ -5366,8 +5370,8 @@
         </p:nvSpPr>
         <p:spPr>
           <a:xfrm>
-            <a:off x="6607548" y="3040497"/>
-            <a:ext cx="1301959" cy="584775"/>
+            <a:off x="6520899" y="3005951"/>
+            <a:ext cx="1674890" cy="707886"/>
           </a:xfrm>
           <a:prstGeom prst="rect">
             <a:avLst/>
@@ -5377,14 +5381,14 @@
           </a:solidFill>
         </p:spPr>
         <p:txBody>
-          <a:bodyPr wrap="none" rtlCol="0">
+          <a:bodyPr wrap="square" rtlCol="0">
             <a:spAutoFit/>
           </a:bodyPr>
           <a:lstStyle/>
           <a:p>
             <a:pPr algn="ctr"/>
             <a:r>
-              <a:rPr lang="en-CA" sz="1600" b="1" dirty="0" smtClean="0">
+              <a:rPr lang="en-CA" sz="2000" b="1" dirty="0" smtClean="0">
                 <a:solidFill>
                   <a:schemeClr val="bg1"/>
                 </a:solidFill>
@@ -5395,14 +5399,14 @@
           <a:p>
             <a:pPr algn="ctr"/>
             <a:r>
-              <a:rPr lang="en-CA" sz="1600" b="1" dirty="0" smtClean="0">
+              <a:rPr lang="en-CA" sz="2000" b="1" dirty="0" smtClean="0">
                 <a:solidFill>
                   <a:schemeClr val="bg1"/>
                 </a:solidFill>
               </a:rPr>
               <a:t>Delivery</a:t>
             </a:r>
-            <a:endParaRPr lang="en-CA" sz="1600" b="1" dirty="0">
+            <a:endParaRPr lang="en-CA" sz="2000" b="1" dirty="0">
               <a:solidFill>
                 <a:schemeClr val="bg1"/>
               </a:solidFill>
@@ -5418,8 +5422,8 @@
         </p:nvSpPr>
         <p:spPr>
           <a:xfrm>
-            <a:off x="6561525" y="4031362"/>
-            <a:ext cx="1430215" cy="523220"/>
+            <a:off x="6403868" y="4103096"/>
+            <a:ext cx="1908953" cy="646331"/>
           </a:xfrm>
           <a:prstGeom prst="rect">
             <a:avLst/>
@@ -5436,14 +5440,14 @@
           <a:p>
             <a:pPr algn="ctr"/>
             <a:r>
-              <a:rPr lang="en-CA" sz="1400" dirty="0" smtClean="0">
+              <a:rPr lang="en-CA" dirty="0" smtClean="0">
                 <a:solidFill>
                   <a:schemeClr val="bg1"/>
                 </a:solidFill>
               </a:rPr>
               <a:t>Deploy to test environments</a:t>
             </a:r>
-            <a:endParaRPr lang="en-CA" sz="1400" dirty="0">
+            <a:endParaRPr lang="en-CA" dirty="0">
               <a:solidFill>
                 <a:schemeClr val="bg1"/>
               </a:solidFill>
@@ -5459,7 +5463,7 @@
         </p:nvSpPr>
         <p:spPr>
           <a:xfrm>
-            <a:off x="9062980" y="2634395"/>
+            <a:off x="8947489" y="2630077"/>
             <a:ext cx="416459" cy="416459"/>
           </a:xfrm>
           <a:prstGeom prst="ellipse">
@@ -5508,25 +5512,27 @@
         </p:nvSpPr>
         <p:spPr>
           <a:xfrm>
-            <a:off x="9388623" y="3040497"/>
-            <a:ext cx="1396537" cy="584775"/>
+            <a:off x="9226818" y="3005951"/>
+            <a:ext cx="1855960" cy="707886"/>
           </a:xfrm>
           <a:prstGeom prst="rect">
             <a:avLst/>
           </a:prstGeom>
           <a:solidFill>
-            <a:srgbClr val="601E77"/>
+            <a:srgbClr val="601E77">
+              <a:alpha val="0"/>
+            </a:srgbClr>
           </a:solidFill>
         </p:spPr>
         <p:txBody>
-          <a:bodyPr wrap="none" rtlCol="0">
+          <a:bodyPr wrap="square" rtlCol="0">
             <a:spAutoFit/>
           </a:bodyPr>
           <a:lstStyle/>
           <a:p>
             <a:pPr algn="ctr"/>
             <a:r>
-              <a:rPr lang="en-CA" sz="1600" b="1" dirty="0" smtClean="0">
+              <a:rPr lang="en-CA" sz="2000" b="1" dirty="0" smtClean="0">
                 <a:solidFill>
                   <a:schemeClr val="bg1"/>
                 </a:solidFill>
@@ -5537,14 +5543,14 @@
           <a:p>
             <a:pPr algn="ctr"/>
             <a:r>
-              <a:rPr lang="en-CA" sz="1600" b="1" dirty="0" smtClean="0">
+              <a:rPr lang="en-CA" sz="2000" b="1" dirty="0" smtClean="0">
                 <a:solidFill>
                   <a:schemeClr val="bg1"/>
                 </a:solidFill>
               </a:rPr>
               <a:t>Deployment</a:t>
             </a:r>
-            <a:endParaRPr lang="en-CA" sz="1600" b="1" dirty="0">
+            <a:endParaRPr lang="en-CA" sz="2000" b="1" dirty="0">
               <a:solidFill>
                 <a:schemeClr val="bg1"/>
               </a:solidFill>
@@ -5560,8 +5566,8 @@
         </p:nvSpPr>
         <p:spPr>
           <a:xfrm>
-            <a:off x="9378883" y="4031362"/>
-            <a:ext cx="1430215" cy="523220"/>
+            <a:off x="9226818" y="4095003"/>
+            <a:ext cx="1862348" cy="646331"/>
           </a:xfrm>
           <a:prstGeom prst="rect">
             <a:avLst/>
@@ -5578,14 +5584,14 @@
           <a:p>
             <a:pPr algn="ctr"/>
             <a:r>
-              <a:rPr lang="en-CA" sz="1400" dirty="0" smtClean="0">
+              <a:rPr lang="en-CA" dirty="0" smtClean="0">
                 <a:solidFill>
                   <a:schemeClr val="bg1"/>
                 </a:solidFill>
               </a:rPr>
               <a:t>Deploy to production</a:t>
             </a:r>
-            <a:endParaRPr lang="en-CA" sz="1400" dirty="0">
+            <a:endParaRPr lang="en-CA" dirty="0">
               <a:solidFill>
                 <a:schemeClr val="bg1"/>
               </a:solidFill>
@@ -5601,8 +5607,8 @@
         </p:nvSpPr>
         <p:spPr>
           <a:xfrm>
-            <a:off x="4814977" y="5475769"/>
-            <a:ext cx="2084224" cy="338554"/>
+            <a:off x="4682062" y="5700815"/>
+            <a:ext cx="2491388" cy="400110"/>
           </a:xfrm>
           <a:prstGeom prst="rect">
             <a:avLst/>
@@ -5617,10 +5623,10 @@
           <a:p>
             <a:pPr algn="ctr"/>
             <a:r>
-              <a:rPr lang="en-CA" sz="1600" b="1" dirty="0" smtClean="0"/>
+              <a:rPr lang="en-CA" sz="2000" b="1" dirty="0" smtClean="0"/>
               <a:t>Monitor and report</a:t>
             </a:r>
-            <a:endParaRPr lang="en-CA" sz="1600" b="1" dirty="0"/>
+            <a:endParaRPr lang="en-CA" sz="2000" b="1" dirty="0"/>
           </a:p>
         </p:txBody>
       </p:sp>
@@ -5983,7 +5989,7 @@
         <p:spPr>
           <a:xfrm>
             <a:off x="689140" y="5863359"/>
-            <a:ext cx="3252824" cy="374526"/>
+            <a:ext cx="3252824" cy="400110"/>
           </a:xfrm>
           <a:prstGeom prst="rect">
             <a:avLst/>
@@ -5996,16 +6002,12 @@
           </a:bodyPr>
           <a:lstStyle/>
           <a:p>
-            <a:pPr algn="ctr">
-              <a:lnSpc>
-                <a:spcPct val="150000"/>
-              </a:lnSpc>
-            </a:pPr>
-            <a:r>
-              <a:rPr lang="en-CA" sz="1400" dirty="0" smtClean="0"/>
+            <a:pPr algn="ctr"/>
+            <a:r>
+              <a:rPr lang="en-CA" sz="2000" dirty="0" smtClean="0"/>
               <a:t>Cloud</a:t>
             </a:r>
-            <a:endParaRPr lang="en-CA" sz="1400" dirty="0"/>
+            <a:endParaRPr lang="en-CA" sz="1200" dirty="0"/>
           </a:p>
         </p:txBody>
       </p:sp>
@@ -6078,7 +6080,7 @@
         <p:spPr>
           <a:xfrm>
             <a:off x="4470188" y="5863359"/>
-            <a:ext cx="3252824" cy="374526"/>
+            <a:ext cx="3252824" cy="400110"/>
           </a:xfrm>
           <a:prstGeom prst="rect">
             <a:avLst/>
@@ -6091,16 +6093,12 @@
           </a:bodyPr>
           <a:lstStyle/>
           <a:p>
-            <a:pPr algn="ctr">
-              <a:lnSpc>
-                <a:spcPct val="150000"/>
-              </a:lnSpc>
-            </a:pPr>
-            <a:r>
-              <a:rPr lang="en-CA" sz="1400" dirty="0" smtClean="0"/>
+            <a:pPr algn="ctr"/>
+            <a:r>
+              <a:rPr lang="en-CA" sz="2000" dirty="0" smtClean="0"/>
               <a:t>Automation</a:t>
             </a:r>
-            <a:endParaRPr lang="en-CA" sz="1400" dirty="0"/>
+            <a:endParaRPr lang="en-CA" sz="1200" dirty="0"/>
           </a:p>
         </p:txBody>
       </p:sp>
@@ -6173,7 +6171,7 @@
         <p:spPr>
           <a:xfrm>
             <a:off x="8050555" y="5863359"/>
-            <a:ext cx="3252824" cy="374526"/>
+            <a:ext cx="3252824" cy="400110"/>
           </a:xfrm>
           <a:prstGeom prst="rect">
             <a:avLst/>
@@ -6186,16 +6184,12 @@
           </a:bodyPr>
           <a:lstStyle/>
           <a:p>
-            <a:pPr algn="ctr">
-              <a:lnSpc>
-                <a:spcPct val="150000"/>
-              </a:lnSpc>
-            </a:pPr>
-            <a:r>
-              <a:rPr lang="en-CA" sz="1400" dirty="0" smtClean="0"/>
+            <a:pPr algn="ctr"/>
+            <a:r>
+              <a:rPr lang="en-CA" sz="2000" dirty="0" smtClean="0"/>
               <a:t>Version control</a:t>
             </a:r>
-            <a:endParaRPr lang="en-CA" sz="1400" dirty="0"/>
+            <a:endParaRPr lang="en-CA" sz="2000" dirty="0"/>
           </a:p>
         </p:txBody>
       </p:sp>
@@ -6280,10 +6274,10 @@
           <a:lstStyle/>
           <a:p>
             <a:r>
-              <a:rPr lang="en-CA" dirty="0" smtClean="0"/>
+              <a:rPr lang="en-CA" sz="2800" dirty="0" smtClean="0"/>
               <a:t>Get in touch</a:t>
             </a:r>
-            <a:endParaRPr lang="en-CA" dirty="0"/>
+            <a:endParaRPr lang="en-CA" sz="2800" dirty="0"/>
           </a:p>
         </p:txBody>
       </p:sp>
@@ -6324,7 +6318,7 @@
         </p:nvSpPr>
         <p:spPr>
           <a:xfrm>
-            <a:off x="2236500" y="2361857"/>
+            <a:off x="2345142" y="2158559"/>
             <a:ext cx="5729092" cy="2527463"/>
           </a:xfrm>
         </p:spPr>
@@ -6333,71 +6327,67 @@
           <a:lstStyle/>
           <a:p>
             <a:pPr marL="285750" indent="-285750">
+              <a:lnSpc>
+                <a:spcPct val="150000"/>
+              </a:lnSpc>
               <a:buFont typeface="Arial" panose="020B0604020202020204" pitchFamily="34" charset="0"/>
               <a:buChar char="•"/>
             </a:pPr>
             <a:r>
-              <a:rPr lang="en-CA" b="1" dirty="0" smtClean="0"/>
+              <a:rPr lang="en-CA" sz="2400" b="1" dirty="0" smtClean="0"/>
               <a:t>Bernard.Maltais</a:t>
             </a:r>
             <a:r>
-              <a:rPr lang="en-CA" dirty="0" smtClean="0"/>
+              <a:rPr lang="en-CA" sz="2400" dirty="0" smtClean="0"/>
               <a:t>@canada.ca</a:t>
             </a:r>
-            <a:br>
-              <a:rPr lang="en-CA" dirty="0" smtClean="0"/>
-            </a:br>
-            <a:endParaRPr lang="en-CA" dirty="0" smtClean="0"/>
+            <a:endParaRPr lang="en-CA" sz="2400" dirty="0" smtClean="0"/>
           </a:p>
           <a:p>
             <a:pPr marL="285750" indent="-285750">
+              <a:lnSpc>
+                <a:spcPct val="150000"/>
+              </a:lnSpc>
               <a:buFont typeface="Arial" panose="020B0604020202020204" pitchFamily="34" charset="0"/>
               <a:buChar char="•"/>
             </a:pPr>
             <a:r>
-              <a:rPr lang="en-CA" b="1" dirty="0" smtClean="0"/>
+              <a:rPr lang="en-CA" sz="2400" b="1" dirty="0" smtClean="0"/>
               <a:t>Patrick.Heard</a:t>
             </a:r>
             <a:r>
-              <a:rPr lang="en-CA" dirty="0" smtClean="0"/>
+              <a:rPr lang="en-CA" sz="2400" dirty="0" smtClean="0"/>
               <a:t>@canada.ca</a:t>
             </a:r>
-            <a:br>
-              <a:rPr lang="en-CA" dirty="0" smtClean="0"/>
-            </a:br>
-            <a:endParaRPr lang="en-CA" dirty="0" smtClean="0"/>
+            <a:endParaRPr lang="en-CA" sz="2400" dirty="0" smtClean="0"/>
           </a:p>
           <a:p>
             <a:pPr marL="285750" indent="-285750">
+              <a:lnSpc>
+                <a:spcPct val="150000"/>
+              </a:lnSpc>
               <a:buFont typeface="Arial" panose="020B0604020202020204" pitchFamily="34" charset="0"/>
               <a:buChar char="•"/>
             </a:pPr>
             <a:r>
-              <a:rPr lang="en-CA" dirty="0" smtClean="0"/>
+              <a:rPr lang="en-CA" sz="2400" dirty="0" smtClean="0"/>
               <a:t>github.com</a:t>
             </a:r>
             <a:r>
-              <a:rPr lang="en-CA" b="1" dirty="0" smtClean="0"/>
+              <a:rPr lang="en-CA" sz="2400" b="1" dirty="0" smtClean="0"/>
               <a:t>/dtf-</a:t>
             </a:r>
             <a:r>
-              <a:rPr lang="en-CA" b="1" dirty="0" err="1" smtClean="0"/>
+              <a:rPr lang="en-CA" sz="2400" b="1" dirty="0" err="1" smtClean="0"/>
               <a:t>ein</a:t>
             </a:r>
-            <a:endParaRPr lang="en-CA" dirty="0" smtClean="0"/>
-          </a:p>
-          <a:p>
-            <a:pPr marL="285750" indent="-285750">
-              <a:buFont typeface="Arial" panose="020B0604020202020204" pitchFamily="34" charset="0"/>
-              <a:buChar char="•"/>
-            </a:pPr>
             <a:endParaRPr lang="en-CA" dirty="0"/>
           </a:p>
         </p:txBody>
       </p:sp>
       <p:pic>
         <p:nvPicPr>
-          <p:cNvPr id="5" name="Picture 4" descr="Waving hand emoji"/>
+          <p:cNvPr id="5" name="Picture 4" descr="Decorative"/>
           <p:cNvPicPr>
             <a:picLocks noChangeAspect="1"/>
           </p:cNvPicPr>
@@ -6421,7 +6411,7 @@
         </p:blipFill>
         <p:spPr>
           <a:xfrm>
-            <a:off x="6813643" y="2086132"/>
+            <a:off x="7447386" y="2158559"/>
             <a:ext cx="2143125" cy="2143125"/>
           </a:xfrm>
           <a:prstGeom prst="rect">
@@ -6510,10 +6500,10 @@
           <a:lstStyle/>
           <a:p>
             <a:r>
-              <a:rPr lang="en-CA" dirty="0" smtClean="0"/>
+              <a:rPr lang="en-CA" sz="2800" dirty="0" smtClean="0"/>
               <a:t>What we’ll cover</a:t>
             </a:r>
-            <a:endParaRPr lang="en-CA" dirty="0"/>
+            <a:endParaRPr lang="en-CA" sz="2800" dirty="0"/>
           </a:p>
         </p:txBody>
       </p:sp>
@@ -6542,9 +6532,282 @@
           <a:ln/>
         </p:spPr>
       </p:pic>
+      <p:sp>
+        <p:nvSpPr>
+          <p:cNvPr id="24" name="Oval 23"/>
+          <p:cNvSpPr/>
+          <p:nvPr/>
+        </p:nvSpPr>
+        <p:spPr>
+          <a:xfrm>
+            <a:off x="1485053" y="4212695"/>
+            <a:ext cx="288873" cy="288873"/>
+          </a:xfrm>
+          <a:prstGeom prst="ellipse">
+            <a:avLst/>
+          </a:prstGeom>
+          <a:solidFill>
+            <a:srgbClr val="00883D"/>
+          </a:solidFill>
+          <a:ln>
+            <a:noFill/>
+          </a:ln>
+          <a:effectLst/>
+        </p:spPr>
+        <p:style>
+          <a:lnRef idx="2">
+            <a:schemeClr val="accent1">
+              <a:shade val="50000"/>
+            </a:schemeClr>
+          </a:lnRef>
+          <a:fillRef idx="1">
+            <a:schemeClr val="accent1"/>
+          </a:fillRef>
+          <a:effectRef idx="0">
+            <a:schemeClr val="accent1"/>
+          </a:effectRef>
+          <a:fontRef idx="minor">
+            <a:schemeClr val="lt1"/>
+          </a:fontRef>
+        </p:style>
+        <p:txBody>
+          <a:bodyPr rtlCol="0" anchor="ctr"/>
+          <a:lstStyle/>
+          <a:p>
+            <a:pPr algn="ctr"/>
+            <a:r>
+              <a:rPr lang="en-CA" sz="1200" b="1" dirty="0" smtClean="0"/>
+              <a:t>1</a:t>
+            </a:r>
+            <a:endParaRPr lang="en-CA" sz="1200" b="1" dirty="0"/>
+          </a:p>
+        </p:txBody>
+      </p:sp>
+      <p:sp>
+        <p:nvSpPr>
+          <p:cNvPr id="9" name="TextBox 8"/>
+          <p:cNvSpPr txBox="1"/>
+          <p:nvPr/>
+        </p:nvSpPr>
+        <p:spPr>
+          <a:xfrm>
+            <a:off x="959073" y="4123106"/>
+            <a:ext cx="2585867" cy="461665"/>
+          </a:xfrm>
+          <a:prstGeom prst="rect">
+            <a:avLst/>
+          </a:prstGeom>
+          <a:noFill/>
+        </p:spPr>
+        <p:txBody>
+          <a:bodyPr wrap="square" rtlCol="0">
+            <a:spAutoFit/>
+          </a:bodyPr>
+          <a:lstStyle/>
+          <a:p>
+            <a:pPr algn="ctr"/>
+            <a:r>
+              <a:rPr lang="en-CA" sz="2400" b="1" dirty="0" smtClean="0"/>
+              <a:t>Cloud</a:t>
+            </a:r>
+            <a:endParaRPr lang="en-CA" sz="2400" dirty="0"/>
+          </a:p>
+        </p:txBody>
+      </p:sp>
+      <p:sp>
+        <p:nvSpPr>
+          <p:cNvPr id="23" name="Oval 22"/>
+          <p:cNvSpPr/>
+          <p:nvPr/>
+        </p:nvSpPr>
+        <p:spPr>
+          <a:xfrm>
+            <a:off x="4860443" y="4216213"/>
+            <a:ext cx="288873" cy="288873"/>
+          </a:xfrm>
+          <a:prstGeom prst="ellipse">
+            <a:avLst/>
+          </a:prstGeom>
+          <a:solidFill>
+            <a:srgbClr val="00883D"/>
+          </a:solidFill>
+          <a:ln>
+            <a:noFill/>
+          </a:ln>
+          <a:effectLst/>
+        </p:spPr>
+        <p:style>
+          <a:lnRef idx="2">
+            <a:schemeClr val="accent1">
+              <a:shade val="50000"/>
+            </a:schemeClr>
+          </a:lnRef>
+          <a:fillRef idx="1">
+            <a:schemeClr val="accent1"/>
+          </a:fillRef>
+          <a:effectRef idx="0">
+            <a:schemeClr val="accent1"/>
+          </a:effectRef>
+          <a:fontRef idx="minor">
+            <a:schemeClr val="lt1"/>
+          </a:fontRef>
+        </p:style>
+        <p:txBody>
+          <a:bodyPr rtlCol="0" anchor="ctr"/>
+          <a:lstStyle/>
+          <a:p>
+            <a:pPr algn="ctr"/>
+            <a:r>
+              <a:rPr lang="en-CA" sz="1200" b="1" dirty="0"/>
+              <a:t>2</a:t>
+            </a:r>
+          </a:p>
+        </p:txBody>
+      </p:sp>
+      <p:sp>
+        <p:nvSpPr>
+          <p:cNvPr id="10" name="TextBox 9"/>
+          <p:cNvSpPr txBox="1"/>
+          <p:nvPr/>
+        </p:nvSpPr>
+        <p:spPr>
+          <a:xfrm>
+            <a:off x="4746809" y="4123106"/>
+            <a:ext cx="2585867" cy="461665"/>
+          </a:xfrm>
+          <a:prstGeom prst="rect">
+            <a:avLst/>
+          </a:prstGeom>
+          <a:noFill/>
+        </p:spPr>
+        <p:txBody>
+          <a:bodyPr wrap="square" rtlCol="0">
+            <a:spAutoFit/>
+          </a:bodyPr>
+          <a:lstStyle/>
+          <a:p>
+            <a:pPr algn="ctr"/>
+            <a:r>
+              <a:rPr lang="en-CA" sz="2400" b="1" dirty="0" smtClean="0"/>
+              <a:t>Automation</a:t>
+            </a:r>
+            <a:endParaRPr lang="en-CA" sz="2400" dirty="0"/>
+          </a:p>
+        </p:txBody>
+      </p:sp>
+      <p:sp>
+        <p:nvSpPr>
+          <p:cNvPr id="25" name="Oval 24"/>
+          <p:cNvSpPr/>
+          <p:nvPr/>
+        </p:nvSpPr>
+        <p:spPr>
+          <a:xfrm>
+            <a:off x="8898620" y="4212695"/>
+            <a:ext cx="288873" cy="288873"/>
+          </a:xfrm>
+          <a:prstGeom prst="ellipse">
+            <a:avLst/>
+          </a:prstGeom>
+          <a:solidFill>
+            <a:srgbClr val="00883D"/>
+          </a:solidFill>
+          <a:ln>
+            <a:noFill/>
+          </a:ln>
+          <a:effectLst/>
+        </p:spPr>
+        <p:style>
+          <a:lnRef idx="2">
+            <a:schemeClr val="accent1">
+              <a:shade val="50000"/>
+            </a:schemeClr>
+          </a:lnRef>
+          <a:fillRef idx="1">
+            <a:schemeClr val="accent1"/>
+          </a:fillRef>
+          <a:effectRef idx="0">
+            <a:schemeClr val="accent1"/>
+          </a:effectRef>
+          <a:fontRef idx="minor">
+            <a:schemeClr val="lt1"/>
+          </a:fontRef>
+        </p:style>
+        <p:txBody>
+          <a:bodyPr rtlCol="0" anchor="ctr"/>
+          <a:lstStyle/>
+          <a:p>
+            <a:pPr algn="ctr"/>
+            <a:r>
+              <a:rPr lang="en-CA" sz="1200" b="1" dirty="0" smtClean="0"/>
+              <a:t>3</a:t>
+            </a:r>
+            <a:endParaRPr lang="en-CA" sz="1200" b="1" dirty="0"/>
+          </a:p>
+        </p:txBody>
+      </p:sp>
+      <p:sp>
+        <p:nvSpPr>
+          <p:cNvPr id="11" name="TextBox 10"/>
+          <p:cNvSpPr txBox="1"/>
+          <p:nvPr/>
+        </p:nvSpPr>
+        <p:spPr>
+          <a:xfrm>
+            <a:off x="8526232" y="4123106"/>
+            <a:ext cx="2585867" cy="461665"/>
+          </a:xfrm>
+          <a:prstGeom prst="rect">
+            <a:avLst/>
+          </a:prstGeom>
+          <a:noFill/>
+        </p:spPr>
+        <p:txBody>
+          <a:bodyPr wrap="square" rtlCol="0">
+            <a:spAutoFit/>
+          </a:bodyPr>
+          <a:lstStyle/>
+          <a:p>
+            <a:pPr algn="ctr"/>
+            <a:r>
+              <a:rPr lang="en-CA" sz="2400" b="1" dirty="0" smtClean="0"/>
+              <a:t>DevOps</a:t>
+            </a:r>
+            <a:endParaRPr lang="en-CA" sz="2400" dirty="0"/>
+          </a:p>
+        </p:txBody>
+      </p:sp>
+      <p:sp>
+        <p:nvSpPr>
+          <p:cNvPr id="4" name="Slide Number Placeholder 3"/>
+          <p:cNvSpPr>
+            <a:spLocks noGrp="1"/>
+          </p:cNvSpPr>
+          <p:nvPr>
+            <p:ph type="sldNum" sz="quarter" idx="4"/>
+          </p:nvPr>
+        </p:nvSpPr>
+        <p:spPr/>
+        <p:txBody>
+          <a:bodyPr/>
+          <a:lstStyle/>
+          <a:p>
+            <a:fld id="{105822BA-B7AE-4DDB-BAFC-C8E55FB5C986}" type="slidenum">
+              <a:rPr lang="en-CA" smtClean="0"/>
+              <a:pPr/>
+              <a:t>2</a:t>
+            </a:fld>
+            <a:r>
+              <a:rPr lang="en-CA" smtClean="0"/>
+              <a:t> </a:t>
+            </a:r>
+            <a:endParaRPr lang="en-CA" dirty="0"/>
+          </a:p>
+        </p:txBody>
+      </p:sp>
       <p:grpSp>
         <p:nvGrpSpPr>
-          <p:cNvPr id="12" name="Group 11" descr="Cloud icon"/>
+          <p:cNvPr id="12" name="Group 11" descr="Decorative"/>
           <p:cNvGrpSpPr/>
           <p:nvPr>
             <p:custDataLst>
@@ -6637,91 +6900,9 @@
           </p:spPr>
         </p:pic>
       </p:grpSp>
-      <p:sp>
-        <p:nvSpPr>
-          <p:cNvPr id="24" name="Oval 23"/>
-          <p:cNvSpPr/>
-          <p:nvPr/>
-        </p:nvSpPr>
-        <p:spPr>
-          <a:xfrm>
-            <a:off x="1559843" y="4175206"/>
-            <a:ext cx="288873" cy="288873"/>
-          </a:xfrm>
-          <a:prstGeom prst="ellipse">
-            <a:avLst/>
-          </a:prstGeom>
-          <a:solidFill>
-            <a:srgbClr val="00883D"/>
-          </a:solidFill>
-          <a:ln>
-            <a:noFill/>
-          </a:ln>
-          <a:effectLst/>
-        </p:spPr>
-        <p:style>
-          <a:lnRef idx="2">
-            <a:schemeClr val="accent1">
-              <a:shade val="50000"/>
-            </a:schemeClr>
-          </a:lnRef>
-          <a:fillRef idx="1">
-            <a:schemeClr val="accent1"/>
-          </a:fillRef>
-          <a:effectRef idx="0">
-            <a:schemeClr val="accent1"/>
-          </a:effectRef>
-          <a:fontRef idx="minor">
-            <a:schemeClr val="lt1"/>
-          </a:fontRef>
-        </p:style>
-        <p:txBody>
-          <a:bodyPr rtlCol="0" anchor="ctr"/>
-          <a:lstStyle/>
-          <a:p>
-            <a:pPr algn="ctr"/>
-            <a:r>
-              <a:rPr lang="en-CA" sz="1200" b="1" dirty="0" smtClean="0"/>
-              <a:t>1</a:t>
-            </a:r>
-            <a:endParaRPr lang="en-CA" sz="1200" b="1" dirty="0"/>
-          </a:p>
-        </p:txBody>
-      </p:sp>
-      <p:sp>
-        <p:nvSpPr>
-          <p:cNvPr id="9" name="TextBox 8"/>
-          <p:cNvSpPr txBox="1"/>
-          <p:nvPr/>
-        </p:nvSpPr>
-        <p:spPr>
-          <a:xfrm>
-            <a:off x="984012" y="4123106"/>
-            <a:ext cx="2585867" cy="400110"/>
-          </a:xfrm>
-          <a:prstGeom prst="rect">
-            <a:avLst/>
-          </a:prstGeom>
-          <a:noFill/>
-        </p:spPr>
-        <p:txBody>
-          <a:bodyPr wrap="square" rtlCol="0">
-            <a:spAutoFit/>
-          </a:bodyPr>
-          <a:lstStyle/>
-          <a:p>
-            <a:pPr algn="ctr"/>
-            <a:r>
-              <a:rPr lang="en-CA" sz="2000" b="1" dirty="0" smtClean="0"/>
-              <a:t>Cloud</a:t>
-            </a:r>
-            <a:endParaRPr lang="en-CA" sz="1400" dirty="0"/>
-          </a:p>
-        </p:txBody>
-      </p:sp>
       <p:grpSp>
         <p:nvGrpSpPr>
-          <p:cNvPr id="13" name="Group 12" descr="Lightening bolt icon"/>
+          <p:cNvPr id="13" name="Group 12" descr="Decorative"/>
           <p:cNvGrpSpPr/>
           <p:nvPr>
             <p:custDataLst>
@@ -6814,90 +6995,9 @@
           </p:spPr>
         </p:pic>
       </p:grpSp>
-      <p:sp>
-        <p:nvSpPr>
-          <p:cNvPr id="23" name="Oval 22"/>
-          <p:cNvSpPr/>
-          <p:nvPr/>
-        </p:nvSpPr>
-        <p:spPr>
-          <a:xfrm>
-            <a:off x="4993424" y="4178724"/>
-            <a:ext cx="288873" cy="288873"/>
-          </a:xfrm>
-          <a:prstGeom prst="ellipse">
-            <a:avLst/>
-          </a:prstGeom>
-          <a:solidFill>
-            <a:srgbClr val="00883D"/>
-          </a:solidFill>
-          <a:ln>
-            <a:noFill/>
-          </a:ln>
-          <a:effectLst/>
-        </p:spPr>
-        <p:style>
-          <a:lnRef idx="2">
-            <a:schemeClr val="accent1">
-              <a:shade val="50000"/>
-            </a:schemeClr>
-          </a:lnRef>
-          <a:fillRef idx="1">
-            <a:schemeClr val="accent1"/>
-          </a:fillRef>
-          <a:effectRef idx="0">
-            <a:schemeClr val="accent1"/>
-          </a:effectRef>
-          <a:fontRef idx="minor">
-            <a:schemeClr val="lt1"/>
-          </a:fontRef>
-        </p:style>
-        <p:txBody>
-          <a:bodyPr rtlCol="0" anchor="ctr"/>
-          <a:lstStyle/>
-          <a:p>
-            <a:pPr algn="ctr"/>
-            <a:r>
-              <a:rPr lang="en-CA" sz="1200" b="1" dirty="0"/>
-              <a:t>2</a:t>
-            </a:r>
-          </a:p>
-        </p:txBody>
-      </p:sp>
-      <p:sp>
-        <p:nvSpPr>
-          <p:cNvPr id="10" name="TextBox 9"/>
-          <p:cNvSpPr txBox="1"/>
-          <p:nvPr/>
-        </p:nvSpPr>
-        <p:spPr>
-          <a:xfrm>
-            <a:off x="4763435" y="4123106"/>
-            <a:ext cx="2585867" cy="400110"/>
-          </a:xfrm>
-          <a:prstGeom prst="rect">
-            <a:avLst/>
-          </a:prstGeom>
-          <a:noFill/>
-        </p:spPr>
-        <p:txBody>
-          <a:bodyPr wrap="square" rtlCol="0">
-            <a:spAutoFit/>
-          </a:bodyPr>
-          <a:lstStyle/>
-          <a:p>
-            <a:pPr algn="ctr"/>
-            <a:r>
-              <a:rPr lang="en-CA" sz="2000" b="1" dirty="0" smtClean="0"/>
-              <a:t>Automation</a:t>
-            </a:r>
-            <a:endParaRPr lang="en-CA" sz="1400" dirty="0"/>
-          </a:p>
-        </p:txBody>
-      </p:sp>
       <p:grpSp>
         <p:nvGrpSpPr>
-          <p:cNvPr id="14" name="Group 13" descr="DevOps infinity icon"/>
+          <p:cNvPr id="14" name="Group 13" descr="Decorative"/>
           <p:cNvGrpSpPr/>
           <p:nvPr>
             <p:custDataLst>
@@ -6990,116 +7090,6 @@
           </p:spPr>
         </p:pic>
       </p:grpSp>
-      <p:sp>
-        <p:nvSpPr>
-          <p:cNvPr id="25" name="Oval 24"/>
-          <p:cNvSpPr/>
-          <p:nvPr/>
-        </p:nvSpPr>
-        <p:spPr>
-          <a:xfrm>
-            <a:off x="8998349" y="4175206"/>
-            <a:ext cx="288873" cy="288873"/>
-          </a:xfrm>
-          <a:prstGeom prst="ellipse">
-            <a:avLst/>
-          </a:prstGeom>
-          <a:solidFill>
-            <a:srgbClr val="00883D"/>
-          </a:solidFill>
-          <a:ln>
-            <a:noFill/>
-          </a:ln>
-          <a:effectLst/>
-        </p:spPr>
-        <p:style>
-          <a:lnRef idx="2">
-            <a:schemeClr val="accent1">
-              <a:shade val="50000"/>
-            </a:schemeClr>
-          </a:lnRef>
-          <a:fillRef idx="1">
-            <a:schemeClr val="accent1"/>
-          </a:fillRef>
-          <a:effectRef idx="0">
-            <a:schemeClr val="accent1"/>
-          </a:effectRef>
-          <a:fontRef idx="minor">
-            <a:schemeClr val="lt1"/>
-          </a:fontRef>
-        </p:style>
-        <p:txBody>
-          <a:bodyPr rtlCol="0" anchor="ctr"/>
-          <a:lstStyle/>
-          <a:p>
-            <a:pPr algn="ctr"/>
-            <a:r>
-              <a:rPr lang="en-CA" sz="1200" b="1" dirty="0" smtClean="0"/>
-              <a:t>3</a:t>
-            </a:r>
-            <a:endParaRPr lang="en-CA" sz="1200" b="1" dirty="0"/>
-          </a:p>
-        </p:txBody>
-      </p:sp>
-      <p:sp>
-        <p:nvSpPr>
-          <p:cNvPr id="11" name="TextBox 10"/>
-          <p:cNvSpPr txBox="1"/>
-          <p:nvPr/>
-        </p:nvSpPr>
-        <p:spPr>
-          <a:xfrm>
-            <a:off x="8542858" y="4123106"/>
-            <a:ext cx="2585867" cy="400110"/>
-          </a:xfrm>
-          <a:prstGeom prst="rect">
-            <a:avLst/>
-          </a:prstGeom>
-          <a:noFill/>
-        </p:spPr>
-        <p:txBody>
-          <a:bodyPr wrap="square" rtlCol="0">
-            <a:spAutoFit/>
-          </a:bodyPr>
-          <a:lstStyle/>
-          <a:p>
-            <a:pPr algn="ctr"/>
-            <a:r>
-              <a:rPr lang="en-CA" sz="2000" b="1" dirty="0" smtClean="0"/>
-              <a:t>DevOps</a:t>
-            </a:r>
-            <a:endParaRPr lang="en-CA" sz="1400" dirty="0"/>
-          </a:p>
-        </p:txBody>
-      </p:sp>
-      <p:sp>
-        <p:nvSpPr>
-          <p:cNvPr id="4" name="Slide Number Placeholder 3"/>
-          <p:cNvSpPr>
-            <a:spLocks noGrp="1"/>
-          </p:cNvSpPr>
-          <p:nvPr>
-            <p:ph type="sldNum" sz="quarter" idx="4"/>
-          </p:nvPr>
-        </p:nvSpPr>
-        <p:spPr/>
-        <p:txBody>
-          <a:bodyPr/>
-          <a:lstStyle/>
-          <a:p>
-            <a:fld id="{105822BA-B7AE-4DDB-BAFC-C8E55FB5C986}" type="slidenum">
-              <a:rPr lang="en-CA" smtClean="0"/>
-              <a:pPr/>
-              <a:t>2</a:t>
-            </a:fld>
-            <a:r>
-              <a:rPr lang="en-CA" smtClean="0"/>
-              <a:t> </a:t>
-            </a:r>
-            <a:endParaRPr lang="en-CA" dirty="0"/>
-          </a:p>
-        </p:txBody>
-      </p:sp>
     </p:spTree>
     <p:extLst>
       <p:ext uri="{BB962C8B-B14F-4D97-AF65-F5344CB8AC3E}">
@@ -7395,10 +7385,10 @@
           <a:lstStyle/>
           <a:p>
             <a:r>
-              <a:rPr lang="en-CA" dirty="0" smtClean="0"/>
+              <a:rPr lang="en-CA" sz="2800" dirty="0" smtClean="0"/>
               <a:t>What is cloud</a:t>
             </a:r>
-            <a:endParaRPr lang="en-CA" dirty="0"/>
+            <a:endParaRPr lang="en-CA" sz="2800" dirty="0"/>
           </a:p>
         </p:txBody>
       </p:sp>
@@ -7439,47 +7429,60 @@
         </p:nvSpPr>
         <p:spPr/>
         <p:txBody>
-          <a:bodyPr/>
+          <a:bodyPr>
+            <a:normAutofit/>
+          </a:bodyPr>
           <a:lstStyle/>
           <a:p>
             <a:pPr marL="285750" indent="-285750">
+              <a:lnSpc>
+                <a:spcPct val="150000"/>
+              </a:lnSpc>
               <a:buFont typeface="Arial" panose="020B0604020202020204" pitchFamily="34" charset="0"/>
               <a:buChar char="•"/>
             </a:pPr>
             <a:r>
-              <a:rPr lang="en-CA" dirty="0" smtClean="0"/>
-              <a:t>Another companies network, computers and services</a:t>
-            </a:r>
-            <a:br>
-              <a:rPr lang="en-CA" dirty="0" smtClean="0"/>
-            </a:br>
-            <a:endParaRPr lang="en-CA" dirty="0" smtClean="0"/>
+              <a:rPr lang="en-CA" sz="2400" dirty="0" smtClean="0"/>
+              <a:t>Another companies network, computers and </a:t>
+            </a:r>
+            <a:r>
+              <a:rPr lang="en-CA" sz="2400" dirty="0" smtClean="0"/>
+              <a:t>services</a:t>
+            </a:r>
+            <a:endParaRPr lang="en-CA" sz="2400" dirty="0" smtClean="0"/>
           </a:p>
           <a:p>
             <a:pPr marL="285750" indent="-285750">
+              <a:lnSpc>
+                <a:spcPct val="150000"/>
+              </a:lnSpc>
               <a:buFont typeface="Arial" panose="020B0604020202020204" pitchFamily="34" charset="0"/>
               <a:buChar char="•"/>
             </a:pPr>
             <a:r>
-              <a:rPr lang="en-CA" dirty="0" smtClean="0"/>
-              <a:t>Cost is based on home much power and storage you use</a:t>
-            </a:r>
-            <a:br>
-              <a:rPr lang="en-CA" dirty="0" smtClean="0"/>
-            </a:br>
-            <a:endParaRPr lang="en-CA" dirty="0" smtClean="0"/>
+              <a:rPr lang="en-CA" sz="2400" dirty="0" smtClean="0"/>
+              <a:t>Cost is based on home much power and storage you </a:t>
+            </a:r>
+            <a:r>
+              <a:rPr lang="en-CA" sz="2400" dirty="0" smtClean="0"/>
+              <a:t>use</a:t>
+            </a:r>
+            <a:endParaRPr lang="en-CA" sz="2400" dirty="0" smtClean="0"/>
           </a:p>
           <a:p>
             <a:pPr marL="285750" indent="-285750">
+              <a:lnSpc>
+                <a:spcPct val="150000"/>
+              </a:lnSpc>
               <a:buFont typeface="Arial" panose="020B0604020202020204" pitchFamily="34" charset="0"/>
               <a:buChar char="•"/>
             </a:pPr>
             <a:r>
-              <a:rPr lang="en-CA" dirty="0"/>
+              <a:rPr lang="en-CA" sz="2400" dirty="0"/>
               <a:t>Like a utility company, for </a:t>
             </a:r>
             <a:r>
-              <a:rPr lang="en-CA" dirty="0" smtClean="0"/>
+              <a:rPr lang="en-CA" sz="2400" dirty="0" smtClean="0"/>
               <a:t>computing</a:t>
             </a:r>
           </a:p>
@@ -7566,10 +7569,10 @@
           <a:lstStyle/>
           <a:p>
             <a:r>
-              <a:rPr lang="en-CA" dirty="0" smtClean="0"/>
+              <a:rPr lang="en-CA" sz="2800" dirty="0" smtClean="0"/>
               <a:t>Why go cloud</a:t>
             </a:r>
-            <a:endParaRPr lang="en-CA" dirty="0"/>
+            <a:endParaRPr lang="en-CA" sz="2800" dirty="0"/>
           </a:p>
         </p:txBody>
       </p:sp>
@@ -7610,56 +7613,63 @@
         </p:nvSpPr>
         <p:spPr/>
         <p:txBody>
-          <a:bodyPr/>
+          <a:bodyPr>
+            <a:normAutofit/>
+          </a:bodyPr>
           <a:lstStyle/>
           <a:p>
             <a:pPr marL="285750" indent="-285750">
+              <a:lnSpc>
+                <a:spcPct val="150000"/>
+              </a:lnSpc>
               <a:buFont typeface="Arial" panose="020B0604020202020204" pitchFamily="34" charset="0"/>
               <a:buChar char="•"/>
             </a:pPr>
             <a:r>
-              <a:rPr lang="en-CA" dirty="0" smtClean="0"/>
-              <a:t>Faster service delivery</a:t>
-            </a:r>
-            <a:br>
-              <a:rPr lang="en-CA" dirty="0" smtClean="0"/>
-            </a:br>
-            <a:endParaRPr lang="en-CA" dirty="0" smtClean="0"/>
+              <a:rPr lang="en-CA" sz="2400" dirty="0" smtClean="0"/>
+              <a:t>Faster service </a:t>
+            </a:r>
+            <a:r>
+              <a:rPr lang="en-CA" sz="2400" dirty="0" smtClean="0"/>
+              <a:t>delivery</a:t>
+            </a:r>
+            <a:endParaRPr lang="en-CA" sz="2400" dirty="0" smtClean="0"/>
           </a:p>
           <a:p>
             <a:pPr marL="285750" indent="-285750">
+              <a:lnSpc>
+                <a:spcPct val="150000"/>
+              </a:lnSpc>
               <a:buFont typeface="Arial" panose="020B0604020202020204" pitchFamily="34" charset="0"/>
               <a:buChar char="•"/>
             </a:pPr>
             <a:r>
-              <a:rPr lang="en-CA" dirty="0" smtClean="0"/>
-              <a:t>Ability to scale with demand</a:t>
-            </a:r>
-            <a:br>
-              <a:rPr lang="en-CA" dirty="0" smtClean="0"/>
-            </a:br>
-            <a:endParaRPr lang="en-CA" dirty="0" smtClean="0"/>
+              <a:rPr lang="en-CA" sz="2400" dirty="0" smtClean="0"/>
+              <a:t>Ability to scale with </a:t>
+            </a:r>
+            <a:r>
+              <a:rPr lang="en-CA" sz="2400" dirty="0" smtClean="0"/>
+              <a:t>demand</a:t>
+            </a:r>
+            <a:endParaRPr lang="en-CA" sz="2400" dirty="0" smtClean="0"/>
           </a:p>
           <a:p>
             <a:pPr marL="285750" indent="-285750">
+              <a:lnSpc>
+                <a:spcPct val="150000"/>
+              </a:lnSpc>
               <a:buFont typeface="Arial" panose="020B0604020202020204" pitchFamily="34" charset="0"/>
               <a:buChar char="•"/>
             </a:pPr>
             <a:r>
-              <a:rPr lang="en-CA" dirty="0" smtClean="0"/>
-              <a:t>Enables modern service delivery</a:t>
-            </a:r>
-            <a:br>
-              <a:rPr lang="en-CA" dirty="0" smtClean="0"/>
-            </a:br>
-            <a:endParaRPr lang="en-CA" dirty="0" smtClean="0"/>
-          </a:p>
-          <a:p>
-            <a:pPr marL="285750" indent="-285750">
-              <a:buFont typeface="Arial" panose="020B0604020202020204" pitchFamily="34" charset="0"/>
-              <a:buChar char="•"/>
-            </a:pPr>
-            <a:endParaRPr lang="en-CA" dirty="0"/>
+              <a:rPr lang="en-CA" sz="2400" dirty="0" smtClean="0"/>
+              <a:t>Enables modern service </a:t>
+            </a:r>
+            <a:r>
+              <a:rPr lang="en-CA" sz="2400" dirty="0" smtClean="0"/>
+              <a:t>delivery</a:t>
+            </a:r>
+            <a:endParaRPr lang="en-CA" sz="2400" dirty="0" smtClean="0"/>
           </a:p>
         </p:txBody>
       </p:sp>
@@ -7744,10 +7754,10 @@
           <a:lstStyle/>
           <a:p>
             <a:r>
-              <a:rPr lang="en-CA" dirty="0" smtClean="0"/>
+              <a:rPr lang="en-CA" sz="2800" dirty="0" smtClean="0"/>
               <a:t>How cloud works</a:t>
             </a:r>
-            <a:endParaRPr lang="en-CA" dirty="0"/>
+            <a:endParaRPr lang="en-CA" sz="2800" dirty="0"/>
           </a:p>
         </p:txBody>
       </p:sp>
@@ -7788,33 +7798,51 @@
         </p:nvSpPr>
         <p:spPr>
           <a:xfrm>
-            <a:off x="428400" y="1051130"/>
+            <a:off x="428400" y="1152730"/>
             <a:ext cx="11336400" cy="5001199"/>
           </a:xfrm>
         </p:spPr>
         <p:txBody>
-          <a:bodyPr/>
+          <a:bodyPr>
+            <a:normAutofit/>
+          </a:bodyPr>
           <a:lstStyle/>
           <a:p>
             <a:pPr marL="285750" indent="-285750">
+              <a:lnSpc>
+                <a:spcPct val="100000"/>
+              </a:lnSpc>
               <a:buFont typeface="Arial" panose="020B0604020202020204" pitchFamily="34" charset="0"/>
               <a:buChar char="•"/>
             </a:pPr>
             <a:r>
-              <a:rPr lang="en-CA" dirty="0" smtClean="0"/>
-              <a:t>Different service models </a:t>
-            </a:r>
-            <a:endParaRPr lang="en-CA" dirty="0"/>
+              <a:rPr lang="en-CA" sz="2400" dirty="0" smtClean="0"/>
+              <a:t>You </a:t>
+            </a:r>
+            <a:r>
+              <a:rPr lang="en-CA" sz="2400" dirty="0" smtClean="0"/>
+              <a:t>build on the </a:t>
+            </a:r>
+            <a:r>
+              <a:rPr lang="en-CA" sz="2400" dirty="0" smtClean="0"/>
+              <a:t>cloud provider</a:t>
+            </a:r>
           </a:p>
           <a:p>
             <a:pPr marL="285750" indent="-285750">
+              <a:lnSpc>
+                <a:spcPct val="100000"/>
+              </a:lnSpc>
               <a:buFont typeface="Arial" panose="020B0604020202020204" pitchFamily="34" charset="0"/>
               <a:buChar char="•"/>
             </a:pPr>
             <a:r>
-              <a:rPr lang="en-CA" dirty="0" smtClean="0"/>
-              <a:t>You build on the cloud provider</a:t>
-            </a:r>
+              <a:rPr lang="en-CA" sz="2400" dirty="0"/>
+              <a:t>Different service models </a:t>
+            </a:r>
+          </a:p>
+          <a:p>
+            <a:endParaRPr lang="en-CA" sz="2400" dirty="0" smtClean="0"/>
           </a:p>
         </p:txBody>
       </p:sp>
@@ -7830,7 +7858,7 @@
         </p:nvGrpSpPr>
         <p:grpSpPr>
           <a:xfrm>
-            <a:off x="878187" y="1791812"/>
+            <a:off x="1032096" y="1791812"/>
             <a:ext cx="10316006" cy="4429971"/>
             <a:chOff x="878187" y="1791812"/>
             <a:chExt cx="10316006" cy="4429971"/>
@@ -8119,14 +8147,16 @@
         </p:nvSpPr>
         <p:spPr>
           <a:xfrm>
-            <a:off x="5080001" y="2973315"/>
-            <a:ext cx="1356130" cy="615553"/>
+            <a:off x="5233910" y="2909944"/>
+            <a:ext cx="1356130" cy="677108"/>
           </a:xfrm>
           <a:prstGeom prst="rect">
             <a:avLst/>
           </a:prstGeom>
           <a:solidFill>
-            <a:srgbClr val="521F80"/>
+            <a:srgbClr val="521F80">
+              <a:alpha val="0"/>
+            </a:srgbClr>
           </a:solidFill>
         </p:spPr>
         <p:txBody>
@@ -8137,13 +8167,18 @@
           <a:p>
             <a:pPr algn="ctr"/>
             <a:r>
-              <a:rPr lang="en-CA" sz="2000" b="1" dirty="0" smtClean="0">
+              <a:rPr lang="en-CA" sz="2400" b="1" dirty="0" smtClean="0">
                 <a:solidFill>
                   <a:schemeClr val="bg1"/>
                 </a:solidFill>
               </a:rPr>
               <a:t>SaaS</a:t>
             </a:r>
+            <a:endParaRPr lang="en-CA" sz="2000" b="1" dirty="0" smtClean="0">
+              <a:solidFill>
+                <a:schemeClr val="bg1"/>
+              </a:solidFill>
+            </a:endParaRPr>
           </a:p>
           <a:p>
             <a:pPr algn="ctr"/>
@@ -8171,8 +8206,8 @@
         </p:nvSpPr>
         <p:spPr>
           <a:xfrm>
-            <a:off x="4491313" y="4098269"/>
-            <a:ext cx="2585867" cy="615553"/>
+            <a:off x="4645222" y="4080163"/>
+            <a:ext cx="2585867" cy="677108"/>
           </a:xfrm>
           <a:prstGeom prst="rect">
             <a:avLst/>
@@ -8189,13 +8224,18 @@
           <a:p>
             <a:pPr algn="ctr"/>
             <a:r>
-              <a:rPr lang="en-CA" sz="2000" b="1" dirty="0" smtClean="0">
+              <a:rPr lang="en-CA" sz="2400" b="1" dirty="0" smtClean="0">
                 <a:solidFill>
                   <a:schemeClr val="bg1"/>
                 </a:solidFill>
               </a:rPr>
               <a:t>PaaS</a:t>
             </a:r>
+            <a:endParaRPr lang="en-CA" sz="2000" b="1" dirty="0" smtClean="0">
+              <a:solidFill>
+                <a:schemeClr val="bg1"/>
+              </a:solidFill>
+            </a:endParaRPr>
           </a:p>
           <a:p>
             <a:pPr algn="ctr"/>
@@ -8223,8 +8263,8 @@
         </p:nvSpPr>
         <p:spPr>
           <a:xfrm>
-            <a:off x="4491313" y="5299693"/>
-            <a:ext cx="2585867" cy="615553"/>
+            <a:off x="4645222" y="5281587"/>
+            <a:ext cx="2585867" cy="677108"/>
           </a:xfrm>
           <a:prstGeom prst="rect">
             <a:avLst/>
@@ -8241,13 +8281,18 @@
           <a:p>
             <a:pPr algn="ctr"/>
             <a:r>
-              <a:rPr lang="en-CA" sz="2000" b="1" dirty="0" smtClean="0">
+              <a:rPr lang="en-CA" sz="2400" b="1" dirty="0" smtClean="0">
                 <a:solidFill>
                   <a:schemeClr val="bg1"/>
                 </a:solidFill>
               </a:rPr>
               <a:t>IaaS</a:t>
             </a:r>
+            <a:endParaRPr lang="en-CA" sz="2000" b="1" dirty="0" smtClean="0">
+              <a:solidFill>
+                <a:schemeClr val="bg1"/>
+              </a:solidFill>
+            </a:endParaRPr>
           </a:p>
           <a:p>
             <a:pPr algn="ctr"/>
@@ -8275,8 +8320,8 @@
         </p:nvSpPr>
         <p:spPr>
           <a:xfrm>
-            <a:off x="6139431" y="1636688"/>
-            <a:ext cx="3048483" cy="415498"/>
+            <a:off x="6293340" y="1562693"/>
+            <a:ext cx="3928022" cy="553998"/>
           </a:xfrm>
           <a:prstGeom prst="rect">
             <a:avLst/>
@@ -8295,10 +8340,18 @@
               </a:lnSpc>
             </a:pPr>
             <a:r>
-              <a:rPr lang="en-CA" sz="1400" dirty="0" smtClean="0"/>
-              <a:t>Least control and effort</a:t>
-            </a:r>
-            <a:endParaRPr lang="en-CA" sz="1400" dirty="0"/>
+              <a:rPr lang="en-CA" sz="2000" dirty="0" smtClean="0"/>
+              <a:t>Least control </a:t>
+            </a:r>
+            <a:r>
+              <a:rPr lang="en-CA" sz="2000" dirty="0" smtClean="0"/>
+              <a:t>/ </a:t>
+            </a:r>
+            <a:r>
+              <a:rPr lang="en-CA" sz="2000" dirty="0" smtClean="0"/>
+              <a:t>effort</a:t>
+            </a:r>
+            <a:endParaRPr lang="en-CA" sz="2000" dirty="0"/>
           </a:p>
         </p:txBody>
       </p:sp>
@@ -8310,8 +8363,8 @@
         </p:nvSpPr>
         <p:spPr>
           <a:xfrm>
-            <a:off x="8511976" y="5823414"/>
-            <a:ext cx="3252824" cy="415498"/>
+            <a:off x="8665885" y="5823414"/>
+            <a:ext cx="3252824" cy="553998"/>
           </a:xfrm>
           <a:prstGeom prst="rect">
             <a:avLst/>
@@ -8330,10 +8383,18 @@
               </a:lnSpc>
             </a:pPr>
             <a:r>
-              <a:rPr lang="en-CA" sz="1400" dirty="0" smtClean="0"/>
-              <a:t>Most control and effort</a:t>
-            </a:r>
-            <a:endParaRPr lang="en-CA" sz="1400" dirty="0"/>
+              <a:rPr lang="en-CA" sz="2000" dirty="0" smtClean="0"/>
+              <a:t>Most control </a:t>
+            </a:r>
+            <a:r>
+              <a:rPr lang="en-CA" sz="2000" dirty="0" smtClean="0"/>
+              <a:t>/ </a:t>
+            </a:r>
+            <a:r>
+              <a:rPr lang="en-CA" sz="2000" dirty="0" smtClean="0"/>
+              <a:t>effort</a:t>
+            </a:r>
+            <a:endParaRPr lang="en-CA" sz="2000" dirty="0"/>
           </a:p>
         </p:txBody>
       </p:sp>
@@ -8418,10 +8479,10 @@
           <a:lstStyle/>
           <a:p>
             <a:r>
-              <a:rPr lang="en-CA" dirty="0" smtClean="0"/>
+              <a:rPr lang="en-CA" sz="2800" dirty="0" smtClean="0"/>
               <a:t>GC Accelerators</a:t>
             </a:r>
-            <a:endParaRPr lang="en-CA" dirty="0"/>
+            <a:endParaRPr lang="en-CA" sz="2800" dirty="0"/>
           </a:p>
         </p:txBody>
       </p:sp>
@@ -8462,74 +8523,94 @@
         </p:nvSpPr>
         <p:spPr/>
         <p:txBody>
-          <a:bodyPr/>
+          <a:bodyPr>
+            <a:normAutofit/>
+          </a:bodyPr>
           <a:lstStyle/>
           <a:p>
             <a:pPr marL="285750" indent="-285750">
+              <a:lnSpc>
+                <a:spcPct val="150000"/>
+              </a:lnSpc>
               <a:buFont typeface="Arial" panose="020B0604020202020204" pitchFamily="34" charset="0"/>
               <a:buChar char="•"/>
             </a:pPr>
             <a:r>
-              <a:rPr lang="en-CA" dirty="0" smtClean="0"/>
-              <a:t>Open source templates for creating cloud services</a:t>
-            </a:r>
-            <a:br>
-              <a:rPr lang="en-CA" dirty="0" smtClean="0"/>
-            </a:br>
-            <a:endParaRPr lang="en-CA" dirty="0" smtClean="0"/>
+              <a:rPr lang="en-CA" sz="2400" dirty="0" smtClean="0"/>
+              <a:t>Open source templates for creating cloud </a:t>
+            </a:r>
+            <a:r>
+              <a:rPr lang="en-CA" sz="2400" dirty="0" smtClean="0"/>
+              <a:t>services</a:t>
+            </a:r>
+            <a:endParaRPr lang="en-CA" sz="2400" dirty="0" smtClean="0"/>
           </a:p>
           <a:p>
             <a:pPr marL="285750" indent="-285750">
+              <a:lnSpc>
+                <a:spcPct val="150000"/>
+              </a:lnSpc>
               <a:buFont typeface="Arial" panose="020B0604020202020204" pitchFamily="34" charset="0"/>
               <a:buChar char="•"/>
             </a:pPr>
             <a:r>
-              <a:rPr lang="en-CA" dirty="0" smtClean="0"/>
-              <a:t>TBS security and cloud guidelines baked-in</a:t>
-            </a:r>
-            <a:br>
-              <a:rPr lang="en-CA" dirty="0" smtClean="0"/>
-            </a:br>
-            <a:endParaRPr lang="en-CA" dirty="0" smtClean="0"/>
+              <a:rPr lang="en-CA" sz="2400" dirty="0" smtClean="0"/>
+              <a:t>TBS security and cloud guidelines </a:t>
+            </a:r>
+            <a:r>
+              <a:rPr lang="en-CA" sz="2400" dirty="0" smtClean="0"/>
+              <a:t>baked-in</a:t>
+            </a:r>
+            <a:endParaRPr lang="en-CA" sz="2400" dirty="0" smtClean="0"/>
           </a:p>
           <a:p>
             <a:pPr marL="285750" indent="-285750">
+              <a:lnSpc>
+                <a:spcPct val="150000"/>
+              </a:lnSpc>
               <a:buFont typeface="Arial" panose="020B0604020202020204" pitchFamily="34" charset="0"/>
               <a:buChar char="•"/>
             </a:pPr>
             <a:r>
-              <a:rPr lang="en-CA" dirty="0" smtClean="0"/>
-              <a:t>Avoids re-inventing the wheel </a:t>
-            </a:r>
-            <a:br>
-              <a:rPr lang="en-CA" dirty="0" smtClean="0"/>
-            </a:br>
-            <a:endParaRPr lang="en-CA" dirty="0" smtClean="0"/>
+              <a:rPr lang="en-CA" sz="2400" dirty="0" smtClean="0"/>
+              <a:t>Avoids re-inventing the </a:t>
+            </a:r>
+            <a:r>
+              <a:rPr lang="en-CA" sz="2400" dirty="0" smtClean="0"/>
+              <a:t>wheel</a:t>
+            </a:r>
+            <a:endParaRPr lang="en-CA" sz="2400" dirty="0" smtClean="0"/>
           </a:p>
           <a:p>
             <a:pPr marL="285750" indent="-285750">
+              <a:lnSpc>
+                <a:spcPct val="150000"/>
+              </a:lnSpc>
               <a:buFont typeface="Arial" panose="020B0604020202020204" pitchFamily="34" charset="0"/>
               <a:buChar char="•"/>
             </a:pPr>
             <a:r>
-              <a:rPr lang="en-CA" dirty="0"/>
-              <a:t>Foster collaboration amongst GC departments</a:t>
-            </a:r>
-            <a:br>
-              <a:rPr lang="en-CA" dirty="0"/>
-            </a:br>
-            <a:endParaRPr lang="en-CA" dirty="0"/>
+              <a:rPr lang="en-CA" sz="2400" dirty="0"/>
+              <a:t>Foster collaboration amongst GC </a:t>
+            </a:r>
+            <a:r>
+              <a:rPr lang="en-CA" sz="2400" dirty="0" smtClean="0"/>
+              <a:t>departments</a:t>
+            </a:r>
+            <a:endParaRPr lang="en-CA" sz="2400" dirty="0"/>
           </a:p>
           <a:p>
             <a:pPr marL="285750" indent="-285750">
+              <a:lnSpc>
+                <a:spcPct val="150000"/>
+              </a:lnSpc>
               <a:buFont typeface="Arial" panose="020B0604020202020204" pitchFamily="34" charset="0"/>
               <a:buChar char="•"/>
             </a:pPr>
             <a:r>
-              <a:rPr lang="en-CA"/>
+              <a:rPr lang="en-CA" sz="2400" dirty="0"/>
               <a:t>Developed with the CTO</a:t>
             </a:r>
-            <a:endParaRPr lang="en-CA" dirty="0"/>
           </a:p>
         </p:txBody>
       </p:sp>
@@ -8847,7 +8928,7 @@
           <a:lstStyle/>
           <a:p>
             <a:r>
-              <a:rPr lang="en-CA" dirty="0" smtClean="0"/>
+              <a:rPr lang="en-CA" sz="2800" dirty="0" smtClean="0"/>
               <a:t>Automation</a:t>
             </a:r>
             <a:endParaRPr lang="en-CA" dirty="0"/>
@@ -8900,44 +8981,59 @@
           <a:lstStyle/>
           <a:p>
             <a:pPr marL="285750" indent="-285750">
+              <a:lnSpc>
+                <a:spcPct val="150000"/>
+              </a:lnSpc>
               <a:buFont typeface="Arial" panose="020B0604020202020204" pitchFamily="34" charset="0"/>
               <a:buChar char="•"/>
             </a:pPr>
             <a:r>
-              <a:rPr lang="en-US" dirty="0" smtClean="0"/>
-              <a:t>Power of cloud is unlocked through automation</a:t>
-            </a:r>
-            <a:br>
-              <a:rPr lang="en-US" dirty="0" smtClean="0"/>
-            </a:br>
-            <a:endParaRPr lang="en-US" dirty="0" smtClean="0"/>
+              <a:rPr lang="en-US" sz="2400" dirty="0" smtClean="0"/>
+              <a:t>Power of cloud is unlocked through </a:t>
+            </a:r>
+            <a:r>
+              <a:rPr lang="en-US" sz="2400" dirty="0" smtClean="0"/>
+              <a:t>automation</a:t>
+            </a:r>
+            <a:endParaRPr lang="en-US" sz="2400" dirty="0" smtClean="0"/>
           </a:p>
           <a:p>
             <a:pPr marL="285750" indent="-285750">
+              <a:lnSpc>
+                <a:spcPct val="150000"/>
+              </a:lnSpc>
               <a:buFont typeface="Arial" panose="020B0604020202020204" pitchFamily="34" charset="0"/>
               <a:buChar char="•"/>
             </a:pPr>
             <a:r>
-              <a:rPr lang="en-CA" dirty="0" smtClean="0"/>
+              <a:rPr lang="en-CA" sz="2400" dirty="0" smtClean="0"/>
               <a:t>Allows you to express your </a:t>
             </a:r>
             <a:r>
-              <a:rPr lang="en-CA" b="1" dirty="0" smtClean="0"/>
-              <a:t>infrastructure as code</a:t>
-            </a:r>
-            <a:br>
-              <a:rPr lang="en-CA" b="1" dirty="0" smtClean="0"/>
-            </a:br>
-            <a:endParaRPr lang="en-CA" dirty="0" smtClean="0"/>
+              <a:rPr lang="en-CA" sz="2400" b="1" dirty="0" smtClean="0"/>
+              <a:t>infrastructure as </a:t>
+            </a:r>
+            <a:r>
+              <a:rPr lang="en-CA" sz="2400" b="1" dirty="0" smtClean="0"/>
+              <a:t>code</a:t>
+            </a:r>
+            <a:endParaRPr lang="en-CA" sz="2400" dirty="0" smtClean="0"/>
           </a:p>
           <a:p>
             <a:pPr marL="285750" indent="-285750">
+              <a:lnSpc>
+                <a:spcPct val="150000"/>
+              </a:lnSpc>
               <a:buFont typeface="Arial" panose="020B0604020202020204" pitchFamily="34" charset="0"/>
               <a:buChar char="•"/>
             </a:pPr>
             <a:r>
+              <a:rPr lang="en-CA" sz="2400" dirty="0" smtClean="0"/>
+              <a:t>Repeatable and fast creation of services</a:t>
+            </a:r>
+            <a:r>
               <a:rPr lang="en-CA" dirty="0" smtClean="0"/>
-              <a:t>Repeatable and fast creation of services</a:t>
+              <a:t/>
             </a:r>
             <a:br>
               <a:rPr lang="en-CA" dirty="0" smtClean="0"/>
@@ -9024,17 +9120,11 @@
 
 <file path=ppt/tags/tag1.xml><?xml version="1.0" encoding="utf-8"?>
 <p:tagLst xmlns:a="http://schemas.openxmlformats.org/drawingml/2006/main" xmlns:r="http://schemas.openxmlformats.org/officeDocument/2006/relationships" xmlns:p="http://schemas.openxmlformats.org/presentationml/2006/main">
-  <p:tag name="ENGAGE" val="{&quot;SavedSwatch&quot;:&quot;-16747630|-1615358|-5828210|-11231456|-12763591|Shared Services Canada&quot;,&quot;Id&quot;:&quot;5da891dc4331431c08f3962a&quot;,&quot;SmartGridHorizontal&quot;:0,&quot;LinkedExcelSources&quot;:{},&quot;LinkedProjectSources&quot;:{},&quot;FlowConfig&quot;:{&quot;Canvas&quot;:{&quot;Slide&quot;:-1,&quot;Width&quot;:0,&quot;Height&quot;:0},&quot;Timeline&quot;:{&quot;Actions&quot;:[]}},&quot;LinkedSlideMergeSources&quot;:{},&quot;LinkedSharePointSlideMergeSources&quot;:{}}"/>
+  <p:tag name="ENGAGE" val="{&quot;SavedSwatch&quot;:&quot;-16747630|-1615358|-5828210|-11231456|-12763591|Shared Services Canada&quot;,&quot;Id&quot;:&quot;5dada3b44331432bb0ae814d&quot;,&quot;SmartGridHorizontal&quot;:0,&quot;LinkedExcelSources&quot;:{},&quot;LinkedProjectSources&quot;:{},&quot;FlowConfig&quot;:{&quot;Canvas&quot;:{&quot;Slide&quot;:-1,&quot;Width&quot;:0,&quot;Height&quot;:0},&quot;Timeline&quot;:{&quot;Actions&quot;:[]}},&quot;LinkedSlideMergeSources&quot;:{},&quot;LinkedSharePointSlideMergeSources&quot;:{}}"/>
 </p:tagLst>
 </file>
 
 <file path=ppt/tags/tag10.xml><?xml version="1.0" encoding="utf-8"?>
-<p:tagLst xmlns:a="http://schemas.openxmlformats.org/drawingml/2006/main" xmlns:r="http://schemas.openxmlformats.org/officeDocument/2006/relationships" xmlns:p="http://schemas.openxmlformats.org/presentationml/2006/main">
-  <p:tag name="E_IMGDECORATIVE" val="1"/>
-</p:tagLst>
-</file>
-
-<file path=ppt/tags/tag11.xml><?xml version="1.0" encoding="utf-8"?>
 <p:tagLst xmlns:a="http://schemas.openxmlformats.org/drawingml/2006/main" xmlns:r="http://schemas.openxmlformats.org/officeDocument/2006/relationships" xmlns:p="http://schemas.openxmlformats.org/presentationml/2006/main">
   <p:tag name="E_IMGDECORATIVE" val=""/>
   <p:tag name="E_ALTTEXTCACHE" val=""/>
@@ -9089,8 +9179,7 @@
 
 <file path=ppt/tags/tag9.xml><?xml version="1.0" encoding="utf-8"?>
 <p:tagLst xmlns:a="http://schemas.openxmlformats.org/drawingml/2006/main" xmlns:r="http://schemas.openxmlformats.org/officeDocument/2006/relationships" xmlns:p="http://schemas.openxmlformats.org/presentationml/2006/main">
-  <p:tag name="E_IMGDECORATIVE" val=""/>
-  <p:tag name="E_ALTTEXTCACHE" val=""/>
+  <p:tag name="E_IMGDECORATIVE" val="1"/>
 </p:tagLst>
 </file>
 

--- a/presentations/digital-hour-cloud-automation.pptx
+++ b/presentations/digital-hour-cloud-automation.pptx
@@ -5,10 +5,10 @@
     <p:sldMasterId id="2147483648" r:id="rId1"/>
   </p:sldMasterIdLst>
   <p:notesMasterIdLst>
-    <p:notesMasterId r:id="rId15"/>
+    <p:notesMasterId r:id="rId18"/>
   </p:notesMasterIdLst>
   <p:handoutMasterIdLst>
-    <p:handoutMasterId r:id="rId16"/>
+    <p:handoutMasterId r:id="rId19"/>
   </p:handoutMasterIdLst>
   <p:sldIdLst>
     <p:sldId id="256" r:id="rId2"/>
@@ -20,15 +20,18 @@
     <p:sldId id="274" r:id="rId8"/>
     <p:sldId id="283" r:id="rId9"/>
     <p:sldId id="280" r:id="rId10"/>
-    <p:sldId id="284" r:id="rId11"/>
-    <p:sldId id="278" r:id="rId12"/>
-    <p:sldId id="282" r:id="rId13"/>
-    <p:sldId id="269" r:id="rId14"/>
+    <p:sldId id="285" r:id="rId11"/>
+    <p:sldId id="286" r:id="rId12"/>
+    <p:sldId id="284" r:id="rId13"/>
+    <p:sldId id="278" r:id="rId14"/>
+    <p:sldId id="287" r:id="rId15"/>
+    <p:sldId id="282" r:id="rId16"/>
+    <p:sldId id="269" r:id="rId17"/>
   </p:sldIdLst>
   <p:sldSz cx="12192000" cy="6858000"/>
   <p:notesSz cx="6858000" cy="9144000"/>
   <p:custDataLst>
-    <p:tags r:id="rId17"/>
+    <p:tags r:id="rId20"/>
   </p:custDataLst>
   <p:defaultTextStyle>
     <a:defPPr>
@@ -218,7 +221,7 @@
           <a:p>
             <a:fld id="{C432A8CA-5653-4CB8-AEEB-44430BC38506}" type="datetimeFigureOut">
               <a:rPr lang="en-CA" smtClean="0"/>
-              <a:t>2019-10-21</a:t>
+              <a:t>2019-10-28</a:t>
             </a:fld>
             <a:endParaRPr lang="en-CA"/>
           </a:p>
@@ -383,7 +386,7 @@
           <a:p>
             <a:fld id="{F54FB522-10CE-4B3C-92A1-9B8FCA0AFF13}" type="datetimeFigureOut">
               <a:rPr lang="en-CA" smtClean="0"/>
-              <a:t>2019-10-21</a:t>
+              <a:t>2019-10-28</a:t>
             </a:fld>
             <a:endParaRPr lang="en-CA"/>
           </a:p>
@@ -4095,6 +4098,4806 @@
 <file path=ppt/slides/slide10.xml><?xml version="1.0" encoding="utf-8"?>
 <p:sld xmlns:a="http://schemas.openxmlformats.org/drawingml/2006/main" xmlns:r="http://schemas.openxmlformats.org/officeDocument/2006/relationships" xmlns:p="http://schemas.openxmlformats.org/presentationml/2006/main">
   <p:cSld>
+    <p:spTree>
+      <p:nvGrpSpPr>
+        <p:cNvPr id="1" name=""/>
+        <p:cNvGrpSpPr/>
+        <p:nvPr/>
+      </p:nvGrpSpPr>
+      <p:grpSpPr>
+        <a:xfrm>
+          <a:off x="0" y="0"/>
+          <a:ext cx="0" cy="0"/>
+          <a:chOff x="0" y="0"/>
+          <a:chExt cx="0" cy="0"/>
+        </a:xfrm>
+      </p:grpSpPr>
+      <p:sp>
+        <p:nvSpPr>
+          <p:cNvPr id="2" name="Title 1"/>
+          <p:cNvSpPr>
+            <a:spLocks noGrp="1"/>
+          </p:cNvSpPr>
+          <p:nvPr>
+            <p:ph type="title"/>
+          </p:nvPr>
+        </p:nvSpPr>
+        <p:spPr/>
+        <p:txBody>
+          <a:bodyPr/>
+          <a:lstStyle/>
+          <a:p>
+            <a:r>
+              <a:rPr lang="en-CA" sz="2800" dirty="0" smtClean="0"/>
+              <a:t>Terraform</a:t>
+            </a:r>
+            <a:endParaRPr lang="en-CA" sz="2800" dirty="0"/>
+          </a:p>
+        </p:txBody>
+      </p:sp>
+      <p:pic>
+        <p:nvPicPr>
+          <p:cNvPr id="10" name="__EngageSlideDescription__" descr="slide description : High-level overview of how Terraform is used to create cloud resources."/>
+          <p:cNvPicPr>
+            <a:picLocks/>
+          </p:cNvPicPr>
+          <p:nvPr/>
+        </p:nvPicPr>
+        <p:blipFill>
+          <a:blip r:embed="rId3"/>
+          <a:stretch>
+            <a:fillRect/>
+          </a:stretch>
+        </p:blipFill>
+        <p:spPr>
+          <a:xfrm>
+            <a:off x="428400" y="785288"/>
+            <a:ext cx="12700" cy="12700"/>
+          </a:xfrm>
+          <a:prstGeom prst="rect">
+            <a:avLst/>
+          </a:prstGeom>
+          <a:ln/>
+        </p:spPr>
+      </p:pic>
+      <p:sp>
+        <p:nvSpPr>
+          <p:cNvPr id="3" name="Content Placeholder 2"/>
+          <p:cNvSpPr>
+            <a:spLocks noGrp="1"/>
+          </p:cNvSpPr>
+          <p:nvPr>
+            <p:ph idx="1"/>
+          </p:nvPr>
+        </p:nvSpPr>
+        <p:spPr/>
+        <p:txBody>
+          <a:bodyPr/>
+          <a:lstStyle/>
+          <a:p>
+            <a:pPr marL="285750" indent="-285750">
+              <a:buFont typeface="Arial" panose="020B0604020202020204" pitchFamily="34" charset="0"/>
+              <a:buChar char="•"/>
+            </a:pPr>
+            <a:r>
+              <a:rPr lang="en-US" sz="2400" dirty="0" smtClean="0"/>
+              <a:t>Create cloud resources like virtual machines and storage</a:t>
+            </a:r>
+            <a:endParaRPr lang="en-CA" sz="2400" dirty="0"/>
+          </a:p>
+          <a:p>
+            <a:pPr marL="285750" indent="-285750">
+              <a:buFont typeface="Arial" panose="020B0604020202020204" pitchFamily="34" charset="0"/>
+              <a:buChar char="•"/>
+            </a:pPr>
+            <a:endParaRPr lang="en-CA" dirty="0" smtClean="0"/>
+          </a:p>
+          <a:p>
+            <a:pPr marL="285750" indent="-285750">
+              <a:buFont typeface="Arial" panose="020B0604020202020204" pitchFamily="34" charset="0"/>
+              <a:buChar char="•"/>
+            </a:pPr>
+            <a:endParaRPr lang="en-CA" dirty="0"/>
+          </a:p>
+          <a:p>
+            <a:pPr marL="285750" indent="-285750">
+              <a:buFont typeface="Arial" panose="020B0604020202020204" pitchFamily="34" charset="0"/>
+              <a:buChar char="•"/>
+            </a:pPr>
+            <a:endParaRPr lang="en-CA" dirty="0"/>
+          </a:p>
+        </p:txBody>
+      </p:sp>
+      <p:sp>
+        <p:nvSpPr>
+          <p:cNvPr id="43" name="TextBox 42"/>
+          <p:cNvSpPr txBox="1"/>
+          <p:nvPr/>
+        </p:nvSpPr>
+        <p:spPr>
+          <a:xfrm>
+            <a:off x="362820" y="4558354"/>
+            <a:ext cx="1637933" cy="400110"/>
+          </a:xfrm>
+          <a:prstGeom prst="rect">
+            <a:avLst/>
+          </a:prstGeom>
+          <a:noFill/>
+        </p:spPr>
+        <p:txBody>
+          <a:bodyPr wrap="square" rtlCol="0">
+            <a:spAutoFit/>
+          </a:bodyPr>
+          <a:lstStyle/>
+          <a:p>
+            <a:pPr algn="ctr"/>
+            <a:r>
+              <a:rPr lang="en-CA" sz="2000" dirty="0" smtClean="0"/>
+              <a:t>Terraform</a:t>
+            </a:r>
+            <a:endParaRPr lang="en-CA" sz="2000" dirty="0"/>
+          </a:p>
+        </p:txBody>
+      </p:sp>
+      <p:sp>
+        <p:nvSpPr>
+          <p:cNvPr id="49" name="TextBox 48"/>
+          <p:cNvSpPr txBox="1"/>
+          <p:nvPr/>
+        </p:nvSpPr>
+        <p:spPr>
+          <a:xfrm>
+            <a:off x="3243598" y="4558354"/>
+            <a:ext cx="1637933" cy="400110"/>
+          </a:xfrm>
+          <a:prstGeom prst="rect">
+            <a:avLst/>
+          </a:prstGeom>
+          <a:noFill/>
+        </p:spPr>
+        <p:txBody>
+          <a:bodyPr wrap="square" rtlCol="0">
+            <a:spAutoFit/>
+          </a:bodyPr>
+          <a:lstStyle/>
+          <a:p>
+            <a:pPr algn="ctr"/>
+            <a:r>
+              <a:rPr lang="en-CA" sz="2000" dirty="0" smtClean="0"/>
+              <a:t>Build</a:t>
+            </a:r>
+            <a:endParaRPr lang="en-CA" sz="2000" dirty="0"/>
+          </a:p>
+        </p:txBody>
+      </p:sp>
+      <p:sp>
+        <p:nvSpPr>
+          <p:cNvPr id="44" name="TextBox 43"/>
+          <p:cNvSpPr txBox="1"/>
+          <p:nvPr/>
+        </p:nvSpPr>
+        <p:spPr>
+          <a:xfrm>
+            <a:off x="6062977" y="5654042"/>
+            <a:ext cx="2175249" cy="400110"/>
+          </a:xfrm>
+          <a:prstGeom prst="rect">
+            <a:avLst/>
+          </a:prstGeom>
+          <a:noFill/>
+        </p:spPr>
+        <p:txBody>
+          <a:bodyPr wrap="square" rtlCol="0">
+            <a:spAutoFit/>
+          </a:bodyPr>
+          <a:lstStyle/>
+          <a:p>
+            <a:pPr algn="ctr"/>
+            <a:r>
+              <a:rPr lang="en-CA" sz="2000" dirty="0" smtClean="0"/>
+              <a:t>Cloud providers</a:t>
+            </a:r>
+            <a:endParaRPr lang="en-CA" sz="2000" dirty="0"/>
+          </a:p>
+        </p:txBody>
+      </p:sp>
+      <p:sp>
+        <p:nvSpPr>
+          <p:cNvPr id="54" name="TextBox 53"/>
+          <p:cNvSpPr txBox="1"/>
+          <p:nvPr/>
+        </p:nvSpPr>
+        <p:spPr>
+          <a:xfrm>
+            <a:off x="9430480" y="5654043"/>
+            <a:ext cx="2175249" cy="400110"/>
+          </a:xfrm>
+          <a:prstGeom prst="rect">
+            <a:avLst/>
+          </a:prstGeom>
+          <a:noFill/>
+        </p:spPr>
+        <p:txBody>
+          <a:bodyPr wrap="square" rtlCol="0">
+            <a:spAutoFit/>
+          </a:bodyPr>
+          <a:lstStyle/>
+          <a:p>
+            <a:pPr algn="ctr"/>
+            <a:r>
+              <a:rPr lang="en-CA" sz="2000" dirty="0" smtClean="0"/>
+              <a:t>Cloud resources</a:t>
+            </a:r>
+            <a:endParaRPr lang="en-CA" sz="2000" dirty="0"/>
+          </a:p>
+        </p:txBody>
+      </p:sp>
+      <p:grpSp>
+        <p:nvGrpSpPr>
+          <p:cNvPr id="22" name="Group 21" descr="The Terraform flow.  First, the Terraform configuration is created.   Then the changes are planned and applied by Terraform to one or more cloud service providers.  This causes cloud resources to be provisioned, or created, on the cloud service provider."/>
+          <p:cNvGrpSpPr/>
+          <p:nvPr>
+            <p:custDataLst>
+              <p:tags r:id="rId1"/>
+            </p:custDataLst>
+          </p:nvPr>
+        </p:nvGrpSpPr>
+        <p:grpSpPr>
+          <a:xfrm>
+            <a:off x="556499" y="2471069"/>
+            <a:ext cx="11063831" cy="3207211"/>
+            <a:chOff x="556499" y="2471069"/>
+            <a:chExt cx="11063831" cy="3207211"/>
+          </a:xfrm>
+        </p:grpSpPr>
+        <p:grpSp>
+          <p:nvGrpSpPr>
+            <p:cNvPr id="15" name="Group 14"/>
+            <p:cNvGrpSpPr/>
+            <p:nvPr/>
+          </p:nvGrpSpPr>
+          <p:grpSpPr>
+            <a:xfrm>
+              <a:off x="556499" y="3533310"/>
+              <a:ext cx="1250576" cy="973152"/>
+              <a:chOff x="2729753" y="4146437"/>
+              <a:chExt cx="968188" cy="753408"/>
+            </a:xfrm>
+          </p:grpSpPr>
+          <p:sp>
+            <p:nvSpPr>
+              <p:cNvPr id="7" name="Rectangle 6"/>
+              <p:cNvSpPr/>
+              <p:nvPr/>
+            </p:nvSpPr>
+            <p:spPr>
+              <a:xfrm>
+                <a:off x="2729753" y="4277488"/>
+                <a:ext cx="968188" cy="622357"/>
+              </a:xfrm>
+              <a:prstGeom prst="rect">
+                <a:avLst/>
+              </a:prstGeom>
+              <a:solidFill>
+                <a:schemeClr val="bg2">
+                  <a:lumMod val="25000"/>
+                </a:schemeClr>
+              </a:solidFill>
+              <a:ln>
+                <a:noFill/>
+              </a:ln>
+            </p:spPr>
+            <p:style>
+              <a:lnRef idx="2">
+                <a:schemeClr val="accent1">
+                  <a:shade val="50000"/>
+                </a:schemeClr>
+              </a:lnRef>
+              <a:fillRef idx="1">
+                <a:schemeClr val="accent1"/>
+              </a:fillRef>
+              <a:effectRef idx="0">
+                <a:schemeClr val="accent1"/>
+              </a:effectRef>
+              <a:fontRef idx="minor">
+                <a:schemeClr val="lt1"/>
+              </a:fontRef>
+            </p:style>
+            <p:txBody>
+              <a:bodyPr rtlCol="0" anchor="ctr"/>
+              <a:lstStyle/>
+              <a:p>
+                <a:pPr algn="ctr"/>
+                <a:endParaRPr lang="en-CA"/>
+              </a:p>
+            </p:txBody>
+          </p:sp>
+          <p:sp>
+            <p:nvSpPr>
+              <p:cNvPr id="8" name="Rectangle 7"/>
+              <p:cNvSpPr/>
+              <p:nvPr/>
+            </p:nvSpPr>
+            <p:spPr>
+              <a:xfrm>
+                <a:off x="2729753" y="4146437"/>
+                <a:ext cx="968188" cy="157670"/>
+              </a:xfrm>
+              <a:prstGeom prst="rect">
+                <a:avLst/>
+              </a:prstGeom>
+              <a:solidFill>
+                <a:srgbClr val="621E75"/>
+              </a:solidFill>
+              <a:ln>
+                <a:noFill/>
+              </a:ln>
+            </p:spPr>
+            <p:style>
+              <a:lnRef idx="2">
+                <a:schemeClr val="accent1">
+                  <a:shade val="50000"/>
+                </a:schemeClr>
+              </a:lnRef>
+              <a:fillRef idx="1">
+                <a:schemeClr val="accent1"/>
+              </a:fillRef>
+              <a:effectRef idx="0">
+                <a:schemeClr val="accent1"/>
+              </a:effectRef>
+              <a:fontRef idx="minor">
+                <a:schemeClr val="lt1"/>
+              </a:fontRef>
+            </p:style>
+            <p:txBody>
+              <a:bodyPr rtlCol="0" anchor="ctr"/>
+              <a:lstStyle/>
+              <a:p>
+                <a:pPr algn="ctr"/>
+                <a:endParaRPr lang="en-CA"/>
+              </a:p>
+            </p:txBody>
+          </p:sp>
+          <p:sp>
+            <p:nvSpPr>
+              <p:cNvPr id="9" name="Freeform 8"/>
+              <p:cNvSpPr>
+                <a:spLocks/>
+              </p:cNvSpPr>
+              <p:nvPr/>
+            </p:nvSpPr>
+            <p:spPr bwMode="auto">
+              <a:xfrm>
+                <a:off x="2838721" y="4457616"/>
+                <a:ext cx="153316" cy="262099"/>
+              </a:xfrm>
+              <a:custGeom>
+                <a:avLst/>
+                <a:gdLst>
+                  <a:gd name="T0" fmla="*/ 137 w 140"/>
+                  <a:gd name="T1" fmla="*/ 126 h 240"/>
+                  <a:gd name="T2" fmla="*/ 25 w 140"/>
+                  <a:gd name="T3" fmla="*/ 238 h 240"/>
+                  <a:gd name="T4" fmla="*/ 20 w 140"/>
+                  <a:gd name="T5" fmla="*/ 240 h 240"/>
+                  <a:gd name="T6" fmla="*/ 14 w 140"/>
+                  <a:gd name="T7" fmla="*/ 238 h 240"/>
+                  <a:gd name="T8" fmla="*/ 2 w 140"/>
+                  <a:gd name="T9" fmla="*/ 226 h 240"/>
+                  <a:gd name="T10" fmla="*/ 0 w 140"/>
+                  <a:gd name="T11" fmla="*/ 220 h 240"/>
+                  <a:gd name="T12" fmla="*/ 2 w 140"/>
+                  <a:gd name="T13" fmla="*/ 215 h 240"/>
+                  <a:gd name="T14" fmla="*/ 97 w 140"/>
+                  <a:gd name="T15" fmla="*/ 120 h 240"/>
+                  <a:gd name="T16" fmla="*/ 2 w 140"/>
+                  <a:gd name="T17" fmla="*/ 26 h 240"/>
+                  <a:gd name="T18" fmla="*/ 0 w 140"/>
+                  <a:gd name="T19" fmla="*/ 20 h 240"/>
+                  <a:gd name="T20" fmla="*/ 2 w 140"/>
+                  <a:gd name="T21" fmla="*/ 15 h 240"/>
+                  <a:gd name="T22" fmla="*/ 14 w 140"/>
+                  <a:gd name="T23" fmla="*/ 3 h 240"/>
+                  <a:gd name="T24" fmla="*/ 20 w 140"/>
+                  <a:gd name="T25" fmla="*/ 0 h 240"/>
+                  <a:gd name="T26" fmla="*/ 25 w 140"/>
+                  <a:gd name="T27" fmla="*/ 3 h 240"/>
+                  <a:gd name="T28" fmla="*/ 137 w 140"/>
+                  <a:gd name="T29" fmla="*/ 115 h 240"/>
+                  <a:gd name="T30" fmla="*/ 140 w 140"/>
+                  <a:gd name="T31" fmla="*/ 120 h 240"/>
+                  <a:gd name="T32" fmla="*/ 137 w 140"/>
+                  <a:gd name="T33" fmla="*/ 126 h 240"/>
+                </a:gdLst>
+                <a:ahLst/>
+                <a:cxnLst>
+                  <a:cxn ang="0">
+                    <a:pos x="T0" y="T1"/>
+                  </a:cxn>
+                  <a:cxn ang="0">
+                    <a:pos x="T2" y="T3"/>
+                  </a:cxn>
+                  <a:cxn ang="0">
+                    <a:pos x="T4" y="T5"/>
+                  </a:cxn>
+                  <a:cxn ang="0">
+                    <a:pos x="T6" y="T7"/>
+                  </a:cxn>
+                  <a:cxn ang="0">
+                    <a:pos x="T8" y="T9"/>
+                  </a:cxn>
+                  <a:cxn ang="0">
+                    <a:pos x="T10" y="T11"/>
+                  </a:cxn>
+                  <a:cxn ang="0">
+                    <a:pos x="T12" y="T13"/>
+                  </a:cxn>
+                  <a:cxn ang="0">
+                    <a:pos x="T14" y="T15"/>
+                  </a:cxn>
+                  <a:cxn ang="0">
+                    <a:pos x="T16" y="T17"/>
+                  </a:cxn>
+                  <a:cxn ang="0">
+                    <a:pos x="T18" y="T19"/>
+                  </a:cxn>
+                  <a:cxn ang="0">
+                    <a:pos x="T20" y="T21"/>
+                  </a:cxn>
+                  <a:cxn ang="0">
+                    <a:pos x="T22" y="T23"/>
+                  </a:cxn>
+                  <a:cxn ang="0">
+                    <a:pos x="T24" y="T25"/>
+                  </a:cxn>
+                  <a:cxn ang="0">
+                    <a:pos x="T26" y="T27"/>
+                  </a:cxn>
+                  <a:cxn ang="0">
+                    <a:pos x="T28" y="T29"/>
+                  </a:cxn>
+                  <a:cxn ang="0">
+                    <a:pos x="T30" y="T31"/>
+                  </a:cxn>
+                  <a:cxn ang="0">
+                    <a:pos x="T32" y="T33"/>
+                  </a:cxn>
+                </a:cxnLst>
+                <a:rect l="0" t="0" r="r" b="b"/>
+                <a:pathLst>
+                  <a:path w="140" h="240">
+                    <a:moveTo>
+                      <a:pt x="137" y="126"/>
+                    </a:moveTo>
+                    <a:cubicBezTo>
+                      <a:pt x="25" y="238"/>
+                      <a:pt x="25" y="238"/>
+                      <a:pt x="25" y="238"/>
+                    </a:cubicBezTo>
+                    <a:cubicBezTo>
+                      <a:pt x="24" y="239"/>
+                      <a:pt x="22" y="240"/>
+                      <a:pt x="20" y="240"/>
+                    </a:cubicBezTo>
+                    <a:cubicBezTo>
+                      <a:pt x="18" y="240"/>
+                      <a:pt x="15" y="239"/>
+                      <a:pt x="14" y="238"/>
+                    </a:cubicBezTo>
+                    <a:cubicBezTo>
+                      <a:pt x="2" y="226"/>
+                      <a:pt x="2" y="226"/>
+                      <a:pt x="2" y="226"/>
+                    </a:cubicBezTo>
+                    <a:cubicBezTo>
+                      <a:pt x="1" y="225"/>
+                      <a:pt x="0" y="223"/>
+                      <a:pt x="0" y="220"/>
+                    </a:cubicBezTo>
+                    <a:cubicBezTo>
+                      <a:pt x="0" y="219"/>
+                      <a:pt x="1" y="216"/>
+                      <a:pt x="2" y="215"/>
+                    </a:cubicBezTo>
+                    <a:cubicBezTo>
+                      <a:pt x="97" y="120"/>
+                      <a:pt x="97" y="120"/>
+                      <a:pt x="97" y="120"/>
+                    </a:cubicBezTo>
+                    <a:cubicBezTo>
+                      <a:pt x="2" y="26"/>
+                      <a:pt x="2" y="26"/>
+                      <a:pt x="2" y="26"/>
+                    </a:cubicBezTo>
+                    <a:cubicBezTo>
+                      <a:pt x="1" y="24"/>
+                      <a:pt x="0" y="22"/>
+                      <a:pt x="0" y="20"/>
+                    </a:cubicBezTo>
+                    <a:cubicBezTo>
+                      <a:pt x="0" y="18"/>
+                      <a:pt x="1" y="16"/>
+                      <a:pt x="2" y="15"/>
+                    </a:cubicBezTo>
+                    <a:cubicBezTo>
+                      <a:pt x="14" y="3"/>
+                      <a:pt x="14" y="3"/>
+                      <a:pt x="14" y="3"/>
+                    </a:cubicBezTo>
+                    <a:cubicBezTo>
+                      <a:pt x="15" y="1"/>
+                      <a:pt x="18" y="0"/>
+                      <a:pt x="20" y="0"/>
+                    </a:cubicBezTo>
+                    <a:cubicBezTo>
+                      <a:pt x="22" y="0"/>
+                      <a:pt x="24" y="1"/>
+                      <a:pt x="25" y="3"/>
+                    </a:cubicBezTo>
+                    <a:cubicBezTo>
+                      <a:pt x="137" y="115"/>
+                      <a:pt x="137" y="115"/>
+                      <a:pt x="137" y="115"/>
+                    </a:cubicBezTo>
+                    <a:cubicBezTo>
+                      <a:pt x="139" y="116"/>
+                      <a:pt x="140" y="118"/>
+                      <a:pt x="140" y="120"/>
+                    </a:cubicBezTo>
+                    <a:cubicBezTo>
+                      <a:pt x="140" y="122"/>
+                      <a:pt x="139" y="125"/>
+                      <a:pt x="137" y="126"/>
+                    </a:cubicBezTo>
+                    <a:close/>
+                  </a:path>
+                </a:pathLst>
+              </a:custGeom>
+              <a:solidFill>
+                <a:schemeClr val="bg1"/>
+              </a:solidFill>
+              <a:ln>
+                <a:noFill/>
+              </a:ln>
+            </p:spPr>
+            <p:txBody>
+              <a:bodyPr vert="horz" wrap="square" lIns="91440" tIns="45720" rIns="91440" bIns="45720" numCol="1" anchor="t" anchorCtr="0" compatLnSpc="1">
+                <a:prstTxWarp prst="textNoShape">
+                  <a:avLst/>
+                </a:prstTxWarp>
+              </a:bodyPr>
+              <a:lstStyle>
+                <a:defPPr>
+                  <a:defRPr lang="en-US"/>
+                </a:defPPr>
+                <a:lvl1pPr marL="0" algn="l" defTabSz="914400" rtl="0" eaLnBrk="1" latinLnBrk="0" hangingPunct="1">
+                  <a:defRPr sz="1800" kern="1200">
+                    <a:solidFill>
+                      <a:schemeClr val="tx1"/>
+                    </a:solidFill>
+                    <a:latin typeface="+mn-lt"/>
+                    <a:ea typeface="+mn-ea"/>
+                    <a:cs typeface="+mn-cs"/>
+                  </a:defRPr>
+                </a:lvl1pPr>
+                <a:lvl2pPr marL="457200" algn="l" defTabSz="914400" rtl="0" eaLnBrk="1" latinLnBrk="0" hangingPunct="1">
+                  <a:defRPr sz="1800" kern="1200">
+                    <a:solidFill>
+                      <a:schemeClr val="tx1"/>
+                    </a:solidFill>
+                    <a:latin typeface="+mn-lt"/>
+                    <a:ea typeface="+mn-ea"/>
+                    <a:cs typeface="+mn-cs"/>
+                  </a:defRPr>
+                </a:lvl2pPr>
+                <a:lvl3pPr marL="914400" algn="l" defTabSz="914400" rtl="0" eaLnBrk="1" latinLnBrk="0" hangingPunct="1">
+                  <a:defRPr sz="1800" kern="1200">
+                    <a:solidFill>
+                      <a:schemeClr val="tx1"/>
+                    </a:solidFill>
+                    <a:latin typeface="+mn-lt"/>
+                    <a:ea typeface="+mn-ea"/>
+                    <a:cs typeface="+mn-cs"/>
+                  </a:defRPr>
+                </a:lvl3pPr>
+                <a:lvl4pPr marL="1371600" algn="l" defTabSz="914400" rtl="0" eaLnBrk="1" latinLnBrk="0" hangingPunct="1">
+                  <a:defRPr sz="1800" kern="1200">
+                    <a:solidFill>
+                      <a:schemeClr val="tx1"/>
+                    </a:solidFill>
+                    <a:latin typeface="+mn-lt"/>
+                    <a:ea typeface="+mn-ea"/>
+                    <a:cs typeface="+mn-cs"/>
+                  </a:defRPr>
+                </a:lvl4pPr>
+                <a:lvl5pPr marL="1828800" algn="l" defTabSz="914400" rtl="0" eaLnBrk="1" latinLnBrk="0" hangingPunct="1">
+                  <a:defRPr sz="1800" kern="1200">
+                    <a:solidFill>
+                      <a:schemeClr val="tx1"/>
+                    </a:solidFill>
+                    <a:latin typeface="+mn-lt"/>
+                    <a:ea typeface="+mn-ea"/>
+                    <a:cs typeface="+mn-cs"/>
+                  </a:defRPr>
+                </a:lvl5pPr>
+                <a:lvl6pPr marL="2286000" algn="l" defTabSz="914400" rtl="0" eaLnBrk="1" latinLnBrk="0" hangingPunct="1">
+                  <a:defRPr sz="1800" kern="1200">
+                    <a:solidFill>
+                      <a:schemeClr val="tx1"/>
+                    </a:solidFill>
+                    <a:latin typeface="+mn-lt"/>
+                    <a:ea typeface="+mn-ea"/>
+                    <a:cs typeface="+mn-cs"/>
+                  </a:defRPr>
+                </a:lvl6pPr>
+                <a:lvl7pPr marL="2743200" algn="l" defTabSz="914400" rtl="0" eaLnBrk="1" latinLnBrk="0" hangingPunct="1">
+                  <a:defRPr sz="1800" kern="1200">
+                    <a:solidFill>
+                      <a:schemeClr val="tx1"/>
+                    </a:solidFill>
+                    <a:latin typeface="+mn-lt"/>
+                    <a:ea typeface="+mn-ea"/>
+                    <a:cs typeface="+mn-cs"/>
+                  </a:defRPr>
+                </a:lvl7pPr>
+                <a:lvl8pPr marL="3200400" algn="l" defTabSz="914400" rtl="0" eaLnBrk="1" latinLnBrk="0" hangingPunct="1">
+                  <a:defRPr sz="1800" kern="1200">
+                    <a:solidFill>
+                      <a:schemeClr val="tx1"/>
+                    </a:solidFill>
+                    <a:latin typeface="+mn-lt"/>
+                    <a:ea typeface="+mn-ea"/>
+                    <a:cs typeface="+mn-cs"/>
+                  </a:defRPr>
+                </a:lvl8pPr>
+                <a:lvl9pPr marL="3657600" algn="l" defTabSz="914400" rtl="0" eaLnBrk="1" latinLnBrk="0" hangingPunct="1">
+                  <a:defRPr sz="1800" kern="1200">
+                    <a:solidFill>
+                      <a:schemeClr val="tx1"/>
+                    </a:solidFill>
+                    <a:latin typeface="+mn-lt"/>
+                    <a:ea typeface="+mn-ea"/>
+                    <a:cs typeface="+mn-cs"/>
+                  </a:defRPr>
+                </a:lvl9pPr>
+              </a:lstStyle>
+              <a:p>
+                <a:endParaRPr lang="en-CA"/>
+              </a:p>
+            </p:txBody>
+          </p:sp>
+          <p:cxnSp>
+            <p:nvCxnSpPr>
+              <p:cNvPr id="11" name="Straight Connector 10"/>
+              <p:cNvCxnSpPr/>
+              <p:nvPr/>
+            </p:nvCxnSpPr>
+            <p:spPr>
+              <a:xfrm>
+                <a:off x="3067050" y="4457616"/>
+                <a:ext cx="495300" cy="0"/>
+              </a:xfrm>
+              <a:prstGeom prst="line">
+                <a:avLst/>
+              </a:prstGeom>
+              <a:ln w="34925" cap="rnd">
+                <a:solidFill>
+                  <a:schemeClr val="bg1">
+                    <a:lumMod val="75000"/>
+                  </a:schemeClr>
+                </a:solidFill>
+              </a:ln>
+            </p:spPr>
+            <p:style>
+              <a:lnRef idx="1">
+                <a:schemeClr val="accent1"/>
+              </a:lnRef>
+              <a:fillRef idx="0">
+                <a:schemeClr val="accent1"/>
+              </a:fillRef>
+              <a:effectRef idx="0">
+                <a:schemeClr val="accent1"/>
+              </a:effectRef>
+              <a:fontRef idx="minor">
+                <a:schemeClr val="tx1"/>
+              </a:fontRef>
+            </p:style>
+          </p:cxnSp>
+          <p:cxnSp>
+            <p:nvCxnSpPr>
+              <p:cNvPr id="12" name="Straight Connector 11"/>
+              <p:cNvCxnSpPr/>
+              <p:nvPr/>
+            </p:nvCxnSpPr>
+            <p:spPr>
+              <a:xfrm>
+                <a:off x="3067050" y="4588665"/>
+                <a:ext cx="495300" cy="0"/>
+              </a:xfrm>
+              <a:prstGeom prst="line">
+                <a:avLst/>
+              </a:prstGeom>
+              <a:ln w="34925" cap="rnd">
+                <a:solidFill>
+                  <a:schemeClr val="bg1">
+                    <a:lumMod val="75000"/>
+                  </a:schemeClr>
+                </a:solidFill>
+              </a:ln>
+            </p:spPr>
+            <p:style>
+              <a:lnRef idx="1">
+                <a:schemeClr val="accent1"/>
+              </a:lnRef>
+              <a:fillRef idx="0">
+                <a:schemeClr val="accent1"/>
+              </a:fillRef>
+              <a:effectRef idx="0">
+                <a:schemeClr val="accent1"/>
+              </a:effectRef>
+              <a:fontRef idx="minor">
+                <a:schemeClr val="tx1"/>
+              </a:fontRef>
+            </p:style>
+          </p:cxnSp>
+          <p:cxnSp>
+            <p:nvCxnSpPr>
+              <p:cNvPr id="13" name="Straight Connector 12"/>
+              <p:cNvCxnSpPr/>
+              <p:nvPr/>
+            </p:nvCxnSpPr>
+            <p:spPr>
+              <a:xfrm>
+                <a:off x="3067050" y="4723680"/>
+                <a:ext cx="311150" cy="0"/>
+              </a:xfrm>
+              <a:prstGeom prst="line">
+                <a:avLst/>
+              </a:prstGeom>
+              <a:ln w="34925" cap="rnd">
+                <a:solidFill>
+                  <a:schemeClr val="bg1">
+                    <a:lumMod val="75000"/>
+                  </a:schemeClr>
+                </a:solidFill>
+              </a:ln>
+            </p:spPr>
+            <p:style>
+              <a:lnRef idx="1">
+                <a:schemeClr val="accent1"/>
+              </a:lnRef>
+              <a:fillRef idx="0">
+                <a:schemeClr val="accent1"/>
+              </a:fillRef>
+              <a:effectRef idx="0">
+                <a:schemeClr val="accent1"/>
+              </a:effectRef>
+              <a:fontRef idx="minor">
+                <a:schemeClr val="tx1"/>
+              </a:fontRef>
+            </p:style>
+          </p:cxnSp>
+        </p:grpSp>
+        <p:grpSp>
+          <p:nvGrpSpPr>
+            <p:cNvPr id="23" name="Group 22"/>
+            <p:cNvGrpSpPr/>
+            <p:nvPr/>
+          </p:nvGrpSpPr>
+          <p:grpSpPr>
+            <a:xfrm>
+              <a:off x="3448183" y="3531940"/>
+              <a:ext cx="1228766" cy="974522"/>
+              <a:chOff x="4523947" y="4056374"/>
+              <a:chExt cx="1228766" cy="974522"/>
+            </a:xfrm>
+          </p:grpSpPr>
+          <p:sp>
+            <p:nvSpPr>
+              <p:cNvPr id="16" name="Rectangle 15"/>
+              <p:cNvSpPr/>
+              <p:nvPr/>
+            </p:nvSpPr>
+            <p:spPr>
+              <a:xfrm>
+                <a:off x="4523948" y="4056374"/>
+                <a:ext cx="1228765" cy="442228"/>
+              </a:xfrm>
+              <a:prstGeom prst="rect">
+                <a:avLst/>
+              </a:prstGeom>
+              <a:gradFill>
+                <a:gsLst>
+                  <a:gs pos="0">
+                    <a:srgbClr val="201B7B"/>
+                  </a:gs>
+                  <a:gs pos="100000">
+                    <a:srgbClr val="631E75"/>
+                  </a:gs>
+                </a:gsLst>
+                <a:lin ang="0" scaled="0"/>
+              </a:gradFill>
+              <a:ln>
+                <a:noFill/>
+              </a:ln>
+            </p:spPr>
+            <p:style>
+              <a:lnRef idx="2">
+                <a:schemeClr val="accent1">
+                  <a:shade val="50000"/>
+                </a:schemeClr>
+              </a:lnRef>
+              <a:fillRef idx="1">
+                <a:schemeClr val="accent1"/>
+              </a:fillRef>
+              <a:effectRef idx="0">
+                <a:schemeClr val="accent1"/>
+              </a:effectRef>
+              <a:fontRef idx="minor">
+                <a:schemeClr val="lt1"/>
+              </a:fontRef>
+            </p:style>
+            <p:txBody>
+              <a:bodyPr rtlCol="0" anchor="ctr"/>
+              <a:lstStyle/>
+              <a:p>
+                <a:pPr algn="ctr"/>
+                <a:r>
+                  <a:rPr lang="en-CA" b="1" dirty="0" smtClean="0"/>
+                  <a:t>PLAN</a:t>
+                </a:r>
+                <a:endParaRPr lang="en-CA" b="1" dirty="0"/>
+              </a:p>
+            </p:txBody>
+          </p:sp>
+          <p:sp>
+            <p:nvSpPr>
+              <p:cNvPr id="17" name="Rectangle 16"/>
+              <p:cNvSpPr/>
+              <p:nvPr/>
+            </p:nvSpPr>
+            <p:spPr>
+              <a:xfrm>
+                <a:off x="4523947" y="4588668"/>
+                <a:ext cx="1228765" cy="442228"/>
+              </a:xfrm>
+              <a:prstGeom prst="rect">
+                <a:avLst/>
+              </a:prstGeom>
+              <a:gradFill>
+                <a:gsLst>
+                  <a:gs pos="0">
+                    <a:srgbClr val="201B7B"/>
+                  </a:gs>
+                  <a:gs pos="100000">
+                    <a:srgbClr val="631E75"/>
+                  </a:gs>
+                </a:gsLst>
+                <a:lin ang="0" scaled="0"/>
+              </a:gradFill>
+              <a:ln>
+                <a:noFill/>
+              </a:ln>
+            </p:spPr>
+            <p:style>
+              <a:lnRef idx="2">
+                <a:schemeClr val="accent1">
+                  <a:shade val="50000"/>
+                </a:schemeClr>
+              </a:lnRef>
+              <a:fillRef idx="1">
+                <a:schemeClr val="accent1"/>
+              </a:fillRef>
+              <a:effectRef idx="0">
+                <a:schemeClr val="accent1"/>
+              </a:effectRef>
+              <a:fontRef idx="minor">
+                <a:schemeClr val="lt1"/>
+              </a:fontRef>
+            </p:style>
+            <p:txBody>
+              <a:bodyPr rtlCol="0" anchor="ctr"/>
+              <a:lstStyle/>
+              <a:p>
+                <a:pPr algn="ctr"/>
+                <a:r>
+                  <a:rPr lang="en-CA" b="1" dirty="0" smtClean="0"/>
+                  <a:t>APPLY</a:t>
+                </a:r>
+                <a:endParaRPr lang="en-CA" b="1" dirty="0"/>
+              </a:p>
+            </p:txBody>
+          </p:sp>
+        </p:grpSp>
+        <p:sp>
+          <p:nvSpPr>
+            <p:cNvPr id="21" name="Rectangle 20"/>
+            <p:cNvSpPr/>
+            <p:nvPr/>
+          </p:nvSpPr>
+          <p:spPr>
+            <a:xfrm>
+              <a:off x="6242544" y="2471069"/>
+              <a:ext cx="1842247" cy="3095907"/>
+            </a:xfrm>
+            <a:prstGeom prst="rect">
+              <a:avLst/>
+            </a:prstGeom>
+            <a:solidFill>
+              <a:schemeClr val="bg1"/>
+            </a:solidFill>
+            <a:ln>
+              <a:noFill/>
+            </a:ln>
+            <a:effectLst>
+              <a:outerShdw blurRad="127000" dist="38100" dir="5400000" algn="t" rotWithShape="0">
+                <a:prstClr val="black">
+                  <a:alpha val="20000"/>
+                </a:prstClr>
+              </a:outerShdw>
+            </a:effectLst>
+          </p:spPr>
+          <p:style>
+            <a:lnRef idx="2">
+              <a:schemeClr val="accent1">
+                <a:shade val="50000"/>
+              </a:schemeClr>
+            </a:lnRef>
+            <a:fillRef idx="1">
+              <a:schemeClr val="accent1"/>
+            </a:fillRef>
+            <a:effectRef idx="0">
+              <a:schemeClr val="accent1"/>
+            </a:effectRef>
+            <a:fontRef idx="minor">
+              <a:schemeClr val="lt1"/>
+            </a:fontRef>
+          </p:style>
+          <p:txBody>
+            <a:bodyPr rtlCol="0" anchor="ctr"/>
+            <a:lstStyle/>
+            <a:p>
+              <a:pPr algn="ctr"/>
+              <a:endParaRPr lang="en-CA"/>
+            </a:p>
+          </p:txBody>
+        </p:sp>
+        <p:pic>
+          <p:nvPicPr>
+            <p:cNvPr id="18" name="Picture 17"/>
+            <p:cNvPicPr>
+              <a:picLocks noChangeAspect="1"/>
+            </p:cNvPicPr>
+            <p:nvPr/>
+          </p:nvPicPr>
+          <p:blipFill>
+            <a:blip r:embed="rId4" cstate="print">
+              <a:extLst>
+                <a:ext uri="{28A0092B-C50C-407E-A947-70E740481C1C}">
+                  <a14:useLocalDpi xmlns:a14="http://schemas.microsoft.com/office/drawing/2010/main" val="0"/>
+                </a:ext>
+              </a:extLst>
+            </a:blip>
+            <a:stretch>
+              <a:fillRect/>
+            </a:stretch>
+          </p:blipFill>
+          <p:spPr>
+            <a:xfrm>
+              <a:off x="6760147" y="3722008"/>
+              <a:ext cx="735715" cy="551787"/>
+            </a:xfrm>
+            <a:prstGeom prst="rect">
+              <a:avLst/>
+            </a:prstGeom>
+          </p:spPr>
+        </p:pic>
+        <p:pic>
+          <p:nvPicPr>
+            <p:cNvPr id="19" name="Picture 18"/>
+            <p:cNvPicPr>
+              <a:picLocks noChangeAspect="1"/>
+            </p:cNvPicPr>
+            <p:nvPr/>
+          </p:nvPicPr>
+          <p:blipFill>
+            <a:blip r:embed="rId5" cstate="print">
+              <a:extLst>
+                <a:ext uri="{28A0092B-C50C-407E-A947-70E740481C1C}">
+                  <a14:useLocalDpi xmlns:a14="http://schemas.microsoft.com/office/drawing/2010/main" val="0"/>
+                </a:ext>
+              </a:extLst>
+            </a:blip>
+            <a:stretch>
+              <a:fillRect/>
+            </a:stretch>
+          </p:blipFill>
+          <p:spPr>
+            <a:xfrm>
+              <a:off x="6401897" y="4647737"/>
+              <a:ext cx="1513159" cy="610144"/>
+            </a:xfrm>
+            <a:prstGeom prst="rect">
+              <a:avLst/>
+            </a:prstGeom>
+          </p:spPr>
+        </p:pic>
+        <p:pic>
+          <p:nvPicPr>
+            <p:cNvPr id="20" name="Picture 19"/>
+            <p:cNvPicPr>
+              <a:picLocks noChangeAspect="1"/>
+            </p:cNvPicPr>
+            <p:nvPr/>
+          </p:nvPicPr>
+          <p:blipFill>
+            <a:blip r:embed="rId6" cstate="print">
+              <a:extLst>
+                <a:ext uri="{28A0092B-C50C-407E-A947-70E740481C1C}">
+                  <a14:useLocalDpi xmlns:a14="http://schemas.microsoft.com/office/drawing/2010/main" val="0"/>
+                </a:ext>
+              </a:extLst>
+            </a:blip>
+            <a:stretch>
+              <a:fillRect/>
+            </a:stretch>
+          </p:blipFill>
+          <p:spPr>
+            <a:xfrm>
+              <a:off x="6835229" y="2854360"/>
+              <a:ext cx="660633" cy="492611"/>
+            </a:xfrm>
+            <a:prstGeom prst="rect">
+              <a:avLst/>
+            </a:prstGeom>
+          </p:spPr>
+        </p:pic>
+        <p:cxnSp>
+          <p:nvCxnSpPr>
+            <p:cNvPr id="26" name="Straight Arrow Connector 25"/>
+            <p:cNvCxnSpPr/>
+            <p:nvPr/>
+          </p:nvCxnSpPr>
+          <p:spPr>
+            <a:xfrm>
+              <a:off x="2084295" y="4037286"/>
+              <a:ext cx="1116106" cy="0"/>
+            </a:xfrm>
+            <a:prstGeom prst="straightConnector1">
+              <a:avLst/>
+            </a:prstGeom>
+            <a:ln w="63500" cap="rnd">
+              <a:solidFill>
+                <a:schemeClr val="bg1">
+                  <a:lumMod val="75000"/>
+                </a:schemeClr>
+              </a:solidFill>
+              <a:prstDash val="sysDot"/>
+              <a:tailEnd type="triangle"/>
+            </a:ln>
+          </p:spPr>
+          <p:style>
+            <a:lnRef idx="1">
+              <a:schemeClr val="accent1"/>
+            </a:lnRef>
+            <a:fillRef idx="0">
+              <a:schemeClr val="accent1"/>
+            </a:fillRef>
+            <a:effectRef idx="0">
+              <a:schemeClr val="accent1"/>
+            </a:effectRef>
+            <a:fontRef idx="minor">
+              <a:schemeClr val="tx1"/>
+            </a:fontRef>
+          </p:style>
+        </p:cxnSp>
+        <p:cxnSp>
+          <p:nvCxnSpPr>
+            <p:cNvPr id="27" name="Straight Arrow Connector 26"/>
+            <p:cNvCxnSpPr/>
+            <p:nvPr/>
+          </p:nvCxnSpPr>
+          <p:spPr>
+            <a:xfrm>
+              <a:off x="4988856" y="4004594"/>
+              <a:ext cx="1116106" cy="0"/>
+            </a:xfrm>
+            <a:prstGeom prst="straightConnector1">
+              <a:avLst/>
+            </a:prstGeom>
+            <a:ln w="63500" cap="rnd">
+              <a:solidFill>
+                <a:schemeClr val="bg1">
+                  <a:lumMod val="75000"/>
+                </a:schemeClr>
+              </a:solidFill>
+              <a:prstDash val="sysDot"/>
+              <a:tailEnd type="triangle"/>
+            </a:ln>
+          </p:spPr>
+          <p:style>
+            <a:lnRef idx="1">
+              <a:schemeClr val="accent1"/>
+            </a:lnRef>
+            <a:fillRef idx="0">
+              <a:schemeClr val="accent1"/>
+            </a:fillRef>
+            <a:effectRef idx="0">
+              <a:schemeClr val="accent1"/>
+            </a:effectRef>
+            <a:fontRef idx="minor">
+              <a:schemeClr val="tx1"/>
+            </a:fontRef>
+          </p:style>
+        </p:cxnSp>
+        <p:cxnSp>
+          <p:nvCxnSpPr>
+            <p:cNvPr id="28" name="Straight Arrow Connector 27"/>
+            <p:cNvCxnSpPr/>
+            <p:nvPr/>
+          </p:nvCxnSpPr>
+          <p:spPr>
+            <a:xfrm>
+              <a:off x="8248794" y="4025744"/>
+              <a:ext cx="1116106" cy="0"/>
+            </a:xfrm>
+            <a:prstGeom prst="straightConnector1">
+              <a:avLst/>
+            </a:prstGeom>
+            <a:ln w="63500" cap="rnd">
+              <a:solidFill>
+                <a:schemeClr val="bg1">
+                  <a:lumMod val="75000"/>
+                </a:schemeClr>
+              </a:solidFill>
+              <a:prstDash val="sysDot"/>
+              <a:tailEnd type="triangle"/>
+            </a:ln>
+          </p:spPr>
+          <p:style>
+            <a:lnRef idx="1">
+              <a:schemeClr val="accent1"/>
+            </a:lnRef>
+            <a:fillRef idx="0">
+              <a:schemeClr val="accent1"/>
+            </a:fillRef>
+            <a:effectRef idx="0">
+              <a:schemeClr val="accent1"/>
+            </a:effectRef>
+            <a:fontRef idx="minor">
+              <a:schemeClr val="tx1"/>
+            </a:fontRef>
+          </p:style>
+        </p:cxnSp>
+        <p:sp>
+          <p:nvSpPr>
+            <p:cNvPr id="56" name="Rectangle 55"/>
+            <p:cNvSpPr/>
+            <p:nvPr/>
+          </p:nvSpPr>
+          <p:spPr>
+            <a:xfrm>
+              <a:off x="9605157" y="4703725"/>
+              <a:ext cx="1842247" cy="865247"/>
+            </a:xfrm>
+            <a:prstGeom prst="rect">
+              <a:avLst/>
+            </a:prstGeom>
+            <a:solidFill>
+              <a:schemeClr val="bg1"/>
+            </a:solidFill>
+            <a:ln>
+              <a:noFill/>
+            </a:ln>
+            <a:effectLst>
+              <a:outerShdw blurRad="127000" dist="38100" dir="5400000" algn="t" rotWithShape="0">
+                <a:prstClr val="black">
+                  <a:alpha val="20000"/>
+                </a:prstClr>
+              </a:outerShdw>
+            </a:effectLst>
+          </p:spPr>
+          <p:style>
+            <a:lnRef idx="2">
+              <a:schemeClr val="accent1">
+                <a:shade val="50000"/>
+              </a:schemeClr>
+            </a:lnRef>
+            <a:fillRef idx="1">
+              <a:schemeClr val="accent1"/>
+            </a:fillRef>
+            <a:effectRef idx="0">
+              <a:schemeClr val="accent1"/>
+            </a:effectRef>
+            <a:fontRef idx="minor">
+              <a:schemeClr val="lt1"/>
+            </a:fontRef>
+          </p:style>
+          <p:txBody>
+            <a:bodyPr rtlCol="0" anchor="ctr"/>
+            <a:lstStyle/>
+            <a:p>
+              <a:pPr algn="ctr"/>
+              <a:endParaRPr lang="en-CA"/>
+            </a:p>
+          </p:txBody>
+        </p:sp>
+        <p:sp>
+          <p:nvSpPr>
+            <p:cNvPr id="57" name="Rectangle 56"/>
+            <p:cNvSpPr/>
+            <p:nvPr/>
+          </p:nvSpPr>
+          <p:spPr>
+            <a:xfrm>
+              <a:off x="9600034" y="3585218"/>
+              <a:ext cx="1842247" cy="865247"/>
+            </a:xfrm>
+            <a:prstGeom prst="rect">
+              <a:avLst/>
+            </a:prstGeom>
+            <a:solidFill>
+              <a:schemeClr val="bg1"/>
+            </a:solidFill>
+            <a:ln>
+              <a:noFill/>
+            </a:ln>
+            <a:effectLst>
+              <a:outerShdw blurRad="127000" dist="38100" dir="5400000" algn="t" rotWithShape="0">
+                <a:prstClr val="black">
+                  <a:alpha val="20000"/>
+                </a:prstClr>
+              </a:outerShdw>
+            </a:effectLst>
+          </p:spPr>
+          <p:style>
+            <a:lnRef idx="2">
+              <a:schemeClr val="accent1">
+                <a:shade val="50000"/>
+              </a:schemeClr>
+            </a:lnRef>
+            <a:fillRef idx="1">
+              <a:schemeClr val="accent1"/>
+            </a:fillRef>
+            <a:effectRef idx="0">
+              <a:schemeClr val="accent1"/>
+            </a:effectRef>
+            <a:fontRef idx="minor">
+              <a:schemeClr val="lt1"/>
+            </a:fontRef>
+          </p:style>
+          <p:txBody>
+            <a:bodyPr rtlCol="0" anchor="ctr"/>
+            <a:lstStyle/>
+            <a:p>
+              <a:pPr algn="ctr"/>
+              <a:endParaRPr lang="en-CA"/>
+            </a:p>
+          </p:txBody>
+        </p:sp>
+        <p:sp>
+          <p:nvSpPr>
+            <p:cNvPr id="58" name="Rectangle 57"/>
+            <p:cNvSpPr/>
+            <p:nvPr/>
+          </p:nvSpPr>
+          <p:spPr>
+            <a:xfrm>
+              <a:off x="9596980" y="2471069"/>
+              <a:ext cx="1842247" cy="865247"/>
+            </a:xfrm>
+            <a:prstGeom prst="rect">
+              <a:avLst/>
+            </a:prstGeom>
+            <a:solidFill>
+              <a:schemeClr val="bg1"/>
+            </a:solidFill>
+            <a:ln>
+              <a:noFill/>
+            </a:ln>
+            <a:effectLst>
+              <a:outerShdw blurRad="127000" dist="38100" dir="5400000" algn="t" rotWithShape="0">
+                <a:prstClr val="black">
+                  <a:alpha val="20000"/>
+                </a:prstClr>
+              </a:outerShdw>
+            </a:effectLst>
+          </p:spPr>
+          <p:style>
+            <a:lnRef idx="2">
+              <a:schemeClr val="accent1">
+                <a:shade val="50000"/>
+              </a:schemeClr>
+            </a:lnRef>
+            <a:fillRef idx="1">
+              <a:schemeClr val="accent1"/>
+            </a:fillRef>
+            <a:effectRef idx="0">
+              <a:schemeClr val="accent1"/>
+            </a:effectRef>
+            <a:fontRef idx="minor">
+              <a:schemeClr val="lt1"/>
+            </a:fontRef>
+          </p:style>
+          <p:txBody>
+            <a:bodyPr rtlCol="0" anchor="ctr"/>
+            <a:lstStyle/>
+            <a:p>
+              <a:pPr algn="ctr"/>
+              <a:endParaRPr lang="en-CA"/>
+            </a:p>
+          </p:txBody>
+        </p:sp>
+        <p:pic>
+          <p:nvPicPr>
+            <p:cNvPr id="59" name="Picture 58"/>
+            <p:cNvPicPr>
+              <a:picLocks noChangeAspect="1"/>
+            </p:cNvPicPr>
+            <p:nvPr/>
+          </p:nvPicPr>
+          <p:blipFill>
+            <a:blip r:embed="rId7" cstate="print">
+              <a:extLst>
+                <a:ext uri="{28A0092B-C50C-407E-A947-70E740481C1C}">
+                  <a14:useLocalDpi xmlns:a14="http://schemas.microsoft.com/office/drawing/2010/main" val="0"/>
+                </a:ext>
+              </a:extLst>
+            </a:blip>
+            <a:stretch>
+              <a:fillRect/>
+            </a:stretch>
+          </p:blipFill>
+          <p:spPr>
+            <a:xfrm>
+              <a:off x="10058595" y="2774032"/>
+              <a:ext cx="919016" cy="259319"/>
+            </a:xfrm>
+            <a:prstGeom prst="rect">
+              <a:avLst/>
+            </a:prstGeom>
+          </p:spPr>
+        </p:pic>
+        <p:pic>
+          <p:nvPicPr>
+            <p:cNvPr id="60" name="Picture 59"/>
+            <p:cNvPicPr>
+              <a:picLocks noChangeAspect="1"/>
+            </p:cNvPicPr>
+            <p:nvPr/>
+          </p:nvPicPr>
+          <p:blipFill>
+            <a:blip r:embed="rId7" cstate="print">
+              <a:extLst>
+                <a:ext uri="{28A0092B-C50C-407E-A947-70E740481C1C}">
+                  <a14:useLocalDpi xmlns:a14="http://schemas.microsoft.com/office/drawing/2010/main" val="0"/>
+                </a:ext>
+              </a:extLst>
+            </a:blip>
+            <a:stretch>
+              <a:fillRect/>
+            </a:stretch>
+          </p:blipFill>
+          <p:spPr>
+            <a:xfrm>
+              <a:off x="10058595" y="3866417"/>
+              <a:ext cx="919016" cy="259319"/>
+            </a:xfrm>
+            <a:prstGeom prst="rect">
+              <a:avLst/>
+            </a:prstGeom>
+          </p:spPr>
+        </p:pic>
+        <p:pic>
+          <p:nvPicPr>
+            <p:cNvPr id="61" name="Picture 60"/>
+            <p:cNvPicPr>
+              <a:picLocks noChangeAspect="1"/>
+            </p:cNvPicPr>
+            <p:nvPr/>
+          </p:nvPicPr>
+          <p:blipFill>
+            <a:blip r:embed="rId7" cstate="print">
+              <a:extLst>
+                <a:ext uri="{28A0092B-C50C-407E-A947-70E740481C1C}">
+                  <a14:useLocalDpi xmlns:a14="http://schemas.microsoft.com/office/drawing/2010/main" val="0"/>
+                </a:ext>
+              </a:extLst>
+            </a:blip>
+            <a:stretch>
+              <a:fillRect/>
+            </a:stretch>
+          </p:blipFill>
+          <p:spPr>
+            <a:xfrm>
+              <a:off x="10066772" y="5006688"/>
+              <a:ext cx="919016" cy="259319"/>
+            </a:xfrm>
+            <a:prstGeom prst="rect">
+              <a:avLst/>
+            </a:prstGeom>
+          </p:spPr>
+        </p:pic>
+        <p:grpSp>
+          <p:nvGrpSpPr>
+            <p:cNvPr id="62" name="Group 61"/>
+            <p:cNvGrpSpPr/>
+            <p:nvPr/>
+          </p:nvGrpSpPr>
+          <p:grpSpPr>
+            <a:xfrm>
+              <a:off x="11274478" y="3127235"/>
+              <a:ext cx="345852" cy="346848"/>
+              <a:chOff x="11095777" y="3669465"/>
+              <a:chExt cx="500683" cy="502125"/>
+            </a:xfrm>
+          </p:grpSpPr>
+          <p:sp>
+            <p:nvSpPr>
+              <p:cNvPr id="63" name="Oval 62"/>
+              <p:cNvSpPr/>
+              <p:nvPr/>
+            </p:nvSpPr>
+            <p:spPr>
+              <a:xfrm>
+                <a:off x="11098217" y="3669465"/>
+                <a:ext cx="469383" cy="469383"/>
+              </a:xfrm>
+              <a:prstGeom prst="ellipse">
+                <a:avLst/>
+              </a:prstGeom>
+              <a:solidFill>
+                <a:schemeClr val="bg1"/>
+              </a:solidFill>
+              <a:ln>
+                <a:noFill/>
+              </a:ln>
+            </p:spPr>
+            <p:style>
+              <a:lnRef idx="2">
+                <a:schemeClr val="accent1">
+                  <a:shade val="50000"/>
+                </a:schemeClr>
+              </a:lnRef>
+              <a:fillRef idx="1">
+                <a:schemeClr val="accent1"/>
+              </a:fillRef>
+              <a:effectRef idx="0">
+                <a:schemeClr val="accent1"/>
+              </a:effectRef>
+              <a:fontRef idx="minor">
+                <a:schemeClr val="lt1"/>
+              </a:fontRef>
+            </p:style>
+            <p:txBody>
+              <a:bodyPr rtlCol="0" anchor="ctr"/>
+              <a:lstStyle/>
+              <a:p>
+                <a:pPr algn="ctr"/>
+                <a:endParaRPr lang="en-CA"/>
+              </a:p>
+            </p:txBody>
+          </p:sp>
+          <p:sp>
+            <p:nvSpPr>
+              <p:cNvPr id="64" name="Freeform 63"/>
+              <p:cNvSpPr>
+                <a:spLocks noEditPoints="1"/>
+              </p:cNvSpPr>
+              <p:nvPr/>
+            </p:nvSpPr>
+            <p:spPr bwMode="auto">
+              <a:xfrm>
+                <a:off x="11095777" y="3669465"/>
+                <a:ext cx="500683" cy="502125"/>
+              </a:xfrm>
+              <a:custGeom>
+                <a:avLst/>
+                <a:gdLst>
+                  <a:gd name="T0" fmla="*/ 110 w 147"/>
+                  <a:gd name="T1" fmla="*/ 10 h 147"/>
+                  <a:gd name="T2" fmla="*/ 73 w 147"/>
+                  <a:gd name="T3" fmla="*/ 0 h 147"/>
+                  <a:gd name="T4" fmla="*/ 36 w 147"/>
+                  <a:gd name="T5" fmla="*/ 10 h 147"/>
+                  <a:gd name="T6" fmla="*/ 10 w 147"/>
+                  <a:gd name="T7" fmla="*/ 37 h 147"/>
+                  <a:gd name="T8" fmla="*/ 0 w 147"/>
+                  <a:gd name="T9" fmla="*/ 74 h 147"/>
+                  <a:gd name="T10" fmla="*/ 10 w 147"/>
+                  <a:gd name="T11" fmla="*/ 111 h 147"/>
+                  <a:gd name="T12" fmla="*/ 36 w 147"/>
+                  <a:gd name="T13" fmla="*/ 137 h 147"/>
+                  <a:gd name="T14" fmla="*/ 73 w 147"/>
+                  <a:gd name="T15" fmla="*/ 147 h 147"/>
+                  <a:gd name="T16" fmla="*/ 110 w 147"/>
+                  <a:gd name="T17" fmla="*/ 137 h 147"/>
+                  <a:gd name="T18" fmla="*/ 137 w 147"/>
+                  <a:gd name="T19" fmla="*/ 111 h 147"/>
+                  <a:gd name="T20" fmla="*/ 147 w 147"/>
+                  <a:gd name="T21" fmla="*/ 74 h 147"/>
+                  <a:gd name="T22" fmla="*/ 137 w 147"/>
+                  <a:gd name="T23" fmla="*/ 37 h 147"/>
+                  <a:gd name="T24" fmla="*/ 110 w 147"/>
+                  <a:gd name="T25" fmla="*/ 10 h 147"/>
+                  <a:gd name="T26" fmla="*/ 121 w 147"/>
+                  <a:gd name="T27" fmla="*/ 63 h 147"/>
+                  <a:gd name="T28" fmla="*/ 69 w 147"/>
+                  <a:gd name="T29" fmla="*/ 114 h 147"/>
+                  <a:gd name="T30" fmla="*/ 65 w 147"/>
+                  <a:gd name="T31" fmla="*/ 116 h 147"/>
+                  <a:gd name="T32" fmla="*/ 60 w 147"/>
+                  <a:gd name="T33" fmla="*/ 114 h 147"/>
+                  <a:gd name="T34" fmla="*/ 26 w 147"/>
+                  <a:gd name="T35" fmla="*/ 80 h 147"/>
+                  <a:gd name="T36" fmla="*/ 24 w 147"/>
+                  <a:gd name="T37" fmla="*/ 76 h 147"/>
+                  <a:gd name="T38" fmla="*/ 26 w 147"/>
+                  <a:gd name="T39" fmla="*/ 71 h 147"/>
+                  <a:gd name="T40" fmla="*/ 34 w 147"/>
+                  <a:gd name="T41" fmla="*/ 63 h 147"/>
+                  <a:gd name="T42" fmla="*/ 39 w 147"/>
+                  <a:gd name="T43" fmla="*/ 61 h 147"/>
+                  <a:gd name="T44" fmla="*/ 43 w 147"/>
+                  <a:gd name="T45" fmla="*/ 63 h 147"/>
+                  <a:gd name="T46" fmla="*/ 65 w 147"/>
+                  <a:gd name="T47" fmla="*/ 84 h 147"/>
+                  <a:gd name="T48" fmla="*/ 104 w 147"/>
+                  <a:gd name="T49" fmla="*/ 45 h 147"/>
+                  <a:gd name="T50" fmla="*/ 108 w 147"/>
+                  <a:gd name="T51" fmla="*/ 43 h 147"/>
+                  <a:gd name="T52" fmla="*/ 112 w 147"/>
+                  <a:gd name="T53" fmla="*/ 45 h 147"/>
+                  <a:gd name="T54" fmla="*/ 121 w 147"/>
+                  <a:gd name="T55" fmla="*/ 54 h 147"/>
+                  <a:gd name="T56" fmla="*/ 123 w 147"/>
+                  <a:gd name="T57" fmla="*/ 58 h 147"/>
+                  <a:gd name="T58" fmla="*/ 121 w 147"/>
+                  <a:gd name="T59" fmla="*/ 63 h 147"/>
+                </a:gdLst>
+                <a:ahLst/>
+                <a:cxnLst>
+                  <a:cxn ang="0">
+                    <a:pos x="T0" y="T1"/>
+                  </a:cxn>
+                  <a:cxn ang="0">
+                    <a:pos x="T2" y="T3"/>
+                  </a:cxn>
+                  <a:cxn ang="0">
+                    <a:pos x="T4" y="T5"/>
+                  </a:cxn>
+                  <a:cxn ang="0">
+                    <a:pos x="T6" y="T7"/>
+                  </a:cxn>
+                  <a:cxn ang="0">
+                    <a:pos x="T8" y="T9"/>
+                  </a:cxn>
+                  <a:cxn ang="0">
+                    <a:pos x="T10" y="T11"/>
+                  </a:cxn>
+                  <a:cxn ang="0">
+                    <a:pos x="T12" y="T13"/>
+                  </a:cxn>
+                  <a:cxn ang="0">
+                    <a:pos x="T14" y="T15"/>
+                  </a:cxn>
+                  <a:cxn ang="0">
+                    <a:pos x="T16" y="T17"/>
+                  </a:cxn>
+                  <a:cxn ang="0">
+                    <a:pos x="T18" y="T19"/>
+                  </a:cxn>
+                  <a:cxn ang="0">
+                    <a:pos x="T20" y="T21"/>
+                  </a:cxn>
+                  <a:cxn ang="0">
+                    <a:pos x="T22" y="T23"/>
+                  </a:cxn>
+                  <a:cxn ang="0">
+                    <a:pos x="T24" y="T25"/>
+                  </a:cxn>
+                  <a:cxn ang="0">
+                    <a:pos x="T26" y="T27"/>
+                  </a:cxn>
+                  <a:cxn ang="0">
+                    <a:pos x="T28" y="T29"/>
+                  </a:cxn>
+                  <a:cxn ang="0">
+                    <a:pos x="T30" y="T31"/>
+                  </a:cxn>
+                  <a:cxn ang="0">
+                    <a:pos x="T32" y="T33"/>
+                  </a:cxn>
+                  <a:cxn ang="0">
+                    <a:pos x="T34" y="T35"/>
+                  </a:cxn>
+                  <a:cxn ang="0">
+                    <a:pos x="T36" y="T37"/>
+                  </a:cxn>
+                  <a:cxn ang="0">
+                    <a:pos x="T38" y="T39"/>
+                  </a:cxn>
+                  <a:cxn ang="0">
+                    <a:pos x="T40" y="T41"/>
+                  </a:cxn>
+                  <a:cxn ang="0">
+                    <a:pos x="T42" y="T43"/>
+                  </a:cxn>
+                  <a:cxn ang="0">
+                    <a:pos x="T44" y="T45"/>
+                  </a:cxn>
+                  <a:cxn ang="0">
+                    <a:pos x="T46" y="T47"/>
+                  </a:cxn>
+                  <a:cxn ang="0">
+                    <a:pos x="T48" y="T49"/>
+                  </a:cxn>
+                  <a:cxn ang="0">
+                    <a:pos x="T50" y="T51"/>
+                  </a:cxn>
+                  <a:cxn ang="0">
+                    <a:pos x="T52" y="T53"/>
+                  </a:cxn>
+                  <a:cxn ang="0">
+                    <a:pos x="T54" y="T55"/>
+                  </a:cxn>
+                  <a:cxn ang="0">
+                    <a:pos x="T56" y="T57"/>
+                  </a:cxn>
+                  <a:cxn ang="0">
+                    <a:pos x="T58" y="T59"/>
+                  </a:cxn>
+                </a:cxnLst>
+                <a:rect l="0" t="0" r="r" b="b"/>
+                <a:pathLst>
+                  <a:path w="147" h="147">
+                    <a:moveTo>
+                      <a:pt x="110" y="10"/>
+                    </a:moveTo>
+                    <a:cubicBezTo>
+                      <a:pt x="99" y="4"/>
+                      <a:pt x="87" y="0"/>
+                      <a:pt x="73" y="0"/>
+                    </a:cubicBezTo>
+                    <a:cubicBezTo>
+                      <a:pt x="60" y="0"/>
+                      <a:pt x="48" y="4"/>
+                      <a:pt x="36" y="10"/>
+                    </a:cubicBezTo>
+                    <a:cubicBezTo>
+                      <a:pt x="25" y="17"/>
+                      <a:pt x="16" y="26"/>
+                      <a:pt x="10" y="37"/>
+                    </a:cubicBezTo>
+                    <a:cubicBezTo>
+                      <a:pt x="3" y="48"/>
+                      <a:pt x="0" y="60"/>
+                      <a:pt x="0" y="74"/>
+                    </a:cubicBezTo>
+                    <a:cubicBezTo>
+                      <a:pt x="0" y="87"/>
+                      <a:pt x="3" y="99"/>
+                      <a:pt x="10" y="111"/>
+                    </a:cubicBezTo>
+                    <a:cubicBezTo>
+                      <a:pt x="16" y="122"/>
+                      <a:pt x="25" y="131"/>
+                      <a:pt x="36" y="137"/>
+                    </a:cubicBezTo>
+                    <a:cubicBezTo>
+                      <a:pt x="48" y="144"/>
+                      <a:pt x="60" y="147"/>
+                      <a:pt x="73" y="147"/>
+                    </a:cubicBezTo>
+                    <a:cubicBezTo>
+                      <a:pt x="87" y="147"/>
+                      <a:pt x="99" y="144"/>
+                      <a:pt x="110" y="137"/>
+                    </a:cubicBezTo>
+                    <a:cubicBezTo>
+                      <a:pt x="121" y="131"/>
+                      <a:pt x="130" y="122"/>
+                      <a:pt x="137" y="111"/>
+                    </a:cubicBezTo>
+                    <a:cubicBezTo>
+                      <a:pt x="143" y="99"/>
+                      <a:pt x="147" y="87"/>
+                      <a:pt x="147" y="74"/>
+                    </a:cubicBezTo>
+                    <a:cubicBezTo>
+                      <a:pt x="147" y="60"/>
+                      <a:pt x="143" y="48"/>
+                      <a:pt x="137" y="37"/>
+                    </a:cubicBezTo>
+                    <a:cubicBezTo>
+                      <a:pt x="130" y="26"/>
+                      <a:pt x="121" y="17"/>
+                      <a:pt x="110" y="10"/>
+                    </a:cubicBezTo>
+                    <a:close/>
+                    <a:moveTo>
+                      <a:pt x="121" y="63"/>
+                    </a:moveTo>
+                    <a:cubicBezTo>
+                      <a:pt x="69" y="114"/>
+                      <a:pt x="69" y="114"/>
+                      <a:pt x="69" y="114"/>
+                    </a:cubicBezTo>
+                    <a:cubicBezTo>
+                      <a:pt x="68" y="116"/>
+                      <a:pt x="66" y="116"/>
+                      <a:pt x="65" y="116"/>
+                    </a:cubicBezTo>
+                    <a:cubicBezTo>
+                      <a:pt x="63" y="116"/>
+                      <a:pt x="62" y="116"/>
+                      <a:pt x="60" y="114"/>
+                    </a:cubicBezTo>
+                    <a:cubicBezTo>
+                      <a:pt x="26" y="80"/>
+                      <a:pt x="26" y="80"/>
+                      <a:pt x="26" y="80"/>
+                    </a:cubicBezTo>
+                    <a:cubicBezTo>
+                      <a:pt x="25" y="79"/>
+                      <a:pt x="24" y="77"/>
+                      <a:pt x="24" y="76"/>
+                    </a:cubicBezTo>
+                    <a:cubicBezTo>
+                      <a:pt x="24" y="74"/>
+                      <a:pt x="25" y="72"/>
+                      <a:pt x="26" y="71"/>
+                    </a:cubicBezTo>
+                    <a:cubicBezTo>
+                      <a:pt x="34" y="63"/>
+                      <a:pt x="34" y="63"/>
+                      <a:pt x="34" y="63"/>
+                    </a:cubicBezTo>
+                    <a:cubicBezTo>
+                      <a:pt x="36" y="61"/>
+                      <a:pt x="37" y="61"/>
+                      <a:pt x="39" y="61"/>
+                    </a:cubicBezTo>
+                    <a:cubicBezTo>
+                      <a:pt x="40" y="61"/>
+                      <a:pt x="42" y="61"/>
+                      <a:pt x="43" y="63"/>
+                    </a:cubicBezTo>
+                    <a:cubicBezTo>
+                      <a:pt x="65" y="84"/>
+                      <a:pt x="65" y="84"/>
+                      <a:pt x="65" y="84"/>
+                    </a:cubicBezTo>
+                    <a:cubicBezTo>
+                      <a:pt x="104" y="45"/>
+                      <a:pt x="104" y="45"/>
+                      <a:pt x="104" y="45"/>
+                    </a:cubicBezTo>
+                    <a:cubicBezTo>
+                      <a:pt x="105" y="44"/>
+                      <a:pt x="106" y="43"/>
+                      <a:pt x="108" y="43"/>
+                    </a:cubicBezTo>
+                    <a:cubicBezTo>
+                      <a:pt x="110" y="43"/>
+                      <a:pt x="111" y="44"/>
+                      <a:pt x="112" y="45"/>
+                    </a:cubicBezTo>
+                    <a:cubicBezTo>
+                      <a:pt x="121" y="54"/>
+                      <a:pt x="121" y="54"/>
+                      <a:pt x="121" y="54"/>
+                    </a:cubicBezTo>
+                    <a:cubicBezTo>
+                      <a:pt x="122" y="55"/>
+                      <a:pt x="123" y="57"/>
+                      <a:pt x="123" y="58"/>
+                    </a:cubicBezTo>
+                    <a:cubicBezTo>
+                      <a:pt x="123" y="60"/>
+                      <a:pt x="122" y="61"/>
+                      <a:pt x="121" y="63"/>
+                    </a:cubicBezTo>
+                    <a:close/>
+                  </a:path>
+                </a:pathLst>
+              </a:custGeom>
+              <a:solidFill>
+                <a:srgbClr val="00B050"/>
+              </a:solidFill>
+              <a:ln>
+                <a:noFill/>
+              </a:ln>
+              <a:extLst/>
+            </p:spPr>
+            <p:txBody>
+              <a:bodyPr vert="horz" wrap="square" lIns="91440" tIns="45720" rIns="91440" bIns="45720" numCol="1" anchor="t" anchorCtr="0" compatLnSpc="1">
+                <a:prstTxWarp prst="textNoShape">
+                  <a:avLst/>
+                </a:prstTxWarp>
+              </a:bodyPr>
+              <a:lstStyle>
+                <a:defPPr>
+                  <a:defRPr lang="en-US"/>
+                </a:defPPr>
+                <a:lvl1pPr marL="0" algn="l" defTabSz="914400" rtl="0" eaLnBrk="1" latinLnBrk="0" hangingPunct="1">
+                  <a:defRPr sz="1800" kern="1200">
+                    <a:solidFill>
+                      <a:schemeClr val="tx1"/>
+                    </a:solidFill>
+                    <a:latin typeface="+mn-lt"/>
+                    <a:ea typeface="+mn-ea"/>
+                    <a:cs typeface="+mn-cs"/>
+                  </a:defRPr>
+                </a:lvl1pPr>
+                <a:lvl2pPr marL="457200" algn="l" defTabSz="914400" rtl="0" eaLnBrk="1" latinLnBrk="0" hangingPunct="1">
+                  <a:defRPr sz="1800" kern="1200">
+                    <a:solidFill>
+                      <a:schemeClr val="tx1"/>
+                    </a:solidFill>
+                    <a:latin typeface="+mn-lt"/>
+                    <a:ea typeface="+mn-ea"/>
+                    <a:cs typeface="+mn-cs"/>
+                  </a:defRPr>
+                </a:lvl2pPr>
+                <a:lvl3pPr marL="914400" algn="l" defTabSz="914400" rtl="0" eaLnBrk="1" latinLnBrk="0" hangingPunct="1">
+                  <a:defRPr sz="1800" kern="1200">
+                    <a:solidFill>
+                      <a:schemeClr val="tx1"/>
+                    </a:solidFill>
+                    <a:latin typeface="+mn-lt"/>
+                    <a:ea typeface="+mn-ea"/>
+                    <a:cs typeface="+mn-cs"/>
+                  </a:defRPr>
+                </a:lvl3pPr>
+                <a:lvl4pPr marL="1371600" algn="l" defTabSz="914400" rtl="0" eaLnBrk="1" latinLnBrk="0" hangingPunct="1">
+                  <a:defRPr sz="1800" kern="1200">
+                    <a:solidFill>
+                      <a:schemeClr val="tx1"/>
+                    </a:solidFill>
+                    <a:latin typeface="+mn-lt"/>
+                    <a:ea typeface="+mn-ea"/>
+                    <a:cs typeface="+mn-cs"/>
+                  </a:defRPr>
+                </a:lvl4pPr>
+                <a:lvl5pPr marL="1828800" algn="l" defTabSz="914400" rtl="0" eaLnBrk="1" latinLnBrk="0" hangingPunct="1">
+                  <a:defRPr sz="1800" kern="1200">
+                    <a:solidFill>
+                      <a:schemeClr val="tx1"/>
+                    </a:solidFill>
+                    <a:latin typeface="+mn-lt"/>
+                    <a:ea typeface="+mn-ea"/>
+                    <a:cs typeface="+mn-cs"/>
+                  </a:defRPr>
+                </a:lvl5pPr>
+                <a:lvl6pPr marL="2286000" algn="l" defTabSz="914400" rtl="0" eaLnBrk="1" latinLnBrk="0" hangingPunct="1">
+                  <a:defRPr sz="1800" kern="1200">
+                    <a:solidFill>
+                      <a:schemeClr val="tx1"/>
+                    </a:solidFill>
+                    <a:latin typeface="+mn-lt"/>
+                    <a:ea typeface="+mn-ea"/>
+                    <a:cs typeface="+mn-cs"/>
+                  </a:defRPr>
+                </a:lvl6pPr>
+                <a:lvl7pPr marL="2743200" algn="l" defTabSz="914400" rtl="0" eaLnBrk="1" latinLnBrk="0" hangingPunct="1">
+                  <a:defRPr sz="1800" kern="1200">
+                    <a:solidFill>
+                      <a:schemeClr val="tx1"/>
+                    </a:solidFill>
+                    <a:latin typeface="+mn-lt"/>
+                    <a:ea typeface="+mn-ea"/>
+                    <a:cs typeface="+mn-cs"/>
+                  </a:defRPr>
+                </a:lvl7pPr>
+                <a:lvl8pPr marL="3200400" algn="l" defTabSz="914400" rtl="0" eaLnBrk="1" latinLnBrk="0" hangingPunct="1">
+                  <a:defRPr sz="1800" kern="1200">
+                    <a:solidFill>
+                      <a:schemeClr val="tx1"/>
+                    </a:solidFill>
+                    <a:latin typeface="+mn-lt"/>
+                    <a:ea typeface="+mn-ea"/>
+                    <a:cs typeface="+mn-cs"/>
+                  </a:defRPr>
+                </a:lvl8pPr>
+                <a:lvl9pPr marL="3657600" algn="l" defTabSz="914400" rtl="0" eaLnBrk="1" latinLnBrk="0" hangingPunct="1">
+                  <a:defRPr sz="1800" kern="1200">
+                    <a:solidFill>
+                      <a:schemeClr val="tx1"/>
+                    </a:solidFill>
+                    <a:latin typeface="+mn-lt"/>
+                    <a:ea typeface="+mn-ea"/>
+                    <a:cs typeface="+mn-cs"/>
+                  </a:defRPr>
+                </a:lvl9pPr>
+              </a:lstStyle>
+              <a:p>
+                <a:endParaRPr lang="en-CA"/>
+              </a:p>
+            </p:txBody>
+          </p:sp>
+        </p:grpSp>
+        <p:grpSp>
+          <p:nvGrpSpPr>
+            <p:cNvPr id="65" name="Group 64"/>
+            <p:cNvGrpSpPr/>
+            <p:nvPr/>
+          </p:nvGrpSpPr>
+          <p:grpSpPr>
+            <a:xfrm>
+              <a:off x="11274478" y="4231812"/>
+              <a:ext cx="345852" cy="346848"/>
+              <a:chOff x="11095777" y="3669465"/>
+              <a:chExt cx="500683" cy="502125"/>
+            </a:xfrm>
+          </p:grpSpPr>
+          <p:sp>
+            <p:nvSpPr>
+              <p:cNvPr id="66" name="Oval 65"/>
+              <p:cNvSpPr/>
+              <p:nvPr/>
+            </p:nvSpPr>
+            <p:spPr>
+              <a:xfrm>
+                <a:off x="11098217" y="3669465"/>
+                <a:ext cx="469383" cy="469383"/>
+              </a:xfrm>
+              <a:prstGeom prst="ellipse">
+                <a:avLst/>
+              </a:prstGeom>
+              <a:solidFill>
+                <a:schemeClr val="bg1"/>
+              </a:solidFill>
+              <a:ln>
+                <a:noFill/>
+              </a:ln>
+            </p:spPr>
+            <p:style>
+              <a:lnRef idx="2">
+                <a:schemeClr val="accent1">
+                  <a:shade val="50000"/>
+                </a:schemeClr>
+              </a:lnRef>
+              <a:fillRef idx="1">
+                <a:schemeClr val="accent1"/>
+              </a:fillRef>
+              <a:effectRef idx="0">
+                <a:schemeClr val="accent1"/>
+              </a:effectRef>
+              <a:fontRef idx="minor">
+                <a:schemeClr val="lt1"/>
+              </a:fontRef>
+            </p:style>
+            <p:txBody>
+              <a:bodyPr rtlCol="0" anchor="ctr"/>
+              <a:lstStyle/>
+              <a:p>
+                <a:pPr algn="ctr"/>
+                <a:endParaRPr lang="en-CA"/>
+              </a:p>
+            </p:txBody>
+          </p:sp>
+          <p:sp>
+            <p:nvSpPr>
+              <p:cNvPr id="67" name="Freeform 66"/>
+              <p:cNvSpPr>
+                <a:spLocks noEditPoints="1"/>
+              </p:cNvSpPr>
+              <p:nvPr/>
+            </p:nvSpPr>
+            <p:spPr bwMode="auto">
+              <a:xfrm>
+                <a:off x="11095777" y="3669465"/>
+                <a:ext cx="500683" cy="502125"/>
+              </a:xfrm>
+              <a:custGeom>
+                <a:avLst/>
+                <a:gdLst>
+                  <a:gd name="T0" fmla="*/ 110 w 147"/>
+                  <a:gd name="T1" fmla="*/ 10 h 147"/>
+                  <a:gd name="T2" fmla="*/ 73 w 147"/>
+                  <a:gd name="T3" fmla="*/ 0 h 147"/>
+                  <a:gd name="T4" fmla="*/ 36 w 147"/>
+                  <a:gd name="T5" fmla="*/ 10 h 147"/>
+                  <a:gd name="T6" fmla="*/ 10 w 147"/>
+                  <a:gd name="T7" fmla="*/ 37 h 147"/>
+                  <a:gd name="T8" fmla="*/ 0 w 147"/>
+                  <a:gd name="T9" fmla="*/ 74 h 147"/>
+                  <a:gd name="T10" fmla="*/ 10 w 147"/>
+                  <a:gd name="T11" fmla="*/ 111 h 147"/>
+                  <a:gd name="T12" fmla="*/ 36 w 147"/>
+                  <a:gd name="T13" fmla="*/ 137 h 147"/>
+                  <a:gd name="T14" fmla="*/ 73 w 147"/>
+                  <a:gd name="T15" fmla="*/ 147 h 147"/>
+                  <a:gd name="T16" fmla="*/ 110 w 147"/>
+                  <a:gd name="T17" fmla="*/ 137 h 147"/>
+                  <a:gd name="T18" fmla="*/ 137 w 147"/>
+                  <a:gd name="T19" fmla="*/ 111 h 147"/>
+                  <a:gd name="T20" fmla="*/ 147 w 147"/>
+                  <a:gd name="T21" fmla="*/ 74 h 147"/>
+                  <a:gd name="T22" fmla="*/ 137 w 147"/>
+                  <a:gd name="T23" fmla="*/ 37 h 147"/>
+                  <a:gd name="T24" fmla="*/ 110 w 147"/>
+                  <a:gd name="T25" fmla="*/ 10 h 147"/>
+                  <a:gd name="T26" fmla="*/ 121 w 147"/>
+                  <a:gd name="T27" fmla="*/ 63 h 147"/>
+                  <a:gd name="T28" fmla="*/ 69 w 147"/>
+                  <a:gd name="T29" fmla="*/ 114 h 147"/>
+                  <a:gd name="T30" fmla="*/ 65 w 147"/>
+                  <a:gd name="T31" fmla="*/ 116 h 147"/>
+                  <a:gd name="T32" fmla="*/ 60 w 147"/>
+                  <a:gd name="T33" fmla="*/ 114 h 147"/>
+                  <a:gd name="T34" fmla="*/ 26 w 147"/>
+                  <a:gd name="T35" fmla="*/ 80 h 147"/>
+                  <a:gd name="T36" fmla="*/ 24 w 147"/>
+                  <a:gd name="T37" fmla="*/ 76 h 147"/>
+                  <a:gd name="T38" fmla="*/ 26 w 147"/>
+                  <a:gd name="T39" fmla="*/ 71 h 147"/>
+                  <a:gd name="T40" fmla="*/ 34 w 147"/>
+                  <a:gd name="T41" fmla="*/ 63 h 147"/>
+                  <a:gd name="T42" fmla="*/ 39 w 147"/>
+                  <a:gd name="T43" fmla="*/ 61 h 147"/>
+                  <a:gd name="T44" fmla="*/ 43 w 147"/>
+                  <a:gd name="T45" fmla="*/ 63 h 147"/>
+                  <a:gd name="T46" fmla="*/ 65 w 147"/>
+                  <a:gd name="T47" fmla="*/ 84 h 147"/>
+                  <a:gd name="T48" fmla="*/ 104 w 147"/>
+                  <a:gd name="T49" fmla="*/ 45 h 147"/>
+                  <a:gd name="T50" fmla="*/ 108 w 147"/>
+                  <a:gd name="T51" fmla="*/ 43 h 147"/>
+                  <a:gd name="T52" fmla="*/ 112 w 147"/>
+                  <a:gd name="T53" fmla="*/ 45 h 147"/>
+                  <a:gd name="T54" fmla="*/ 121 w 147"/>
+                  <a:gd name="T55" fmla="*/ 54 h 147"/>
+                  <a:gd name="T56" fmla="*/ 123 w 147"/>
+                  <a:gd name="T57" fmla="*/ 58 h 147"/>
+                  <a:gd name="T58" fmla="*/ 121 w 147"/>
+                  <a:gd name="T59" fmla="*/ 63 h 147"/>
+                </a:gdLst>
+                <a:ahLst/>
+                <a:cxnLst>
+                  <a:cxn ang="0">
+                    <a:pos x="T0" y="T1"/>
+                  </a:cxn>
+                  <a:cxn ang="0">
+                    <a:pos x="T2" y="T3"/>
+                  </a:cxn>
+                  <a:cxn ang="0">
+                    <a:pos x="T4" y="T5"/>
+                  </a:cxn>
+                  <a:cxn ang="0">
+                    <a:pos x="T6" y="T7"/>
+                  </a:cxn>
+                  <a:cxn ang="0">
+                    <a:pos x="T8" y="T9"/>
+                  </a:cxn>
+                  <a:cxn ang="0">
+                    <a:pos x="T10" y="T11"/>
+                  </a:cxn>
+                  <a:cxn ang="0">
+                    <a:pos x="T12" y="T13"/>
+                  </a:cxn>
+                  <a:cxn ang="0">
+                    <a:pos x="T14" y="T15"/>
+                  </a:cxn>
+                  <a:cxn ang="0">
+                    <a:pos x="T16" y="T17"/>
+                  </a:cxn>
+                  <a:cxn ang="0">
+                    <a:pos x="T18" y="T19"/>
+                  </a:cxn>
+                  <a:cxn ang="0">
+                    <a:pos x="T20" y="T21"/>
+                  </a:cxn>
+                  <a:cxn ang="0">
+                    <a:pos x="T22" y="T23"/>
+                  </a:cxn>
+                  <a:cxn ang="0">
+                    <a:pos x="T24" y="T25"/>
+                  </a:cxn>
+                  <a:cxn ang="0">
+                    <a:pos x="T26" y="T27"/>
+                  </a:cxn>
+                  <a:cxn ang="0">
+                    <a:pos x="T28" y="T29"/>
+                  </a:cxn>
+                  <a:cxn ang="0">
+                    <a:pos x="T30" y="T31"/>
+                  </a:cxn>
+                  <a:cxn ang="0">
+                    <a:pos x="T32" y="T33"/>
+                  </a:cxn>
+                  <a:cxn ang="0">
+                    <a:pos x="T34" y="T35"/>
+                  </a:cxn>
+                  <a:cxn ang="0">
+                    <a:pos x="T36" y="T37"/>
+                  </a:cxn>
+                  <a:cxn ang="0">
+                    <a:pos x="T38" y="T39"/>
+                  </a:cxn>
+                  <a:cxn ang="0">
+                    <a:pos x="T40" y="T41"/>
+                  </a:cxn>
+                  <a:cxn ang="0">
+                    <a:pos x="T42" y="T43"/>
+                  </a:cxn>
+                  <a:cxn ang="0">
+                    <a:pos x="T44" y="T45"/>
+                  </a:cxn>
+                  <a:cxn ang="0">
+                    <a:pos x="T46" y="T47"/>
+                  </a:cxn>
+                  <a:cxn ang="0">
+                    <a:pos x="T48" y="T49"/>
+                  </a:cxn>
+                  <a:cxn ang="0">
+                    <a:pos x="T50" y="T51"/>
+                  </a:cxn>
+                  <a:cxn ang="0">
+                    <a:pos x="T52" y="T53"/>
+                  </a:cxn>
+                  <a:cxn ang="0">
+                    <a:pos x="T54" y="T55"/>
+                  </a:cxn>
+                  <a:cxn ang="0">
+                    <a:pos x="T56" y="T57"/>
+                  </a:cxn>
+                  <a:cxn ang="0">
+                    <a:pos x="T58" y="T59"/>
+                  </a:cxn>
+                </a:cxnLst>
+                <a:rect l="0" t="0" r="r" b="b"/>
+                <a:pathLst>
+                  <a:path w="147" h="147">
+                    <a:moveTo>
+                      <a:pt x="110" y="10"/>
+                    </a:moveTo>
+                    <a:cubicBezTo>
+                      <a:pt x="99" y="4"/>
+                      <a:pt x="87" y="0"/>
+                      <a:pt x="73" y="0"/>
+                    </a:cubicBezTo>
+                    <a:cubicBezTo>
+                      <a:pt x="60" y="0"/>
+                      <a:pt x="48" y="4"/>
+                      <a:pt x="36" y="10"/>
+                    </a:cubicBezTo>
+                    <a:cubicBezTo>
+                      <a:pt x="25" y="17"/>
+                      <a:pt x="16" y="26"/>
+                      <a:pt x="10" y="37"/>
+                    </a:cubicBezTo>
+                    <a:cubicBezTo>
+                      <a:pt x="3" y="48"/>
+                      <a:pt x="0" y="60"/>
+                      <a:pt x="0" y="74"/>
+                    </a:cubicBezTo>
+                    <a:cubicBezTo>
+                      <a:pt x="0" y="87"/>
+                      <a:pt x="3" y="99"/>
+                      <a:pt x="10" y="111"/>
+                    </a:cubicBezTo>
+                    <a:cubicBezTo>
+                      <a:pt x="16" y="122"/>
+                      <a:pt x="25" y="131"/>
+                      <a:pt x="36" y="137"/>
+                    </a:cubicBezTo>
+                    <a:cubicBezTo>
+                      <a:pt x="48" y="144"/>
+                      <a:pt x="60" y="147"/>
+                      <a:pt x="73" y="147"/>
+                    </a:cubicBezTo>
+                    <a:cubicBezTo>
+                      <a:pt x="87" y="147"/>
+                      <a:pt x="99" y="144"/>
+                      <a:pt x="110" y="137"/>
+                    </a:cubicBezTo>
+                    <a:cubicBezTo>
+                      <a:pt x="121" y="131"/>
+                      <a:pt x="130" y="122"/>
+                      <a:pt x="137" y="111"/>
+                    </a:cubicBezTo>
+                    <a:cubicBezTo>
+                      <a:pt x="143" y="99"/>
+                      <a:pt x="147" y="87"/>
+                      <a:pt x="147" y="74"/>
+                    </a:cubicBezTo>
+                    <a:cubicBezTo>
+                      <a:pt x="147" y="60"/>
+                      <a:pt x="143" y="48"/>
+                      <a:pt x="137" y="37"/>
+                    </a:cubicBezTo>
+                    <a:cubicBezTo>
+                      <a:pt x="130" y="26"/>
+                      <a:pt x="121" y="17"/>
+                      <a:pt x="110" y="10"/>
+                    </a:cubicBezTo>
+                    <a:close/>
+                    <a:moveTo>
+                      <a:pt x="121" y="63"/>
+                    </a:moveTo>
+                    <a:cubicBezTo>
+                      <a:pt x="69" y="114"/>
+                      <a:pt x="69" y="114"/>
+                      <a:pt x="69" y="114"/>
+                    </a:cubicBezTo>
+                    <a:cubicBezTo>
+                      <a:pt x="68" y="116"/>
+                      <a:pt x="66" y="116"/>
+                      <a:pt x="65" y="116"/>
+                    </a:cubicBezTo>
+                    <a:cubicBezTo>
+                      <a:pt x="63" y="116"/>
+                      <a:pt x="62" y="116"/>
+                      <a:pt x="60" y="114"/>
+                    </a:cubicBezTo>
+                    <a:cubicBezTo>
+                      <a:pt x="26" y="80"/>
+                      <a:pt x="26" y="80"/>
+                      <a:pt x="26" y="80"/>
+                    </a:cubicBezTo>
+                    <a:cubicBezTo>
+                      <a:pt x="25" y="79"/>
+                      <a:pt x="24" y="77"/>
+                      <a:pt x="24" y="76"/>
+                    </a:cubicBezTo>
+                    <a:cubicBezTo>
+                      <a:pt x="24" y="74"/>
+                      <a:pt x="25" y="72"/>
+                      <a:pt x="26" y="71"/>
+                    </a:cubicBezTo>
+                    <a:cubicBezTo>
+                      <a:pt x="34" y="63"/>
+                      <a:pt x="34" y="63"/>
+                      <a:pt x="34" y="63"/>
+                    </a:cubicBezTo>
+                    <a:cubicBezTo>
+                      <a:pt x="36" y="61"/>
+                      <a:pt x="37" y="61"/>
+                      <a:pt x="39" y="61"/>
+                    </a:cubicBezTo>
+                    <a:cubicBezTo>
+                      <a:pt x="40" y="61"/>
+                      <a:pt x="42" y="61"/>
+                      <a:pt x="43" y="63"/>
+                    </a:cubicBezTo>
+                    <a:cubicBezTo>
+                      <a:pt x="65" y="84"/>
+                      <a:pt x="65" y="84"/>
+                      <a:pt x="65" y="84"/>
+                    </a:cubicBezTo>
+                    <a:cubicBezTo>
+                      <a:pt x="104" y="45"/>
+                      <a:pt x="104" y="45"/>
+                      <a:pt x="104" y="45"/>
+                    </a:cubicBezTo>
+                    <a:cubicBezTo>
+                      <a:pt x="105" y="44"/>
+                      <a:pt x="106" y="43"/>
+                      <a:pt x="108" y="43"/>
+                    </a:cubicBezTo>
+                    <a:cubicBezTo>
+                      <a:pt x="110" y="43"/>
+                      <a:pt x="111" y="44"/>
+                      <a:pt x="112" y="45"/>
+                    </a:cubicBezTo>
+                    <a:cubicBezTo>
+                      <a:pt x="121" y="54"/>
+                      <a:pt x="121" y="54"/>
+                      <a:pt x="121" y="54"/>
+                    </a:cubicBezTo>
+                    <a:cubicBezTo>
+                      <a:pt x="122" y="55"/>
+                      <a:pt x="123" y="57"/>
+                      <a:pt x="123" y="58"/>
+                    </a:cubicBezTo>
+                    <a:cubicBezTo>
+                      <a:pt x="123" y="60"/>
+                      <a:pt x="122" y="61"/>
+                      <a:pt x="121" y="63"/>
+                    </a:cubicBezTo>
+                    <a:close/>
+                  </a:path>
+                </a:pathLst>
+              </a:custGeom>
+              <a:solidFill>
+                <a:srgbClr val="00B050"/>
+              </a:solidFill>
+              <a:ln>
+                <a:noFill/>
+              </a:ln>
+              <a:extLst/>
+            </p:spPr>
+            <p:txBody>
+              <a:bodyPr vert="horz" wrap="square" lIns="91440" tIns="45720" rIns="91440" bIns="45720" numCol="1" anchor="t" anchorCtr="0" compatLnSpc="1">
+                <a:prstTxWarp prst="textNoShape">
+                  <a:avLst/>
+                </a:prstTxWarp>
+              </a:bodyPr>
+              <a:lstStyle>
+                <a:defPPr>
+                  <a:defRPr lang="en-US"/>
+                </a:defPPr>
+                <a:lvl1pPr marL="0" algn="l" defTabSz="914400" rtl="0" eaLnBrk="1" latinLnBrk="0" hangingPunct="1">
+                  <a:defRPr sz="1800" kern="1200">
+                    <a:solidFill>
+                      <a:schemeClr val="tx1"/>
+                    </a:solidFill>
+                    <a:latin typeface="+mn-lt"/>
+                    <a:ea typeface="+mn-ea"/>
+                    <a:cs typeface="+mn-cs"/>
+                  </a:defRPr>
+                </a:lvl1pPr>
+                <a:lvl2pPr marL="457200" algn="l" defTabSz="914400" rtl="0" eaLnBrk="1" latinLnBrk="0" hangingPunct="1">
+                  <a:defRPr sz="1800" kern="1200">
+                    <a:solidFill>
+                      <a:schemeClr val="tx1"/>
+                    </a:solidFill>
+                    <a:latin typeface="+mn-lt"/>
+                    <a:ea typeface="+mn-ea"/>
+                    <a:cs typeface="+mn-cs"/>
+                  </a:defRPr>
+                </a:lvl2pPr>
+                <a:lvl3pPr marL="914400" algn="l" defTabSz="914400" rtl="0" eaLnBrk="1" latinLnBrk="0" hangingPunct="1">
+                  <a:defRPr sz="1800" kern="1200">
+                    <a:solidFill>
+                      <a:schemeClr val="tx1"/>
+                    </a:solidFill>
+                    <a:latin typeface="+mn-lt"/>
+                    <a:ea typeface="+mn-ea"/>
+                    <a:cs typeface="+mn-cs"/>
+                  </a:defRPr>
+                </a:lvl3pPr>
+                <a:lvl4pPr marL="1371600" algn="l" defTabSz="914400" rtl="0" eaLnBrk="1" latinLnBrk="0" hangingPunct="1">
+                  <a:defRPr sz="1800" kern="1200">
+                    <a:solidFill>
+                      <a:schemeClr val="tx1"/>
+                    </a:solidFill>
+                    <a:latin typeface="+mn-lt"/>
+                    <a:ea typeface="+mn-ea"/>
+                    <a:cs typeface="+mn-cs"/>
+                  </a:defRPr>
+                </a:lvl4pPr>
+                <a:lvl5pPr marL="1828800" algn="l" defTabSz="914400" rtl="0" eaLnBrk="1" latinLnBrk="0" hangingPunct="1">
+                  <a:defRPr sz="1800" kern="1200">
+                    <a:solidFill>
+                      <a:schemeClr val="tx1"/>
+                    </a:solidFill>
+                    <a:latin typeface="+mn-lt"/>
+                    <a:ea typeface="+mn-ea"/>
+                    <a:cs typeface="+mn-cs"/>
+                  </a:defRPr>
+                </a:lvl5pPr>
+                <a:lvl6pPr marL="2286000" algn="l" defTabSz="914400" rtl="0" eaLnBrk="1" latinLnBrk="0" hangingPunct="1">
+                  <a:defRPr sz="1800" kern="1200">
+                    <a:solidFill>
+                      <a:schemeClr val="tx1"/>
+                    </a:solidFill>
+                    <a:latin typeface="+mn-lt"/>
+                    <a:ea typeface="+mn-ea"/>
+                    <a:cs typeface="+mn-cs"/>
+                  </a:defRPr>
+                </a:lvl6pPr>
+                <a:lvl7pPr marL="2743200" algn="l" defTabSz="914400" rtl="0" eaLnBrk="1" latinLnBrk="0" hangingPunct="1">
+                  <a:defRPr sz="1800" kern="1200">
+                    <a:solidFill>
+                      <a:schemeClr val="tx1"/>
+                    </a:solidFill>
+                    <a:latin typeface="+mn-lt"/>
+                    <a:ea typeface="+mn-ea"/>
+                    <a:cs typeface="+mn-cs"/>
+                  </a:defRPr>
+                </a:lvl7pPr>
+                <a:lvl8pPr marL="3200400" algn="l" defTabSz="914400" rtl="0" eaLnBrk="1" latinLnBrk="0" hangingPunct="1">
+                  <a:defRPr sz="1800" kern="1200">
+                    <a:solidFill>
+                      <a:schemeClr val="tx1"/>
+                    </a:solidFill>
+                    <a:latin typeface="+mn-lt"/>
+                    <a:ea typeface="+mn-ea"/>
+                    <a:cs typeface="+mn-cs"/>
+                  </a:defRPr>
+                </a:lvl8pPr>
+                <a:lvl9pPr marL="3657600" algn="l" defTabSz="914400" rtl="0" eaLnBrk="1" latinLnBrk="0" hangingPunct="1">
+                  <a:defRPr sz="1800" kern="1200">
+                    <a:solidFill>
+                      <a:schemeClr val="tx1"/>
+                    </a:solidFill>
+                    <a:latin typeface="+mn-lt"/>
+                    <a:ea typeface="+mn-ea"/>
+                    <a:cs typeface="+mn-cs"/>
+                  </a:defRPr>
+                </a:lvl9pPr>
+              </a:lstStyle>
+              <a:p>
+                <a:endParaRPr lang="en-CA"/>
+              </a:p>
+            </p:txBody>
+          </p:sp>
+        </p:grpSp>
+        <p:grpSp>
+          <p:nvGrpSpPr>
+            <p:cNvPr id="68" name="Group 67"/>
+            <p:cNvGrpSpPr/>
+            <p:nvPr/>
+          </p:nvGrpSpPr>
+          <p:grpSpPr>
+            <a:xfrm>
+              <a:off x="11274478" y="5331432"/>
+              <a:ext cx="345852" cy="346848"/>
+              <a:chOff x="11095777" y="3669465"/>
+              <a:chExt cx="500683" cy="502125"/>
+            </a:xfrm>
+          </p:grpSpPr>
+          <p:sp>
+            <p:nvSpPr>
+              <p:cNvPr id="69" name="Oval 68"/>
+              <p:cNvSpPr/>
+              <p:nvPr/>
+            </p:nvSpPr>
+            <p:spPr>
+              <a:xfrm>
+                <a:off x="11098217" y="3669465"/>
+                <a:ext cx="469383" cy="469383"/>
+              </a:xfrm>
+              <a:prstGeom prst="ellipse">
+                <a:avLst/>
+              </a:prstGeom>
+              <a:solidFill>
+                <a:schemeClr val="bg1"/>
+              </a:solidFill>
+              <a:ln>
+                <a:noFill/>
+              </a:ln>
+            </p:spPr>
+            <p:style>
+              <a:lnRef idx="2">
+                <a:schemeClr val="accent1">
+                  <a:shade val="50000"/>
+                </a:schemeClr>
+              </a:lnRef>
+              <a:fillRef idx="1">
+                <a:schemeClr val="accent1"/>
+              </a:fillRef>
+              <a:effectRef idx="0">
+                <a:schemeClr val="accent1"/>
+              </a:effectRef>
+              <a:fontRef idx="minor">
+                <a:schemeClr val="lt1"/>
+              </a:fontRef>
+            </p:style>
+            <p:txBody>
+              <a:bodyPr rtlCol="0" anchor="ctr"/>
+              <a:lstStyle/>
+              <a:p>
+                <a:pPr algn="ctr"/>
+                <a:endParaRPr lang="en-CA"/>
+              </a:p>
+            </p:txBody>
+          </p:sp>
+          <p:sp>
+            <p:nvSpPr>
+              <p:cNvPr id="70" name="Freeform 69"/>
+              <p:cNvSpPr>
+                <a:spLocks noEditPoints="1"/>
+              </p:cNvSpPr>
+              <p:nvPr/>
+            </p:nvSpPr>
+            <p:spPr bwMode="auto">
+              <a:xfrm>
+                <a:off x="11095777" y="3669465"/>
+                <a:ext cx="500683" cy="502125"/>
+              </a:xfrm>
+              <a:custGeom>
+                <a:avLst/>
+                <a:gdLst>
+                  <a:gd name="T0" fmla="*/ 110 w 147"/>
+                  <a:gd name="T1" fmla="*/ 10 h 147"/>
+                  <a:gd name="T2" fmla="*/ 73 w 147"/>
+                  <a:gd name="T3" fmla="*/ 0 h 147"/>
+                  <a:gd name="T4" fmla="*/ 36 w 147"/>
+                  <a:gd name="T5" fmla="*/ 10 h 147"/>
+                  <a:gd name="T6" fmla="*/ 10 w 147"/>
+                  <a:gd name="T7" fmla="*/ 37 h 147"/>
+                  <a:gd name="T8" fmla="*/ 0 w 147"/>
+                  <a:gd name="T9" fmla="*/ 74 h 147"/>
+                  <a:gd name="T10" fmla="*/ 10 w 147"/>
+                  <a:gd name="T11" fmla="*/ 111 h 147"/>
+                  <a:gd name="T12" fmla="*/ 36 w 147"/>
+                  <a:gd name="T13" fmla="*/ 137 h 147"/>
+                  <a:gd name="T14" fmla="*/ 73 w 147"/>
+                  <a:gd name="T15" fmla="*/ 147 h 147"/>
+                  <a:gd name="T16" fmla="*/ 110 w 147"/>
+                  <a:gd name="T17" fmla="*/ 137 h 147"/>
+                  <a:gd name="T18" fmla="*/ 137 w 147"/>
+                  <a:gd name="T19" fmla="*/ 111 h 147"/>
+                  <a:gd name="T20" fmla="*/ 147 w 147"/>
+                  <a:gd name="T21" fmla="*/ 74 h 147"/>
+                  <a:gd name="T22" fmla="*/ 137 w 147"/>
+                  <a:gd name="T23" fmla="*/ 37 h 147"/>
+                  <a:gd name="T24" fmla="*/ 110 w 147"/>
+                  <a:gd name="T25" fmla="*/ 10 h 147"/>
+                  <a:gd name="T26" fmla="*/ 121 w 147"/>
+                  <a:gd name="T27" fmla="*/ 63 h 147"/>
+                  <a:gd name="T28" fmla="*/ 69 w 147"/>
+                  <a:gd name="T29" fmla="*/ 114 h 147"/>
+                  <a:gd name="T30" fmla="*/ 65 w 147"/>
+                  <a:gd name="T31" fmla="*/ 116 h 147"/>
+                  <a:gd name="T32" fmla="*/ 60 w 147"/>
+                  <a:gd name="T33" fmla="*/ 114 h 147"/>
+                  <a:gd name="T34" fmla="*/ 26 w 147"/>
+                  <a:gd name="T35" fmla="*/ 80 h 147"/>
+                  <a:gd name="T36" fmla="*/ 24 w 147"/>
+                  <a:gd name="T37" fmla="*/ 76 h 147"/>
+                  <a:gd name="T38" fmla="*/ 26 w 147"/>
+                  <a:gd name="T39" fmla="*/ 71 h 147"/>
+                  <a:gd name="T40" fmla="*/ 34 w 147"/>
+                  <a:gd name="T41" fmla="*/ 63 h 147"/>
+                  <a:gd name="T42" fmla="*/ 39 w 147"/>
+                  <a:gd name="T43" fmla="*/ 61 h 147"/>
+                  <a:gd name="T44" fmla="*/ 43 w 147"/>
+                  <a:gd name="T45" fmla="*/ 63 h 147"/>
+                  <a:gd name="T46" fmla="*/ 65 w 147"/>
+                  <a:gd name="T47" fmla="*/ 84 h 147"/>
+                  <a:gd name="T48" fmla="*/ 104 w 147"/>
+                  <a:gd name="T49" fmla="*/ 45 h 147"/>
+                  <a:gd name="T50" fmla="*/ 108 w 147"/>
+                  <a:gd name="T51" fmla="*/ 43 h 147"/>
+                  <a:gd name="T52" fmla="*/ 112 w 147"/>
+                  <a:gd name="T53" fmla="*/ 45 h 147"/>
+                  <a:gd name="T54" fmla="*/ 121 w 147"/>
+                  <a:gd name="T55" fmla="*/ 54 h 147"/>
+                  <a:gd name="T56" fmla="*/ 123 w 147"/>
+                  <a:gd name="T57" fmla="*/ 58 h 147"/>
+                  <a:gd name="T58" fmla="*/ 121 w 147"/>
+                  <a:gd name="T59" fmla="*/ 63 h 147"/>
+                </a:gdLst>
+                <a:ahLst/>
+                <a:cxnLst>
+                  <a:cxn ang="0">
+                    <a:pos x="T0" y="T1"/>
+                  </a:cxn>
+                  <a:cxn ang="0">
+                    <a:pos x="T2" y="T3"/>
+                  </a:cxn>
+                  <a:cxn ang="0">
+                    <a:pos x="T4" y="T5"/>
+                  </a:cxn>
+                  <a:cxn ang="0">
+                    <a:pos x="T6" y="T7"/>
+                  </a:cxn>
+                  <a:cxn ang="0">
+                    <a:pos x="T8" y="T9"/>
+                  </a:cxn>
+                  <a:cxn ang="0">
+                    <a:pos x="T10" y="T11"/>
+                  </a:cxn>
+                  <a:cxn ang="0">
+                    <a:pos x="T12" y="T13"/>
+                  </a:cxn>
+                  <a:cxn ang="0">
+                    <a:pos x="T14" y="T15"/>
+                  </a:cxn>
+                  <a:cxn ang="0">
+                    <a:pos x="T16" y="T17"/>
+                  </a:cxn>
+                  <a:cxn ang="0">
+                    <a:pos x="T18" y="T19"/>
+                  </a:cxn>
+                  <a:cxn ang="0">
+                    <a:pos x="T20" y="T21"/>
+                  </a:cxn>
+                  <a:cxn ang="0">
+                    <a:pos x="T22" y="T23"/>
+                  </a:cxn>
+                  <a:cxn ang="0">
+                    <a:pos x="T24" y="T25"/>
+                  </a:cxn>
+                  <a:cxn ang="0">
+                    <a:pos x="T26" y="T27"/>
+                  </a:cxn>
+                  <a:cxn ang="0">
+                    <a:pos x="T28" y="T29"/>
+                  </a:cxn>
+                  <a:cxn ang="0">
+                    <a:pos x="T30" y="T31"/>
+                  </a:cxn>
+                  <a:cxn ang="0">
+                    <a:pos x="T32" y="T33"/>
+                  </a:cxn>
+                  <a:cxn ang="0">
+                    <a:pos x="T34" y="T35"/>
+                  </a:cxn>
+                  <a:cxn ang="0">
+                    <a:pos x="T36" y="T37"/>
+                  </a:cxn>
+                  <a:cxn ang="0">
+                    <a:pos x="T38" y="T39"/>
+                  </a:cxn>
+                  <a:cxn ang="0">
+                    <a:pos x="T40" y="T41"/>
+                  </a:cxn>
+                  <a:cxn ang="0">
+                    <a:pos x="T42" y="T43"/>
+                  </a:cxn>
+                  <a:cxn ang="0">
+                    <a:pos x="T44" y="T45"/>
+                  </a:cxn>
+                  <a:cxn ang="0">
+                    <a:pos x="T46" y="T47"/>
+                  </a:cxn>
+                  <a:cxn ang="0">
+                    <a:pos x="T48" y="T49"/>
+                  </a:cxn>
+                  <a:cxn ang="0">
+                    <a:pos x="T50" y="T51"/>
+                  </a:cxn>
+                  <a:cxn ang="0">
+                    <a:pos x="T52" y="T53"/>
+                  </a:cxn>
+                  <a:cxn ang="0">
+                    <a:pos x="T54" y="T55"/>
+                  </a:cxn>
+                  <a:cxn ang="0">
+                    <a:pos x="T56" y="T57"/>
+                  </a:cxn>
+                  <a:cxn ang="0">
+                    <a:pos x="T58" y="T59"/>
+                  </a:cxn>
+                </a:cxnLst>
+                <a:rect l="0" t="0" r="r" b="b"/>
+                <a:pathLst>
+                  <a:path w="147" h="147">
+                    <a:moveTo>
+                      <a:pt x="110" y="10"/>
+                    </a:moveTo>
+                    <a:cubicBezTo>
+                      <a:pt x="99" y="4"/>
+                      <a:pt x="87" y="0"/>
+                      <a:pt x="73" y="0"/>
+                    </a:cubicBezTo>
+                    <a:cubicBezTo>
+                      <a:pt x="60" y="0"/>
+                      <a:pt x="48" y="4"/>
+                      <a:pt x="36" y="10"/>
+                    </a:cubicBezTo>
+                    <a:cubicBezTo>
+                      <a:pt x="25" y="17"/>
+                      <a:pt x="16" y="26"/>
+                      <a:pt x="10" y="37"/>
+                    </a:cubicBezTo>
+                    <a:cubicBezTo>
+                      <a:pt x="3" y="48"/>
+                      <a:pt x="0" y="60"/>
+                      <a:pt x="0" y="74"/>
+                    </a:cubicBezTo>
+                    <a:cubicBezTo>
+                      <a:pt x="0" y="87"/>
+                      <a:pt x="3" y="99"/>
+                      <a:pt x="10" y="111"/>
+                    </a:cubicBezTo>
+                    <a:cubicBezTo>
+                      <a:pt x="16" y="122"/>
+                      <a:pt x="25" y="131"/>
+                      <a:pt x="36" y="137"/>
+                    </a:cubicBezTo>
+                    <a:cubicBezTo>
+                      <a:pt x="48" y="144"/>
+                      <a:pt x="60" y="147"/>
+                      <a:pt x="73" y="147"/>
+                    </a:cubicBezTo>
+                    <a:cubicBezTo>
+                      <a:pt x="87" y="147"/>
+                      <a:pt x="99" y="144"/>
+                      <a:pt x="110" y="137"/>
+                    </a:cubicBezTo>
+                    <a:cubicBezTo>
+                      <a:pt x="121" y="131"/>
+                      <a:pt x="130" y="122"/>
+                      <a:pt x="137" y="111"/>
+                    </a:cubicBezTo>
+                    <a:cubicBezTo>
+                      <a:pt x="143" y="99"/>
+                      <a:pt x="147" y="87"/>
+                      <a:pt x="147" y="74"/>
+                    </a:cubicBezTo>
+                    <a:cubicBezTo>
+                      <a:pt x="147" y="60"/>
+                      <a:pt x="143" y="48"/>
+                      <a:pt x="137" y="37"/>
+                    </a:cubicBezTo>
+                    <a:cubicBezTo>
+                      <a:pt x="130" y="26"/>
+                      <a:pt x="121" y="17"/>
+                      <a:pt x="110" y="10"/>
+                    </a:cubicBezTo>
+                    <a:close/>
+                    <a:moveTo>
+                      <a:pt x="121" y="63"/>
+                    </a:moveTo>
+                    <a:cubicBezTo>
+                      <a:pt x="69" y="114"/>
+                      <a:pt x="69" y="114"/>
+                      <a:pt x="69" y="114"/>
+                    </a:cubicBezTo>
+                    <a:cubicBezTo>
+                      <a:pt x="68" y="116"/>
+                      <a:pt x="66" y="116"/>
+                      <a:pt x="65" y="116"/>
+                    </a:cubicBezTo>
+                    <a:cubicBezTo>
+                      <a:pt x="63" y="116"/>
+                      <a:pt x="62" y="116"/>
+                      <a:pt x="60" y="114"/>
+                    </a:cubicBezTo>
+                    <a:cubicBezTo>
+                      <a:pt x="26" y="80"/>
+                      <a:pt x="26" y="80"/>
+                      <a:pt x="26" y="80"/>
+                    </a:cubicBezTo>
+                    <a:cubicBezTo>
+                      <a:pt x="25" y="79"/>
+                      <a:pt x="24" y="77"/>
+                      <a:pt x="24" y="76"/>
+                    </a:cubicBezTo>
+                    <a:cubicBezTo>
+                      <a:pt x="24" y="74"/>
+                      <a:pt x="25" y="72"/>
+                      <a:pt x="26" y="71"/>
+                    </a:cubicBezTo>
+                    <a:cubicBezTo>
+                      <a:pt x="34" y="63"/>
+                      <a:pt x="34" y="63"/>
+                      <a:pt x="34" y="63"/>
+                    </a:cubicBezTo>
+                    <a:cubicBezTo>
+                      <a:pt x="36" y="61"/>
+                      <a:pt x="37" y="61"/>
+                      <a:pt x="39" y="61"/>
+                    </a:cubicBezTo>
+                    <a:cubicBezTo>
+                      <a:pt x="40" y="61"/>
+                      <a:pt x="42" y="61"/>
+                      <a:pt x="43" y="63"/>
+                    </a:cubicBezTo>
+                    <a:cubicBezTo>
+                      <a:pt x="65" y="84"/>
+                      <a:pt x="65" y="84"/>
+                      <a:pt x="65" y="84"/>
+                    </a:cubicBezTo>
+                    <a:cubicBezTo>
+                      <a:pt x="104" y="45"/>
+                      <a:pt x="104" y="45"/>
+                      <a:pt x="104" y="45"/>
+                    </a:cubicBezTo>
+                    <a:cubicBezTo>
+                      <a:pt x="105" y="44"/>
+                      <a:pt x="106" y="43"/>
+                      <a:pt x="108" y="43"/>
+                    </a:cubicBezTo>
+                    <a:cubicBezTo>
+                      <a:pt x="110" y="43"/>
+                      <a:pt x="111" y="44"/>
+                      <a:pt x="112" y="45"/>
+                    </a:cubicBezTo>
+                    <a:cubicBezTo>
+                      <a:pt x="121" y="54"/>
+                      <a:pt x="121" y="54"/>
+                      <a:pt x="121" y="54"/>
+                    </a:cubicBezTo>
+                    <a:cubicBezTo>
+                      <a:pt x="122" y="55"/>
+                      <a:pt x="123" y="57"/>
+                      <a:pt x="123" y="58"/>
+                    </a:cubicBezTo>
+                    <a:cubicBezTo>
+                      <a:pt x="123" y="60"/>
+                      <a:pt x="122" y="61"/>
+                      <a:pt x="121" y="63"/>
+                    </a:cubicBezTo>
+                    <a:close/>
+                  </a:path>
+                </a:pathLst>
+              </a:custGeom>
+              <a:solidFill>
+                <a:srgbClr val="00B050"/>
+              </a:solidFill>
+              <a:ln>
+                <a:noFill/>
+              </a:ln>
+              <a:extLst/>
+            </p:spPr>
+            <p:txBody>
+              <a:bodyPr vert="horz" wrap="square" lIns="91440" tIns="45720" rIns="91440" bIns="45720" numCol="1" anchor="t" anchorCtr="0" compatLnSpc="1">
+                <a:prstTxWarp prst="textNoShape">
+                  <a:avLst/>
+                </a:prstTxWarp>
+              </a:bodyPr>
+              <a:lstStyle>
+                <a:defPPr>
+                  <a:defRPr lang="en-US"/>
+                </a:defPPr>
+                <a:lvl1pPr marL="0" algn="l" defTabSz="914400" rtl="0" eaLnBrk="1" latinLnBrk="0" hangingPunct="1">
+                  <a:defRPr sz="1800" kern="1200">
+                    <a:solidFill>
+                      <a:schemeClr val="tx1"/>
+                    </a:solidFill>
+                    <a:latin typeface="+mn-lt"/>
+                    <a:ea typeface="+mn-ea"/>
+                    <a:cs typeface="+mn-cs"/>
+                  </a:defRPr>
+                </a:lvl1pPr>
+                <a:lvl2pPr marL="457200" algn="l" defTabSz="914400" rtl="0" eaLnBrk="1" latinLnBrk="0" hangingPunct="1">
+                  <a:defRPr sz="1800" kern="1200">
+                    <a:solidFill>
+                      <a:schemeClr val="tx1"/>
+                    </a:solidFill>
+                    <a:latin typeface="+mn-lt"/>
+                    <a:ea typeface="+mn-ea"/>
+                    <a:cs typeface="+mn-cs"/>
+                  </a:defRPr>
+                </a:lvl2pPr>
+                <a:lvl3pPr marL="914400" algn="l" defTabSz="914400" rtl="0" eaLnBrk="1" latinLnBrk="0" hangingPunct="1">
+                  <a:defRPr sz="1800" kern="1200">
+                    <a:solidFill>
+                      <a:schemeClr val="tx1"/>
+                    </a:solidFill>
+                    <a:latin typeface="+mn-lt"/>
+                    <a:ea typeface="+mn-ea"/>
+                    <a:cs typeface="+mn-cs"/>
+                  </a:defRPr>
+                </a:lvl3pPr>
+                <a:lvl4pPr marL="1371600" algn="l" defTabSz="914400" rtl="0" eaLnBrk="1" latinLnBrk="0" hangingPunct="1">
+                  <a:defRPr sz="1800" kern="1200">
+                    <a:solidFill>
+                      <a:schemeClr val="tx1"/>
+                    </a:solidFill>
+                    <a:latin typeface="+mn-lt"/>
+                    <a:ea typeface="+mn-ea"/>
+                    <a:cs typeface="+mn-cs"/>
+                  </a:defRPr>
+                </a:lvl4pPr>
+                <a:lvl5pPr marL="1828800" algn="l" defTabSz="914400" rtl="0" eaLnBrk="1" latinLnBrk="0" hangingPunct="1">
+                  <a:defRPr sz="1800" kern="1200">
+                    <a:solidFill>
+                      <a:schemeClr val="tx1"/>
+                    </a:solidFill>
+                    <a:latin typeface="+mn-lt"/>
+                    <a:ea typeface="+mn-ea"/>
+                    <a:cs typeface="+mn-cs"/>
+                  </a:defRPr>
+                </a:lvl5pPr>
+                <a:lvl6pPr marL="2286000" algn="l" defTabSz="914400" rtl="0" eaLnBrk="1" latinLnBrk="0" hangingPunct="1">
+                  <a:defRPr sz="1800" kern="1200">
+                    <a:solidFill>
+                      <a:schemeClr val="tx1"/>
+                    </a:solidFill>
+                    <a:latin typeface="+mn-lt"/>
+                    <a:ea typeface="+mn-ea"/>
+                    <a:cs typeface="+mn-cs"/>
+                  </a:defRPr>
+                </a:lvl6pPr>
+                <a:lvl7pPr marL="2743200" algn="l" defTabSz="914400" rtl="0" eaLnBrk="1" latinLnBrk="0" hangingPunct="1">
+                  <a:defRPr sz="1800" kern="1200">
+                    <a:solidFill>
+                      <a:schemeClr val="tx1"/>
+                    </a:solidFill>
+                    <a:latin typeface="+mn-lt"/>
+                    <a:ea typeface="+mn-ea"/>
+                    <a:cs typeface="+mn-cs"/>
+                  </a:defRPr>
+                </a:lvl7pPr>
+                <a:lvl8pPr marL="3200400" algn="l" defTabSz="914400" rtl="0" eaLnBrk="1" latinLnBrk="0" hangingPunct="1">
+                  <a:defRPr sz="1800" kern="1200">
+                    <a:solidFill>
+                      <a:schemeClr val="tx1"/>
+                    </a:solidFill>
+                    <a:latin typeface="+mn-lt"/>
+                    <a:ea typeface="+mn-ea"/>
+                    <a:cs typeface="+mn-cs"/>
+                  </a:defRPr>
+                </a:lvl8pPr>
+                <a:lvl9pPr marL="3657600" algn="l" defTabSz="914400" rtl="0" eaLnBrk="1" latinLnBrk="0" hangingPunct="1">
+                  <a:defRPr sz="1800" kern="1200">
+                    <a:solidFill>
+                      <a:schemeClr val="tx1"/>
+                    </a:solidFill>
+                    <a:latin typeface="+mn-lt"/>
+                    <a:ea typeface="+mn-ea"/>
+                    <a:cs typeface="+mn-cs"/>
+                  </a:defRPr>
+                </a:lvl9pPr>
+              </a:lstStyle>
+              <a:p>
+                <a:endParaRPr lang="en-CA"/>
+              </a:p>
+            </p:txBody>
+          </p:sp>
+        </p:grpSp>
+      </p:grpSp>
+      <p:sp>
+        <p:nvSpPr>
+          <p:cNvPr id="4" name="Slide Number Placeholder 3"/>
+          <p:cNvSpPr>
+            <a:spLocks noGrp="1"/>
+          </p:cNvSpPr>
+          <p:nvPr>
+            <p:ph type="sldNum" sz="quarter" idx="4"/>
+          </p:nvPr>
+        </p:nvSpPr>
+        <p:spPr/>
+        <p:txBody>
+          <a:bodyPr/>
+          <a:lstStyle/>
+          <a:p>
+            <a:fld id="{105822BA-B7AE-4DDB-BAFC-C8E55FB5C986}" type="slidenum">
+              <a:rPr lang="en-CA" smtClean="0"/>
+              <a:pPr/>
+              <a:t>10</a:t>
+            </a:fld>
+            <a:r>
+              <a:rPr lang="en-CA" smtClean="0"/>
+              <a:t> </a:t>
+            </a:r>
+            <a:endParaRPr lang="en-CA" dirty="0"/>
+          </a:p>
+        </p:txBody>
+      </p:sp>
+    </p:spTree>
+    <p:extLst>
+      <p:ext uri="{BB962C8B-B14F-4D97-AF65-F5344CB8AC3E}">
+        <p14:creationId xmlns:p14="http://schemas.microsoft.com/office/powerpoint/2010/main" val="1887842503"/>
+      </p:ext>
+    </p:extLst>
+  </p:cSld>
+  <p:clrMapOvr>
+    <a:masterClrMapping/>
+  </p:clrMapOvr>
+  <p:timing>
+    <p:tnLst>
+      <p:par>
+        <p:cTn id="1" dur="indefinite" restart="never" nodeType="tmRoot"/>
+      </p:par>
+    </p:tnLst>
+  </p:timing>
+</p:sld>
+</file>
+
+<file path=ppt/slides/slide11.xml><?xml version="1.0" encoding="utf-8"?>
+<p:sld xmlns:a="http://schemas.openxmlformats.org/drawingml/2006/main" xmlns:r="http://schemas.openxmlformats.org/officeDocument/2006/relationships" xmlns:p="http://schemas.openxmlformats.org/presentationml/2006/main">
+  <p:cSld>
+    <p:spTree>
+      <p:nvGrpSpPr>
+        <p:cNvPr id="1" name=""/>
+        <p:cNvGrpSpPr/>
+        <p:nvPr/>
+      </p:nvGrpSpPr>
+      <p:grpSpPr>
+        <a:xfrm>
+          <a:off x="0" y="0"/>
+          <a:ext cx="0" cy="0"/>
+          <a:chOff x="0" y="0"/>
+          <a:chExt cx="0" cy="0"/>
+        </a:xfrm>
+      </p:grpSpPr>
+      <p:sp>
+        <p:nvSpPr>
+          <p:cNvPr id="2" name="Title 1"/>
+          <p:cNvSpPr>
+            <a:spLocks noGrp="1"/>
+          </p:cNvSpPr>
+          <p:nvPr>
+            <p:ph type="title"/>
+          </p:nvPr>
+        </p:nvSpPr>
+        <p:spPr/>
+        <p:txBody>
+          <a:bodyPr/>
+          <a:lstStyle/>
+          <a:p>
+            <a:r>
+              <a:rPr lang="en-CA" sz="2800" dirty="0" smtClean="0"/>
+              <a:t>Ansible</a:t>
+            </a:r>
+            <a:endParaRPr lang="en-CA" sz="2800" dirty="0"/>
+          </a:p>
+        </p:txBody>
+      </p:sp>
+      <p:pic>
+        <p:nvPicPr>
+          <p:cNvPr id="14" name="__EngageSlideDescription__" descr="slide description : High-level overview of how Ansible is used to configure services."/>
+          <p:cNvPicPr>
+            <a:picLocks/>
+          </p:cNvPicPr>
+          <p:nvPr/>
+        </p:nvPicPr>
+        <p:blipFill>
+          <a:blip r:embed="rId3"/>
+          <a:stretch>
+            <a:fillRect/>
+          </a:stretch>
+        </p:blipFill>
+        <p:spPr>
+          <a:xfrm>
+            <a:off x="428400" y="785288"/>
+            <a:ext cx="12700" cy="12700"/>
+          </a:xfrm>
+          <a:prstGeom prst="rect">
+            <a:avLst/>
+          </a:prstGeom>
+          <a:ln/>
+        </p:spPr>
+      </p:pic>
+      <p:sp>
+        <p:nvSpPr>
+          <p:cNvPr id="3" name="Content Placeholder 2"/>
+          <p:cNvSpPr>
+            <a:spLocks noGrp="1"/>
+          </p:cNvSpPr>
+          <p:nvPr>
+            <p:ph idx="1"/>
+          </p:nvPr>
+        </p:nvSpPr>
+        <p:spPr>
+          <a:xfrm>
+            <a:off x="428400" y="1032710"/>
+            <a:ext cx="11336400" cy="5001199"/>
+          </a:xfrm>
+        </p:spPr>
+        <p:txBody>
+          <a:bodyPr>
+            <a:normAutofit/>
+          </a:bodyPr>
+          <a:lstStyle/>
+          <a:p>
+            <a:pPr marL="285750" indent="-285750">
+              <a:buFont typeface="Arial" panose="020B0604020202020204" pitchFamily="34" charset="0"/>
+              <a:buChar char="•"/>
+            </a:pPr>
+            <a:r>
+              <a:rPr lang="en-US" sz="2400" dirty="0" smtClean="0"/>
+              <a:t>Install and configure services on cloud resources</a:t>
+            </a:r>
+            <a:endParaRPr lang="en-CA" sz="2400" dirty="0" smtClean="0"/>
+          </a:p>
+        </p:txBody>
+      </p:sp>
+      <p:sp>
+        <p:nvSpPr>
+          <p:cNvPr id="33" name="TextBox 32"/>
+          <p:cNvSpPr txBox="1"/>
+          <p:nvPr/>
+        </p:nvSpPr>
+        <p:spPr>
+          <a:xfrm>
+            <a:off x="362820" y="4558354"/>
+            <a:ext cx="1637933" cy="400110"/>
+          </a:xfrm>
+          <a:prstGeom prst="rect">
+            <a:avLst/>
+          </a:prstGeom>
+          <a:noFill/>
+        </p:spPr>
+        <p:txBody>
+          <a:bodyPr wrap="square" rtlCol="0">
+            <a:spAutoFit/>
+          </a:bodyPr>
+          <a:lstStyle/>
+          <a:p>
+            <a:pPr algn="ctr"/>
+            <a:r>
+              <a:rPr lang="en-CA" sz="2000" dirty="0" smtClean="0"/>
+              <a:t>Ansible</a:t>
+            </a:r>
+            <a:endParaRPr lang="en-CA" sz="2000" dirty="0"/>
+          </a:p>
+        </p:txBody>
+      </p:sp>
+      <p:sp>
+        <p:nvSpPr>
+          <p:cNvPr id="36" name="TextBox 35"/>
+          <p:cNvSpPr txBox="1"/>
+          <p:nvPr/>
+        </p:nvSpPr>
+        <p:spPr>
+          <a:xfrm>
+            <a:off x="3268537" y="4558354"/>
+            <a:ext cx="1637933" cy="400110"/>
+          </a:xfrm>
+          <a:prstGeom prst="rect">
+            <a:avLst/>
+          </a:prstGeom>
+          <a:noFill/>
+        </p:spPr>
+        <p:txBody>
+          <a:bodyPr wrap="square" rtlCol="0">
+            <a:spAutoFit/>
+          </a:bodyPr>
+          <a:lstStyle/>
+          <a:p>
+            <a:pPr algn="ctr"/>
+            <a:r>
+              <a:rPr lang="en-CA" sz="2000" dirty="0" smtClean="0"/>
+              <a:t>Build</a:t>
+            </a:r>
+            <a:endParaRPr lang="en-CA" sz="2000" dirty="0"/>
+          </a:p>
+        </p:txBody>
+      </p:sp>
+      <p:sp>
+        <p:nvSpPr>
+          <p:cNvPr id="34" name="TextBox 33"/>
+          <p:cNvSpPr txBox="1"/>
+          <p:nvPr/>
+        </p:nvSpPr>
+        <p:spPr>
+          <a:xfrm>
+            <a:off x="6068081" y="5662560"/>
+            <a:ext cx="2175249" cy="400110"/>
+          </a:xfrm>
+          <a:prstGeom prst="rect">
+            <a:avLst/>
+          </a:prstGeom>
+          <a:noFill/>
+        </p:spPr>
+        <p:txBody>
+          <a:bodyPr wrap="square" rtlCol="0">
+            <a:spAutoFit/>
+          </a:bodyPr>
+          <a:lstStyle/>
+          <a:p>
+            <a:pPr algn="ctr"/>
+            <a:r>
+              <a:rPr lang="en-CA" sz="2000" dirty="0" smtClean="0"/>
+              <a:t>Cloud resources</a:t>
+            </a:r>
+            <a:endParaRPr lang="en-CA" sz="2000" dirty="0"/>
+          </a:p>
+        </p:txBody>
+      </p:sp>
+      <p:sp>
+        <p:nvSpPr>
+          <p:cNvPr id="35" name="TextBox 34"/>
+          <p:cNvSpPr txBox="1"/>
+          <p:nvPr/>
+        </p:nvSpPr>
+        <p:spPr>
+          <a:xfrm>
+            <a:off x="9364900" y="5232375"/>
+            <a:ext cx="2175249" cy="707886"/>
+          </a:xfrm>
+          <a:prstGeom prst="rect">
+            <a:avLst/>
+          </a:prstGeom>
+          <a:noFill/>
+        </p:spPr>
+        <p:txBody>
+          <a:bodyPr wrap="square" rtlCol="0">
+            <a:spAutoFit/>
+          </a:bodyPr>
+          <a:lstStyle/>
+          <a:p>
+            <a:pPr algn="ctr"/>
+            <a:r>
+              <a:rPr lang="en-CA" sz="2000" dirty="0" smtClean="0"/>
+              <a:t>Configured</a:t>
+            </a:r>
+            <a:br>
+              <a:rPr lang="en-CA" sz="2000" dirty="0" smtClean="0"/>
+            </a:br>
+            <a:r>
+              <a:rPr lang="en-CA" sz="2000" dirty="0" smtClean="0"/>
+              <a:t>service</a:t>
+            </a:r>
+            <a:endParaRPr lang="en-CA" sz="2000" dirty="0"/>
+          </a:p>
+        </p:txBody>
+      </p:sp>
+      <p:grpSp>
+        <p:nvGrpSpPr>
+          <p:cNvPr id="6" name="Group 5" descr="An Ansible playbook is created that defines all the configuration steps of the service.  This playbook is then run by Ansible against cloud resources to create the fully configured service."/>
+          <p:cNvGrpSpPr/>
+          <p:nvPr>
+            <p:custDataLst>
+              <p:tags r:id="rId1"/>
+            </p:custDataLst>
+          </p:nvPr>
+        </p:nvGrpSpPr>
+        <p:grpSpPr>
+          <a:xfrm>
+            <a:off x="556499" y="2479586"/>
+            <a:ext cx="11017075" cy="3097903"/>
+            <a:chOff x="556499" y="2479586"/>
+            <a:chExt cx="11017075" cy="3097903"/>
+          </a:xfrm>
+        </p:grpSpPr>
+        <p:grpSp>
+          <p:nvGrpSpPr>
+            <p:cNvPr id="7" name="Group 6"/>
+            <p:cNvGrpSpPr/>
+            <p:nvPr/>
+          </p:nvGrpSpPr>
+          <p:grpSpPr>
+            <a:xfrm>
+              <a:off x="556499" y="3533310"/>
+              <a:ext cx="1250576" cy="973152"/>
+              <a:chOff x="2729753" y="4146437"/>
+              <a:chExt cx="968188" cy="753408"/>
+            </a:xfrm>
+          </p:grpSpPr>
+          <p:sp>
+            <p:nvSpPr>
+              <p:cNvPr id="8" name="Rectangle 7"/>
+              <p:cNvSpPr/>
+              <p:nvPr/>
+            </p:nvSpPr>
+            <p:spPr>
+              <a:xfrm>
+                <a:off x="2729753" y="4277488"/>
+                <a:ext cx="968188" cy="622357"/>
+              </a:xfrm>
+              <a:prstGeom prst="rect">
+                <a:avLst/>
+              </a:prstGeom>
+              <a:solidFill>
+                <a:schemeClr val="bg2">
+                  <a:lumMod val="25000"/>
+                </a:schemeClr>
+              </a:solidFill>
+              <a:ln>
+                <a:noFill/>
+              </a:ln>
+            </p:spPr>
+            <p:style>
+              <a:lnRef idx="2">
+                <a:schemeClr val="accent1">
+                  <a:shade val="50000"/>
+                </a:schemeClr>
+              </a:lnRef>
+              <a:fillRef idx="1">
+                <a:schemeClr val="accent1"/>
+              </a:fillRef>
+              <a:effectRef idx="0">
+                <a:schemeClr val="accent1"/>
+              </a:effectRef>
+              <a:fontRef idx="minor">
+                <a:schemeClr val="lt1"/>
+              </a:fontRef>
+            </p:style>
+            <p:txBody>
+              <a:bodyPr rtlCol="0" anchor="ctr"/>
+              <a:lstStyle/>
+              <a:p>
+                <a:pPr algn="ctr"/>
+                <a:endParaRPr lang="en-CA"/>
+              </a:p>
+            </p:txBody>
+          </p:sp>
+          <p:sp>
+            <p:nvSpPr>
+              <p:cNvPr id="9" name="Rectangle 8"/>
+              <p:cNvSpPr/>
+              <p:nvPr/>
+            </p:nvSpPr>
+            <p:spPr>
+              <a:xfrm>
+                <a:off x="2729753" y="4146437"/>
+                <a:ext cx="968188" cy="157670"/>
+              </a:xfrm>
+              <a:prstGeom prst="rect">
+                <a:avLst/>
+              </a:prstGeom>
+              <a:solidFill>
+                <a:srgbClr val="621E75"/>
+              </a:solidFill>
+              <a:ln>
+                <a:noFill/>
+              </a:ln>
+            </p:spPr>
+            <p:style>
+              <a:lnRef idx="2">
+                <a:schemeClr val="accent1">
+                  <a:shade val="50000"/>
+                </a:schemeClr>
+              </a:lnRef>
+              <a:fillRef idx="1">
+                <a:schemeClr val="accent1"/>
+              </a:fillRef>
+              <a:effectRef idx="0">
+                <a:schemeClr val="accent1"/>
+              </a:effectRef>
+              <a:fontRef idx="minor">
+                <a:schemeClr val="lt1"/>
+              </a:fontRef>
+            </p:style>
+            <p:txBody>
+              <a:bodyPr rtlCol="0" anchor="ctr"/>
+              <a:lstStyle/>
+              <a:p>
+                <a:pPr algn="ctr"/>
+                <a:endParaRPr lang="en-CA"/>
+              </a:p>
+            </p:txBody>
+          </p:sp>
+          <p:sp>
+            <p:nvSpPr>
+              <p:cNvPr id="10" name="Freeform 9"/>
+              <p:cNvSpPr>
+                <a:spLocks/>
+              </p:cNvSpPr>
+              <p:nvPr/>
+            </p:nvSpPr>
+            <p:spPr bwMode="auto">
+              <a:xfrm>
+                <a:off x="2838721" y="4457616"/>
+                <a:ext cx="153316" cy="262099"/>
+              </a:xfrm>
+              <a:custGeom>
+                <a:avLst/>
+                <a:gdLst>
+                  <a:gd name="T0" fmla="*/ 137 w 140"/>
+                  <a:gd name="T1" fmla="*/ 126 h 240"/>
+                  <a:gd name="T2" fmla="*/ 25 w 140"/>
+                  <a:gd name="T3" fmla="*/ 238 h 240"/>
+                  <a:gd name="T4" fmla="*/ 20 w 140"/>
+                  <a:gd name="T5" fmla="*/ 240 h 240"/>
+                  <a:gd name="T6" fmla="*/ 14 w 140"/>
+                  <a:gd name="T7" fmla="*/ 238 h 240"/>
+                  <a:gd name="T8" fmla="*/ 2 w 140"/>
+                  <a:gd name="T9" fmla="*/ 226 h 240"/>
+                  <a:gd name="T10" fmla="*/ 0 w 140"/>
+                  <a:gd name="T11" fmla="*/ 220 h 240"/>
+                  <a:gd name="T12" fmla="*/ 2 w 140"/>
+                  <a:gd name="T13" fmla="*/ 215 h 240"/>
+                  <a:gd name="T14" fmla="*/ 97 w 140"/>
+                  <a:gd name="T15" fmla="*/ 120 h 240"/>
+                  <a:gd name="T16" fmla="*/ 2 w 140"/>
+                  <a:gd name="T17" fmla="*/ 26 h 240"/>
+                  <a:gd name="T18" fmla="*/ 0 w 140"/>
+                  <a:gd name="T19" fmla="*/ 20 h 240"/>
+                  <a:gd name="T20" fmla="*/ 2 w 140"/>
+                  <a:gd name="T21" fmla="*/ 15 h 240"/>
+                  <a:gd name="T22" fmla="*/ 14 w 140"/>
+                  <a:gd name="T23" fmla="*/ 3 h 240"/>
+                  <a:gd name="T24" fmla="*/ 20 w 140"/>
+                  <a:gd name="T25" fmla="*/ 0 h 240"/>
+                  <a:gd name="T26" fmla="*/ 25 w 140"/>
+                  <a:gd name="T27" fmla="*/ 3 h 240"/>
+                  <a:gd name="T28" fmla="*/ 137 w 140"/>
+                  <a:gd name="T29" fmla="*/ 115 h 240"/>
+                  <a:gd name="T30" fmla="*/ 140 w 140"/>
+                  <a:gd name="T31" fmla="*/ 120 h 240"/>
+                  <a:gd name="T32" fmla="*/ 137 w 140"/>
+                  <a:gd name="T33" fmla="*/ 126 h 240"/>
+                </a:gdLst>
+                <a:ahLst/>
+                <a:cxnLst>
+                  <a:cxn ang="0">
+                    <a:pos x="T0" y="T1"/>
+                  </a:cxn>
+                  <a:cxn ang="0">
+                    <a:pos x="T2" y="T3"/>
+                  </a:cxn>
+                  <a:cxn ang="0">
+                    <a:pos x="T4" y="T5"/>
+                  </a:cxn>
+                  <a:cxn ang="0">
+                    <a:pos x="T6" y="T7"/>
+                  </a:cxn>
+                  <a:cxn ang="0">
+                    <a:pos x="T8" y="T9"/>
+                  </a:cxn>
+                  <a:cxn ang="0">
+                    <a:pos x="T10" y="T11"/>
+                  </a:cxn>
+                  <a:cxn ang="0">
+                    <a:pos x="T12" y="T13"/>
+                  </a:cxn>
+                  <a:cxn ang="0">
+                    <a:pos x="T14" y="T15"/>
+                  </a:cxn>
+                  <a:cxn ang="0">
+                    <a:pos x="T16" y="T17"/>
+                  </a:cxn>
+                  <a:cxn ang="0">
+                    <a:pos x="T18" y="T19"/>
+                  </a:cxn>
+                  <a:cxn ang="0">
+                    <a:pos x="T20" y="T21"/>
+                  </a:cxn>
+                  <a:cxn ang="0">
+                    <a:pos x="T22" y="T23"/>
+                  </a:cxn>
+                  <a:cxn ang="0">
+                    <a:pos x="T24" y="T25"/>
+                  </a:cxn>
+                  <a:cxn ang="0">
+                    <a:pos x="T26" y="T27"/>
+                  </a:cxn>
+                  <a:cxn ang="0">
+                    <a:pos x="T28" y="T29"/>
+                  </a:cxn>
+                  <a:cxn ang="0">
+                    <a:pos x="T30" y="T31"/>
+                  </a:cxn>
+                  <a:cxn ang="0">
+                    <a:pos x="T32" y="T33"/>
+                  </a:cxn>
+                </a:cxnLst>
+                <a:rect l="0" t="0" r="r" b="b"/>
+                <a:pathLst>
+                  <a:path w="140" h="240">
+                    <a:moveTo>
+                      <a:pt x="137" y="126"/>
+                    </a:moveTo>
+                    <a:cubicBezTo>
+                      <a:pt x="25" y="238"/>
+                      <a:pt x="25" y="238"/>
+                      <a:pt x="25" y="238"/>
+                    </a:cubicBezTo>
+                    <a:cubicBezTo>
+                      <a:pt x="24" y="239"/>
+                      <a:pt x="22" y="240"/>
+                      <a:pt x="20" y="240"/>
+                    </a:cubicBezTo>
+                    <a:cubicBezTo>
+                      <a:pt x="18" y="240"/>
+                      <a:pt x="15" y="239"/>
+                      <a:pt x="14" y="238"/>
+                    </a:cubicBezTo>
+                    <a:cubicBezTo>
+                      <a:pt x="2" y="226"/>
+                      <a:pt x="2" y="226"/>
+                      <a:pt x="2" y="226"/>
+                    </a:cubicBezTo>
+                    <a:cubicBezTo>
+                      <a:pt x="1" y="225"/>
+                      <a:pt x="0" y="223"/>
+                      <a:pt x="0" y="220"/>
+                    </a:cubicBezTo>
+                    <a:cubicBezTo>
+                      <a:pt x="0" y="219"/>
+                      <a:pt x="1" y="216"/>
+                      <a:pt x="2" y="215"/>
+                    </a:cubicBezTo>
+                    <a:cubicBezTo>
+                      <a:pt x="97" y="120"/>
+                      <a:pt x="97" y="120"/>
+                      <a:pt x="97" y="120"/>
+                    </a:cubicBezTo>
+                    <a:cubicBezTo>
+                      <a:pt x="2" y="26"/>
+                      <a:pt x="2" y="26"/>
+                      <a:pt x="2" y="26"/>
+                    </a:cubicBezTo>
+                    <a:cubicBezTo>
+                      <a:pt x="1" y="24"/>
+                      <a:pt x="0" y="22"/>
+                      <a:pt x="0" y="20"/>
+                    </a:cubicBezTo>
+                    <a:cubicBezTo>
+                      <a:pt x="0" y="18"/>
+                      <a:pt x="1" y="16"/>
+                      <a:pt x="2" y="15"/>
+                    </a:cubicBezTo>
+                    <a:cubicBezTo>
+                      <a:pt x="14" y="3"/>
+                      <a:pt x="14" y="3"/>
+                      <a:pt x="14" y="3"/>
+                    </a:cubicBezTo>
+                    <a:cubicBezTo>
+                      <a:pt x="15" y="1"/>
+                      <a:pt x="18" y="0"/>
+                      <a:pt x="20" y="0"/>
+                    </a:cubicBezTo>
+                    <a:cubicBezTo>
+                      <a:pt x="22" y="0"/>
+                      <a:pt x="24" y="1"/>
+                      <a:pt x="25" y="3"/>
+                    </a:cubicBezTo>
+                    <a:cubicBezTo>
+                      <a:pt x="137" y="115"/>
+                      <a:pt x="137" y="115"/>
+                      <a:pt x="137" y="115"/>
+                    </a:cubicBezTo>
+                    <a:cubicBezTo>
+                      <a:pt x="139" y="116"/>
+                      <a:pt x="140" y="118"/>
+                      <a:pt x="140" y="120"/>
+                    </a:cubicBezTo>
+                    <a:cubicBezTo>
+                      <a:pt x="140" y="122"/>
+                      <a:pt x="139" y="125"/>
+                      <a:pt x="137" y="126"/>
+                    </a:cubicBezTo>
+                    <a:close/>
+                  </a:path>
+                </a:pathLst>
+              </a:custGeom>
+              <a:solidFill>
+                <a:schemeClr val="bg1"/>
+              </a:solidFill>
+              <a:ln>
+                <a:noFill/>
+              </a:ln>
+            </p:spPr>
+            <p:txBody>
+              <a:bodyPr vert="horz" wrap="square" lIns="91440" tIns="45720" rIns="91440" bIns="45720" numCol="1" anchor="t" anchorCtr="0" compatLnSpc="1">
+                <a:prstTxWarp prst="textNoShape">
+                  <a:avLst/>
+                </a:prstTxWarp>
+              </a:bodyPr>
+              <a:lstStyle>
+                <a:defPPr>
+                  <a:defRPr lang="en-US"/>
+                </a:defPPr>
+                <a:lvl1pPr marL="0" algn="l" defTabSz="914400" rtl="0" eaLnBrk="1" latinLnBrk="0" hangingPunct="1">
+                  <a:defRPr sz="1800" kern="1200">
+                    <a:solidFill>
+                      <a:schemeClr val="tx1"/>
+                    </a:solidFill>
+                    <a:latin typeface="+mn-lt"/>
+                    <a:ea typeface="+mn-ea"/>
+                    <a:cs typeface="+mn-cs"/>
+                  </a:defRPr>
+                </a:lvl1pPr>
+                <a:lvl2pPr marL="457200" algn="l" defTabSz="914400" rtl="0" eaLnBrk="1" latinLnBrk="0" hangingPunct="1">
+                  <a:defRPr sz="1800" kern="1200">
+                    <a:solidFill>
+                      <a:schemeClr val="tx1"/>
+                    </a:solidFill>
+                    <a:latin typeface="+mn-lt"/>
+                    <a:ea typeface="+mn-ea"/>
+                    <a:cs typeface="+mn-cs"/>
+                  </a:defRPr>
+                </a:lvl2pPr>
+                <a:lvl3pPr marL="914400" algn="l" defTabSz="914400" rtl="0" eaLnBrk="1" latinLnBrk="0" hangingPunct="1">
+                  <a:defRPr sz="1800" kern="1200">
+                    <a:solidFill>
+                      <a:schemeClr val="tx1"/>
+                    </a:solidFill>
+                    <a:latin typeface="+mn-lt"/>
+                    <a:ea typeface="+mn-ea"/>
+                    <a:cs typeface="+mn-cs"/>
+                  </a:defRPr>
+                </a:lvl3pPr>
+                <a:lvl4pPr marL="1371600" algn="l" defTabSz="914400" rtl="0" eaLnBrk="1" latinLnBrk="0" hangingPunct="1">
+                  <a:defRPr sz="1800" kern="1200">
+                    <a:solidFill>
+                      <a:schemeClr val="tx1"/>
+                    </a:solidFill>
+                    <a:latin typeface="+mn-lt"/>
+                    <a:ea typeface="+mn-ea"/>
+                    <a:cs typeface="+mn-cs"/>
+                  </a:defRPr>
+                </a:lvl4pPr>
+                <a:lvl5pPr marL="1828800" algn="l" defTabSz="914400" rtl="0" eaLnBrk="1" latinLnBrk="0" hangingPunct="1">
+                  <a:defRPr sz="1800" kern="1200">
+                    <a:solidFill>
+                      <a:schemeClr val="tx1"/>
+                    </a:solidFill>
+                    <a:latin typeface="+mn-lt"/>
+                    <a:ea typeface="+mn-ea"/>
+                    <a:cs typeface="+mn-cs"/>
+                  </a:defRPr>
+                </a:lvl5pPr>
+                <a:lvl6pPr marL="2286000" algn="l" defTabSz="914400" rtl="0" eaLnBrk="1" latinLnBrk="0" hangingPunct="1">
+                  <a:defRPr sz="1800" kern="1200">
+                    <a:solidFill>
+                      <a:schemeClr val="tx1"/>
+                    </a:solidFill>
+                    <a:latin typeface="+mn-lt"/>
+                    <a:ea typeface="+mn-ea"/>
+                    <a:cs typeface="+mn-cs"/>
+                  </a:defRPr>
+                </a:lvl6pPr>
+                <a:lvl7pPr marL="2743200" algn="l" defTabSz="914400" rtl="0" eaLnBrk="1" latinLnBrk="0" hangingPunct="1">
+                  <a:defRPr sz="1800" kern="1200">
+                    <a:solidFill>
+                      <a:schemeClr val="tx1"/>
+                    </a:solidFill>
+                    <a:latin typeface="+mn-lt"/>
+                    <a:ea typeface="+mn-ea"/>
+                    <a:cs typeface="+mn-cs"/>
+                  </a:defRPr>
+                </a:lvl7pPr>
+                <a:lvl8pPr marL="3200400" algn="l" defTabSz="914400" rtl="0" eaLnBrk="1" latinLnBrk="0" hangingPunct="1">
+                  <a:defRPr sz="1800" kern="1200">
+                    <a:solidFill>
+                      <a:schemeClr val="tx1"/>
+                    </a:solidFill>
+                    <a:latin typeface="+mn-lt"/>
+                    <a:ea typeface="+mn-ea"/>
+                    <a:cs typeface="+mn-cs"/>
+                  </a:defRPr>
+                </a:lvl8pPr>
+                <a:lvl9pPr marL="3657600" algn="l" defTabSz="914400" rtl="0" eaLnBrk="1" latinLnBrk="0" hangingPunct="1">
+                  <a:defRPr sz="1800" kern="1200">
+                    <a:solidFill>
+                      <a:schemeClr val="tx1"/>
+                    </a:solidFill>
+                    <a:latin typeface="+mn-lt"/>
+                    <a:ea typeface="+mn-ea"/>
+                    <a:cs typeface="+mn-cs"/>
+                  </a:defRPr>
+                </a:lvl9pPr>
+              </a:lstStyle>
+              <a:p>
+                <a:endParaRPr lang="en-CA"/>
+              </a:p>
+            </p:txBody>
+          </p:sp>
+          <p:cxnSp>
+            <p:nvCxnSpPr>
+              <p:cNvPr id="11" name="Straight Connector 10"/>
+              <p:cNvCxnSpPr/>
+              <p:nvPr/>
+            </p:nvCxnSpPr>
+            <p:spPr>
+              <a:xfrm>
+                <a:off x="3067050" y="4457616"/>
+                <a:ext cx="495300" cy="0"/>
+              </a:xfrm>
+              <a:prstGeom prst="line">
+                <a:avLst/>
+              </a:prstGeom>
+              <a:ln w="34925" cap="rnd">
+                <a:solidFill>
+                  <a:schemeClr val="bg1">
+                    <a:lumMod val="75000"/>
+                  </a:schemeClr>
+                </a:solidFill>
+              </a:ln>
+            </p:spPr>
+            <p:style>
+              <a:lnRef idx="1">
+                <a:schemeClr val="accent1"/>
+              </a:lnRef>
+              <a:fillRef idx="0">
+                <a:schemeClr val="accent1"/>
+              </a:fillRef>
+              <a:effectRef idx="0">
+                <a:schemeClr val="accent1"/>
+              </a:effectRef>
+              <a:fontRef idx="minor">
+                <a:schemeClr val="tx1"/>
+              </a:fontRef>
+            </p:style>
+          </p:cxnSp>
+          <p:cxnSp>
+            <p:nvCxnSpPr>
+              <p:cNvPr id="12" name="Straight Connector 11"/>
+              <p:cNvCxnSpPr/>
+              <p:nvPr/>
+            </p:nvCxnSpPr>
+            <p:spPr>
+              <a:xfrm>
+                <a:off x="3067050" y="4588665"/>
+                <a:ext cx="495300" cy="0"/>
+              </a:xfrm>
+              <a:prstGeom prst="line">
+                <a:avLst/>
+              </a:prstGeom>
+              <a:ln w="34925" cap="rnd">
+                <a:solidFill>
+                  <a:schemeClr val="bg1">
+                    <a:lumMod val="75000"/>
+                  </a:schemeClr>
+                </a:solidFill>
+              </a:ln>
+            </p:spPr>
+            <p:style>
+              <a:lnRef idx="1">
+                <a:schemeClr val="accent1"/>
+              </a:lnRef>
+              <a:fillRef idx="0">
+                <a:schemeClr val="accent1"/>
+              </a:fillRef>
+              <a:effectRef idx="0">
+                <a:schemeClr val="accent1"/>
+              </a:effectRef>
+              <a:fontRef idx="minor">
+                <a:schemeClr val="tx1"/>
+              </a:fontRef>
+            </p:style>
+          </p:cxnSp>
+          <p:cxnSp>
+            <p:nvCxnSpPr>
+              <p:cNvPr id="13" name="Straight Connector 12"/>
+              <p:cNvCxnSpPr/>
+              <p:nvPr/>
+            </p:nvCxnSpPr>
+            <p:spPr>
+              <a:xfrm>
+                <a:off x="3067050" y="4723680"/>
+                <a:ext cx="311150" cy="0"/>
+              </a:xfrm>
+              <a:prstGeom prst="line">
+                <a:avLst/>
+              </a:prstGeom>
+              <a:ln w="34925" cap="rnd">
+                <a:solidFill>
+                  <a:schemeClr val="bg1">
+                    <a:lumMod val="75000"/>
+                  </a:schemeClr>
+                </a:solidFill>
+              </a:ln>
+            </p:spPr>
+            <p:style>
+              <a:lnRef idx="1">
+                <a:schemeClr val="accent1"/>
+              </a:lnRef>
+              <a:fillRef idx="0">
+                <a:schemeClr val="accent1"/>
+              </a:fillRef>
+              <a:effectRef idx="0">
+                <a:schemeClr val="accent1"/>
+              </a:effectRef>
+              <a:fontRef idx="minor">
+                <a:schemeClr val="tx1"/>
+              </a:fontRef>
+            </p:style>
+          </p:cxnSp>
+        </p:grpSp>
+        <p:sp>
+          <p:nvSpPr>
+            <p:cNvPr id="15" name="Rectangle 14"/>
+            <p:cNvSpPr/>
+            <p:nvPr/>
+          </p:nvSpPr>
+          <p:spPr>
+            <a:xfrm>
+              <a:off x="3473123" y="3804630"/>
+              <a:ext cx="1228765" cy="442228"/>
+            </a:xfrm>
+            <a:prstGeom prst="rect">
+              <a:avLst/>
+            </a:prstGeom>
+            <a:gradFill>
+              <a:gsLst>
+                <a:gs pos="0">
+                  <a:srgbClr val="201B7B"/>
+                </a:gs>
+                <a:gs pos="100000">
+                  <a:srgbClr val="631E75"/>
+                </a:gs>
+              </a:gsLst>
+              <a:lin ang="0" scaled="0"/>
+            </a:gradFill>
+            <a:ln>
+              <a:noFill/>
+            </a:ln>
+          </p:spPr>
+          <p:style>
+            <a:lnRef idx="2">
+              <a:schemeClr val="accent1">
+                <a:shade val="50000"/>
+              </a:schemeClr>
+            </a:lnRef>
+            <a:fillRef idx="1">
+              <a:schemeClr val="accent1"/>
+            </a:fillRef>
+            <a:effectRef idx="0">
+              <a:schemeClr val="accent1"/>
+            </a:effectRef>
+            <a:fontRef idx="minor">
+              <a:schemeClr val="lt1"/>
+            </a:fontRef>
+          </p:style>
+          <p:txBody>
+            <a:bodyPr rtlCol="0" anchor="ctr"/>
+            <a:lstStyle/>
+            <a:p>
+              <a:pPr algn="ctr"/>
+              <a:r>
+                <a:rPr lang="en-CA" b="1" dirty="0" smtClean="0"/>
+                <a:t>PLAY</a:t>
+              </a:r>
+              <a:endParaRPr lang="en-CA" b="1" dirty="0"/>
+            </a:p>
+          </p:txBody>
+        </p:sp>
+        <p:cxnSp>
+          <p:nvCxnSpPr>
+            <p:cNvPr id="22" name="Straight Arrow Connector 21"/>
+            <p:cNvCxnSpPr/>
+            <p:nvPr/>
+          </p:nvCxnSpPr>
+          <p:spPr>
+            <a:xfrm>
+              <a:off x="2084295" y="4037286"/>
+              <a:ext cx="1116106" cy="0"/>
+            </a:xfrm>
+            <a:prstGeom prst="straightConnector1">
+              <a:avLst/>
+            </a:prstGeom>
+            <a:ln w="63500" cap="rnd">
+              <a:solidFill>
+                <a:schemeClr val="bg1">
+                  <a:lumMod val="75000"/>
+                </a:schemeClr>
+              </a:solidFill>
+              <a:prstDash val="sysDot"/>
+              <a:tailEnd type="triangle"/>
+            </a:ln>
+          </p:spPr>
+          <p:style>
+            <a:lnRef idx="1">
+              <a:schemeClr val="accent1"/>
+            </a:lnRef>
+            <a:fillRef idx="0">
+              <a:schemeClr val="accent1"/>
+            </a:fillRef>
+            <a:effectRef idx="0">
+              <a:schemeClr val="accent1"/>
+            </a:effectRef>
+            <a:fontRef idx="minor">
+              <a:schemeClr val="tx1"/>
+            </a:fontRef>
+          </p:style>
+        </p:cxnSp>
+        <p:cxnSp>
+          <p:nvCxnSpPr>
+            <p:cNvPr id="23" name="Straight Arrow Connector 22"/>
+            <p:cNvCxnSpPr/>
+            <p:nvPr/>
+          </p:nvCxnSpPr>
+          <p:spPr>
+            <a:xfrm>
+              <a:off x="4988856" y="4004594"/>
+              <a:ext cx="1116106" cy="0"/>
+            </a:xfrm>
+            <a:prstGeom prst="straightConnector1">
+              <a:avLst/>
+            </a:prstGeom>
+            <a:ln w="63500" cap="rnd">
+              <a:solidFill>
+                <a:schemeClr val="bg1">
+                  <a:lumMod val="75000"/>
+                </a:schemeClr>
+              </a:solidFill>
+              <a:prstDash val="sysDot"/>
+              <a:tailEnd type="triangle"/>
+            </a:ln>
+          </p:spPr>
+          <p:style>
+            <a:lnRef idx="1">
+              <a:schemeClr val="accent1"/>
+            </a:lnRef>
+            <a:fillRef idx="0">
+              <a:schemeClr val="accent1"/>
+            </a:fillRef>
+            <a:effectRef idx="0">
+              <a:schemeClr val="accent1"/>
+            </a:effectRef>
+            <a:fontRef idx="minor">
+              <a:schemeClr val="tx1"/>
+            </a:fontRef>
+          </p:style>
+        </p:cxnSp>
+        <p:cxnSp>
+          <p:nvCxnSpPr>
+            <p:cNvPr id="24" name="Straight Arrow Connector 23"/>
+            <p:cNvCxnSpPr/>
+            <p:nvPr/>
+          </p:nvCxnSpPr>
+          <p:spPr>
+            <a:xfrm>
+              <a:off x="8248794" y="4025744"/>
+              <a:ext cx="1116106" cy="0"/>
+            </a:xfrm>
+            <a:prstGeom prst="straightConnector1">
+              <a:avLst/>
+            </a:prstGeom>
+            <a:ln w="63500" cap="rnd">
+              <a:solidFill>
+                <a:schemeClr val="bg1">
+                  <a:lumMod val="75000"/>
+                </a:schemeClr>
+              </a:solidFill>
+              <a:prstDash val="sysDot"/>
+              <a:tailEnd type="triangle"/>
+            </a:ln>
+          </p:spPr>
+          <p:style>
+            <a:lnRef idx="1">
+              <a:schemeClr val="accent1"/>
+            </a:lnRef>
+            <a:fillRef idx="0">
+              <a:schemeClr val="accent1"/>
+            </a:fillRef>
+            <a:effectRef idx="0">
+              <a:schemeClr val="accent1"/>
+            </a:effectRef>
+            <a:fontRef idx="minor">
+              <a:schemeClr val="tx1"/>
+            </a:fontRef>
+          </p:style>
+        </p:cxnSp>
+        <p:sp>
+          <p:nvSpPr>
+            <p:cNvPr id="26" name="Rectangle 25"/>
+            <p:cNvSpPr/>
+            <p:nvPr/>
+          </p:nvSpPr>
+          <p:spPr>
+            <a:xfrm>
+              <a:off x="9558401" y="3041868"/>
+              <a:ext cx="1842247" cy="2079201"/>
+            </a:xfrm>
+            <a:prstGeom prst="rect">
+              <a:avLst/>
+            </a:prstGeom>
+            <a:solidFill>
+              <a:schemeClr val="bg1"/>
+            </a:solidFill>
+            <a:ln>
+              <a:noFill/>
+            </a:ln>
+            <a:effectLst>
+              <a:outerShdw blurRad="127000" dist="38100" dir="5400000" algn="t" rotWithShape="0">
+                <a:prstClr val="black">
+                  <a:alpha val="20000"/>
+                </a:prstClr>
+              </a:outerShdw>
+            </a:effectLst>
+          </p:spPr>
+          <p:style>
+            <a:lnRef idx="2">
+              <a:schemeClr val="accent1">
+                <a:shade val="50000"/>
+              </a:schemeClr>
+            </a:lnRef>
+            <a:fillRef idx="1">
+              <a:schemeClr val="accent1"/>
+            </a:fillRef>
+            <a:effectRef idx="0">
+              <a:schemeClr val="accent1"/>
+            </a:effectRef>
+            <a:fontRef idx="minor">
+              <a:schemeClr val="lt1"/>
+            </a:fontRef>
+          </p:style>
+          <p:txBody>
+            <a:bodyPr rtlCol="0" anchor="ctr"/>
+            <a:lstStyle/>
+            <a:p>
+              <a:pPr algn="ctr"/>
+              <a:endParaRPr lang="en-CA"/>
+            </a:p>
+          </p:txBody>
+        </p:sp>
+        <p:sp>
+          <p:nvSpPr>
+            <p:cNvPr id="40" name="Rectangle 39"/>
+            <p:cNvSpPr/>
+            <p:nvPr/>
+          </p:nvSpPr>
+          <p:spPr>
+            <a:xfrm>
+              <a:off x="6242758" y="4712242"/>
+              <a:ext cx="1842247" cy="865247"/>
+            </a:xfrm>
+            <a:prstGeom prst="rect">
+              <a:avLst/>
+            </a:prstGeom>
+            <a:solidFill>
+              <a:schemeClr val="bg1"/>
+            </a:solidFill>
+            <a:ln>
+              <a:noFill/>
+            </a:ln>
+            <a:effectLst>
+              <a:outerShdw blurRad="127000" dist="38100" dir="5400000" algn="t" rotWithShape="0">
+                <a:prstClr val="black">
+                  <a:alpha val="20000"/>
+                </a:prstClr>
+              </a:outerShdw>
+            </a:effectLst>
+          </p:spPr>
+          <p:style>
+            <a:lnRef idx="2">
+              <a:schemeClr val="accent1">
+                <a:shade val="50000"/>
+              </a:schemeClr>
+            </a:lnRef>
+            <a:fillRef idx="1">
+              <a:schemeClr val="accent1"/>
+            </a:fillRef>
+            <a:effectRef idx="0">
+              <a:schemeClr val="accent1"/>
+            </a:effectRef>
+            <a:fontRef idx="minor">
+              <a:schemeClr val="lt1"/>
+            </a:fontRef>
+          </p:style>
+          <p:txBody>
+            <a:bodyPr rtlCol="0" anchor="ctr"/>
+            <a:lstStyle/>
+            <a:p>
+              <a:pPr algn="ctr"/>
+              <a:endParaRPr lang="en-CA"/>
+            </a:p>
+          </p:txBody>
+        </p:sp>
+        <p:sp>
+          <p:nvSpPr>
+            <p:cNvPr id="44" name="Rectangle 43"/>
+            <p:cNvSpPr/>
+            <p:nvPr/>
+          </p:nvSpPr>
+          <p:spPr>
+            <a:xfrm>
+              <a:off x="6237635" y="3593735"/>
+              <a:ext cx="1842247" cy="865247"/>
+            </a:xfrm>
+            <a:prstGeom prst="rect">
+              <a:avLst/>
+            </a:prstGeom>
+            <a:solidFill>
+              <a:schemeClr val="bg1"/>
+            </a:solidFill>
+            <a:ln>
+              <a:noFill/>
+            </a:ln>
+            <a:effectLst>
+              <a:outerShdw blurRad="127000" dist="38100" dir="5400000" algn="t" rotWithShape="0">
+                <a:prstClr val="black">
+                  <a:alpha val="20000"/>
+                </a:prstClr>
+              </a:outerShdw>
+            </a:effectLst>
+          </p:spPr>
+          <p:style>
+            <a:lnRef idx="2">
+              <a:schemeClr val="accent1">
+                <a:shade val="50000"/>
+              </a:schemeClr>
+            </a:lnRef>
+            <a:fillRef idx="1">
+              <a:schemeClr val="accent1"/>
+            </a:fillRef>
+            <a:effectRef idx="0">
+              <a:schemeClr val="accent1"/>
+            </a:effectRef>
+            <a:fontRef idx="minor">
+              <a:schemeClr val="lt1"/>
+            </a:fontRef>
+          </p:style>
+          <p:txBody>
+            <a:bodyPr rtlCol="0" anchor="ctr"/>
+            <a:lstStyle/>
+            <a:p>
+              <a:pPr algn="ctr"/>
+              <a:endParaRPr lang="en-CA"/>
+            </a:p>
+          </p:txBody>
+        </p:sp>
+        <p:sp>
+          <p:nvSpPr>
+            <p:cNvPr id="45" name="Rectangle 44"/>
+            <p:cNvSpPr/>
+            <p:nvPr/>
+          </p:nvSpPr>
+          <p:spPr>
+            <a:xfrm>
+              <a:off x="6234581" y="2479586"/>
+              <a:ext cx="1842247" cy="865247"/>
+            </a:xfrm>
+            <a:prstGeom prst="rect">
+              <a:avLst/>
+            </a:prstGeom>
+            <a:solidFill>
+              <a:schemeClr val="bg1"/>
+            </a:solidFill>
+            <a:ln>
+              <a:noFill/>
+            </a:ln>
+            <a:effectLst>
+              <a:outerShdw blurRad="127000" dist="38100" dir="5400000" algn="t" rotWithShape="0">
+                <a:prstClr val="black">
+                  <a:alpha val="20000"/>
+                </a:prstClr>
+              </a:outerShdw>
+            </a:effectLst>
+          </p:spPr>
+          <p:style>
+            <a:lnRef idx="2">
+              <a:schemeClr val="accent1">
+                <a:shade val="50000"/>
+              </a:schemeClr>
+            </a:lnRef>
+            <a:fillRef idx="1">
+              <a:schemeClr val="accent1"/>
+            </a:fillRef>
+            <a:effectRef idx="0">
+              <a:schemeClr val="accent1"/>
+            </a:effectRef>
+            <a:fontRef idx="minor">
+              <a:schemeClr val="lt1"/>
+            </a:fontRef>
+          </p:style>
+          <p:txBody>
+            <a:bodyPr rtlCol="0" anchor="ctr"/>
+            <a:lstStyle/>
+            <a:p>
+              <a:pPr algn="ctr"/>
+              <a:endParaRPr lang="en-CA"/>
+            </a:p>
+          </p:txBody>
+        </p:sp>
+        <p:pic>
+          <p:nvPicPr>
+            <p:cNvPr id="5" name="Picture 4"/>
+            <p:cNvPicPr>
+              <a:picLocks noChangeAspect="1"/>
+            </p:cNvPicPr>
+            <p:nvPr/>
+          </p:nvPicPr>
+          <p:blipFill>
+            <a:blip r:embed="rId4" cstate="print">
+              <a:extLst>
+                <a:ext uri="{28A0092B-C50C-407E-A947-70E740481C1C}">
+                  <a14:useLocalDpi xmlns:a14="http://schemas.microsoft.com/office/drawing/2010/main" val="0"/>
+                </a:ext>
+              </a:extLst>
+            </a:blip>
+            <a:stretch>
+              <a:fillRect/>
+            </a:stretch>
+          </p:blipFill>
+          <p:spPr>
+            <a:xfrm>
+              <a:off x="6696196" y="2782549"/>
+              <a:ext cx="919016" cy="259319"/>
+            </a:xfrm>
+            <a:prstGeom prst="rect">
+              <a:avLst/>
+            </a:prstGeom>
+          </p:spPr>
+        </p:pic>
+        <p:pic>
+          <p:nvPicPr>
+            <p:cNvPr id="46" name="Picture 45"/>
+            <p:cNvPicPr>
+              <a:picLocks noChangeAspect="1"/>
+            </p:cNvPicPr>
+            <p:nvPr/>
+          </p:nvPicPr>
+          <p:blipFill>
+            <a:blip r:embed="rId4" cstate="print">
+              <a:extLst>
+                <a:ext uri="{28A0092B-C50C-407E-A947-70E740481C1C}">
+                  <a14:useLocalDpi xmlns:a14="http://schemas.microsoft.com/office/drawing/2010/main" val="0"/>
+                </a:ext>
+              </a:extLst>
+            </a:blip>
+            <a:stretch>
+              <a:fillRect/>
+            </a:stretch>
+          </p:blipFill>
+          <p:spPr>
+            <a:xfrm>
+              <a:off x="6696196" y="3874934"/>
+              <a:ext cx="919016" cy="259319"/>
+            </a:xfrm>
+            <a:prstGeom prst="rect">
+              <a:avLst/>
+            </a:prstGeom>
+          </p:spPr>
+        </p:pic>
+        <p:pic>
+          <p:nvPicPr>
+            <p:cNvPr id="47" name="Picture 46"/>
+            <p:cNvPicPr>
+              <a:picLocks noChangeAspect="1"/>
+            </p:cNvPicPr>
+            <p:nvPr/>
+          </p:nvPicPr>
+          <p:blipFill>
+            <a:blip r:embed="rId4" cstate="print">
+              <a:extLst>
+                <a:ext uri="{28A0092B-C50C-407E-A947-70E740481C1C}">
+                  <a14:useLocalDpi xmlns:a14="http://schemas.microsoft.com/office/drawing/2010/main" val="0"/>
+                </a:ext>
+              </a:extLst>
+            </a:blip>
+            <a:stretch>
+              <a:fillRect/>
+            </a:stretch>
+          </p:blipFill>
+          <p:spPr>
+            <a:xfrm>
+              <a:off x="6704373" y="5015205"/>
+              <a:ext cx="919016" cy="259319"/>
+            </a:xfrm>
+            <a:prstGeom prst="rect">
+              <a:avLst/>
+            </a:prstGeom>
+          </p:spPr>
+        </p:pic>
+        <p:pic>
+          <p:nvPicPr>
+            <p:cNvPr id="43" name="Picture 42"/>
+            <p:cNvPicPr>
+              <a:picLocks noChangeAspect="1"/>
+            </p:cNvPicPr>
+            <p:nvPr/>
+          </p:nvPicPr>
+          <p:blipFill>
+            <a:blip r:embed="rId5" cstate="print">
+              <a:extLst>
+                <a:ext uri="{28A0092B-C50C-407E-A947-70E740481C1C}">
+                  <a14:useLocalDpi xmlns:a14="http://schemas.microsoft.com/office/drawing/2010/main" val="0"/>
+                </a:ext>
+              </a:extLst>
+            </a:blip>
+            <a:stretch>
+              <a:fillRect/>
+            </a:stretch>
+          </p:blipFill>
+          <p:spPr>
+            <a:xfrm>
+              <a:off x="9832189" y="3520948"/>
+              <a:ext cx="1250768" cy="1157736"/>
+            </a:xfrm>
+            <a:prstGeom prst="rect">
+              <a:avLst/>
+            </a:prstGeom>
+          </p:spPr>
+        </p:pic>
+        <p:grpSp>
+          <p:nvGrpSpPr>
+            <p:cNvPr id="48" name="Group 47"/>
+            <p:cNvGrpSpPr/>
+            <p:nvPr/>
+          </p:nvGrpSpPr>
+          <p:grpSpPr>
+            <a:xfrm>
+              <a:off x="11227722" y="4954061"/>
+              <a:ext cx="345852" cy="346848"/>
+              <a:chOff x="11095777" y="3669465"/>
+              <a:chExt cx="500683" cy="502125"/>
+            </a:xfrm>
+          </p:grpSpPr>
+          <p:sp>
+            <p:nvSpPr>
+              <p:cNvPr id="49" name="Oval 48"/>
+              <p:cNvSpPr/>
+              <p:nvPr/>
+            </p:nvSpPr>
+            <p:spPr>
+              <a:xfrm>
+                <a:off x="11098217" y="3669465"/>
+                <a:ext cx="469383" cy="469383"/>
+              </a:xfrm>
+              <a:prstGeom prst="ellipse">
+                <a:avLst/>
+              </a:prstGeom>
+              <a:solidFill>
+                <a:schemeClr val="bg1"/>
+              </a:solidFill>
+              <a:ln>
+                <a:noFill/>
+              </a:ln>
+            </p:spPr>
+            <p:style>
+              <a:lnRef idx="2">
+                <a:schemeClr val="accent1">
+                  <a:shade val="50000"/>
+                </a:schemeClr>
+              </a:lnRef>
+              <a:fillRef idx="1">
+                <a:schemeClr val="accent1"/>
+              </a:fillRef>
+              <a:effectRef idx="0">
+                <a:schemeClr val="accent1"/>
+              </a:effectRef>
+              <a:fontRef idx="minor">
+                <a:schemeClr val="lt1"/>
+              </a:fontRef>
+            </p:style>
+            <p:txBody>
+              <a:bodyPr rtlCol="0" anchor="ctr"/>
+              <a:lstStyle/>
+              <a:p>
+                <a:pPr algn="ctr"/>
+                <a:endParaRPr lang="en-CA"/>
+              </a:p>
+            </p:txBody>
+          </p:sp>
+          <p:sp>
+            <p:nvSpPr>
+              <p:cNvPr id="50" name="Freeform 49"/>
+              <p:cNvSpPr>
+                <a:spLocks noEditPoints="1"/>
+              </p:cNvSpPr>
+              <p:nvPr/>
+            </p:nvSpPr>
+            <p:spPr bwMode="auto">
+              <a:xfrm>
+                <a:off x="11095777" y="3669465"/>
+                <a:ext cx="500683" cy="502125"/>
+              </a:xfrm>
+              <a:custGeom>
+                <a:avLst/>
+                <a:gdLst>
+                  <a:gd name="T0" fmla="*/ 110 w 147"/>
+                  <a:gd name="T1" fmla="*/ 10 h 147"/>
+                  <a:gd name="T2" fmla="*/ 73 w 147"/>
+                  <a:gd name="T3" fmla="*/ 0 h 147"/>
+                  <a:gd name="T4" fmla="*/ 36 w 147"/>
+                  <a:gd name="T5" fmla="*/ 10 h 147"/>
+                  <a:gd name="T6" fmla="*/ 10 w 147"/>
+                  <a:gd name="T7" fmla="*/ 37 h 147"/>
+                  <a:gd name="T8" fmla="*/ 0 w 147"/>
+                  <a:gd name="T9" fmla="*/ 74 h 147"/>
+                  <a:gd name="T10" fmla="*/ 10 w 147"/>
+                  <a:gd name="T11" fmla="*/ 111 h 147"/>
+                  <a:gd name="T12" fmla="*/ 36 w 147"/>
+                  <a:gd name="T13" fmla="*/ 137 h 147"/>
+                  <a:gd name="T14" fmla="*/ 73 w 147"/>
+                  <a:gd name="T15" fmla="*/ 147 h 147"/>
+                  <a:gd name="T16" fmla="*/ 110 w 147"/>
+                  <a:gd name="T17" fmla="*/ 137 h 147"/>
+                  <a:gd name="T18" fmla="*/ 137 w 147"/>
+                  <a:gd name="T19" fmla="*/ 111 h 147"/>
+                  <a:gd name="T20" fmla="*/ 147 w 147"/>
+                  <a:gd name="T21" fmla="*/ 74 h 147"/>
+                  <a:gd name="T22" fmla="*/ 137 w 147"/>
+                  <a:gd name="T23" fmla="*/ 37 h 147"/>
+                  <a:gd name="T24" fmla="*/ 110 w 147"/>
+                  <a:gd name="T25" fmla="*/ 10 h 147"/>
+                  <a:gd name="T26" fmla="*/ 121 w 147"/>
+                  <a:gd name="T27" fmla="*/ 63 h 147"/>
+                  <a:gd name="T28" fmla="*/ 69 w 147"/>
+                  <a:gd name="T29" fmla="*/ 114 h 147"/>
+                  <a:gd name="T30" fmla="*/ 65 w 147"/>
+                  <a:gd name="T31" fmla="*/ 116 h 147"/>
+                  <a:gd name="T32" fmla="*/ 60 w 147"/>
+                  <a:gd name="T33" fmla="*/ 114 h 147"/>
+                  <a:gd name="T34" fmla="*/ 26 w 147"/>
+                  <a:gd name="T35" fmla="*/ 80 h 147"/>
+                  <a:gd name="T36" fmla="*/ 24 w 147"/>
+                  <a:gd name="T37" fmla="*/ 76 h 147"/>
+                  <a:gd name="T38" fmla="*/ 26 w 147"/>
+                  <a:gd name="T39" fmla="*/ 71 h 147"/>
+                  <a:gd name="T40" fmla="*/ 34 w 147"/>
+                  <a:gd name="T41" fmla="*/ 63 h 147"/>
+                  <a:gd name="T42" fmla="*/ 39 w 147"/>
+                  <a:gd name="T43" fmla="*/ 61 h 147"/>
+                  <a:gd name="T44" fmla="*/ 43 w 147"/>
+                  <a:gd name="T45" fmla="*/ 63 h 147"/>
+                  <a:gd name="T46" fmla="*/ 65 w 147"/>
+                  <a:gd name="T47" fmla="*/ 84 h 147"/>
+                  <a:gd name="T48" fmla="*/ 104 w 147"/>
+                  <a:gd name="T49" fmla="*/ 45 h 147"/>
+                  <a:gd name="T50" fmla="*/ 108 w 147"/>
+                  <a:gd name="T51" fmla="*/ 43 h 147"/>
+                  <a:gd name="T52" fmla="*/ 112 w 147"/>
+                  <a:gd name="T53" fmla="*/ 45 h 147"/>
+                  <a:gd name="T54" fmla="*/ 121 w 147"/>
+                  <a:gd name="T55" fmla="*/ 54 h 147"/>
+                  <a:gd name="T56" fmla="*/ 123 w 147"/>
+                  <a:gd name="T57" fmla="*/ 58 h 147"/>
+                  <a:gd name="T58" fmla="*/ 121 w 147"/>
+                  <a:gd name="T59" fmla="*/ 63 h 147"/>
+                </a:gdLst>
+                <a:ahLst/>
+                <a:cxnLst>
+                  <a:cxn ang="0">
+                    <a:pos x="T0" y="T1"/>
+                  </a:cxn>
+                  <a:cxn ang="0">
+                    <a:pos x="T2" y="T3"/>
+                  </a:cxn>
+                  <a:cxn ang="0">
+                    <a:pos x="T4" y="T5"/>
+                  </a:cxn>
+                  <a:cxn ang="0">
+                    <a:pos x="T6" y="T7"/>
+                  </a:cxn>
+                  <a:cxn ang="0">
+                    <a:pos x="T8" y="T9"/>
+                  </a:cxn>
+                  <a:cxn ang="0">
+                    <a:pos x="T10" y="T11"/>
+                  </a:cxn>
+                  <a:cxn ang="0">
+                    <a:pos x="T12" y="T13"/>
+                  </a:cxn>
+                  <a:cxn ang="0">
+                    <a:pos x="T14" y="T15"/>
+                  </a:cxn>
+                  <a:cxn ang="0">
+                    <a:pos x="T16" y="T17"/>
+                  </a:cxn>
+                  <a:cxn ang="0">
+                    <a:pos x="T18" y="T19"/>
+                  </a:cxn>
+                  <a:cxn ang="0">
+                    <a:pos x="T20" y="T21"/>
+                  </a:cxn>
+                  <a:cxn ang="0">
+                    <a:pos x="T22" y="T23"/>
+                  </a:cxn>
+                  <a:cxn ang="0">
+                    <a:pos x="T24" y="T25"/>
+                  </a:cxn>
+                  <a:cxn ang="0">
+                    <a:pos x="T26" y="T27"/>
+                  </a:cxn>
+                  <a:cxn ang="0">
+                    <a:pos x="T28" y="T29"/>
+                  </a:cxn>
+                  <a:cxn ang="0">
+                    <a:pos x="T30" y="T31"/>
+                  </a:cxn>
+                  <a:cxn ang="0">
+                    <a:pos x="T32" y="T33"/>
+                  </a:cxn>
+                  <a:cxn ang="0">
+                    <a:pos x="T34" y="T35"/>
+                  </a:cxn>
+                  <a:cxn ang="0">
+                    <a:pos x="T36" y="T37"/>
+                  </a:cxn>
+                  <a:cxn ang="0">
+                    <a:pos x="T38" y="T39"/>
+                  </a:cxn>
+                  <a:cxn ang="0">
+                    <a:pos x="T40" y="T41"/>
+                  </a:cxn>
+                  <a:cxn ang="0">
+                    <a:pos x="T42" y="T43"/>
+                  </a:cxn>
+                  <a:cxn ang="0">
+                    <a:pos x="T44" y="T45"/>
+                  </a:cxn>
+                  <a:cxn ang="0">
+                    <a:pos x="T46" y="T47"/>
+                  </a:cxn>
+                  <a:cxn ang="0">
+                    <a:pos x="T48" y="T49"/>
+                  </a:cxn>
+                  <a:cxn ang="0">
+                    <a:pos x="T50" y="T51"/>
+                  </a:cxn>
+                  <a:cxn ang="0">
+                    <a:pos x="T52" y="T53"/>
+                  </a:cxn>
+                  <a:cxn ang="0">
+                    <a:pos x="T54" y="T55"/>
+                  </a:cxn>
+                  <a:cxn ang="0">
+                    <a:pos x="T56" y="T57"/>
+                  </a:cxn>
+                  <a:cxn ang="0">
+                    <a:pos x="T58" y="T59"/>
+                  </a:cxn>
+                </a:cxnLst>
+                <a:rect l="0" t="0" r="r" b="b"/>
+                <a:pathLst>
+                  <a:path w="147" h="147">
+                    <a:moveTo>
+                      <a:pt x="110" y="10"/>
+                    </a:moveTo>
+                    <a:cubicBezTo>
+                      <a:pt x="99" y="4"/>
+                      <a:pt x="87" y="0"/>
+                      <a:pt x="73" y="0"/>
+                    </a:cubicBezTo>
+                    <a:cubicBezTo>
+                      <a:pt x="60" y="0"/>
+                      <a:pt x="48" y="4"/>
+                      <a:pt x="36" y="10"/>
+                    </a:cubicBezTo>
+                    <a:cubicBezTo>
+                      <a:pt x="25" y="17"/>
+                      <a:pt x="16" y="26"/>
+                      <a:pt x="10" y="37"/>
+                    </a:cubicBezTo>
+                    <a:cubicBezTo>
+                      <a:pt x="3" y="48"/>
+                      <a:pt x="0" y="60"/>
+                      <a:pt x="0" y="74"/>
+                    </a:cubicBezTo>
+                    <a:cubicBezTo>
+                      <a:pt x="0" y="87"/>
+                      <a:pt x="3" y="99"/>
+                      <a:pt x="10" y="111"/>
+                    </a:cubicBezTo>
+                    <a:cubicBezTo>
+                      <a:pt x="16" y="122"/>
+                      <a:pt x="25" y="131"/>
+                      <a:pt x="36" y="137"/>
+                    </a:cubicBezTo>
+                    <a:cubicBezTo>
+                      <a:pt x="48" y="144"/>
+                      <a:pt x="60" y="147"/>
+                      <a:pt x="73" y="147"/>
+                    </a:cubicBezTo>
+                    <a:cubicBezTo>
+                      <a:pt x="87" y="147"/>
+                      <a:pt x="99" y="144"/>
+                      <a:pt x="110" y="137"/>
+                    </a:cubicBezTo>
+                    <a:cubicBezTo>
+                      <a:pt x="121" y="131"/>
+                      <a:pt x="130" y="122"/>
+                      <a:pt x="137" y="111"/>
+                    </a:cubicBezTo>
+                    <a:cubicBezTo>
+                      <a:pt x="143" y="99"/>
+                      <a:pt x="147" y="87"/>
+                      <a:pt x="147" y="74"/>
+                    </a:cubicBezTo>
+                    <a:cubicBezTo>
+                      <a:pt x="147" y="60"/>
+                      <a:pt x="143" y="48"/>
+                      <a:pt x="137" y="37"/>
+                    </a:cubicBezTo>
+                    <a:cubicBezTo>
+                      <a:pt x="130" y="26"/>
+                      <a:pt x="121" y="17"/>
+                      <a:pt x="110" y="10"/>
+                    </a:cubicBezTo>
+                    <a:close/>
+                    <a:moveTo>
+                      <a:pt x="121" y="63"/>
+                    </a:moveTo>
+                    <a:cubicBezTo>
+                      <a:pt x="69" y="114"/>
+                      <a:pt x="69" y="114"/>
+                      <a:pt x="69" y="114"/>
+                    </a:cubicBezTo>
+                    <a:cubicBezTo>
+                      <a:pt x="68" y="116"/>
+                      <a:pt x="66" y="116"/>
+                      <a:pt x="65" y="116"/>
+                    </a:cubicBezTo>
+                    <a:cubicBezTo>
+                      <a:pt x="63" y="116"/>
+                      <a:pt x="62" y="116"/>
+                      <a:pt x="60" y="114"/>
+                    </a:cubicBezTo>
+                    <a:cubicBezTo>
+                      <a:pt x="26" y="80"/>
+                      <a:pt x="26" y="80"/>
+                      <a:pt x="26" y="80"/>
+                    </a:cubicBezTo>
+                    <a:cubicBezTo>
+                      <a:pt x="25" y="79"/>
+                      <a:pt x="24" y="77"/>
+                      <a:pt x="24" y="76"/>
+                    </a:cubicBezTo>
+                    <a:cubicBezTo>
+                      <a:pt x="24" y="74"/>
+                      <a:pt x="25" y="72"/>
+                      <a:pt x="26" y="71"/>
+                    </a:cubicBezTo>
+                    <a:cubicBezTo>
+                      <a:pt x="34" y="63"/>
+                      <a:pt x="34" y="63"/>
+                      <a:pt x="34" y="63"/>
+                    </a:cubicBezTo>
+                    <a:cubicBezTo>
+                      <a:pt x="36" y="61"/>
+                      <a:pt x="37" y="61"/>
+                      <a:pt x="39" y="61"/>
+                    </a:cubicBezTo>
+                    <a:cubicBezTo>
+                      <a:pt x="40" y="61"/>
+                      <a:pt x="42" y="61"/>
+                      <a:pt x="43" y="63"/>
+                    </a:cubicBezTo>
+                    <a:cubicBezTo>
+                      <a:pt x="65" y="84"/>
+                      <a:pt x="65" y="84"/>
+                      <a:pt x="65" y="84"/>
+                    </a:cubicBezTo>
+                    <a:cubicBezTo>
+                      <a:pt x="104" y="45"/>
+                      <a:pt x="104" y="45"/>
+                      <a:pt x="104" y="45"/>
+                    </a:cubicBezTo>
+                    <a:cubicBezTo>
+                      <a:pt x="105" y="44"/>
+                      <a:pt x="106" y="43"/>
+                      <a:pt x="108" y="43"/>
+                    </a:cubicBezTo>
+                    <a:cubicBezTo>
+                      <a:pt x="110" y="43"/>
+                      <a:pt x="111" y="44"/>
+                      <a:pt x="112" y="45"/>
+                    </a:cubicBezTo>
+                    <a:cubicBezTo>
+                      <a:pt x="121" y="54"/>
+                      <a:pt x="121" y="54"/>
+                      <a:pt x="121" y="54"/>
+                    </a:cubicBezTo>
+                    <a:cubicBezTo>
+                      <a:pt x="122" y="55"/>
+                      <a:pt x="123" y="57"/>
+                      <a:pt x="123" y="58"/>
+                    </a:cubicBezTo>
+                    <a:cubicBezTo>
+                      <a:pt x="123" y="60"/>
+                      <a:pt x="122" y="61"/>
+                      <a:pt x="121" y="63"/>
+                    </a:cubicBezTo>
+                    <a:close/>
+                  </a:path>
+                </a:pathLst>
+              </a:custGeom>
+              <a:solidFill>
+                <a:srgbClr val="00B050"/>
+              </a:solidFill>
+              <a:ln>
+                <a:noFill/>
+              </a:ln>
+              <a:extLst/>
+            </p:spPr>
+            <p:txBody>
+              <a:bodyPr vert="horz" wrap="square" lIns="91440" tIns="45720" rIns="91440" bIns="45720" numCol="1" anchor="t" anchorCtr="0" compatLnSpc="1">
+                <a:prstTxWarp prst="textNoShape">
+                  <a:avLst/>
+                </a:prstTxWarp>
+              </a:bodyPr>
+              <a:lstStyle>
+                <a:defPPr>
+                  <a:defRPr lang="en-US"/>
+                </a:defPPr>
+                <a:lvl1pPr marL="0" algn="l" defTabSz="914400" rtl="0" eaLnBrk="1" latinLnBrk="0" hangingPunct="1">
+                  <a:defRPr sz="1800" kern="1200">
+                    <a:solidFill>
+                      <a:schemeClr val="tx1"/>
+                    </a:solidFill>
+                    <a:latin typeface="+mn-lt"/>
+                    <a:ea typeface="+mn-ea"/>
+                    <a:cs typeface="+mn-cs"/>
+                  </a:defRPr>
+                </a:lvl1pPr>
+                <a:lvl2pPr marL="457200" algn="l" defTabSz="914400" rtl="0" eaLnBrk="1" latinLnBrk="0" hangingPunct="1">
+                  <a:defRPr sz="1800" kern="1200">
+                    <a:solidFill>
+                      <a:schemeClr val="tx1"/>
+                    </a:solidFill>
+                    <a:latin typeface="+mn-lt"/>
+                    <a:ea typeface="+mn-ea"/>
+                    <a:cs typeface="+mn-cs"/>
+                  </a:defRPr>
+                </a:lvl2pPr>
+                <a:lvl3pPr marL="914400" algn="l" defTabSz="914400" rtl="0" eaLnBrk="1" latinLnBrk="0" hangingPunct="1">
+                  <a:defRPr sz="1800" kern="1200">
+                    <a:solidFill>
+                      <a:schemeClr val="tx1"/>
+                    </a:solidFill>
+                    <a:latin typeface="+mn-lt"/>
+                    <a:ea typeface="+mn-ea"/>
+                    <a:cs typeface="+mn-cs"/>
+                  </a:defRPr>
+                </a:lvl3pPr>
+                <a:lvl4pPr marL="1371600" algn="l" defTabSz="914400" rtl="0" eaLnBrk="1" latinLnBrk="0" hangingPunct="1">
+                  <a:defRPr sz="1800" kern="1200">
+                    <a:solidFill>
+                      <a:schemeClr val="tx1"/>
+                    </a:solidFill>
+                    <a:latin typeface="+mn-lt"/>
+                    <a:ea typeface="+mn-ea"/>
+                    <a:cs typeface="+mn-cs"/>
+                  </a:defRPr>
+                </a:lvl4pPr>
+                <a:lvl5pPr marL="1828800" algn="l" defTabSz="914400" rtl="0" eaLnBrk="1" latinLnBrk="0" hangingPunct="1">
+                  <a:defRPr sz="1800" kern="1200">
+                    <a:solidFill>
+                      <a:schemeClr val="tx1"/>
+                    </a:solidFill>
+                    <a:latin typeface="+mn-lt"/>
+                    <a:ea typeface="+mn-ea"/>
+                    <a:cs typeface="+mn-cs"/>
+                  </a:defRPr>
+                </a:lvl5pPr>
+                <a:lvl6pPr marL="2286000" algn="l" defTabSz="914400" rtl="0" eaLnBrk="1" latinLnBrk="0" hangingPunct="1">
+                  <a:defRPr sz="1800" kern="1200">
+                    <a:solidFill>
+                      <a:schemeClr val="tx1"/>
+                    </a:solidFill>
+                    <a:latin typeface="+mn-lt"/>
+                    <a:ea typeface="+mn-ea"/>
+                    <a:cs typeface="+mn-cs"/>
+                  </a:defRPr>
+                </a:lvl6pPr>
+                <a:lvl7pPr marL="2743200" algn="l" defTabSz="914400" rtl="0" eaLnBrk="1" latinLnBrk="0" hangingPunct="1">
+                  <a:defRPr sz="1800" kern="1200">
+                    <a:solidFill>
+                      <a:schemeClr val="tx1"/>
+                    </a:solidFill>
+                    <a:latin typeface="+mn-lt"/>
+                    <a:ea typeface="+mn-ea"/>
+                    <a:cs typeface="+mn-cs"/>
+                  </a:defRPr>
+                </a:lvl7pPr>
+                <a:lvl8pPr marL="3200400" algn="l" defTabSz="914400" rtl="0" eaLnBrk="1" latinLnBrk="0" hangingPunct="1">
+                  <a:defRPr sz="1800" kern="1200">
+                    <a:solidFill>
+                      <a:schemeClr val="tx1"/>
+                    </a:solidFill>
+                    <a:latin typeface="+mn-lt"/>
+                    <a:ea typeface="+mn-ea"/>
+                    <a:cs typeface="+mn-cs"/>
+                  </a:defRPr>
+                </a:lvl8pPr>
+                <a:lvl9pPr marL="3657600" algn="l" defTabSz="914400" rtl="0" eaLnBrk="1" latinLnBrk="0" hangingPunct="1">
+                  <a:defRPr sz="1800" kern="1200">
+                    <a:solidFill>
+                      <a:schemeClr val="tx1"/>
+                    </a:solidFill>
+                    <a:latin typeface="+mn-lt"/>
+                    <a:ea typeface="+mn-ea"/>
+                    <a:cs typeface="+mn-cs"/>
+                  </a:defRPr>
+                </a:lvl9pPr>
+              </a:lstStyle>
+              <a:p>
+                <a:endParaRPr lang="en-CA"/>
+              </a:p>
+            </p:txBody>
+          </p:sp>
+        </p:grpSp>
+      </p:grpSp>
+      <p:sp>
+        <p:nvSpPr>
+          <p:cNvPr id="4" name="Slide Number Placeholder 3"/>
+          <p:cNvSpPr>
+            <a:spLocks noGrp="1"/>
+          </p:cNvSpPr>
+          <p:nvPr>
+            <p:ph type="sldNum" sz="quarter" idx="4"/>
+          </p:nvPr>
+        </p:nvSpPr>
+        <p:spPr/>
+        <p:txBody>
+          <a:bodyPr/>
+          <a:lstStyle/>
+          <a:p>
+            <a:fld id="{105822BA-B7AE-4DDB-BAFC-C8E55FB5C986}" type="slidenum">
+              <a:rPr lang="en-CA" smtClean="0"/>
+              <a:pPr/>
+              <a:t>11</a:t>
+            </a:fld>
+            <a:r>
+              <a:rPr lang="en-CA" smtClean="0"/>
+              <a:t> </a:t>
+            </a:r>
+            <a:endParaRPr lang="en-CA" dirty="0"/>
+          </a:p>
+        </p:txBody>
+      </p:sp>
+    </p:spTree>
+    <p:extLst>
+      <p:ext uri="{BB962C8B-B14F-4D97-AF65-F5344CB8AC3E}">
+        <p14:creationId xmlns:p14="http://schemas.microsoft.com/office/powerpoint/2010/main" val="2338175210"/>
+      </p:ext>
+    </p:extLst>
+  </p:cSld>
+  <p:clrMapOvr>
+    <a:masterClrMapping/>
+  </p:clrMapOvr>
+  <p:timing>
+    <p:tnLst>
+      <p:par>
+        <p:cTn id="1" dur="indefinite" restart="never" nodeType="tmRoot"/>
+      </p:par>
+    </p:tnLst>
+  </p:timing>
+</p:sld>
+</file>
+
+<file path=ppt/slides/slide12.xml><?xml version="1.0" encoding="utf-8"?>
+<p:sld xmlns:a="http://schemas.openxmlformats.org/drawingml/2006/main" xmlns:r="http://schemas.openxmlformats.org/officeDocument/2006/relationships" xmlns:p="http://schemas.openxmlformats.org/presentationml/2006/main">
+  <p:cSld>
     <p:bg>
       <p:bgPr>
         <a:blipFill dpi="0" rotWithShape="1">
@@ -4326,7 +9129,7 @@
 </p:sld>
 </file>
 
-<file path=ppt/slides/slide11.xml><?xml version="1.0" encoding="utf-8"?>
+<file path=ppt/slides/slide13.xml><?xml version="1.0" encoding="utf-8"?>
 <p:sld xmlns:a="http://schemas.openxmlformats.org/drawingml/2006/main" xmlns:r="http://schemas.openxmlformats.org/officeDocument/2006/relationships" xmlns:p="http://schemas.openxmlformats.org/presentationml/2006/main">
   <p:cSld>
     <p:spTree>
@@ -5034,9 +9837,7 @@
             <a:srgbClr val="00883D"/>
           </a:solidFill>
           <a:ln>
-            <a:solidFill>
-              <a:srgbClr val="00B050"/>
-            </a:solidFill>
+            <a:noFill/>
           </a:ln>
         </p:spPr>
         <p:style>
@@ -5648,7 +10449,7 @@
             <a:fld id="{105822BA-B7AE-4DDB-BAFC-C8E55FB5C986}" type="slidenum">
               <a:rPr lang="en-CA" smtClean="0"/>
               <a:pPr/>
-              <a:t>11</a:t>
+              <a:t>13</a:t>
             </a:fld>
             <a:r>
               <a:rPr lang="en-CA" smtClean="0"/>
@@ -5678,7 +10479,2218 @@
 </p:sld>
 </file>
 
-<file path=ppt/slides/slide12.xml><?xml version="1.0" encoding="utf-8"?>
+<file path=ppt/slides/slide14.xml><?xml version="1.0" encoding="utf-8"?>
+<p:sld xmlns:a="http://schemas.openxmlformats.org/drawingml/2006/main" xmlns:r="http://schemas.openxmlformats.org/officeDocument/2006/relationships" xmlns:p="http://schemas.openxmlformats.org/presentationml/2006/main">
+  <p:cSld>
+    <p:spTree>
+      <p:nvGrpSpPr>
+        <p:cNvPr id="1" name=""/>
+        <p:cNvGrpSpPr/>
+        <p:nvPr/>
+      </p:nvGrpSpPr>
+      <p:grpSpPr>
+        <a:xfrm>
+          <a:off x="0" y="0"/>
+          <a:ext cx="0" cy="0"/>
+          <a:chOff x="0" y="0"/>
+          <a:chExt cx="0" cy="0"/>
+        </a:xfrm>
+      </p:grpSpPr>
+      <p:sp>
+        <p:nvSpPr>
+          <p:cNvPr id="2" name="Title 1"/>
+          <p:cNvSpPr>
+            <a:spLocks noGrp="1"/>
+          </p:cNvSpPr>
+          <p:nvPr>
+            <p:ph type="title"/>
+          </p:nvPr>
+        </p:nvSpPr>
+        <p:spPr/>
+        <p:txBody>
+          <a:bodyPr/>
+          <a:lstStyle/>
+          <a:p>
+            <a:r>
+              <a:rPr lang="en-CA" sz="2800" dirty="0" smtClean="0"/>
+              <a:t>GitHub</a:t>
+            </a:r>
+            <a:endParaRPr lang="en-CA" sz="2800" dirty="0"/>
+          </a:p>
+        </p:txBody>
+      </p:sp>
+      <p:pic>
+        <p:nvPicPr>
+          <p:cNvPr id="13" name="__EngageSlideDescription__" descr="slide description : Explanation of GitHub and the GitHub Flow."/>
+          <p:cNvPicPr>
+            <a:picLocks/>
+          </p:cNvPicPr>
+          <p:nvPr/>
+        </p:nvPicPr>
+        <p:blipFill>
+          <a:blip r:embed="rId3"/>
+          <a:stretch>
+            <a:fillRect/>
+          </a:stretch>
+        </p:blipFill>
+        <p:spPr>
+          <a:xfrm>
+            <a:off x="428400" y="785288"/>
+            <a:ext cx="12700" cy="12700"/>
+          </a:xfrm>
+          <a:prstGeom prst="rect">
+            <a:avLst/>
+          </a:prstGeom>
+          <a:ln/>
+        </p:spPr>
+      </p:pic>
+      <p:sp>
+        <p:nvSpPr>
+          <p:cNvPr id="3" name="Content Placeholder 2"/>
+          <p:cNvSpPr>
+            <a:spLocks noGrp="1"/>
+          </p:cNvSpPr>
+          <p:nvPr>
+            <p:ph idx="1"/>
+          </p:nvPr>
+        </p:nvSpPr>
+        <p:spPr/>
+        <p:txBody>
+          <a:bodyPr>
+            <a:normAutofit/>
+          </a:bodyPr>
+          <a:lstStyle/>
+          <a:p>
+            <a:pPr marL="285750" indent="-285750">
+              <a:buFont typeface="Arial" panose="020B0604020202020204" pitchFamily="34" charset="0"/>
+              <a:buChar char="•"/>
+            </a:pPr>
+            <a:r>
+              <a:rPr lang="en-CA" sz="2400" dirty="0" smtClean="0"/>
+              <a:t>A bit like Facebook for nerds</a:t>
+            </a:r>
+          </a:p>
+          <a:p>
+            <a:pPr marL="285750" indent="-285750">
+              <a:buFont typeface="Arial" panose="020B0604020202020204" pitchFamily="34" charset="0"/>
+              <a:buChar char="•"/>
+            </a:pPr>
+            <a:r>
+              <a:rPr lang="en-CA" sz="2400" dirty="0" smtClean="0"/>
+              <a:t>Allows for collaborative programming between strangers</a:t>
+            </a:r>
+          </a:p>
+        </p:txBody>
+      </p:sp>
+      <p:sp>
+        <p:nvSpPr>
+          <p:cNvPr id="42" name="TextBox 41"/>
+          <p:cNvSpPr txBox="1"/>
+          <p:nvPr/>
+        </p:nvSpPr>
+        <p:spPr>
+          <a:xfrm>
+            <a:off x="1517654" y="3766121"/>
+            <a:ext cx="1749801" cy="707886"/>
+          </a:xfrm>
+          <a:prstGeom prst="rect">
+            <a:avLst/>
+          </a:prstGeom>
+          <a:noFill/>
+        </p:spPr>
+        <p:txBody>
+          <a:bodyPr wrap="square" rtlCol="0">
+            <a:spAutoFit/>
+          </a:bodyPr>
+          <a:lstStyle/>
+          <a:p>
+            <a:pPr algn="ctr"/>
+            <a:r>
+              <a:rPr lang="en-CA" sz="2000" dirty="0" smtClean="0"/>
+              <a:t>Create a</a:t>
+            </a:r>
+          </a:p>
+          <a:p>
+            <a:pPr algn="ctr"/>
+            <a:r>
+              <a:rPr lang="en-CA" sz="2000" dirty="0" smtClean="0"/>
+              <a:t>branch</a:t>
+            </a:r>
+            <a:endParaRPr lang="en-CA" sz="2000" dirty="0"/>
+          </a:p>
+        </p:txBody>
+      </p:sp>
+      <p:sp>
+        <p:nvSpPr>
+          <p:cNvPr id="44" name="TextBox 43"/>
+          <p:cNvSpPr txBox="1"/>
+          <p:nvPr/>
+        </p:nvSpPr>
+        <p:spPr>
+          <a:xfrm>
+            <a:off x="4887884" y="5575382"/>
+            <a:ext cx="2502718" cy="707886"/>
+          </a:xfrm>
+          <a:prstGeom prst="rect">
+            <a:avLst/>
+          </a:prstGeom>
+          <a:noFill/>
+        </p:spPr>
+        <p:txBody>
+          <a:bodyPr wrap="square" rtlCol="0">
+            <a:spAutoFit/>
+          </a:bodyPr>
+          <a:lstStyle/>
+          <a:p>
+            <a:pPr algn="ctr"/>
+            <a:r>
+              <a:rPr lang="en-CA" sz="2000" dirty="0" smtClean="0"/>
+              <a:t>Make changes </a:t>
+            </a:r>
+          </a:p>
+          <a:p>
+            <a:pPr algn="ctr"/>
+            <a:r>
+              <a:rPr lang="en-CA" sz="2000" dirty="0"/>
+              <a:t>i</a:t>
+            </a:r>
+            <a:r>
+              <a:rPr lang="en-CA" sz="2000" dirty="0" smtClean="0"/>
+              <a:t>n branch</a:t>
+            </a:r>
+            <a:endParaRPr lang="en-CA" sz="2000" dirty="0"/>
+          </a:p>
+        </p:txBody>
+      </p:sp>
+      <p:sp>
+        <p:nvSpPr>
+          <p:cNvPr id="75" name="TextBox 74"/>
+          <p:cNvSpPr txBox="1"/>
+          <p:nvPr/>
+        </p:nvSpPr>
+        <p:spPr>
+          <a:xfrm>
+            <a:off x="7591980" y="4897527"/>
+            <a:ext cx="1637933" cy="400110"/>
+          </a:xfrm>
+          <a:prstGeom prst="rect">
+            <a:avLst/>
+          </a:prstGeom>
+          <a:noFill/>
+        </p:spPr>
+        <p:txBody>
+          <a:bodyPr wrap="square" rtlCol="0">
+            <a:spAutoFit/>
+          </a:bodyPr>
+          <a:lstStyle/>
+          <a:p>
+            <a:pPr algn="ctr"/>
+            <a:r>
+              <a:rPr lang="en-CA" sz="2000" dirty="0" smtClean="0"/>
+              <a:t>Test</a:t>
+            </a:r>
+            <a:endParaRPr lang="en-CA" sz="2000" dirty="0"/>
+          </a:p>
+        </p:txBody>
+      </p:sp>
+      <p:sp>
+        <p:nvSpPr>
+          <p:cNvPr id="43" name="TextBox 42"/>
+          <p:cNvSpPr txBox="1"/>
+          <p:nvPr/>
+        </p:nvSpPr>
+        <p:spPr>
+          <a:xfrm>
+            <a:off x="8859365" y="3753783"/>
+            <a:ext cx="1637933" cy="707886"/>
+          </a:xfrm>
+          <a:prstGeom prst="rect">
+            <a:avLst/>
+          </a:prstGeom>
+          <a:noFill/>
+        </p:spPr>
+        <p:txBody>
+          <a:bodyPr wrap="square" rtlCol="0">
+            <a:spAutoFit/>
+          </a:bodyPr>
+          <a:lstStyle/>
+          <a:p>
+            <a:pPr algn="ctr"/>
+            <a:r>
+              <a:rPr lang="en-CA" sz="2000" dirty="0" smtClean="0"/>
+              <a:t>Merge </a:t>
+            </a:r>
+            <a:br>
+              <a:rPr lang="en-CA" sz="2000" dirty="0" smtClean="0"/>
+            </a:br>
+            <a:r>
+              <a:rPr lang="en-CA" sz="2000" dirty="0" smtClean="0"/>
+              <a:t>changes</a:t>
+            </a:r>
+            <a:endParaRPr lang="en-CA" sz="2000" dirty="0"/>
+          </a:p>
+        </p:txBody>
+      </p:sp>
+      <p:grpSp>
+        <p:nvGrpSpPr>
+          <p:cNvPr id="7" name="Group 6" descr="The GitHub flow is the standard way to make changes to a Git project.  First, a branch is created to hold the new changes.   Once the changes have been added, they are tested by a CI/CD pipeline and optionally reviewed by other project members.  If everything passes, the changes are merged back into the master branch."/>
+          <p:cNvGrpSpPr/>
+          <p:nvPr>
+            <p:custDataLst>
+              <p:tags r:id="rId1"/>
+            </p:custDataLst>
+          </p:nvPr>
+        </p:nvGrpSpPr>
+        <p:grpSpPr>
+          <a:xfrm>
+            <a:off x="-276225" y="3039251"/>
+            <a:ext cx="12649200" cy="2408502"/>
+            <a:chOff x="-276225" y="3039251"/>
+            <a:chExt cx="12649200" cy="2408502"/>
+          </a:xfrm>
+        </p:grpSpPr>
+        <p:cxnSp>
+          <p:nvCxnSpPr>
+            <p:cNvPr id="9" name="Straight Connector 8"/>
+            <p:cNvCxnSpPr/>
+            <p:nvPr/>
+          </p:nvCxnSpPr>
+          <p:spPr>
+            <a:xfrm>
+              <a:off x="-276225" y="3394796"/>
+              <a:ext cx="12649200" cy="0"/>
+            </a:xfrm>
+            <a:prstGeom prst="line">
+              <a:avLst/>
+            </a:prstGeom>
+            <a:ln w="63500" cap="rnd">
+              <a:solidFill>
+                <a:schemeClr val="bg1">
+                  <a:lumMod val="85000"/>
+                </a:schemeClr>
+              </a:solidFill>
+            </a:ln>
+          </p:spPr>
+          <p:style>
+            <a:lnRef idx="1">
+              <a:schemeClr val="accent1"/>
+            </a:lnRef>
+            <a:fillRef idx="0">
+              <a:schemeClr val="accent1"/>
+            </a:fillRef>
+            <a:effectRef idx="0">
+              <a:schemeClr val="accent1"/>
+            </a:effectRef>
+            <a:fontRef idx="minor">
+              <a:schemeClr val="tx1"/>
+            </a:fontRef>
+          </p:style>
+        </p:cxnSp>
+        <p:sp>
+          <p:nvSpPr>
+            <p:cNvPr id="5" name="Oval 4"/>
+            <p:cNvSpPr/>
+            <p:nvPr/>
+          </p:nvSpPr>
+          <p:spPr>
+            <a:xfrm>
+              <a:off x="2053954" y="3056089"/>
+              <a:ext cx="675628" cy="675628"/>
+            </a:xfrm>
+            <a:prstGeom prst="ellipse">
+              <a:avLst/>
+            </a:prstGeom>
+            <a:solidFill>
+              <a:srgbClr val="26262D"/>
+            </a:solidFill>
+            <a:ln w="63500">
+              <a:noFill/>
+            </a:ln>
+          </p:spPr>
+          <p:style>
+            <a:lnRef idx="2">
+              <a:schemeClr val="accent1">
+                <a:shade val="50000"/>
+              </a:schemeClr>
+            </a:lnRef>
+            <a:fillRef idx="1">
+              <a:schemeClr val="accent1"/>
+            </a:fillRef>
+            <a:effectRef idx="0">
+              <a:schemeClr val="accent1"/>
+            </a:effectRef>
+            <a:fontRef idx="minor">
+              <a:schemeClr val="lt1"/>
+            </a:fontRef>
+          </p:style>
+          <p:txBody>
+            <a:bodyPr rtlCol="0" anchor="ctr"/>
+            <a:lstStyle/>
+            <a:p>
+              <a:pPr algn="ctr"/>
+              <a:endParaRPr lang="en-CA" sz="2000" b="1" dirty="0"/>
+            </a:p>
+          </p:txBody>
+        </p:sp>
+        <p:sp>
+          <p:nvSpPr>
+            <p:cNvPr id="10" name="Oval 9"/>
+            <p:cNvSpPr/>
+            <p:nvPr/>
+          </p:nvSpPr>
+          <p:spPr>
+            <a:xfrm>
+              <a:off x="4963073" y="5210711"/>
+              <a:ext cx="237042" cy="237042"/>
+            </a:xfrm>
+            <a:prstGeom prst="ellipse">
+              <a:avLst/>
+            </a:prstGeom>
+            <a:solidFill>
+              <a:schemeClr val="bg1"/>
+            </a:solidFill>
+            <a:ln w="63500">
+              <a:solidFill>
+                <a:schemeClr val="bg1">
+                  <a:lumMod val="65000"/>
+                </a:schemeClr>
+              </a:solidFill>
+            </a:ln>
+          </p:spPr>
+          <p:style>
+            <a:lnRef idx="2">
+              <a:schemeClr val="accent1">
+                <a:shade val="50000"/>
+              </a:schemeClr>
+            </a:lnRef>
+            <a:fillRef idx="1">
+              <a:schemeClr val="accent1"/>
+            </a:fillRef>
+            <a:effectRef idx="0">
+              <a:schemeClr val="accent1"/>
+            </a:effectRef>
+            <a:fontRef idx="minor">
+              <a:schemeClr val="lt1"/>
+            </a:fontRef>
+          </p:style>
+          <p:txBody>
+            <a:bodyPr rtlCol="0" anchor="ctr"/>
+            <a:lstStyle/>
+            <a:p>
+              <a:pPr algn="ctr"/>
+              <a:endParaRPr lang="en-CA"/>
+            </a:p>
+          </p:txBody>
+        </p:sp>
+        <p:sp>
+          <p:nvSpPr>
+            <p:cNvPr id="11" name="Oval 10"/>
+            <p:cNvSpPr/>
+            <p:nvPr/>
+          </p:nvSpPr>
+          <p:spPr>
+            <a:xfrm>
+              <a:off x="6081052" y="5210711"/>
+              <a:ext cx="237042" cy="237042"/>
+            </a:xfrm>
+            <a:prstGeom prst="ellipse">
+              <a:avLst/>
+            </a:prstGeom>
+            <a:solidFill>
+              <a:schemeClr val="bg1"/>
+            </a:solidFill>
+            <a:ln w="63500">
+              <a:solidFill>
+                <a:schemeClr val="bg1">
+                  <a:lumMod val="65000"/>
+                </a:schemeClr>
+              </a:solidFill>
+            </a:ln>
+          </p:spPr>
+          <p:style>
+            <a:lnRef idx="2">
+              <a:schemeClr val="accent1">
+                <a:shade val="50000"/>
+              </a:schemeClr>
+            </a:lnRef>
+            <a:fillRef idx="1">
+              <a:schemeClr val="accent1"/>
+            </a:fillRef>
+            <a:effectRef idx="0">
+              <a:schemeClr val="accent1"/>
+            </a:effectRef>
+            <a:fontRef idx="minor">
+              <a:schemeClr val="lt1"/>
+            </a:fontRef>
+          </p:style>
+          <p:txBody>
+            <a:bodyPr rtlCol="0" anchor="ctr"/>
+            <a:lstStyle/>
+            <a:p>
+              <a:pPr algn="ctr"/>
+              <a:endParaRPr lang="en-CA"/>
+            </a:p>
+          </p:txBody>
+        </p:sp>
+        <p:sp>
+          <p:nvSpPr>
+            <p:cNvPr id="12" name="Oval 11"/>
+            <p:cNvSpPr/>
+            <p:nvPr/>
+          </p:nvSpPr>
+          <p:spPr>
+            <a:xfrm>
+              <a:off x="7153560" y="5210711"/>
+              <a:ext cx="237042" cy="237042"/>
+            </a:xfrm>
+            <a:prstGeom prst="ellipse">
+              <a:avLst/>
+            </a:prstGeom>
+            <a:solidFill>
+              <a:schemeClr val="bg1"/>
+            </a:solidFill>
+            <a:ln w="63500">
+              <a:solidFill>
+                <a:schemeClr val="bg1">
+                  <a:lumMod val="65000"/>
+                </a:schemeClr>
+              </a:solidFill>
+            </a:ln>
+          </p:spPr>
+          <p:style>
+            <a:lnRef idx="2">
+              <a:schemeClr val="accent1">
+                <a:shade val="50000"/>
+              </a:schemeClr>
+            </a:lnRef>
+            <a:fillRef idx="1">
+              <a:schemeClr val="accent1"/>
+            </a:fillRef>
+            <a:effectRef idx="0">
+              <a:schemeClr val="accent1"/>
+            </a:effectRef>
+            <a:fontRef idx="minor">
+              <a:schemeClr val="lt1"/>
+            </a:fontRef>
+          </p:style>
+          <p:txBody>
+            <a:bodyPr rtlCol="0" anchor="ctr"/>
+            <a:lstStyle/>
+            <a:p>
+              <a:pPr algn="ctr"/>
+              <a:endParaRPr lang="en-CA"/>
+            </a:p>
+          </p:txBody>
+        </p:sp>
+        <p:cxnSp>
+          <p:nvCxnSpPr>
+            <p:cNvPr id="18" name="Curved Connector 17"/>
+            <p:cNvCxnSpPr>
+              <a:stCxn id="5" idx="6"/>
+              <a:endCxn id="10" idx="2"/>
+            </p:cNvCxnSpPr>
+            <p:nvPr/>
+          </p:nvCxnSpPr>
+          <p:spPr>
+            <a:xfrm>
+              <a:off x="2729582" y="3393903"/>
+              <a:ext cx="2233491" cy="1935329"/>
+            </a:xfrm>
+            <a:prstGeom prst="curvedConnector3">
+              <a:avLst>
+                <a:gd name="adj1" fmla="val 50000"/>
+              </a:avLst>
+            </a:prstGeom>
+            <a:ln w="63500">
+              <a:solidFill>
+                <a:schemeClr val="bg1">
+                  <a:lumMod val="65000"/>
+                </a:schemeClr>
+              </a:solidFill>
+            </a:ln>
+          </p:spPr>
+          <p:style>
+            <a:lnRef idx="1">
+              <a:schemeClr val="accent1"/>
+            </a:lnRef>
+            <a:fillRef idx="0">
+              <a:schemeClr val="accent1"/>
+            </a:fillRef>
+            <a:effectRef idx="0">
+              <a:schemeClr val="accent1"/>
+            </a:effectRef>
+            <a:fontRef idx="minor">
+              <a:schemeClr val="tx1"/>
+            </a:fontRef>
+          </p:style>
+        </p:cxnSp>
+        <p:cxnSp>
+          <p:nvCxnSpPr>
+            <p:cNvPr id="23" name="Curved Connector 22"/>
+            <p:cNvCxnSpPr>
+              <a:stCxn id="12" idx="6"/>
+              <a:endCxn id="6" idx="2"/>
+            </p:cNvCxnSpPr>
+            <p:nvPr/>
+          </p:nvCxnSpPr>
+          <p:spPr>
+            <a:xfrm flipV="1">
+              <a:off x="7390602" y="3389641"/>
+              <a:ext cx="1936194" cy="1939591"/>
+            </a:xfrm>
+            <a:prstGeom prst="curvedConnector3">
+              <a:avLst/>
+            </a:prstGeom>
+            <a:ln w="63500">
+              <a:solidFill>
+                <a:schemeClr val="bg1">
+                  <a:lumMod val="65000"/>
+                </a:schemeClr>
+              </a:solidFill>
+            </a:ln>
+          </p:spPr>
+          <p:style>
+            <a:lnRef idx="1">
+              <a:schemeClr val="accent1"/>
+            </a:lnRef>
+            <a:fillRef idx="0">
+              <a:schemeClr val="accent1"/>
+            </a:fillRef>
+            <a:effectRef idx="0">
+              <a:schemeClr val="accent1"/>
+            </a:effectRef>
+            <a:fontRef idx="minor">
+              <a:schemeClr val="tx1"/>
+            </a:fontRef>
+          </p:style>
+        </p:cxnSp>
+        <p:cxnSp>
+          <p:nvCxnSpPr>
+            <p:cNvPr id="28" name="Straight Connector 27"/>
+            <p:cNvCxnSpPr>
+              <a:stCxn id="10" idx="6"/>
+              <a:endCxn id="11" idx="2"/>
+            </p:cNvCxnSpPr>
+            <p:nvPr/>
+          </p:nvCxnSpPr>
+          <p:spPr>
+            <a:xfrm>
+              <a:off x="5200115" y="5329232"/>
+              <a:ext cx="880937" cy="0"/>
+            </a:xfrm>
+            <a:prstGeom prst="line">
+              <a:avLst/>
+            </a:prstGeom>
+            <a:ln w="63500">
+              <a:solidFill>
+                <a:schemeClr val="bg1">
+                  <a:lumMod val="65000"/>
+                </a:schemeClr>
+              </a:solidFill>
+            </a:ln>
+          </p:spPr>
+          <p:style>
+            <a:lnRef idx="1">
+              <a:schemeClr val="accent1"/>
+            </a:lnRef>
+            <a:fillRef idx="0">
+              <a:schemeClr val="accent1"/>
+            </a:fillRef>
+            <a:effectRef idx="0">
+              <a:schemeClr val="accent1"/>
+            </a:effectRef>
+            <a:fontRef idx="minor">
+              <a:schemeClr val="tx1"/>
+            </a:fontRef>
+          </p:style>
+        </p:cxnSp>
+        <p:cxnSp>
+          <p:nvCxnSpPr>
+            <p:cNvPr id="30" name="Straight Connector 29"/>
+            <p:cNvCxnSpPr>
+              <a:stCxn id="11" idx="6"/>
+              <a:endCxn id="12" idx="2"/>
+            </p:cNvCxnSpPr>
+            <p:nvPr/>
+          </p:nvCxnSpPr>
+          <p:spPr>
+            <a:xfrm>
+              <a:off x="6318094" y="5329232"/>
+              <a:ext cx="835466" cy="0"/>
+            </a:xfrm>
+            <a:prstGeom prst="line">
+              <a:avLst/>
+            </a:prstGeom>
+            <a:ln w="63500">
+              <a:solidFill>
+                <a:schemeClr val="bg1">
+                  <a:lumMod val="65000"/>
+                </a:schemeClr>
+              </a:solidFill>
+            </a:ln>
+          </p:spPr>
+          <p:style>
+            <a:lnRef idx="1">
+              <a:schemeClr val="accent1"/>
+            </a:lnRef>
+            <a:fillRef idx="0">
+              <a:schemeClr val="accent1"/>
+            </a:fillRef>
+            <a:effectRef idx="0">
+              <a:schemeClr val="accent1"/>
+            </a:effectRef>
+            <a:fontRef idx="minor">
+              <a:schemeClr val="tx1"/>
+            </a:fontRef>
+          </p:style>
+        </p:cxnSp>
+        <p:sp>
+          <p:nvSpPr>
+            <p:cNvPr id="31" name="Freeform 30"/>
+            <p:cNvSpPr>
+              <a:spLocks noEditPoints="1"/>
+            </p:cNvSpPr>
+            <p:nvPr/>
+          </p:nvSpPr>
+          <p:spPr bwMode="auto">
+            <a:xfrm>
+              <a:off x="2284299" y="3209219"/>
+              <a:ext cx="260427" cy="387780"/>
+            </a:xfrm>
+            <a:custGeom>
+              <a:avLst/>
+              <a:gdLst>
+                <a:gd name="T0" fmla="*/ 62 w 77"/>
+                <a:gd name="T1" fmla="*/ 9 h 115"/>
+                <a:gd name="T2" fmla="*/ 48 w 77"/>
+                <a:gd name="T3" fmla="*/ 24 h 115"/>
+                <a:gd name="T4" fmla="*/ 55 w 77"/>
+                <a:gd name="T5" fmla="*/ 36 h 115"/>
+                <a:gd name="T6" fmla="*/ 52 w 77"/>
+                <a:gd name="T7" fmla="*/ 48 h 115"/>
+                <a:gd name="T8" fmla="*/ 45 w 77"/>
+                <a:gd name="T9" fmla="*/ 55 h 115"/>
+                <a:gd name="T10" fmla="*/ 33 w 77"/>
+                <a:gd name="T11" fmla="*/ 60 h 115"/>
+                <a:gd name="T12" fmla="*/ 21 w 77"/>
+                <a:gd name="T13" fmla="*/ 27 h 115"/>
+                <a:gd name="T14" fmla="*/ 29 w 77"/>
+                <a:gd name="T15" fmla="*/ 14 h 115"/>
+                <a:gd name="T16" fmla="*/ 14 w 77"/>
+                <a:gd name="T17" fmla="*/ 0 h 115"/>
+                <a:gd name="T18" fmla="*/ 0 w 77"/>
+                <a:gd name="T19" fmla="*/ 14 h 115"/>
+                <a:gd name="T20" fmla="*/ 7 w 77"/>
+                <a:gd name="T21" fmla="*/ 27 h 115"/>
+                <a:gd name="T22" fmla="*/ 2 w 77"/>
+                <a:gd name="T23" fmla="*/ 94 h 115"/>
+                <a:gd name="T24" fmla="*/ 4 w 77"/>
+                <a:gd name="T25" fmla="*/ 111 h 115"/>
+                <a:gd name="T26" fmla="*/ 24 w 77"/>
+                <a:gd name="T27" fmla="*/ 111 h 115"/>
+                <a:gd name="T28" fmla="*/ 27 w 77"/>
+                <a:gd name="T29" fmla="*/ 94 h 115"/>
+                <a:gd name="T30" fmla="*/ 21 w 77"/>
+                <a:gd name="T31" fmla="*/ 86 h 115"/>
+                <a:gd name="T32" fmla="*/ 37 w 77"/>
+                <a:gd name="T33" fmla="*/ 74 h 115"/>
+                <a:gd name="T34" fmla="*/ 70 w 77"/>
+                <a:gd name="T35" fmla="*/ 36 h 115"/>
+                <a:gd name="T36" fmla="*/ 77 w 77"/>
+                <a:gd name="T37" fmla="*/ 24 h 115"/>
+                <a:gd name="T38" fmla="*/ 62 w 77"/>
+                <a:gd name="T39" fmla="*/ 31 h 115"/>
+                <a:gd name="T40" fmla="*/ 55 w 77"/>
+                <a:gd name="T41" fmla="*/ 24 h 115"/>
+                <a:gd name="T42" fmla="*/ 62 w 77"/>
+                <a:gd name="T43" fmla="*/ 17 h 115"/>
+                <a:gd name="T44" fmla="*/ 70 w 77"/>
+                <a:gd name="T45" fmla="*/ 24 h 115"/>
+                <a:gd name="T46" fmla="*/ 62 w 77"/>
+                <a:gd name="T47" fmla="*/ 31 h 115"/>
+                <a:gd name="T48" fmla="*/ 9 w 77"/>
+                <a:gd name="T49" fmla="*/ 19 h 115"/>
+                <a:gd name="T50" fmla="*/ 9 w 77"/>
+                <a:gd name="T51" fmla="*/ 9 h 115"/>
+                <a:gd name="T52" fmla="*/ 19 w 77"/>
+                <a:gd name="T53" fmla="*/ 9 h 115"/>
+                <a:gd name="T54" fmla="*/ 19 w 77"/>
+                <a:gd name="T55" fmla="*/ 19 h 115"/>
+                <a:gd name="T56" fmla="*/ 14 w 77"/>
+                <a:gd name="T57" fmla="*/ 108 h 115"/>
+                <a:gd name="T58" fmla="*/ 7 w 77"/>
+                <a:gd name="T59" fmla="*/ 101 h 115"/>
+                <a:gd name="T60" fmla="*/ 14 w 77"/>
+                <a:gd name="T61" fmla="*/ 94 h 115"/>
+                <a:gd name="T62" fmla="*/ 21 w 77"/>
+                <a:gd name="T63" fmla="*/ 101 h 115"/>
+                <a:gd name="T64" fmla="*/ 14 w 77"/>
+                <a:gd name="T65" fmla="*/ 108 h 115"/>
+              </a:gdLst>
+              <a:ahLst/>
+              <a:cxnLst>
+                <a:cxn ang="0">
+                  <a:pos x="T0" y="T1"/>
+                </a:cxn>
+                <a:cxn ang="0">
+                  <a:pos x="T2" y="T3"/>
+                </a:cxn>
+                <a:cxn ang="0">
+                  <a:pos x="T4" y="T5"/>
+                </a:cxn>
+                <a:cxn ang="0">
+                  <a:pos x="T6" y="T7"/>
+                </a:cxn>
+                <a:cxn ang="0">
+                  <a:pos x="T8" y="T9"/>
+                </a:cxn>
+                <a:cxn ang="0">
+                  <a:pos x="T10" y="T11"/>
+                </a:cxn>
+                <a:cxn ang="0">
+                  <a:pos x="T12" y="T13"/>
+                </a:cxn>
+                <a:cxn ang="0">
+                  <a:pos x="T14" y="T15"/>
+                </a:cxn>
+                <a:cxn ang="0">
+                  <a:pos x="T16" y="T17"/>
+                </a:cxn>
+                <a:cxn ang="0">
+                  <a:pos x="T18" y="T19"/>
+                </a:cxn>
+                <a:cxn ang="0">
+                  <a:pos x="T20" y="T21"/>
+                </a:cxn>
+                <a:cxn ang="0">
+                  <a:pos x="T22" y="T23"/>
+                </a:cxn>
+                <a:cxn ang="0">
+                  <a:pos x="T24" y="T25"/>
+                </a:cxn>
+                <a:cxn ang="0">
+                  <a:pos x="T26" y="T27"/>
+                </a:cxn>
+                <a:cxn ang="0">
+                  <a:pos x="T28" y="T29"/>
+                </a:cxn>
+                <a:cxn ang="0">
+                  <a:pos x="T30" y="T31"/>
+                </a:cxn>
+                <a:cxn ang="0">
+                  <a:pos x="T32" y="T33"/>
+                </a:cxn>
+                <a:cxn ang="0">
+                  <a:pos x="T34" y="T35"/>
+                </a:cxn>
+                <a:cxn ang="0">
+                  <a:pos x="T36" y="T37"/>
+                </a:cxn>
+                <a:cxn ang="0">
+                  <a:pos x="T38" y="T39"/>
+                </a:cxn>
+                <a:cxn ang="0">
+                  <a:pos x="T40" y="T41"/>
+                </a:cxn>
+                <a:cxn ang="0">
+                  <a:pos x="T42" y="T43"/>
+                </a:cxn>
+                <a:cxn ang="0">
+                  <a:pos x="T44" y="T45"/>
+                </a:cxn>
+                <a:cxn ang="0">
+                  <a:pos x="T46" y="T47"/>
+                </a:cxn>
+                <a:cxn ang="0">
+                  <a:pos x="T48" y="T49"/>
+                </a:cxn>
+                <a:cxn ang="0">
+                  <a:pos x="T50" y="T51"/>
+                </a:cxn>
+                <a:cxn ang="0">
+                  <a:pos x="T52" y="T53"/>
+                </a:cxn>
+                <a:cxn ang="0">
+                  <a:pos x="T54" y="T55"/>
+                </a:cxn>
+                <a:cxn ang="0">
+                  <a:pos x="T56" y="T57"/>
+                </a:cxn>
+                <a:cxn ang="0">
+                  <a:pos x="T58" y="T59"/>
+                </a:cxn>
+                <a:cxn ang="0">
+                  <a:pos x="T60" y="T61"/>
+                </a:cxn>
+                <a:cxn ang="0">
+                  <a:pos x="T62" y="T63"/>
+                </a:cxn>
+                <a:cxn ang="0">
+                  <a:pos x="T64" y="T65"/>
+                </a:cxn>
+              </a:cxnLst>
+              <a:rect l="0" t="0" r="r" b="b"/>
+              <a:pathLst>
+                <a:path w="77" h="115">
+                  <a:moveTo>
+                    <a:pt x="73" y="14"/>
+                  </a:moveTo>
+                  <a:cubicBezTo>
+                    <a:pt x="70" y="11"/>
+                    <a:pt x="66" y="9"/>
+                    <a:pt x="62" y="9"/>
+                  </a:cubicBezTo>
+                  <a:cubicBezTo>
+                    <a:pt x="58" y="9"/>
+                    <a:pt x="55" y="11"/>
+                    <a:pt x="52" y="14"/>
+                  </a:cubicBezTo>
+                  <a:cubicBezTo>
+                    <a:pt x="49" y="16"/>
+                    <a:pt x="48" y="20"/>
+                    <a:pt x="48" y="24"/>
+                  </a:cubicBezTo>
+                  <a:cubicBezTo>
+                    <a:pt x="48" y="26"/>
+                    <a:pt x="49" y="29"/>
+                    <a:pt x="50" y="31"/>
+                  </a:cubicBezTo>
+                  <a:cubicBezTo>
+                    <a:pt x="51" y="33"/>
+                    <a:pt x="53" y="35"/>
+                    <a:pt x="55" y="36"/>
+                  </a:cubicBezTo>
+                  <a:cubicBezTo>
+                    <a:pt x="55" y="39"/>
+                    <a:pt x="55" y="41"/>
+                    <a:pt x="54" y="43"/>
+                  </a:cubicBezTo>
+                  <a:cubicBezTo>
+                    <a:pt x="54" y="45"/>
+                    <a:pt x="53" y="47"/>
+                    <a:pt x="52" y="48"/>
+                  </a:cubicBezTo>
+                  <a:cubicBezTo>
+                    <a:pt x="51" y="50"/>
+                    <a:pt x="50" y="51"/>
+                    <a:pt x="49" y="52"/>
+                  </a:cubicBezTo>
+                  <a:cubicBezTo>
+                    <a:pt x="48" y="53"/>
+                    <a:pt x="47" y="54"/>
+                    <a:pt x="45" y="55"/>
+                  </a:cubicBezTo>
+                  <a:cubicBezTo>
+                    <a:pt x="43" y="56"/>
+                    <a:pt x="41" y="57"/>
+                    <a:pt x="40" y="58"/>
+                  </a:cubicBezTo>
+                  <a:cubicBezTo>
+                    <a:pt x="38" y="58"/>
+                    <a:pt x="36" y="59"/>
+                    <a:pt x="33" y="60"/>
+                  </a:cubicBezTo>
+                  <a:cubicBezTo>
+                    <a:pt x="28" y="61"/>
+                    <a:pt x="24" y="63"/>
+                    <a:pt x="21" y="64"/>
+                  </a:cubicBezTo>
+                  <a:cubicBezTo>
+                    <a:pt x="21" y="27"/>
+                    <a:pt x="21" y="27"/>
+                    <a:pt x="21" y="27"/>
+                  </a:cubicBezTo>
+                  <a:cubicBezTo>
+                    <a:pt x="24" y="25"/>
+                    <a:pt x="25" y="24"/>
+                    <a:pt x="27" y="21"/>
+                  </a:cubicBezTo>
+                  <a:cubicBezTo>
+                    <a:pt x="28" y="19"/>
+                    <a:pt x="29" y="17"/>
+                    <a:pt x="29" y="14"/>
+                  </a:cubicBezTo>
+                  <a:cubicBezTo>
+                    <a:pt x="29" y="10"/>
+                    <a:pt x="27" y="7"/>
+                    <a:pt x="24" y="4"/>
+                  </a:cubicBezTo>
+                  <a:cubicBezTo>
+                    <a:pt x="22" y="1"/>
+                    <a:pt x="18" y="0"/>
+                    <a:pt x="14" y="0"/>
+                  </a:cubicBezTo>
+                  <a:cubicBezTo>
+                    <a:pt x="10" y="0"/>
+                    <a:pt x="7" y="1"/>
+                    <a:pt x="4" y="4"/>
+                  </a:cubicBezTo>
+                  <a:cubicBezTo>
+                    <a:pt x="1" y="7"/>
+                    <a:pt x="0" y="10"/>
+                    <a:pt x="0" y="14"/>
+                  </a:cubicBezTo>
+                  <a:cubicBezTo>
+                    <a:pt x="0" y="17"/>
+                    <a:pt x="0" y="19"/>
+                    <a:pt x="2" y="21"/>
+                  </a:cubicBezTo>
+                  <a:cubicBezTo>
+                    <a:pt x="3" y="24"/>
+                    <a:pt x="5" y="25"/>
+                    <a:pt x="7" y="27"/>
+                  </a:cubicBezTo>
+                  <a:cubicBezTo>
+                    <a:pt x="7" y="88"/>
+                    <a:pt x="7" y="88"/>
+                    <a:pt x="7" y="88"/>
+                  </a:cubicBezTo>
+                  <a:cubicBezTo>
+                    <a:pt x="5" y="90"/>
+                    <a:pt x="3" y="91"/>
+                    <a:pt x="2" y="94"/>
+                  </a:cubicBezTo>
+                  <a:cubicBezTo>
+                    <a:pt x="0" y="96"/>
+                    <a:pt x="0" y="98"/>
+                    <a:pt x="0" y="101"/>
+                  </a:cubicBezTo>
+                  <a:cubicBezTo>
+                    <a:pt x="0" y="105"/>
+                    <a:pt x="1" y="108"/>
+                    <a:pt x="4" y="111"/>
+                  </a:cubicBezTo>
+                  <a:cubicBezTo>
+                    <a:pt x="7" y="114"/>
+                    <a:pt x="10" y="115"/>
+                    <a:pt x="14" y="115"/>
+                  </a:cubicBezTo>
+                  <a:cubicBezTo>
+                    <a:pt x="18" y="115"/>
+                    <a:pt x="22" y="114"/>
+                    <a:pt x="24" y="111"/>
+                  </a:cubicBezTo>
+                  <a:cubicBezTo>
+                    <a:pt x="27" y="108"/>
+                    <a:pt x="29" y="105"/>
+                    <a:pt x="29" y="101"/>
+                  </a:cubicBezTo>
+                  <a:cubicBezTo>
+                    <a:pt x="29" y="98"/>
+                    <a:pt x="28" y="96"/>
+                    <a:pt x="27" y="94"/>
+                  </a:cubicBezTo>
+                  <a:cubicBezTo>
+                    <a:pt x="25" y="91"/>
+                    <a:pt x="24" y="90"/>
+                    <a:pt x="21" y="88"/>
+                  </a:cubicBezTo>
+                  <a:cubicBezTo>
+                    <a:pt x="21" y="86"/>
+                    <a:pt x="21" y="86"/>
+                    <a:pt x="21" y="86"/>
+                  </a:cubicBezTo>
+                  <a:cubicBezTo>
+                    <a:pt x="21" y="83"/>
+                    <a:pt x="22" y="81"/>
+                    <a:pt x="24" y="79"/>
+                  </a:cubicBezTo>
+                  <a:cubicBezTo>
+                    <a:pt x="27" y="77"/>
+                    <a:pt x="31" y="76"/>
+                    <a:pt x="37" y="74"/>
+                  </a:cubicBezTo>
+                  <a:cubicBezTo>
+                    <a:pt x="44" y="71"/>
+                    <a:pt x="49" y="69"/>
+                    <a:pt x="53" y="67"/>
+                  </a:cubicBezTo>
+                  <a:cubicBezTo>
+                    <a:pt x="64" y="61"/>
+                    <a:pt x="69" y="51"/>
+                    <a:pt x="70" y="36"/>
+                  </a:cubicBezTo>
+                  <a:cubicBezTo>
+                    <a:pt x="72" y="35"/>
+                    <a:pt x="74" y="33"/>
+                    <a:pt x="75" y="31"/>
+                  </a:cubicBezTo>
+                  <a:cubicBezTo>
+                    <a:pt x="76" y="29"/>
+                    <a:pt x="77" y="26"/>
+                    <a:pt x="77" y="24"/>
+                  </a:cubicBezTo>
+                  <a:cubicBezTo>
+                    <a:pt x="77" y="20"/>
+                    <a:pt x="75" y="16"/>
+                    <a:pt x="73" y="14"/>
+                  </a:cubicBezTo>
+                  <a:close/>
+                  <a:moveTo>
+                    <a:pt x="62" y="31"/>
+                  </a:moveTo>
+                  <a:cubicBezTo>
+                    <a:pt x="60" y="31"/>
+                    <a:pt x="59" y="30"/>
+                    <a:pt x="57" y="29"/>
+                  </a:cubicBezTo>
+                  <a:cubicBezTo>
+                    <a:pt x="56" y="27"/>
+                    <a:pt x="55" y="26"/>
+                    <a:pt x="55" y="24"/>
+                  </a:cubicBezTo>
+                  <a:cubicBezTo>
+                    <a:pt x="55" y="22"/>
+                    <a:pt x="56" y="20"/>
+                    <a:pt x="57" y="19"/>
+                  </a:cubicBezTo>
+                  <a:cubicBezTo>
+                    <a:pt x="59" y="17"/>
+                    <a:pt x="60" y="17"/>
+                    <a:pt x="62" y="17"/>
+                  </a:cubicBezTo>
+                  <a:cubicBezTo>
+                    <a:pt x="64" y="17"/>
+                    <a:pt x="66" y="17"/>
+                    <a:pt x="67" y="19"/>
+                  </a:cubicBezTo>
+                  <a:cubicBezTo>
+                    <a:pt x="69" y="20"/>
+                    <a:pt x="70" y="22"/>
+                    <a:pt x="70" y="24"/>
+                  </a:cubicBezTo>
+                  <a:cubicBezTo>
+                    <a:pt x="70" y="26"/>
+                    <a:pt x="69" y="27"/>
+                    <a:pt x="67" y="29"/>
+                  </a:cubicBezTo>
+                  <a:cubicBezTo>
+                    <a:pt x="66" y="30"/>
+                    <a:pt x="64" y="31"/>
+                    <a:pt x="62" y="31"/>
+                  </a:cubicBezTo>
+                  <a:close/>
+                  <a:moveTo>
+                    <a:pt x="14" y="21"/>
+                  </a:moveTo>
+                  <a:cubicBezTo>
+                    <a:pt x="12" y="21"/>
+                    <a:pt x="10" y="21"/>
+                    <a:pt x="9" y="19"/>
+                  </a:cubicBezTo>
+                  <a:cubicBezTo>
+                    <a:pt x="8" y="18"/>
+                    <a:pt x="7" y="16"/>
+                    <a:pt x="7" y="14"/>
+                  </a:cubicBezTo>
+                  <a:cubicBezTo>
+                    <a:pt x="7" y="12"/>
+                    <a:pt x="8" y="10"/>
+                    <a:pt x="9" y="9"/>
+                  </a:cubicBezTo>
+                  <a:cubicBezTo>
+                    <a:pt x="10" y="8"/>
+                    <a:pt x="12" y="7"/>
+                    <a:pt x="14" y="7"/>
+                  </a:cubicBezTo>
+                  <a:cubicBezTo>
+                    <a:pt x="16" y="7"/>
+                    <a:pt x="18" y="8"/>
+                    <a:pt x="19" y="9"/>
+                  </a:cubicBezTo>
+                  <a:cubicBezTo>
+                    <a:pt x="21" y="10"/>
+                    <a:pt x="21" y="12"/>
+                    <a:pt x="21" y="14"/>
+                  </a:cubicBezTo>
+                  <a:cubicBezTo>
+                    <a:pt x="21" y="16"/>
+                    <a:pt x="21" y="18"/>
+                    <a:pt x="19" y="19"/>
+                  </a:cubicBezTo>
+                  <a:cubicBezTo>
+                    <a:pt x="18" y="21"/>
+                    <a:pt x="16" y="21"/>
+                    <a:pt x="14" y="21"/>
+                  </a:cubicBezTo>
+                  <a:close/>
+                  <a:moveTo>
+                    <a:pt x="14" y="108"/>
+                  </a:moveTo>
+                  <a:cubicBezTo>
+                    <a:pt x="12" y="108"/>
+                    <a:pt x="10" y="107"/>
+                    <a:pt x="9" y="106"/>
+                  </a:cubicBezTo>
+                  <a:cubicBezTo>
+                    <a:pt x="8" y="105"/>
+                    <a:pt x="7" y="103"/>
+                    <a:pt x="7" y="101"/>
+                  </a:cubicBezTo>
+                  <a:cubicBezTo>
+                    <a:pt x="7" y="99"/>
+                    <a:pt x="8" y="97"/>
+                    <a:pt x="9" y="96"/>
+                  </a:cubicBezTo>
+                  <a:cubicBezTo>
+                    <a:pt x="10" y="94"/>
+                    <a:pt x="12" y="94"/>
+                    <a:pt x="14" y="94"/>
+                  </a:cubicBezTo>
+                  <a:cubicBezTo>
+                    <a:pt x="16" y="94"/>
+                    <a:pt x="18" y="94"/>
+                    <a:pt x="19" y="96"/>
+                  </a:cubicBezTo>
+                  <a:cubicBezTo>
+                    <a:pt x="21" y="97"/>
+                    <a:pt x="21" y="99"/>
+                    <a:pt x="21" y="101"/>
+                  </a:cubicBezTo>
+                  <a:cubicBezTo>
+                    <a:pt x="21" y="103"/>
+                    <a:pt x="21" y="105"/>
+                    <a:pt x="19" y="106"/>
+                  </a:cubicBezTo>
+                  <a:cubicBezTo>
+                    <a:pt x="18" y="107"/>
+                    <a:pt x="16" y="108"/>
+                    <a:pt x="14" y="108"/>
+                  </a:cubicBezTo>
+                  <a:close/>
+                </a:path>
+              </a:pathLst>
+            </a:custGeom>
+            <a:solidFill>
+              <a:schemeClr val="bg1"/>
+            </a:solidFill>
+            <a:ln>
+              <a:noFill/>
+            </a:ln>
+            <a:extLst/>
+          </p:spPr>
+          <p:txBody>
+            <a:bodyPr vert="horz" wrap="square" lIns="91440" tIns="45720" rIns="91440" bIns="45720" numCol="1" anchor="t" anchorCtr="0" compatLnSpc="1">
+              <a:prstTxWarp prst="textNoShape">
+                <a:avLst/>
+              </a:prstTxWarp>
+            </a:bodyPr>
+            <a:lstStyle>
+              <a:defPPr>
+                <a:defRPr lang="en-US"/>
+              </a:defPPr>
+              <a:lvl1pPr marL="0" algn="l" defTabSz="914400" rtl="0" eaLnBrk="1" latinLnBrk="0" hangingPunct="1">
+                <a:defRPr sz="1800" kern="1200">
+                  <a:solidFill>
+                    <a:schemeClr val="tx1"/>
+                  </a:solidFill>
+                  <a:latin typeface="+mn-lt"/>
+                  <a:ea typeface="+mn-ea"/>
+                  <a:cs typeface="+mn-cs"/>
+                </a:defRPr>
+              </a:lvl1pPr>
+              <a:lvl2pPr marL="457200" algn="l" defTabSz="914400" rtl="0" eaLnBrk="1" latinLnBrk="0" hangingPunct="1">
+                <a:defRPr sz="1800" kern="1200">
+                  <a:solidFill>
+                    <a:schemeClr val="tx1"/>
+                  </a:solidFill>
+                  <a:latin typeface="+mn-lt"/>
+                  <a:ea typeface="+mn-ea"/>
+                  <a:cs typeface="+mn-cs"/>
+                </a:defRPr>
+              </a:lvl2pPr>
+              <a:lvl3pPr marL="914400" algn="l" defTabSz="914400" rtl="0" eaLnBrk="1" latinLnBrk="0" hangingPunct="1">
+                <a:defRPr sz="1800" kern="1200">
+                  <a:solidFill>
+                    <a:schemeClr val="tx1"/>
+                  </a:solidFill>
+                  <a:latin typeface="+mn-lt"/>
+                  <a:ea typeface="+mn-ea"/>
+                  <a:cs typeface="+mn-cs"/>
+                </a:defRPr>
+              </a:lvl3pPr>
+              <a:lvl4pPr marL="1371600" algn="l" defTabSz="914400" rtl="0" eaLnBrk="1" latinLnBrk="0" hangingPunct="1">
+                <a:defRPr sz="1800" kern="1200">
+                  <a:solidFill>
+                    <a:schemeClr val="tx1"/>
+                  </a:solidFill>
+                  <a:latin typeface="+mn-lt"/>
+                  <a:ea typeface="+mn-ea"/>
+                  <a:cs typeface="+mn-cs"/>
+                </a:defRPr>
+              </a:lvl4pPr>
+              <a:lvl5pPr marL="1828800" algn="l" defTabSz="914400" rtl="0" eaLnBrk="1" latinLnBrk="0" hangingPunct="1">
+                <a:defRPr sz="1800" kern="1200">
+                  <a:solidFill>
+                    <a:schemeClr val="tx1"/>
+                  </a:solidFill>
+                  <a:latin typeface="+mn-lt"/>
+                  <a:ea typeface="+mn-ea"/>
+                  <a:cs typeface="+mn-cs"/>
+                </a:defRPr>
+              </a:lvl5pPr>
+              <a:lvl6pPr marL="2286000" algn="l" defTabSz="914400" rtl="0" eaLnBrk="1" latinLnBrk="0" hangingPunct="1">
+                <a:defRPr sz="1800" kern="1200">
+                  <a:solidFill>
+                    <a:schemeClr val="tx1"/>
+                  </a:solidFill>
+                  <a:latin typeface="+mn-lt"/>
+                  <a:ea typeface="+mn-ea"/>
+                  <a:cs typeface="+mn-cs"/>
+                </a:defRPr>
+              </a:lvl6pPr>
+              <a:lvl7pPr marL="2743200" algn="l" defTabSz="914400" rtl="0" eaLnBrk="1" latinLnBrk="0" hangingPunct="1">
+                <a:defRPr sz="1800" kern="1200">
+                  <a:solidFill>
+                    <a:schemeClr val="tx1"/>
+                  </a:solidFill>
+                  <a:latin typeface="+mn-lt"/>
+                  <a:ea typeface="+mn-ea"/>
+                  <a:cs typeface="+mn-cs"/>
+                </a:defRPr>
+              </a:lvl7pPr>
+              <a:lvl8pPr marL="3200400" algn="l" defTabSz="914400" rtl="0" eaLnBrk="1" latinLnBrk="0" hangingPunct="1">
+                <a:defRPr sz="1800" kern="1200">
+                  <a:solidFill>
+                    <a:schemeClr val="tx1"/>
+                  </a:solidFill>
+                  <a:latin typeface="+mn-lt"/>
+                  <a:ea typeface="+mn-ea"/>
+                  <a:cs typeface="+mn-cs"/>
+                </a:defRPr>
+              </a:lvl8pPr>
+              <a:lvl9pPr marL="3657600" algn="l" defTabSz="914400" rtl="0" eaLnBrk="1" latinLnBrk="0" hangingPunct="1">
+                <a:defRPr sz="1800" kern="1200">
+                  <a:solidFill>
+                    <a:schemeClr val="tx1"/>
+                  </a:solidFill>
+                  <a:latin typeface="+mn-lt"/>
+                  <a:ea typeface="+mn-ea"/>
+                  <a:cs typeface="+mn-cs"/>
+                </a:defRPr>
+              </a:lvl9pPr>
+            </a:lstStyle>
+            <a:p>
+              <a:endParaRPr lang="en-CA"/>
+            </a:p>
+          </p:txBody>
+        </p:sp>
+        <p:sp>
+          <p:nvSpPr>
+            <p:cNvPr id="6" name="Oval 5"/>
+            <p:cNvSpPr/>
+            <p:nvPr/>
+          </p:nvSpPr>
+          <p:spPr>
+            <a:xfrm>
+              <a:off x="9326796" y="3039251"/>
+              <a:ext cx="700779" cy="700779"/>
+            </a:xfrm>
+            <a:prstGeom prst="ellipse">
+              <a:avLst/>
+            </a:prstGeom>
+            <a:solidFill>
+              <a:srgbClr val="521F80"/>
+            </a:solidFill>
+            <a:ln w="63500">
+              <a:noFill/>
+            </a:ln>
+          </p:spPr>
+          <p:style>
+            <a:lnRef idx="2">
+              <a:schemeClr val="accent1">
+                <a:shade val="50000"/>
+              </a:schemeClr>
+            </a:lnRef>
+            <a:fillRef idx="1">
+              <a:schemeClr val="accent1"/>
+            </a:fillRef>
+            <a:effectRef idx="0">
+              <a:schemeClr val="accent1"/>
+            </a:effectRef>
+            <a:fontRef idx="minor">
+              <a:schemeClr val="lt1"/>
+            </a:fontRef>
+          </p:style>
+          <p:txBody>
+            <a:bodyPr rtlCol="0" anchor="ctr"/>
+            <a:lstStyle/>
+            <a:p>
+              <a:pPr algn="ctr"/>
+              <a:endParaRPr lang="en-CA" sz="2000" b="1" dirty="0"/>
+            </a:p>
+          </p:txBody>
+        </p:sp>
+        <p:pic>
+          <p:nvPicPr>
+            <p:cNvPr id="59" name="Picture 58"/>
+            <p:cNvPicPr>
+              <a:picLocks noChangeAspect="1"/>
+            </p:cNvPicPr>
+            <p:nvPr/>
+          </p:nvPicPr>
+          <p:blipFill>
+            <a:blip r:embed="rId4" cstate="print">
+              <a:extLst>
+                <a:ext uri="{28A0092B-C50C-407E-A947-70E740481C1C}">
+                  <a14:useLocalDpi xmlns:a14="http://schemas.microsoft.com/office/drawing/2010/main" val="0"/>
+                </a:ext>
+              </a:extLst>
+            </a:blip>
+            <a:stretch>
+              <a:fillRect/>
+            </a:stretch>
+          </p:blipFill>
+          <p:spPr>
+            <a:xfrm>
+              <a:off x="9506334" y="3194572"/>
+              <a:ext cx="347093" cy="373512"/>
+            </a:xfrm>
+            <a:prstGeom prst="rect">
+              <a:avLst/>
+            </a:prstGeom>
+          </p:spPr>
+        </p:pic>
+        <p:sp>
+          <p:nvSpPr>
+            <p:cNvPr id="81" name="Oval 80"/>
+            <p:cNvSpPr/>
+            <p:nvPr/>
+          </p:nvSpPr>
+          <p:spPr>
+            <a:xfrm>
+              <a:off x="10663557" y="3262807"/>
+              <a:ext cx="237042" cy="237042"/>
+            </a:xfrm>
+            <a:prstGeom prst="ellipse">
+              <a:avLst/>
+            </a:prstGeom>
+            <a:solidFill>
+              <a:schemeClr val="bg1"/>
+            </a:solidFill>
+            <a:ln w="63500">
+              <a:solidFill>
+                <a:schemeClr val="bg1">
+                  <a:lumMod val="85000"/>
+                </a:schemeClr>
+              </a:solidFill>
+            </a:ln>
+          </p:spPr>
+          <p:style>
+            <a:lnRef idx="2">
+              <a:schemeClr val="accent1">
+                <a:shade val="50000"/>
+              </a:schemeClr>
+            </a:lnRef>
+            <a:fillRef idx="1">
+              <a:schemeClr val="accent1"/>
+            </a:fillRef>
+            <a:effectRef idx="0">
+              <a:schemeClr val="accent1"/>
+            </a:effectRef>
+            <a:fontRef idx="minor">
+              <a:schemeClr val="lt1"/>
+            </a:fontRef>
+          </p:style>
+          <p:txBody>
+            <a:bodyPr rtlCol="0" anchor="ctr"/>
+            <a:lstStyle/>
+            <a:p>
+              <a:pPr algn="ctr"/>
+              <a:endParaRPr lang="en-CA"/>
+            </a:p>
+          </p:txBody>
+        </p:sp>
+        <p:grpSp>
+          <p:nvGrpSpPr>
+            <p:cNvPr id="93" name="Group 92"/>
+            <p:cNvGrpSpPr/>
+            <p:nvPr/>
+          </p:nvGrpSpPr>
+          <p:grpSpPr>
+            <a:xfrm>
+              <a:off x="8072510" y="4084573"/>
+              <a:ext cx="785708" cy="767693"/>
+              <a:chOff x="8042643" y="4026630"/>
+              <a:chExt cx="785708" cy="767693"/>
+            </a:xfrm>
+          </p:grpSpPr>
+          <p:sp>
+            <p:nvSpPr>
+              <p:cNvPr id="69" name="Oval 68"/>
+              <p:cNvSpPr/>
+              <p:nvPr/>
+            </p:nvSpPr>
+            <p:spPr>
+              <a:xfrm>
+                <a:off x="8042643" y="4026630"/>
+                <a:ext cx="685003" cy="685003"/>
+              </a:xfrm>
+              <a:prstGeom prst="ellipse">
+                <a:avLst/>
+              </a:prstGeom>
+              <a:solidFill>
+                <a:srgbClr val="392190"/>
+              </a:solidFill>
+              <a:ln w="63500">
+                <a:noFill/>
+              </a:ln>
+            </p:spPr>
+            <p:style>
+              <a:lnRef idx="2">
+                <a:schemeClr val="accent1">
+                  <a:shade val="50000"/>
+                </a:schemeClr>
+              </a:lnRef>
+              <a:fillRef idx="1">
+                <a:schemeClr val="accent1"/>
+              </a:fillRef>
+              <a:effectRef idx="0">
+                <a:schemeClr val="accent1"/>
+              </a:effectRef>
+              <a:fontRef idx="minor">
+                <a:schemeClr val="lt1"/>
+              </a:fontRef>
+            </p:style>
+            <p:txBody>
+              <a:bodyPr rtlCol="0" anchor="ctr"/>
+              <a:lstStyle/>
+              <a:p>
+                <a:pPr algn="ctr"/>
+                <a:endParaRPr lang="en-CA"/>
+              </a:p>
+            </p:txBody>
+          </p:sp>
+          <p:grpSp>
+            <p:nvGrpSpPr>
+              <p:cNvPr id="76" name="Group 75"/>
+              <p:cNvGrpSpPr/>
+              <p:nvPr/>
+            </p:nvGrpSpPr>
+            <p:grpSpPr>
+              <a:xfrm>
+                <a:off x="8541381" y="4506118"/>
+                <a:ext cx="286970" cy="288205"/>
+                <a:chOff x="8305015" y="4630962"/>
+                <a:chExt cx="372332" cy="373934"/>
+              </a:xfrm>
+            </p:grpSpPr>
+            <p:sp>
+              <p:nvSpPr>
+                <p:cNvPr id="73" name="Oval 72"/>
+                <p:cNvSpPr/>
+                <p:nvPr/>
+              </p:nvSpPr>
+              <p:spPr>
+                <a:xfrm>
+                  <a:off x="8326088" y="4655840"/>
+                  <a:ext cx="349056" cy="349056"/>
+                </a:xfrm>
+                <a:prstGeom prst="ellipse">
+                  <a:avLst/>
+                </a:prstGeom>
+                <a:solidFill>
+                  <a:schemeClr val="bg1"/>
+                </a:solidFill>
+                <a:ln>
+                  <a:noFill/>
+                </a:ln>
+              </p:spPr>
+              <p:style>
+                <a:lnRef idx="2">
+                  <a:schemeClr val="accent1">
+                    <a:shade val="50000"/>
+                  </a:schemeClr>
+                </a:lnRef>
+                <a:fillRef idx="1">
+                  <a:schemeClr val="accent1"/>
+                </a:fillRef>
+                <a:effectRef idx="0">
+                  <a:schemeClr val="accent1"/>
+                </a:effectRef>
+                <a:fontRef idx="minor">
+                  <a:schemeClr val="lt1"/>
+                </a:fontRef>
+              </p:style>
+              <p:txBody>
+                <a:bodyPr rtlCol="0" anchor="ctr"/>
+                <a:lstStyle/>
+                <a:p>
+                  <a:pPr algn="ctr"/>
+                  <a:endParaRPr lang="en-CA"/>
+                </a:p>
+              </p:txBody>
+            </p:sp>
+            <p:sp>
+              <p:nvSpPr>
+                <p:cNvPr id="74" name="Freeform 73"/>
+                <p:cNvSpPr>
+                  <a:spLocks noEditPoints="1"/>
+                </p:cNvSpPr>
+                <p:nvPr/>
+              </p:nvSpPr>
+              <p:spPr bwMode="auto">
+                <a:xfrm>
+                  <a:off x="8305015" y="4630962"/>
+                  <a:ext cx="372332" cy="373404"/>
+                </a:xfrm>
+                <a:custGeom>
+                  <a:avLst/>
+                  <a:gdLst>
+                    <a:gd name="T0" fmla="*/ 110 w 147"/>
+                    <a:gd name="T1" fmla="*/ 10 h 147"/>
+                    <a:gd name="T2" fmla="*/ 73 w 147"/>
+                    <a:gd name="T3" fmla="*/ 0 h 147"/>
+                    <a:gd name="T4" fmla="*/ 36 w 147"/>
+                    <a:gd name="T5" fmla="*/ 10 h 147"/>
+                    <a:gd name="T6" fmla="*/ 10 w 147"/>
+                    <a:gd name="T7" fmla="*/ 37 h 147"/>
+                    <a:gd name="T8" fmla="*/ 0 w 147"/>
+                    <a:gd name="T9" fmla="*/ 74 h 147"/>
+                    <a:gd name="T10" fmla="*/ 10 w 147"/>
+                    <a:gd name="T11" fmla="*/ 111 h 147"/>
+                    <a:gd name="T12" fmla="*/ 36 w 147"/>
+                    <a:gd name="T13" fmla="*/ 137 h 147"/>
+                    <a:gd name="T14" fmla="*/ 73 w 147"/>
+                    <a:gd name="T15" fmla="*/ 147 h 147"/>
+                    <a:gd name="T16" fmla="*/ 110 w 147"/>
+                    <a:gd name="T17" fmla="*/ 137 h 147"/>
+                    <a:gd name="T18" fmla="*/ 137 w 147"/>
+                    <a:gd name="T19" fmla="*/ 111 h 147"/>
+                    <a:gd name="T20" fmla="*/ 147 w 147"/>
+                    <a:gd name="T21" fmla="*/ 74 h 147"/>
+                    <a:gd name="T22" fmla="*/ 137 w 147"/>
+                    <a:gd name="T23" fmla="*/ 37 h 147"/>
+                    <a:gd name="T24" fmla="*/ 110 w 147"/>
+                    <a:gd name="T25" fmla="*/ 10 h 147"/>
+                    <a:gd name="T26" fmla="*/ 121 w 147"/>
+                    <a:gd name="T27" fmla="*/ 63 h 147"/>
+                    <a:gd name="T28" fmla="*/ 69 w 147"/>
+                    <a:gd name="T29" fmla="*/ 114 h 147"/>
+                    <a:gd name="T30" fmla="*/ 65 w 147"/>
+                    <a:gd name="T31" fmla="*/ 116 h 147"/>
+                    <a:gd name="T32" fmla="*/ 60 w 147"/>
+                    <a:gd name="T33" fmla="*/ 114 h 147"/>
+                    <a:gd name="T34" fmla="*/ 26 w 147"/>
+                    <a:gd name="T35" fmla="*/ 80 h 147"/>
+                    <a:gd name="T36" fmla="*/ 24 w 147"/>
+                    <a:gd name="T37" fmla="*/ 76 h 147"/>
+                    <a:gd name="T38" fmla="*/ 26 w 147"/>
+                    <a:gd name="T39" fmla="*/ 71 h 147"/>
+                    <a:gd name="T40" fmla="*/ 34 w 147"/>
+                    <a:gd name="T41" fmla="*/ 63 h 147"/>
+                    <a:gd name="T42" fmla="*/ 39 w 147"/>
+                    <a:gd name="T43" fmla="*/ 61 h 147"/>
+                    <a:gd name="T44" fmla="*/ 43 w 147"/>
+                    <a:gd name="T45" fmla="*/ 63 h 147"/>
+                    <a:gd name="T46" fmla="*/ 65 w 147"/>
+                    <a:gd name="T47" fmla="*/ 84 h 147"/>
+                    <a:gd name="T48" fmla="*/ 104 w 147"/>
+                    <a:gd name="T49" fmla="*/ 45 h 147"/>
+                    <a:gd name="T50" fmla="*/ 108 w 147"/>
+                    <a:gd name="T51" fmla="*/ 43 h 147"/>
+                    <a:gd name="T52" fmla="*/ 112 w 147"/>
+                    <a:gd name="T53" fmla="*/ 45 h 147"/>
+                    <a:gd name="T54" fmla="*/ 121 w 147"/>
+                    <a:gd name="T55" fmla="*/ 54 h 147"/>
+                    <a:gd name="T56" fmla="*/ 123 w 147"/>
+                    <a:gd name="T57" fmla="*/ 58 h 147"/>
+                    <a:gd name="T58" fmla="*/ 121 w 147"/>
+                    <a:gd name="T59" fmla="*/ 63 h 147"/>
+                  </a:gdLst>
+                  <a:ahLst/>
+                  <a:cxnLst>
+                    <a:cxn ang="0">
+                      <a:pos x="T0" y="T1"/>
+                    </a:cxn>
+                    <a:cxn ang="0">
+                      <a:pos x="T2" y="T3"/>
+                    </a:cxn>
+                    <a:cxn ang="0">
+                      <a:pos x="T4" y="T5"/>
+                    </a:cxn>
+                    <a:cxn ang="0">
+                      <a:pos x="T6" y="T7"/>
+                    </a:cxn>
+                    <a:cxn ang="0">
+                      <a:pos x="T8" y="T9"/>
+                    </a:cxn>
+                    <a:cxn ang="0">
+                      <a:pos x="T10" y="T11"/>
+                    </a:cxn>
+                    <a:cxn ang="0">
+                      <a:pos x="T12" y="T13"/>
+                    </a:cxn>
+                    <a:cxn ang="0">
+                      <a:pos x="T14" y="T15"/>
+                    </a:cxn>
+                    <a:cxn ang="0">
+                      <a:pos x="T16" y="T17"/>
+                    </a:cxn>
+                    <a:cxn ang="0">
+                      <a:pos x="T18" y="T19"/>
+                    </a:cxn>
+                    <a:cxn ang="0">
+                      <a:pos x="T20" y="T21"/>
+                    </a:cxn>
+                    <a:cxn ang="0">
+                      <a:pos x="T22" y="T23"/>
+                    </a:cxn>
+                    <a:cxn ang="0">
+                      <a:pos x="T24" y="T25"/>
+                    </a:cxn>
+                    <a:cxn ang="0">
+                      <a:pos x="T26" y="T27"/>
+                    </a:cxn>
+                    <a:cxn ang="0">
+                      <a:pos x="T28" y="T29"/>
+                    </a:cxn>
+                    <a:cxn ang="0">
+                      <a:pos x="T30" y="T31"/>
+                    </a:cxn>
+                    <a:cxn ang="0">
+                      <a:pos x="T32" y="T33"/>
+                    </a:cxn>
+                    <a:cxn ang="0">
+                      <a:pos x="T34" y="T35"/>
+                    </a:cxn>
+                    <a:cxn ang="0">
+                      <a:pos x="T36" y="T37"/>
+                    </a:cxn>
+                    <a:cxn ang="0">
+                      <a:pos x="T38" y="T39"/>
+                    </a:cxn>
+                    <a:cxn ang="0">
+                      <a:pos x="T40" y="T41"/>
+                    </a:cxn>
+                    <a:cxn ang="0">
+                      <a:pos x="T42" y="T43"/>
+                    </a:cxn>
+                    <a:cxn ang="0">
+                      <a:pos x="T44" y="T45"/>
+                    </a:cxn>
+                    <a:cxn ang="0">
+                      <a:pos x="T46" y="T47"/>
+                    </a:cxn>
+                    <a:cxn ang="0">
+                      <a:pos x="T48" y="T49"/>
+                    </a:cxn>
+                    <a:cxn ang="0">
+                      <a:pos x="T50" y="T51"/>
+                    </a:cxn>
+                    <a:cxn ang="0">
+                      <a:pos x="T52" y="T53"/>
+                    </a:cxn>
+                    <a:cxn ang="0">
+                      <a:pos x="T54" y="T55"/>
+                    </a:cxn>
+                    <a:cxn ang="0">
+                      <a:pos x="T56" y="T57"/>
+                    </a:cxn>
+                    <a:cxn ang="0">
+                      <a:pos x="T58" y="T59"/>
+                    </a:cxn>
+                  </a:cxnLst>
+                  <a:rect l="0" t="0" r="r" b="b"/>
+                  <a:pathLst>
+                    <a:path w="147" h="147">
+                      <a:moveTo>
+                        <a:pt x="110" y="10"/>
+                      </a:moveTo>
+                      <a:cubicBezTo>
+                        <a:pt x="99" y="4"/>
+                        <a:pt x="87" y="0"/>
+                        <a:pt x="73" y="0"/>
+                      </a:cubicBezTo>
+                      <a:cubicBezTo>
+                        <a:pt x="60" y="0"/>
+                        <a:pt x="48" y="4"/>
+                        <a:pt x="36" y="10"/>
+                      </a:cubicBezTo>
+                      <a:cubicBezTo>
+                        <a:pt x="25" y="17"/>
+                        <a:pt x="16" y="26"/>
+                        <a:pt x="10" y="37"/>
+                      </a:cubicBezTo>
+                      <a:cubicBezTo>
+                        <a:pt x="3" y="48"/>
+                        <a:pt x="0" y="60"/>
+                        <a:pt x="0" y="74"/>
+                      </a:cubicBezTo>
+                      <a:cubicBezTo>
+                        <a:pt x="0" y="87"/>
+                        <a:pt x="3" y="99"/>
+                        <a:pt x="10" y="111"/>
+                      </a:cubicBezTo>
+                      <a:cubicBezTo>
+                        <a:pt x="16" y="122"/>
+                        <a:pt x="25" y="131"/>
+                        <a:pt x="36" y="137"/>
+                      </a:cubicBezTo>
+                      <a:cubicBezTo>
+                        <a:pt x="48" y="144"/>
+                        <a:pt x="60" y="147"/>
+                        <a:pt x="73" y="147"/>
+                      </a:cubicBezTo>
+                      <a:cubicBezTo>
+                        <a:pt x="87" y="147"/>
+                        <a:pt x="99" y="144"/>
+                        <a:pt x="110" y="137"/>
+                      </a:cubicBezTo>
+                      <a:cubicBezTo>
+                        <a:pt x="121" y="131"/>
+                        <a:pt x="130" y="122"/>
+                        <a:pt x="137" y="111"/>
+                      </a:cubicBezTo>
+                      <a:cubicBezTo>
+                        <a:pt x="143" y="99"/>
+                        <a:pt x="147" y="87"/>
+                        <a:pt x="147" y="74"/>
+                      </a:cubicBezTo>
+                      <a:cubicBezTo>
+                        <a:pt x="147" y="60"/>
+                        <a:pt x="143" y="48"/>
+                        <a:pt x="137" y="37"/>
+                      </a:cubicBezTo>
+                      <a:cubicBezTo>
+                        <a:pt x="130" y="26"/>
+                        <a:pt x="121" y="17"/>
+                        <a:pt x="110" y="10"/>
+                      </a:cubicBezTo>
+                      <a:close/>
+                      <a:moveTo>
+                        <a:pt x="121" y="63"/>
+                      </a:moveTo>
+                      <a:cubicBezTo>
+                        <a:pt x="69" y="114"/>
+                        <a:pt x="69" y="114"/>
+                        <a:pt x="69" y="114"/>
+                      </a:cubicBezTo>
+                      <a:cubicBezTo>
+                        <a:pt x="68" y="116"/>
+                        <a:pt x="66" y="116"/>
+                        <a:pt x="65" y="116"/>
+                      </a:cubicBezTo>
+                      <a:cubicBezTo>
+                        <a:pt x="63" y="116"/>
+                        <a:pt x="62" y="116"/>
+                        <a:pt x="60" y="114"/>
+                      </a:cubicBezTo>
+                      <a:cubicBezTo>
+                        <a:pt x="26" y="80"/>
+                        <a:pt x="26" y="80"/>
+                        <a:pt x="26" y="80"/>
+                      </a:cubicBezTo>
+                      <a:cubicBezTo>
+                        <a:pt x="25" y="79"/>
+                        <a:pt x="24" y="77"/>
+                        <a:pt x="24" y="76"/>
+                      </a:cubicBezTo>
+                      <a:cubicBezTo>
+                        <a:pt x="24" y="74"/>
+                        <a:pt x="25" y="72"/>
+                        <a:pt x="26" y="71"/>
+                      </a:cubicBezTo>
+                      <a:cubicBezTo>
+                        <a:pt x="34" y="63"/>
+                        <a:pt x="34" y="63"/>
+                        <a:pt x="34" y="63"/>
+                      </a:cubicBezTo>
+                      <a:cubicBezTo>
+                        <a:pt x="36" y="61"/>
+                        <a:pt x="37" y="61"/>
+                        <a:pt x="39" y="61"/>
+                      </a:cubicBezTo>
+                      <a:cubicBezTo>
+                        <a:pt x="40" y="61"/>
+                        <a:pt x="42" y="61"/>
+                        <a:pt x="43" y="63"/>
+                      </a:cubicBezTo>
+                      <a:cubicBezTo>
+                        <a:pt x="65" y="84"/>
+                        <a:pt x="65" y="84"/>
+                        <a:pt x="65" y="84"/>
+                      </a:cubicBezTo>
+                      <a:cubicBezTo>
+                        <a:pt x="104" y="45"/>
+                        <a:pt x="104" y="45"/>
+                        <a:pt x="104" y="45"/>
+                      </a:cubicBezTo>
+                      <a:cubicBezTo>
+                        <a:pt x="105" y="44"/>
+                        <a:pt x="106" y="43"/>
+                        <a:pt x="108" y="43"/>
+                      </a:cubicBezTo>
+                      <a:cubicBezTo>
+                        <a:pt x="110" y="43"/>
+                        <a:pt x="111" y="44"/>
+                        <a:pt x="112" y="45"/>
+                      </a:cubicBezTo>
+                      <a:cubicBezTo>
+                        <a:pt x="121" y="54"/>
+                        <a:pt x="121" y="54"/>
+                        <a:pt x="121" y="54"/>
+                      </a:cubicBezTo>
+                      <a:cubicBezTo>
+                        <a:pt x="122" y="55"/>
+                        <a:pt x="123" y="57"/>
+                        <a:pt x="123" y="58"/>
+                      </a:cubicBezTo>
+                      <a:cubicBezTo>
+                        <a:pt x="123" y="60"/>
+                        <a:pt x="122" y="61"/>
+                        <a:pt x="121" y="63"/>
+                      </a:cubicBezTo>
+                      <a:close/>
+                    </a:path>
+                  </a:pathLst>
+                </a:custGeom>
+                <a:solidFill>
+                  <a:srgbClr val="00B050"/>
+                </a:solidFill>
+                <a:ln>
+                  <a:noFill/>
+                </a:ln>
+                <a:extLst/>
+              </p:spPr>
+              <p:txBody>
+                <a:bodyPr vert="horz" wrap="square" lIns="91440" tIns="45720" rIns="91440" bIns="45720" numCol="1" anchor="t" anchorCtr="0" compatLnSpc="1">
+                  <a:prstTxWarp prst="textNoShape">
+                    <a:avLst/>
+                  </a:prstTxWarp>
+                </a:bodyPr>
+                <a:lstStyle>
+                  <a:defPPr>
+                    <a:defRPr lang="en-US"/>
+                  </a:defPPr>
+                  <a:lvl1pPr marL="0" algn="l" defTabSz="914400" rtl="0" eaLnBrk="1" latinLnBrk="0" hangingPunct="1">
+                    <a:defRPr sz="1800" kern="1200">
+                      <a:solidFill>
+                        <a:schemeClr val="tx1"/>
+                      </a:solidFill>
+                      <a:latin typeface="+mn-lt"/>
+                      <a:ea typeface="+mn-ea"/>
+                      <a:cs typeface="+mn-cs"/>
+                    </a:defRPr>
+                  </a:lvl1pPr>
+                  <a:lvl2pPr marL="457200" algn="l" defTabSz="914400" rtl="0" eaLnBrk="1" latinLnBrk="0" hangingPunct="1">
+                    <a:defRPr sz="1800" kern="1200">
+                      <a:solidFill>
+                        <a:schemeClr val="tx1"/>
+                      </a:solidFill>
+                      <a:latin typeface="+mn-lt"/>
+                      <a:ea typeface="+mn-ea"/>
+                      <a:cs typeface="+mn-cs"/>
+                    </a:defRPr>
+                  </a:lvl2pPr>
+                  <a:lvl3pPr marL="914400" algn="l" defTabSz="914400" rtl="0" eaLnBrk="1" latinLnBrk="0" hangingPunct="1">
+                    <a:defRPr sz="1800" kern="1200">
+                      <a:solidFill>
+                        <a:schemeClr val="tx1"/>
+                      </a:solidFill>
+                      <a:latin typeface="+mn-lt"/>
+                      <a:ea typeface="+mn-ea"/>
+                      <a:cs typeface="+mn-cs"/>
+                    </a:defRPr>
+                  </a:lvl3pPr>
+                  <a:lvl4pPr marL="1371600" algn="l" defTabSz="914400" rtl="0" eaLnBrk="1" latinLnBrk="0" hangingPunct="1">
+                    <a:defRPr sz="1800" kern="1200">
+                      <a:solidFill>
+                        <a:schemeClr val="tx1"/>
+                      </a:solidFill>
+                      <a:latin typeface="+mn-lt"/>
+                      <a:ea typeface="+mn-ea"/>
+                      <a:cs typeface="+mn-cs"/>
+                    </a:defRPr>
+                  </a:lvl4pPr>
+                  <a:lvl5pPr marL="1828800" algn="l" defTabSz="914400" rtl="0" eaLnBrk="1" latinLnBrk="0" hangingPunct="1">
+                    <a:defRPr sz="1800" kern="1200">
+                      <a:solidFill>
+                        <a:schemeClr val="tx1"/>
+                      </a:solidFill>
+                      <a:latin typeface="+mn-lt"/>
+                      <a:ea typeface="+mn-ea"/>
+                      <a:cs typeface="+mn-cs"/>
+                    </a:defRPr>
+                  </a:lvl5pPr>
+                  <a:lvl6pPr marL="2286000" algn="l" defTabSz="914400" rtl="0" eaLnBrk="1" latinLnBrk="0" hangingPunct="1">
+                    <a:defRPr sz="1800" kern="1200">
+                      <a:solidFill>
+                        <a:schemeClr val="tx1"/>
+                      </a:solidFill>
+                      <a:latin typeface="+mn-lt"/>
+                      <a:ea typeface="+mn-ea"/>
+                      <a:cs typeface="+mn-cs"/>
+                    </a:defRPr>
+                  </a:lvl6pPr>
+                  <a:lvl7pPr marL="2743200" algn="l" defTabSz="914400" rtl="0" eaLnBrk="1" latinLnBrk="0" hangingPunct="1">
+                    <a:defRPr sz="1800" kern="1200">
+                      <a:solidFill>
+                        <a:schemeClr val="tx1"/>
+                      </a:solidFill>
+                      <a:latin typeface="+mn-lt"/>
+                      <a:ea typeface="+mn-ea"/>
+                      <a:cs typeface="+mn-cs"/>
+                    </a:defRPr>
+                  </a:lvl7pPr>
+                  <a:lvl8pPr marL="3200400" algn="l" defTabSz="914400" rtl="0" eaLnBrk="1" latinLnBrk="0" hangingPunct="1">
+                    <a:defRPr sz="1800" kern="1200">
+                      <a:solidFill>
+                        <a:schemeClr val="tx1"/>
+                      </a:solidFill>
+                      <a:latin typeface="+mn-lt"/>
+                      <a:ea typeface="+mn-ea"/>
+                      <a:cs typeface="+mn-cs"/>
+                    </a:defRPr>
+                  </a:lvl8pPr>
+                  <a:lvl9pPr marL="3657600" algn="l" defTabSz="914400" rtl="0" eaLnBrk="1" latinLnBrk="0" hangingPunct="1">
+                    <a:defRPr sz="1800" kern="1200">
+                      <a:solidFill>
+                        <a:schemeClr val="tx1"/>
+                      </a:solidFill>
+                      <a:latin typeface="+mn-lt"/>
+                      <a:ea typeface="+mn-ea"/>
+                      <a:cs typeface="+mn-cs"/>
+                    </a:defRPr>
+                  </a:lvl9pPr>
+                </a:lstStyle>
+                <a:p>
+                  <a:endParaRPr lang="en-CA"/>
+                </a:p>
+              </p:txBody>
+            </p:sp>
+          </p:grpSp>
+          <p:pic>
+            <p:nvPicPr>
+              <p:cNvPr id="87" name="Picture 86"/>
+              <p:cNvPicPr>
+                <a:picLocks noChangeAspect="1"/>
+              </p:cNvPicPr>
+              <p:nvPr/>
+            </p:nvPicPr>
+            <p:blipFill>
+              <a:blip r:embed="rId5" cstate="print">
+                <a:extLst>
+                  <a:ext uri="{28A0092B-C50C-407E-A947-70E740481C1C}">
+                    <a14:useLocalDpi xmlns:a14="http://schemas.microsoft.com/office/drawing/2010/main" val="0"/>
+                  </a:ext>
+                </a:extLst>
+              </a:blip>
+              <a:stretch>
+                <a:fillRect/>
+              </a:stretch>
+            </p:blipFill>
+            <p:spPr>
+              <a:xfrm>
+                <a:off x="8178053" y="4168958"/>
+                <a:ext cx="406055" cy="406055"/>
+              </a:xfrm>
+              <a:prstGeom prst="rect">
+                <a:avLst/>
+              </a:prstGeom>
+            </p:spPr>
+          </p:pic>
+        </p:grpSp>
+        <p:sp>
+          <p:nvSpPr>
+            <p:cNvPr id="33" name="Oval 32"/>
+            <p:cNvSpPr/>
+            <p:nvPr/>
+          </p:nvSpPr>
+          <p:spPr>
+            <a:xfrm>
+              <a:off x="11673177" y="3262807"/>
+              <a:ext cx="237042" cy="237042"/>
+            </a:xfrm>
+            <a:prstGeom prst="ellipse">
+              <a:avLst/>
+            </a:prstGeom>
+            <a:solidFill>
+              <a:schemeClr val="bg1"/>
+            </a:solidFill>
+            <a:ln w="63500">
+              <a:solidFill>
+                <a:schemeClr val="bg1">
+                  <a:lumMod val="85000"/>
+                </a:schemeClr>
+              </a:solidFill>
+            </a:ln>
+          </p:spPr>
+          <p:style>
+            <a:lnRef idx="2">
+              <a:schemeClr val="accent1">
+                <a:shade val="50000"/>
+              </a:schemeClr>
+            </a:lnRef>
+            <a:fillRef idx="1">
+              <a:schemeClr val="accent1"/>
+            </a:fillRef>
+            <a:effectRef idx="0">
+              <a:schemeClr val="accent1"/>
+            </a:effectRef>
+            <a:fontRef idx="minor">
+              <a:schemeClr val="lt1"/>
+            </a:fontRef>
+          </p:style>
+          <p:txBody>
+            <a:bodyPr rtlCol="0" anchor="ctr"/>
+            <a:lstStyle/>
+            <a:p>
+              <a:pPr algn="ctr"/>
+              <a:endParaRPr lang="en-CA"/>
+            </a:p>
+          </p:txBody>
+        </p:sp>
+        <p:sp>
+          <p:nvSpPr>
+            <p:cNvPr id="34" name="Oval 33"/>
+            <p:cNvSpPr/>
+            <p:nvPr/>
+          </p:nvSpPr>
+          <p:spPr>
+            <a:xfrm>
+              <a:off x="262629" y="3262807"/>
+              <a:ext cx="237042" cy="237042"/>
+            </a:xfrm>
+            <a:prstGeom prst="ellipse">
+              <a:avLst/>
+            </a:prstGeom>
+            <a:solidFill>
+              <a:schemeClr val="bg1"/>
+            </a:solidFill>
+            <a:ln w="63500">
+              <a:solidFill>
+                <a:schemeClr val="bg1">
+                  <a:lumMod val="85000"/>
+                </a:schemeClr>
+              </a:solidFill>
+            </a:ln>
+          </p:spPr>
+          <p:style>
+            <a:lnRef idx="2">
+              <a:schemeClr val="accent1">
+                <a:shade val="50000"/>
+              </a:schemeClr>
+            </a:lnRef>
+            <a:fillRef idx="1">
+              <a:schemeClr val="accent1"/>
+            </a:fillRef>
+            <a:effectRef idx="0">
+              <a:schemeClr val="accent1"/>
+            </a:effectRef>
+            <a:fontRef idx="minor">
+              <a:schemeClr val="lt1"/>
+            </a:fontRef>
+          </p:style>
+          <p:txBody>
+            <a:bodyPr rtlCol="0" anchor="ctr"/>
+            <a:lstStyle/>
+            <a:p>
+              <a:pPr algn="ctr"/>
+              <a:endParaRPr lang="en-CA"/>
+            </a:p>
+          </p:txBody>
+        </p:sp>
+        <p:sp>
+          <p:nvSpPr>
+            <p:cNvPr id="35" name="Oval 34"/>
+            <p:cNvSpPr/>
+            <p:nvPr/>
+          </p:nvSpPr>
+          <p:spPr>
+            <a:xfrm>
+              <a:off x="1214059" y="3262807"/>
+              <a:ext cx="237042" cy="237042"/>
+            </a:xfrm>
+            <a:prstGeom prst="ellipse">
+              <a:avLst/>
+            </a:prstGeom>
+            <a:solidFill>
+              <a:schemeClr val="bg1"/>
+            </a:solidFill>
+            <a:ln w="63500">
+              <a:solidFill>
+                <a:schemeClr val="bg1">
+                  <a:lumMod val="85000"/>
+                </a:schemeClr>
+              </a:solidFill>
+            </a:ln>
+          </p:spPr>
+          <p:style>
+            <a:lnRef idx="2">
+              <a:schemeClr val="accent1">
+                <a:shade val="50000"/>
+              </a:schemeClr>
+            </a:lnRef>
+            <a:fillRef idx="1">
+              <a:schemeClr val="accent1"/>
+            </a:fillRef>
+            <a:effectRef idx="0">
+              <a:schemeClr val="accent1"/>
+            </a:effectRef>
+            <a:fontRef idx="minor">
+              <a:schemeClr val="lt1"/>
+            </a:fontRef>
+          </p:style>
+          <p:txBody>
+            <a:bodyPr rtlCol="0" anchor="ctr"/>
+            <a:lstStyle/>
+            <a:p>
+              <a:pPr algn="ctr"/>
+              <a:endParaRPr lang="en-CA"/>
+            </a:p>
+          </p:txBody>
+        </p:sp>
+      </p:grpSp>
+      <p:sp>
+        <p:nvSpPr>
+          <p:cNvPr id="4" name="Slide Number Placeholder 3"/>
+          <p:cNvSpPr>
+            <a:spLocks noGrp="1"/>
+          </p:cNvSpPr>
+          <p:nvPr>
+            <p:ph type="sldNum" sz="quarter" idx="4"/>
+          </p:nvPr>
+        </p:nvSpPr>
+        <p:spPr/>
+        <p:txBody>
+          <a:bodyPr/>
+          <a:lstStyle/>
+          <a:p>
+            <a:fld id="{105822BA-B7AE-4DDB-BAFC-C8E55FB5C986}" type="slidenum">
+              <a:rPr lang="en-CA" smtClean="0"/>
+              <a:pPr/>
+              <a:t>14</a:t>
+            </a:fld>
+            <a:r>
+              <a:rPr lang="en-CA" smtClean="0"/>
+              <a:t> </a:t>
+            </a:r>
+            <a:endParaRPr lang="en-CA" dirty="0"/>
+          </a:p>
+        </p:txBody>
+      </p:sp>
+    </p:spTree>
+    <p:extLst>
+      <p:ext uri="{BB962C8B-B14F-4D97-AF65-F5344CB8AC3E}">
+        <p14:creationId xmlns:p14="http://schemas.microsoft.com/office/powerpoint/2010/main" val="2451247923"/>
+      </p:ext>
+    </p:extLst>
+  </p:cSld>
+  <p:clrMapOvr>
+    <a:masterClrMapping/>
+  </p:clrMapOvr>
+  <p:timing>
+    <p:tnLst>
+      <p:par>
+        <p:cTn id="1" dur="indefinite" restart="never" nodeType="tmRoot"/>
+      </p:par>
+    </p:tnLst>
+  </p:timing>
+</p:sld>
+</file>
+
+<file path=ppt/slides/slide15.xml><?xml version="1.0" encoding="utf-8"?>
 <p:sld xmlns:a="http://schemas.openxmlformats.org/drawingml/2006/main" xmlns:r="http://schemas.openxmlformats.org/officeDocument/2006/relationships" xmlns:p="http://schemas.openxmlformats.org/presentationml/2006/main">
   <p:cSld>
     <p:spTree>
@@ -6211,7 +13223,7 @@
             <a:fld id="{105822BA-B7AE-4DDB-BAFC-C8E55FB5C986}" type="slidenum">
               <a:rPr lang="en-CA" smtClean="0"/>
               <a:pPr/>
-              <a:t>12</a:t>
+              <a:t>15</a:t>
             </a:fld>
             <a:r>
               <a:rPr lang="en-CA" smtClean="0"/>
@@ -6241,7 +13253,7 @@
 </p:sld>
 </file>
 
-<file path=ppt/slides/slide13.xml><?xml version="1.0" encoding="utf-8"?>
+<file path=ppt/slides/slide16.xml><?xml version="1.0" encoding="utf-8"?>
 <p:sld xmlns:a="http://schemas.openxmlformats.org/drawingml/2006/main" xmlns:r="http://schemas.openxmlformats.org/officeDocument/2006/relationships" xmlns:p="http://schemas.openxmlformats.org/presentationml/2006/main">
   <p:cSld>
     <p:spTree>
@@ -6341,7 +13353,6 @@
               <a:rPr lang="en-CA" sz="2400" dirty="0" smtClean="0"/>
               <a:t>@canada.ca</a:t>
             </a:r>
-            <a:endParaRPr lang="en-CA" sz="2400" dirty="0" smtClean="0"/>
           </a:p>
           <a:p>
             <a:pPr marL="285750" indent="-285750">
@@ -6359,7 +13370,6 @@
               <a:rPr lang="en-CA" sz="2400" dirty="0" smtClean="0"/>
               <a:t>@canada.ca</a:t>
             </a:r>
-            <a:endParaRPr lang="en-CA" sz="2400" dirty="0" smtClean="0"/>
           </a:p>
           <a:p>
             <a:pPr marL="285750" indent="-285750">
@@ -6437,7 +13447,7 @@
             <a:fld id="{105822BA-B7AE-4DDB-BAFC-C8E55FB5C986}" type="slidenum">
               <a:rPr lang="en-CA" smtClean="0"/>
               <a:pPr/>
-              <a:t>13</a:t>
+              <a:t>16</a:t>
             </a:fld>
             <a:r>
               <a:rPr lang="en-CA" smtClean="0"/>
@@ -7443,13 +14453,8 @@
             </a:pPr>
             <a:r>
               <a:rPr lang="en-CA" sz="2400" dirty="0" smtClean="0"/>
-              <a:t>Another companies network, computers and </a:t>
-            </a:r>
-            <a:r>
-              <a:rPr lang="en-CA" sz="2400" dirty="0" smtClean="0"/>
-              <a:t>services</a:t>
-            </a:r>
-            <a:endParaRPr lang="en-CA" sz="2400" dirty="0" smtClean="0"/>
+              <a:t>Another companies network, computers and services</a:t>
+            </a:r>
           </a:p>
           <a:p>
             <a:pPr marL="285750" indent="-285750">
@@ -7461,13 +14466,8 @@
             </a:pPr>
             <a:r>
               <a:rPr lang="en-CA" sz="2400" dirty="0" smtClean="0"/>
-              <a:t>Cost is based on home much power and storage you </a:t>
-            </a:r>
-            <a:r>
-              <a:rPr lang="en-CA" sz="2400" dirty="0" smtClean="0"/>
-              <a:t>use</a:t>
-            </a:r>
-            <a:endParaRPr lang="en-CA" sz="2400" dirty="0" smtClean="0"/>
+              <a:t>Cost is based on home much power and storage you use</a:t>
+            </a:r>
           </a:p>
           <a:p>
             <a:pPr marL="285750" indent="-285750">
@@ -7627,13 +14627,8 @@
             </a:pPr>
             <a:r>
               <a:rPr lang="en-CA" sz="2400" dirty="0" smtClean="0"/>
-              <a:t>Faster service </a:t>
-            </a:r>
-            <a:r>
-              <a:rPr lang="en-CA" sz="2400" dirty="0" smtClean="0"/>
-              <a:t>delivery</a:t>
-            </a:r>
-            <a:endParaRPr lang="en-CA" sz="2400" dirty="0" smtClean="0"/>
+              <a:t>Faster service delivery</a:t>
+            </a:r>
           </a:p>
           <a:p>
             <a:pPr marL="285750" indent="-285750">
@@ -7645,13 +14640,8 @@
             </a:pPr>
             <a:r>
               <a:rPr lang="en-CA" sz="2400" dirty="0" smtClean="0"/>
-              <a:t>Ability to scale with </a:t>
-            </a:r>
-            <a:r>
-              <a:rPr lang="en-CA" sz="2400" dirty="0" smtClean="0"/>
-              <a:t>demand</a:t>
-            </a:r>
-            <a:endParaRPr lang="en-CA" sz="2400" dirty="0" smtClean="0"/>
+              <a:t>Ability to scale with demand</a:t>
+            </a:r>
           </a:p>
           <a:p>
             <a:pPr marL="285750" indent="-285750">
@@ -7663,13 +14653,8 @@
             </a:pPr>
             <a:r>
               <a:rPr lang="en-CA" sz="2400" dirty="0" smtClean="0"/>
-              <a:t>Enables modern service </a:t>
-            </a:r>
-            <a:r>
-              <a:rPr lang="en-CA" sz="2400" dirty="0" smtClean="0"/>
-              <a:t>delivery</a:t>
-            </a:r>
-            <a:endParaRPr lang="en-CA" sz="2400" dirty="0" smtClean="0"/>
+              <a:t>Enables modern service delivery</a:t>
+            </a:r>
           </a:p>
         </p:txBody>
       </p:sp>
@@ -7817,15 +14802,7 @@
             </a:pPr>
             <a:r>
               <a:rPr lang="en-CA" sz="2400" dirty="0" smtClean="0"/>
-              <a:t>You </a:t>
-            </a:r>
-            <a:r>
-              <a:rPr lang="en-CA" sz="2400" dirty="0" smtClean="0"/>
-              <a:t>build on the </a:t>
-            </a:r>
-            <a:r>
-              <a:rPr lang="en-CA" sz="2400" dirty="0" smtClean="0"/>
-              <a:t>cloud provider</a:t>
+              <a:t>You build on the cloud provider</a:t>
             </a:r>
           </a:p>
           <a:p>
@@ -8341,15 +15318,7 @@
             </a:pPr>
             <a:r>
               <a:rPr lang="en-CA" sz="2000" dirty="0" smtClean="0"/>
-              <a:t>Least control </a:t>
-            </a:r>
-            <a:r>
-              <a:rPr lang="en-CA" sz="2000" dirty="0" smtClean="0"/>
-              <a:t>/ </a:t>
-            </a:r>
-            <a:r>
-              <a:rPr lang="en-CA" sz="2000" dirty="0" smtClean="0"/>
-              <a:t>effort</a:t>
+              <a:t>Least control / effort</a:t>
             </a:r>
             <a:endParaRPr lang="en-CA" sz="2000" dirty="0"/>
           </a:p>
@@ -8384,15 +15353,7 @@
             </a:pPr>
             <a:r>
               <a:rPr lang="en-CA" sz="2000" dirty="0" smtClean="0"/>
-              <a:t>Most control </a:t>
-            </a:r>
-            <a:r>
-              <a:rPr lang="en-CA" sz="2000" dirty="0" smtClean="0"/>
-              <a:t>/ </a:t>
-            </a:r>
-            <a:r>
-              <a:rPr lang="en-CA" sz="2000" dirty="0" smtClean="0"/>
-              <a:t>effort</a:t>
+              <a:t>Most control / effort</a:t>
             </a:r>
             <a:endParaRPr lang="en-CA" sz="2000" dirty="0"/>
           </a:p>
@@ -8537,13 +15498,8 @@
             </a:pPr>
             <a:r>
               <a:rPr lang="en-CA" sz="2400" dirty="0" smtClean="0"/>
-              <a:t>Open source templates for creating cloud </a:t>
-            </a:r>
-            <a:r>
-              <a:rPr lang="en-CA" sz="2400" dirty="0" smtClean="0"/>
-              <a:t>services</a:t>
-            </a:r>
-            <a:endParaRPr lang="en-CA" sz="2400" dirty="0" smtClean="0"/>
+              <a:t>Open source templates for creating cloud services</a:t>
+            </a:r>
           </a:p>
           <a:p>
             <a:pPr marL="285750" indent="-285750">
@@ -8555,13 +15511,8 @@
             </a:pPr>
             <a:r>
               <a:rPr lang="en-CA" sz="2400" dirty="0" smtClean="0"/>
-              <a:t>TBS security and cloud guidelines </a:t>
-            </a:r>
-            <a:r>
-              <a:rPr lang="en-CA" sz="2400" dirty="0" smtClean="0"/>
-              <a:t>baked-in</a:t>
-            </a:r>
-            <a:endParaRPr lang="en-CA" sz="2400" dirty="0" smtClean="0"/>
+              <a:t>TBS security and cloud guidelines baked-in</a:t>
+            </a:r>
           </a:p>
           <a:p>
             <a:pPr marL="285750" indent="-285750">
@@ -8573,13 +15524,8 @@
             </a:pPr>
             <a:r>
               <a:rPr lang="en-CA" sz="2400" dirty="0" smtClean="0"/>
-              <a:t>Avoids re-inventing the </a:t>
-            </a:r>
-            <a:r>
-              <a:rPr lang="en-CA" sz="2400" dirty="0" smtClean="0"/>
-              <a:t>wheel</a:t>
-            </a:r>
-            <a:endParaRPr lang="en-CA" sz="2400" dirty="0" smtClean="0"/>
+              <a:t>Avoids re-inventing the wheel</a:t>
+            </a:r>
           </a:p>
           <a:p>
             <a:pPr marL="285750" indent="-285750">
@@ -8989,13 +15935,8 @@
             </a:pPr>
             <a:r>
               <a:rPr lang="en-US" sz="2400" dirty="0" smtClean="0"/>
-              <a:t>Power of cloud is unlocked through </a:t>
-            </a:r>
-            <a:r>
-              <a:rPr lang="en-US" sz="2400" dirty="0" smtClean="0"/>
-              <a:t>automation</a:t>
-            </a:r>
-            <a:endParaRPr lang="en-US" sz="2400" dirty="0" smtClean="0"/>
+              <a:t>Power of cloud is unlocked through automation</a:t>
+            </a:r>
           </a:p>
           <a:p>
             <a:pPr marL="285750" indent="-285750">
@@ -9011,11 +15952,7 @@
             </a:r>
             <a:r>
               <a:rPr lang="en-CA" sz="2400" b="1" dirty="0" smtClean="0"/>
-              <a:t>infrastructure as </a:t>
-            </a:r>
-            <a:r>
-              <a:rPr lang="en-CA" sz="2400" b="1" dirty="0" smtClean="0"/>
-              <a:t>code</a:t>
+              <a:t>infrastructure as code</a:t>
             </a:r>
             <a:endParaRPr lang="en-CA" sz="2400" dirty="0" smtClean="0"/>
           </a:p>
@@ -9120,11 +16057,30 @@
 
 <file path=ppt/tags/tag1.xml><?xml version="1.0" encoding="utf-8"?>
 <p:tagLst xmlns:a="http://schemas.openxmlformats.org/drawingml/2006/main" xmlns:r="http://schemas.openxmlformats.org/officeDocument/2006/relationships" xmlns:p="http://schemas.openxmlformats.org/presentationml/2006/main">
-  <p:tag name="ENGAGE" val="{&quot;SavedSwatch&quot;:&quot;-16747630|-1615358|-5828210|-11231456|-12763591|Shared Services Canada&quot;,&quot;Id&quot;:&quot;5dada3b44331432bb0ae814d&quot;,&quot;SmartGridHorizontal&quot;:0,&quot;LinkedExcelSources&quot;:{},&quot;LinkedProjectSources&quot;:{},&quot;FlowConfig&quot;:{&quot;Canvas&quot;:{&quot;Slide&quot;:-1,&quot;Width&quot;:0,&quot;Height&quot;:0},&quot;Timeline&quot;:{&quot;Actions&quot;:[]}},&quot;LinkedSlideMergeSources&quot;:{},&quot;LinkedSharePointSlideMergeSources&quot;:{}}"/>
+  <p:tag name="ENGAGE" val="{&quot;SavedSwatch&quot;:&quot;-16747630|-1615358|-5828210|-11231456|-12763591|Shared Services Canada&quot;,&quot;Id&quot;:&quot;5db7136143314317d81c186e&quot;,&quot;SmartGridHorizontal&quot;:0,&quot;LinkedExcelSources&quot;:{},&quot;LinkedProjectSources&quot;:{},&quot;FlowConfig&quot;:{&quot;Canvas&quot;:{&quot;Slide&quot;:-1,&quot;Width&quot;:0,&quot;Height&quot;:0},&quot;Timeline&quot;:{&quot;Actions&quot;:[]}},&quot;LinkedSlideMergeSources&quot;:{},&quot;LinkedSharePointSlideMergeSources&quot;:{}}"/>
 </p:tagLst>
 </file>
 
 <file path=ppt/tags/tag10.xml><?xml version="1.0" encoding="utf-8"?>
+<p:tagLst xmlns:a="http://schemas.openxmlformats.org/drawingml/2006/main" xmlns:r="http://schemas.openxmlformats.org/officeDocument/2006/relationships" xmlns:p="http://schemas.openxmlformats.org/presentationml/2006/main">
+  <p:tag name="E_IMGDECORATIVE" val="1"/>
+</p:tagLst>
+</file>
+
+<file path=ppt/tags/tag11.xml><?xml version="1.0" encoding="utf-8"?>
+<p:tagLst xmlns:a="http://schemas.openxmlformats.org/drawingml/2006/main" xmlns:r="http://schemas.openxmlformats.org/officeDocument/2006/relationships" xmlns:p="http://schemas.openxmlformats.org/presentationml/2006/main">
+  <p:tag name="E_IMGDECORATIVE" val=""/>
+  <p:tag name="E_ALTTEXTCACHE" val=""/>
+</p:tagLst>
+</file>
+
+<file path=ppt/tags/tag12.xml><?xml version="1.0" encoding="utf-8"?>
+<p:tagLst xmlns:a="http://schemas.openxmlformats.org/drawingml/2006/main" xmlns:r="http://schemas.openxmlformats.org/officeDocument/2006/relationships" xmlns:p="http://schemas.openxmlformats.org/presentationml/2006/main">
+  <p:tag name="E_IMGDECORATIVE" val="1"/>
+</p:tagLst>
+</file>
+
+<file path=ppt/tags/tag13.xml><?xml version="1.0" encoding="utf-8"?>
 <p:tagLst xmlns:a="http://schemas.openxmlformats.org/drawingml/2006/main" xmlns:r="http://schemas.openxmlformats.org/officeDocument/2006/relationships" xmlns:p="http://schemas.openxmlformats.org/presentationml/2006/main">
   <p:tag name="E_IMGDECORATIVE" val=""/>
   <p:tag name="E_ALTTEXTCACHE" val=""/>
@@ -9173,13 +16129,15 @@
 
 <file path=ppt/tags/tag8.xml><?xml version="1.0" encoding="utf-8"?>
 <p:tagLst xmlns:a="http://schemas.openxmlformats.org/drawingml/2006/main" xmlns:r="http://schemas.openxmlformats.org/officeDocument/2006/relationships" xmlns:p="http://schemas.openxmlformats.org/presentationml/2006/main">
-  <p:tag name="E_IMGDECORATIVE" val="1"/>
+  <p:tag name="E_IMGDECORATIVE" val=""/>
+  <p:tag name="E_ALTTEXTCACHE" val=""/>
 </p:tagLst>
 </file>
 
 <file path=ppt/tags/tag9.xml><?xml version="1.0" encoding="utf-8"?>
 <p:tagLst xmlns:a="http://schemas.openxmlformats.org/drawingml/2006/main" xmlns:r="http://schemas.openxmlformats.org/officeDocument/2006/relationships" xmlns:p="http://schemas.openxmlformats.org/presentationml/2006/main">
-  <p:tag name="E_IMGDECORATIVE" val="1"/>
+  <p:tag name="E_IMGDECORATIVE" val=""/>
+  <p:tag name="E_ALTTEXTCACHE" val=""/>
 </p:tagLst>
 </file>
 
